--- a/day 2/Presentation1.pptx
+++ b/day 2/Presentation1.pptx
@@ -111,6 +111,11 @@
       </a:defRPr>
     </a:lvl9pPr>
   </p:defaultTextStyle>
+  <p:extLst>
+    <p:ext uri="{EFAFB233-063F-42B5-8137-9DF3F51BA10A}">
+      <p15:sldGuideLst xmlns:p15="http://schemas.microsoft.com/office/powerpoint/2012/main"/>
+    </p:ext>
+  </p:extLst>
 </p:presentation>
 </file>
 
@@ -818,6 +823,138 @@
 </inkml:ink>
 </file>
 
+<file path=ppt/ink/ink116.xml><?xml version="1.0" encoding="utf-8"?>
+<inkml:ink xmlns:inkml="http://www.w3.org/2003/InkML">
+  <inkml:definitions>
+    <inkml:context xml:id="ctx0">
+      <inkml:inkSource xml:id="inkSrc0">
+        <inkml:traceFormat>
+          <inkml:channel name="X" type="integer" max="1920" units="cm"/>
+          <inkml:channel name="Y" type="integer" max="1080" units="cm"/>
+          <inkml:channel name="T" type="integer" max="2.14748E9" units="dev"/>
+        </inkml:traceFormat>
+        <inkml:channelProperties>
+          <inkml:channelProperty channel="X" name="resolution" value="55.81395" units="1/cm"/>
+          <inkml:channelProperty channel="Y" name="resolution" value="55.6701" units="1/cm"/>
+          <inkml:channelProperty channel="T" name="resolution" value="1" units="1/dev"/>
+        </inkml:channelProperties>
+      </inkml:inkSource>
+      <inkml:timestamp xml:id="ts0" timeString="2020-11-17T21:01:10.810"/>
+    </inkml:context>
+    <inkml:brush xml:id="br0">
+      <inkml:brushProperty name="width" value="0.05" units="cm"/>
+      <inkml:brushProperty name="height" value="0.05" units="cm"/>
+      <inkml:brushProperty name="fitToCurve" value="1"/>
+    </inkml:brush>
+  </inkml:definitions>
+  <inkml:trace contextRef="#ctx0" brushRef="#br0">155 171 0,'0'-24'0,"-24"24"15,24-25-15,-25 1 16,1-1-16,-1 1 0,25-1 16,0 1-1,-24 24-15,24 24 47,0 1-47,0-1 0,0 1 16,0 24-16,0-25 15,0 49-15,0-24 0,0 24 16,0-24-16,0 25 16,0-1-16,0 0 0,0 0 15,0 1-15,-25-26 0,25 26 16,0-25-16,0-1 16,0 1-16,0 0 0,0 0 15,0-25-15,0 1 16,0-1-16,0 1 0,25-25 15,-1 0-15,1 0 0,-1 0 16,1 0-16,23-25 16,1 25-16,0-24 0,0 24 15,0-25-15,24 1 0,-24 24 16,0 0-16,-25-24 16,25 24-16,0 0 0,-25 0 15,1 0-15,-1 0 16,1 0-16,-1 0 15</inkml:trace>
+  <inkml:trace contextRef="#ctx0" brushRef="#br0" timeOffset="491">1059 707 0,'0'-24'0,"-25"24"16,25-24-1,-24 48 16,24 0-15,0 1-16,-25 24 0,25-25 16,0 0-16,0 25 15,0-24-15,25-1 0,-1 1 16,-24-1-16,25-24 0,-1 24 16,0-24-16,1 0 15,24 0-15,-25 0 0,1-24 16,-1 24-16,0-24 0,1-1 15,-1 1-15,1-1 16,-25 1-16,0-1 0,0 1 16,0 0-16,0-25 15,-25 24-15,1 1 16,-1 0-16,1 24 0,0 0 16,-1 0-1,1 0-15,-1 0 0,1 0 16,-1 0-1,25 24-15</inkml:trace>
+  <inkml:trace contextRef="#ctx0" brushRef="#br0" timeOffset="991">1889 684 0,'-24'-25'16,"-1"25"0,1 0-16,-1 0 15,1 0 1,-1 25-16,1-25 0,24 24 15,-24 1-15,-1-1 0,25 1 16,0-1-16,0 0 16,0 1-16,0-1 0,0 25 15,25-24-15,-1-1 16,0-24-16,-24 24 0,25-24 16,-1 25-16,25-25 0,-24 0 15,-1 0-15,0-25 16,1 25-16,-25-24 0,24 0 15,1-1-15,-25 1 16,24-1-16,-24 1 0,0-1 16,0-23-16,-24 23 0,-1 1 15,25-1-15,-24 25 16,-1-24-16,1 24 0,0 0 16,-1 0-16,1 24 15,-1-24-15,1 0 0,24 25 16,-25-25-16,50 0 31</inkml:trace>
+  <inkml:trace contextRef="#ctx0" brushRef="#br0" timeOffset="1691">2426 342 0,'0'-24'0,"-24"24"16,-1-25-16,25 1 16,0-1-1,0 50 1,0-1-1,0 1-15,25-1 0,-25 25 16,0 0-16,24 0 0,-24-1 16,25 26-16,-25-1 15,0 0-15,24 0 0,-24-24 16,0 25-16,25-1 16,-25-24-16,0 0 0,0-1 15,24 1-15,-24 0 0,0-25 16,0 1-16,0-1 15,0 1-15,0-1 0,0 1 16,0-50 15,0 1-15,-24-25-16,24 24 0,-25-23 16,1-1-16,24 0 0,-25-24 15,25-1-15,-24 26 16,24-26-16,0 1 0,0 24 15,0 0-15,24 1 0,1-1 16,-1 24-16,1 1 16,-1-1-16,0 25 0,1-24 15,24 24-15,-25 0 16,25 24-16,-25-24 0,1 25 16,-1-1-16,1 1 0,-1-1 15,-24 1-15,0-1 16,0 0-16,0 1 0,0-1 15,0 1-15,-24-1 16,-1-24-16,1 24 0,-25-24 16,25 0-16,-1 25 0,-24-25 15,25 0-15,-25 0 16,25 0-16,-1-25 16,1 25-16</inkml:trace>
+</inkml:ink>
+</file>
+
+<file path=ppt/ink/ink117.xml><?xml version="1.0" encoding="utf-8"?>
+<inkml:ink xmlns:inkml="http://www.w3.org/2003/InkML">
+  <inkml:definitions>
+    <inkml:context xml:id="ctx0">
+      <inkml:inkSource xml:id="inkSrc0">
+        <inkml:traceFormat>
+          <inkml:channel name="X" type="integer" max="1920" units="cm"/>
+          <inkml:channel name="Y" type="integer" max="1080" units="cm"/>
+          <inkml:channel name="T" type="integer" max="2.14748E9" units="dev"/>
+        </inkml:traceFormat>
+        <inkml:channelProperties>
+          <inkml:channelProperty channel="X" name="resolution" value="55.81395" units="1/cm"/>
+          <inkml:channelProperty channel="Y" name="resolution" value="55.6701" units="1/cm"/>
+          <inkml:channelProperty channel="T" name="resolution" value="1" units="1/dev"/>
+        </inkml:channelProperties>
+      </inkml:inkSource>
+      <inkml:timestamp xml:id="ts0" timeString="2020-11-17T21:01:14.460"/>
+    </inkml:context>
+    <inkml:brush xml:id="br0">
+      <inkml:brushProperty name="width" value="0.05" units="cm"/>
+      <inkml:brushProperty name="height" value="0.05" units="cm"/>
+      <inkml:brushProperty name="fitToCurve" value="1"/>
+    </inkml:brush>
+  </inkml:definitions>
+  <inkml:trace contextRef="#ctx0" brushRef="#br0">122 1370 0,'25'0'15,"-1"-25"-15,-24 1 16,25 24-16,-25-25 15,24 1-15,1-1 16,-25 1-16,24 0 0,-24-1 16,0 1-16,0-1 15,24 1-15,-24-25 0,0 25 16,25-25-16,-25 0 16,24 0-16,1 0 0,-1-24 15,1 24-15,-1-24 0,0 24 16,1 0-16,24-24 15,-25 24-15,25 0 0,-25 0 16,25 0-16,0 25 0,0-25 16,24 25-16,-24-25 15,0 25-15,0-1 0,0 1 16,-1-1-16,26 25 16,-25-24-16,-25 24 0,25 0 15,0 0-15,-1 0 0,1 24 16,0-24-16,0 25 15,0-1-15,0 1 0,0-1 16,-1 0-16,1 1 16,0 24-16,0-25 0,-25 0 15,25 1-15,-24 24 16,-1-25-16,25 1 0,-25 23 16,1-23-16,-1 24 0,-24 0 15,25-1-15,-1 1 16,-24 0-16,24-25 0,-24 25 15,25 0-15,-25-24 0,0 23 16,24-23-16,-24-1 16,0 25-16,25-24 0,-25-1 15,0 0-15,24 1 16,-24-1-16,0 1 0,25-1 16,-25 1-16,0-1 0,24 0 15,-24 1 1,24-25-16,-24 24 0,25-24 31,-25-24-15,-25-1-1</inkml:trace>
+  <inkml:trace contextRef="#ctx0" brushRef="#br0" timeOffset="362">2076 1076 0,'0'25'63,"0"-1"-48,25-24-15,-25 25 16,24-1 0,1 1-16,-1-1 15,0 0-15,1 1 16,-1-25-16,1 24 15,-1-24-15,1 0 16,-1 0 0</inkml:trace>
+  <inkml:trace contextRef="#ctx0" brushRef="#br0" timeOffset="755">2565 1003 0,'-25'0'47,"25"25"-47,-24-1 15,0 0 1,-1 1 0,25-1-16,-24 1 15,24-1-15,-25-24 16,25 25-16,0-1 0,-24 0 16,24 1-1,-25-25-15,25 24 16,-24-24-16,24 25 15,0-50 32</inkml:trace>
+  <inkml:trace contextRef="#ctx0" brushRef="#br0" timeOffset="1907">196 1711 0,'-25'0'47,"1"0"-31,24 25-1,-25-25-15,1 24 16,24 1-16,-24-1 0,-1 1 15,25 23-15,-24-23 16,24-1-16,0 1 0,-25-1 16,25 0-16,0 1 15,0-1 1,25-48 15,-1 24-15,-24-25-16,0 1 15,25 0-15,-1 24 16,-24-25-16,24 1 0,-24-1 16,25 1-16,-25 0 15,0-1-15,0 1 0,0-1 16,24 1-16,-24-1 0,0 1 16,0 0-16,0-1 15,25 1 1,-1 24-1,1 24 1,-1-24 0,0 25-16,1-1 15,-1-24-15,1 24 16,-1-24-16,1 25 0,-25-1 16,24-24-16,0 25 15,1-1-15,-25 1 0,24-1 16,1 0-16,-25 1 15,24-25-15,-24 24 0,25-24 16,-25 25-16,24-1 16</inkml:trace>
+  <inkml:trace contextRef="#ctx0" brushRef="#br0" timeOffset="2905">293 1736 0,'0'24'62,"0"1"-46,0-1-16,0 1 15,0-1 1,0 0-16,25 1 16,-25-1-16,24 1 0,-24-1 15,0 0-15,25 1 16,-25-1-16,24 1 0,-24-1 16,0 25-16,25-25 15,-25 1-15,24-1 0,-24 1 16,24 24-16,-24-25 0,25 0 15,-25 1-15,24-1 16,1 25-16,-25-24 0,24-1 16,1 0-16,-1 25 15,0-24-15,1-1 0,-1 1 16,1-1-16,-1-24 0,0 24 16,1 1-16,24-25 15,-25 24-15,1-24 0,23 25 16,26-25-1,-50 24-15,25-24 0,-25 0 16,25 0-16,0 0 0,-24 0 16,23 0-16,1 0 15,-24 0-15,24-24 0,-1 24 16,1 0-16,0 0 16,-25-25-16,25 25 0,0-24 15,0 24-15,0-25 0,-25 25 16,25-24-16,-24 0 15,-1 24-15,0-25 0,1 1 16,-1-1-16,-24 1 0,25-1 16,-1 1-16,0 0 15,-24-1-15,25-24 0,-1 25 16,-24-1-16,25 1 16,-25 0-16,24-1 0,-24 1 15,25-1-15,-25 1 0,24-1 16,-24 1-16,0 0 15,24-1-15,-24 1 0,0-1 16,25 25-16,-25-24 16,0-1-16,24 25 0,-24-24 15,25 24-15,-25-24 16,24 24 0,-24-25-16,0 1 31,0-1-16,25 25-15</inkml:trace>
+</inkml:ink>
+</file>
+
+<file path=ppt/ink/ink118.xml><?xml version="1.0" encoding="utf-8"?>
+<inkml:ink xmlns:inkml="http://www.w3.org/2003/InkML">
+  <inkml:definitions>
+    <inkml:context xml:id="ctx0">
+      <inkml:inkSource xml:id="inkSrc0">
+        <inkml:traceFormat>
+          <inkml:channel name="X" type="integer" max="1920" units="cm"/>
+          <inkml:channel name="Y" type="integer" max="1080" units="cm"/>
+          <inkml:channel name="T" type="integer" max="2.14748E9" units="dev"/>
+        </inkml:traceFormat>
+        <inkml:channelProperties>
+          <inkml:channelProperty channel="X" name="resolution" value="55.81395" units="1/cm"/>
+          <inkml:channelProperty channel="Y" name="resolution" value="55.6701" units="1/cm"/>
+          <inkml:channelProperty channel="T" name="resolution" value="1" units="1/dev"/>
+        </inkml:channelProperties>
+      </inkml:inkSource>
+      <inkml:timestamp xml:id="ts0" timeString="2020-11-17T21:01:19.675"/>
+    </inkml:context>
+    <inkml:brush xml:id="br0">
+      <inkml:brushProperty name="width" value="0.05" units="cm"/>
+      <inkml:brushProperty name="height" value="0.05" units="cm"/>
+      <inkml:brushProperty name="fitToCurve" value="1"/>
+    </inkml:brush>
+  </inkml:definitions>
+  <inkml:trace contextRef="#ctx0" brushRef="#br0">126 325 0,'0'-24'0,"0"-1"31,-24 25-31,24 25 31,0-1-15,0 1-16,0-1 16,0 0-16,0 25 0,0 0 15,-24 0-15,24 24 16,0-24-16,0 24 0,0-24 16,0 0-16,0 24 15,0-48-15,0 23 0,0 1 16,0-24-16,0-1 15,-25 1-15,25-1 0,-24-24 16</inkml:trace>
+  <inkml:trace contextRef="#ctx0" brushRef="#br0" timeOffset="582">29 496 0,'0'-24'0,"0"-1"15,-25-24-15,25 25 0,0-25 16,0 0-16,0 25 16,25-25-16,-1 25 0,1-25 15,-1 24-15,25 1 0,0-1 16,0 1-16,24 24 15,-24-24-15,24 24 0,-24 0 16,24 0-16,-24 0 16,24 24-16,-48 0 0,23 25 15,-23-24-15,-25 24 0,24-25 16,-24 25-16,0 0 16,-24 0-16,-1-1 0,1 1 15,-25 0-15,0-25 16,0 25-16,1-24 0,-1-1 15,0 1-15,0-1 0,0 0 16,25-24-16,-25 0 16,25 0-16,-1 0 15,25-24 17,25 24-17,-1 0-15,0 0 16,25 0-16,-24 24 15,24-24-15,-25 25 16,25-1-16,-25 1 0,25-1 16,-25 25-16,25-25 0,-24 1 15,-1-1-15,1 1 16,23-1-16,-23 0 16,-1-24-16,1 25 15</inkml:trace>
+  <inkml:trace contextRef="#ctx0" brushRef="#br0" timeOffset="1141">1103 716 0,'-24'0'0,"48"0"47,1 0-31,-1 0-16,1-25 15,-1 25-15,0 0 0,1 0 16,-1 0-16,1 0 15,-1 0-15,1 0 0,-1 0 16,0 0-16,-24-24 16,0 0-1,0-1 1,0 1-16,-24-1 16,24 1-16,-24 24 15,-1-25-15,1 1 0,-1 24 16,1 0-16,-1-24 15,1 24-15,0 24 16,-1-24-16,1 24 16,24 1-16,-25-1 0,25 1 15,0-1-15,0 25 0,0-25 16,25 1-16,-25 24 16,0-25-16,24 1 0,1-1 15,-25 0-15,24 1 16,0-1-16,1-24 15,-1 25-15,1-25 16,-1 0-16,1 0 16</inkml:trace>
+  <inkml:trace contextRef="#ctx0" brushRef="#br0" timeOffset="1925">1665 203 0,'0'24'47,"0"1"-47,0-1 16,24 1-16,-24 23 15,0-23-15,25 24 0,-25 0 16,24-1-16,-24 26 0,25-25 16,-25-1-16,0 26 15,24-25-15,-24-1 0,0 1 16,0 0-16,0 0 0,0 0 15,0 0-15,0-25 16,0 0-16,0 25 0,0-24 16,0-1-16,-24 1 15,24-1-15,-25-24 16,25-24 0,0-1-1,0-24-15,0 25 16,0-1-16,0-23 15,0-1-15,0 0 0,0 0 16,0 0-16,0 25 16,0-25-16,0 0 0,25 25 15,-25-1-15,24 1 0,-24-1 16,25 1-16,-1 0 16,-24-1-16,24 25 15,1-24-15,-1 24 0,1 0 16,-25-25-16,24 25 15,1 0-15,-25 25 16,24-25-16,-24 24 16,0 1-16,24-1 0,-24 0 15,0 1-15,25-1 0,-25 1 16,0-1-16,0 1 16,0-1-16,0 0 15,-25-24 1,25 25-16,-24-25 0,0 0 15,-1 0-15,1 0 16,-1 0-16,1 0 16,-1 0-16,1 0 15,0-25-15</inkml:trace>
+  <inkml:trace contextRef="#ctx0" brushRef="#br0" timeOffset="2527">2202 691 0,'-24'0'16,"24"25"15,24-25-15,1 0-1,-1 0-15,-24 24 0,25-24 16,-1 0-16,1 0 0,-1 0 15,0 0-15,1-24 16,-1 24 0,-24-25-1,0 1-15,0 0 16,-24-1 0,-1 1-1,25-1-15,-24 25 0,0 0 16,-1-24-16,1 24 15,-1 0-15,1 0 16,-1 24-16,1 1 16,24-1-16,0 1 15,0-1-15,0 0 0,0 1 16,0-1-16,0 25 16,24-24-16,1-1 0,-25 25 15,24-25-15,1 1 0,-1-1 16,1-24-16,-1 25 15,25-25-15,-25 24 0,1-24 16,-1 0-16,0 0 16,1 0-16,-25-24 0</inkml:trace>
+  <inkml:trace contextRef="#ctx0" brushRef="#br0" timeOffset="2832">2813 301 0,'-24'-25'16,"-1"25"0,25 25 15,25-1-31,-25 1 15,24 23-15,-24-23 16,24 24-16,-24-1 0,0 26 16,25-25-16,-25-1 0,24 1 15,-24 0-15,0 0 16,0-25-16,25 25 0,-25-24 16,0-1-1</inkml:trace>
+  <inkml:trace contextRef="#ctx0" brushRef="#br0" timeOffset="3763">2789 691 0,'-25'0'0,"25"-24"31,25 24-15,-1 0-1,0 0-15,1 0 0,-1 0 16,25 0-16,-24 0 0,23 0 16,1 0-16,0 0 15,-25-24-15,25 24 0,0 0 16,-24 0-16,23-25 16,-23 25-16,-1 0 0,1 0 15,-1-24-15,1 24 0,-1 0 16,-24-25-1,-24 25 17,-1 0-32,1 0 15,-1 0-15,1 0 0,-1 0 16,1 0-16,0 25 16,-1-25-16,25 24 15,-24 1-15,24-1 0,-25 0 16,25 1-16,0-1 15,-24 1-15,24-1 0,0 1 16,24-1-16,-24 0 16,25 1-16,-1-1 15,1-24-15,-1 0 0,0 0 16,1 0 0,-1-24-16,1 24 0,-1-25 15,-24 1-15,25 0 16,-25-1-16,24 1 0,-24-25 15,24 24-15,-24 1 0,0 0 16,25-1-16,-25 50 47,0-1-47,0 0 16,0 1-16,0-1 0,24 1 15,-24-1-15,25 1 16,-25-1-16,24 0 0,0-24 15,1 25-15,-1-25 16,1 0-16,-1-25 16,1 25-16,23-24 0,-23 0 15,-25-1-15,24 1 16,1-25-16,-1 24 0,-24-23 16,0-1-16,0 0 15,0 0-15,0 0 0,0 25 16,-24-25-16,24 0 0,-25 25 15,25-1-15,0 1 16,-24-1-16,24 1 16,0 48-1,0 1-15,0-1 16,0 25-16,24 0 0,-24 0 16,25 0-16,-1-1 15,-24 1-15,25 0 0,-25 0 16,24 0-16,-24 0 15,24-25-15,-24 1 0,0-1 16,0 0-16</inkml:trace>
+  <inkml:trace contextRef="#ctx0" brushRef="#br0" timeOffset="4172">3717 667 0,'0'-24'16,"-25"24"-16,25-25 15,25 25 17,-1 0-32,-24-24 15,24 24-15,1 0 0,24 0 16,-25-25-16,25 25 16,-25 0-16,25 0 0,0-24 15,-24 24-15,-1 0 16,25-25-16,-25 25 15,-24-24-15,0 0 32,-24 24-17,24 24 17,-25-24-32,25 24 15,0 1 1,0-1-16,0 25 0,0-24 15,0-1-15,0 0 0,0 25 16,25-24-16,-25-1 16,0 1-16,24-1 0,-24 0 15,25-24 1</inkml:trace>
+  <inkml:trace contextRef="#ctx0" brushRef="#br0" timeOffset="4386">4205 154 0,'-24'0'0,"24"-24"16,-25 24-1,1 0 1,48 0 15</inkml:trace>
+  <inkml:trace contextRef="#ctx0" brushRef="#br0" timeOffset="4843">4498 349 0,'-24'0'16,"24"25"-16,-25-25 16,25 24-1,0 1-15,0-1 16,0 1-16,0 23 16,25-23-16,-25 24 15,24-25-15,-24 25 0,25-25 16,-25 1-16,24 24 15,0-25-15,-24 1 0,25-1 16,-25 0 0,24-24-16,1-24 15,-25 0 1,24-1 0,-24 1-16,0-25 0,25 24 15,-25-23-15,0-1 0,24 0 16,-24 0-16,0 0 15,0 25-15,24-25 0,-24 24 16,0 1-16,25 0 16,-25-1-16,24 25 15,1 0 1,-25 25-16,0-1 16,24-24-1,-24 24-15</inkml:trace>
+  <inkml:trace contextRef="#ctx0" brushRef="#br0" timeOffset="5322">5133 520 0,'-24'0'31,"24"25"-31,-25-25 0,25 24 31,25-24-15,-25 25-16,24-25 15,1 0 1,-1 0-16,0 0 16,1 0-1,-1 0-15,1-25 0,-1 1 16,1-1-16,-1 1 15,-24 0 1,0-1-16,0-24 0,0 25 16,0-1-16,-24 1 15,-1 0-15,1-1 0,-1 25 16,1 0-16,-25 0 0,25 0 16,-25 0-16,24 25 15,1-1-15,-1 25 16,1 0-16,24 0 0,0-1 15,0 1-15,0 0 0,24 0 16,1 0-16,-1 0 0,1-25 16,24 1-16,-25-1 15,25 0-15,-25 1 0,25-25 16,-24 0-16,-1-25 0,25 25 16,-25-24-16</inkml:trace>
+</inkml:ink>
+</file>
+
+<file path=ppt/ink/ink119.xml><?xml version="1.0" encoding="utf-8"?>
+<inkml:ink xmlns:inkml="http://www.w3.org/2003/InkML">
+  <inkml:definitions>
+    <inkml:context xml:id="ctx0">
+      <inkml:inkSource xml:id="inkSrc0">
+        <inkml:traceFormat>
+          <inkml:channel name="X" type="integer" max="1920" units="cm"/>
+          <inkml:channel name="Y" type="integer" max="1080" units="cm"/>
+          <inkml:channel name="T" type="integer" max="2.14748E9" units="dev"/>
+        </inkml:traceFormat>
+        <inkml:channelProperties>
+          <inkml:channelProperty channel="X" name="resolution" value="55.81395" units="1/cm"/>
+          <inkml:channelProperty channel="Y" name="resolution" value="55.6701" units="1/cm"/>
+          <inkml:channelProperty channel="T" name="resolution" value="1" units="1/dev"/>
+        </inkml:channelProperties>
+      </inkml:inkSource>
+      <inkml:timestamp xml:id="ts0" timeString="2020-11-17T21:01:25.819"/>
+    </inkml:context>
+    <inkml:brush xml:id="br0">
+      <inkml:brushProperty name="width" value="0.05" units="cm"/>
+      <inkml:brushProperty name="height" value="0.05" units="cm"/>
+      <inkml:brushProperty name="fitToCurve" value="1"/>
+    </inkml:brush>
+  </inkml:definitions>
+  <inkml:trace contextRef="#ctx0" brushRef="#br0">74 244 0,'0'-24'0,"-24"24"0,-1-25 32,25 50-1,-24-25-31,24 24 0,0 1 15,0-1-15,0 25 0,0-25 16,0 25-16,24 24 16,-24-24-16,25 24 0,-1-24 15,-24 0-15,24 0 16,1 0-16,-1 0 0,1-25 16,-1 25-16,1-49 0,-1 24 15,0-24-15,25 0 16,-24 0-16,-1 0 15,1-24-15,-1 0 16,0-1-16,1-24 0,-1 25 16,-24-25-16,25 0 0,-1 0 15,0 0-15,-24 1 16,25-1-16,-25 0 0,0 0 16,24 25-16,-24-1 15,0 50 1,0-1-16,0 0 15,0 25-15,0-24 16,0 24-16,25-1 0,-25 1 16,24 0-16,1-24 15,-1 23-15,0-23 0,1-1 16,24 1-16,-25-1 0,1 1 16,-1-25-16,25 24 15,-25-24-15,1 0 0,-1-24 16,25 24-16,-25-25 15,1 1-15,-1-1 0,1-24 16,-25 1-16,24-1 0,-24 0 16,0-24-16,0-1 15,0 25-15,-24-24 0,24 24 16,-25 1-16,1-1 16,-1 24-16,1 1 0,24-1 15,-24 25-15,-1 0 0,1 0 16,24 25-16,-25-1 15,25 1-15,0-1 16,0 1-16,0-1 0,25 0 16</inkml:trace>
+  <inkml:trace contextRef="#ctx0" brushRef="#br0" timeOffset="451">1662 439 0,'24'0'16,"-48"0"-1,-1-24 1,1 24 0,-1 0-16,25 24 0,-24-24 15,-1 25-15,1-1 16,24 1-16,-24-1 0,24 1 15,0-1-15,0 25 0,0-25 16,24 1-16,0 24 16,1-25-16,-1 0 0,25 1 15,24-1 1,-24-24-16,-24 0 0,24 0 16,-1-24-16,-23-1 0,-1 1 15,1 0-15,-1-1 16,-24-24-16,0 0 0,0 1 15,0-1-15,0 0 16,-24 0-16,-1 25 0,1-25 16,-1 24-16,-23 1 0,23 0 15,1 24-15,-1 0 16,1 0-16,24 24 16,0 0-1,0 1 1</inkml:trace>
+  <inkml:trace contextRef="#ctx0" brushRef="#br0" timeOffset="1146">2126 317 0,'24'-24'31,"0"24"-16,1 0-15,-1 0 16,25 0-16,-24 0 0,-1 0 16,25 24-16,0 1 15,-25-1-15,25 25 0,-25-24 16,25 23-16,-24 1 16,-1-24-16,0 23 0,1-23 15,-25-1-15,0 1 0,0-1 16,-25 1-1,1-25-15,0 0 0,-1 0 16,-24-25-16,25 25 16,0-24-16,-25-1 0,49 1 15,-25-1-15,25-23 0,0-1 16,25 0-16,-1 0 16,1 25-16,23-25 0,-23 0 15,24 25-15,-1-1 0,1 25 16,-24-24-16,24 24 15,-25 0-15,0 0 0,1 0 16,-1 0-16,1 0 16,-1 0-16,1-25 15,-1 25-15,0-24 16,1 24-16,-1-25 16,1 25-16,-25-24 15,0 0 1,0-1-16,-25 1 15,25-1-15,-24 1 16,24 48 15,0 1-15,0-1-16,24 1 16,-24 23-16,25 1 0,-25 0 15,24 0-15,-24 24 16,24-24-16,-24 0 0,0 0 15,25 0-15,-25-1 16,0-23-16,24-1 0,-24 1 16</inkml:trace>
+  <inkml:trace contextRef="#ctx0" brushRef="#br0" timeOffset="1733">3249 513 0,'24'-49'0,"1"24"0,24-23 16,-25 23-16,1-24 0,23 25 15,-23 0-15,-25-1 16,24 25-16,1-24 0,-50 48 31,1 1-15,-1-1-16,1-24 0,0 24 16,-25 1-16,24-1 15,1-24-15,-25 25 0,25-25 16,-1 24-16,1-24 0,-1 0 15,25 24 1,25 1 15,-1-25-31,-24 24 16,25-24-16,-1 25 0,0-25 16,1 24-16,-1 1 15,1-1-15,-25 0 0,24 1 16,1 24-16,-1-25 15,0 1-15,1-25 0,-1 24 16,1 0-16,-1 1 0,1-25 16,-1 24-16,0-24 15,1 0-15,-1 0 0,1 0 16,-1 0-16,0 0 16,1 0-16,-1-24 15,-24-1-15,25-23 31,-1 23-31,-24 1 0,0-1 0,25 1 16,-25-1-16,0 1 16,0 0-16,24 24 15,-24 24 32,24 0-16</inkml:trace>
+</inkml:ink>
+</file>
+
 <file path=ppt/ink/ink12.xml><?xml version="1.0" encoding="utf-8"?>
 <inkml:ink xmlns:inkml="http://www.w3.org/2003/InkML">
   <inkml:definitions>
@@ -843,6 +980,302 @@
     </inkml:brush>
   </inkml:definitions>
   <inkml:trace contextRef="#ctx0" brushRef="#br0">0 0 0,'24'24'0,"-24"1"16,25-1-16,-25 1 0,24-1 31,0 49-31,-24-24 0,25 0 16,-25 24-16,24-24 0,-24 24 15,25-24-15,-25 25 0,0-1 16,0 0-16,24 0 0,-24 1 15,0 23-15,0-23 16,0 23-16,0-23 0,0-1 16,0 0-16,0 25 15,0-25-15,0 0 0,0 1 16,0-1-16,0 0 0,0 0 16,0 1-16,0-1 15,0 0-15,0 0 0,0 1 16,0-1-16,0 0 15,0-24-15,0 24 0,0 1 16,0-1-16,0 0 16,0-24-16,0 24 0,0 1 15,0-26-15,25 26 0,-25-25 16,0 24-16,0-24 16,0 0-16,0 24 0,0-24 15,0-1-15,0 1 0,0 0 16,-25 24-16,25-24 15,0 0-15,0 24 0,-24-24 16,24 0-16,0 24 16,0-24-16,-25 25 0,25-26 15,0 26-15,0-26 0,-24 26 16,24-25-16,0 24 16,0-24-16,0 0 0,0-1 15,0 1-15,0 0 16,0-25-16,0 25 0,24 0 15,-24-24-15,0-1 0,0 25 16,0-25-16,25 1 16,-25-1-16,0 1 0,0 23 15,24-23-15,-24-1 16,0 1-16,25-1 0,-25 1 16,0-1-16,24 0 0,-24 1 15,0-50 16,0 1-31,24 0 16</inkml:trace>
+</inkml:ink>
+</file>
+
+<file path=ppt/ink/ink120.xml><?xml version="1.0" encoding="utf-8"?>
+<inkml:ink xmlns:inkml="http://www.w3.org/2003/InkML">
+  <inkml:definitions>
+    <inkml:context xml:id="ctx0">
+      <inkml:inkSource xml:id="inkSrc0">
+        <inkml:traceFormat>
+          <inkml:channel name="X" type="integer" max="1920" units="cm"/>
+          <inkml:channel name="Y" type="integer" max="1080" units="cm"/>
+          <inkml:channel name="T" type="integer" max="2.14748E9" units="dev"/>
+        </inkml:traceFormat>
+        <inkml:channelProperties>
+          <inkml:channelProperty channel="X" name="resolution" value="55.81395" units="1/cm"/>
+          <inkml:channelProperty channel="Y" name="resolution" value="55.6701" units="1/cm"/>
+          <inkml:channelProperty channel="T" name="resolution" value="1" units="1/dev"/>
+        </inkml:channelProperties>
+      </inkml:inkSource>
+      <inkml:timestamp xml:id="ts0" timeString="2020-11-17T21:01:34.151"/>
+    </inkml:context>
+    <inkml:brush xml:id="br0">
+      <inkml:brushProperty name="width" value="0.05" units="cm"/>
+      <inkml:brushProperty name="height" value="0.05" units="cm"/>
+      <inkml:brushProperty name="fitToCurve" value="1"/>
+    </inkml:brush>
+  </inkml:definitions>
+  <inkml:trace contextRef="#ctx0" brushRef="#br0">0 21 0,'0'-24'0,"0"48"47,0 1-32,0-1-15,0 0 16,24 1-16,-24 24 0,0-25 16,0 25-16,25 0 0,-25 0 15,0 0-15,0-1 16,24 1-16,-24 0 0,0-25 15,0 25-15,0 0 16,25-24-16,-25 23 0,0-23 16,0-1-16,24 1 15,-24-1-15,0 1 16,24-25 0,-24-25-1,0 1 1</inkml:trace>
+</inkml:ink>
+</file>
+
+<file path=ppt/ink/ink121.xml><?xml version="1.0" encoding="utf-8"?>
+<inkml:ink xmlns:inkml="http://www.w3.org/2003/InkML">
+  <inkml:definitions>
+    <inkml:context xml:id="ctx0">
+      <inkml:inkSource xml:id="inkSrc0">
+        <inkml:traceFormat>
+          <inkml:channel name="X" type="integer" max="1920" units="cm"/>
+          <inkml:channel name="Y" type="integer" max="1080" units="cm"/>
+          <inkml:channel name="T" type="integer" max="2.14748E9" units="dev"/>
+        </inkml:traceFormat>
+        <inkml:channelProperties>
+          <inkml:channelProperty channel="X" name="resolution" value="55.81395" units="1/cm"/>
+          <inkml:channelProperty channel="Y" name="resolution" value="55.6701" units="1/cm"/>
+          <inkml:channelProperty channel="T" name="resolution" value="1" units="1/dev"/>
+        </inkml:channelProperties>
+      </inkml:inkSource>
+      <inkml:timestamp xml:id="ts0" timeString="2020-11-17T21:01:34.619"/>
+    </inkml:context>
+    <inkml:brush xml:id="br0">
+      <inkml:brushProperty name="width" value="0.05" units="cm"/>
+      <inkml:brushProperty name="height" value="0.05" units="cm"/>
+      <inkml:brushProperty name="fitToCurve" value="1"/>
+    </inkml:brush>
+  </inkml:definitions>
+  <inkml:trace contextRef="#ctx0" brushRef="#br0">74 33 0,'-25'0'15,"50"0"32,-1 0-31,0 0-16,1 0 0,-1 0 15,1-24-15,24 24 0,-1 0 16,-23 0-16,24 0 16,-25 0-16,25 0 0,-25 0 15,1 0-15,-1 0 16</inkml:trace>
+  <inkml:trace contextRef="#ctx0" brushRef="#br0" timeOffset="337">25 326 0,'0'25'15,"-25"-25"-15,50 0 31,-25 24-31,24-24 16,1 0-16,-1 0 16,0 0-16,1 0 15,24 0-15,-25 0 0,25 0 16,-25 0-16,25-24 0,-24 24 16,-1 0-16,25 0 15,-25 0-15,1 0 0,-1 0 16,1 0-16,-1 0 15,-24-25 1,-24 25 15</inkml:trace>
+</inkml:ink>
+</file>
+
+<file path=ppt/ink/ink122.xml><?xml version="1.0" encoding="utf-8"?>
+<inkml:ink xmlns:inkml="http://www.w3.org/2003/InkML">
+  <inkml:definitions>
+    <inkml:context xml:id="ctx0">
+      <inkml:inkSource xml:id="inkSrc0">
+        <inkml:traceFormat>
+          <inkml:channel name="X" type="integer" max="1920" units="cm"/>
+          <inkml:channel name="Y" type="integer" max="1080" units="cm"/>
+          <inkml:channel name="T" type="integer" max="2.14748E9" units="dev"/>
+        </inkml:traceFormat>
+        <inkml:channelProperties>
+          <inkml:channelProperty channel="X" name="resolution" value="55.81395" units="1/cm"/>
+          <inkml:channelProperty channel="Y" name="resolution" value="55.6701" units="1/cm"/>
+          <inkml:channelProperty channel="T" name="resolution" value="1" units="1/dev"/>
+        </inkml:channelProperties>
+      </inkml:inkSource>
+      <inkml:timestamp xml:id="ts0" timeString="2020-11-17T21:01:33"/>
+    </inkml:context>
+    <inkml:brush xml:id="br0">
+      <inkml:brushProperty name="width" value="0.05" units="cm"/>
+      <inkml:brushProperty name="height" value="0.05" units="cm"/>
+      <inkml:brushProperty name="fitToCurve" value="1"/>
+    </inkml:brush>
+  </inkml:definitions>
+  <inkml:trace contextRef="#ctx0" brushRef="#br0">49 396 0,'-24'-24'16,"24"-1"-1,0 1-15,0 0 16,0-1-16,0 1 16,0-1-16,24 1 15,-24-1-15,25 1 0,-1 0 16,-24-1-16,24 1 0,1-1 15,-1 25-15,25-24 16,-25 0-16,25 24 0,0 0 16,0 0-16,0 0 0,-25 24 15,25-24-15,-24 24 16,-1 1-16,0-1 0,1 1 16,-25-1-16,0 25 15,0-25-15,0 25 0,0-24 16,-25 23-16,1 1 15,-25 0-15,25 0 0,-25 0 16,0 0-16,0-1 0,0-23 16,25 24-16,-25-25 15,25 1-15,-25-1 0,24 0 16,1-24-16,0 25 0,-1-25 16,1 0-16,24 24 15,-25-24-15,50 0 47,-1 0-47,1 0 0,23 0 16,-23 0-16,24 0 15,24 0-15,-24-24 0,0 24 16,24 0-16,-24 0 16,24 0-16,-24 0 0,0 0 15,-1 0-15,1 0 0,0 0 16,-24 0-16,-1 0 15,0 0-15,1 0 0,-25 24 16,24-24-16,1 0 16,-25-24 31</inkml:trace>
+  <inkml:trace contextRef="#ctx0" brushRef="#br0" timeOffset="378">1221 176 0,'0'-24'16,"0"0"0,25 24-1,-1 0 1,1 24-16,-1-24 0,0 24 16,25 1-16,0-1 15,-24 1-15,23 24 0,1-25 16,0 25-16,0 0 0,0 0 15,-25-25-15,25 25 16,-24-25-16,-1 25 0,0-25 16,1 1-16,-1-1 15,1 1-15,-25-1 16,-25-24 0,1 0-1</inkml:trace>
+  <inkml:trace contextRef="#ctx0" brushRef="#br0" timeOffset="720">1882 79 0,'-25'0'15,"1"24"-15,0-24 16,-1 25 0,1-1-16,-1 0 15,1 1-15,24 24 0,-25-25 16,1 25-16,0 0 16,-1 0-16,-24 0 0,25-1 15,-1 1-15,1-24 0,0 24 16,-25-1-16,49-23 15,-25 24-15,1-25 0,24 0 16,-25 1-16,25-1 16,25-24 15</inkml:trace>
+</inkml:ink>
+</file>
+
+<file path=ppt/ink/ink123.xml><?xml version="1.0" encoding="utf-8"?>
+<inkml:ink xmlns:inkml="http://www.w3.org/2003/InkML">
+  <inkml:definitions>
+    <inkml:context xml:id="ctx0">
+      <inkml:inkSource xml:id="inkSrc0">
+        <inkml:traceFormat>
+          <inkml:channel name="X" type="integer" max="1920" units="cm"/>
+          <inkml:channel name="Y" type="integer" max="1080" units="cm"/>
+          <inkml:channel name="T" type="integer" max="2.14748E9" units="dev"/>
+        </inkml:traceFormat>
+        <inkml:channelProperties>
+          <inkml:channelProperty channel="X" name="resolution" value="55.81395" units="1/cm"/>
+          <inkml:channelProperty channel="Y" name="resolution" value="55.6701" units="1/cm"/>
+          <inkml:channelProperty channel="T" name="resolution" value="1" units="1/dev"/>
+        </inkml:channelProperties>
+      </inkml:inkSource>
+      <inkml:timestamp xml:id="ts0" timeString="2020-11-17T21:01:37.569"/>
+    </inkml:context>
+    <inkml:brush xml:id="br0">
+      <inkml:brushProperty name="width" value="0.05" units="cm"/>
+      <inkml:brushProperty name="height" value="0.05" units="cm"/>
+      <inkml:brushProperty name="fitToCurve" value="1"/>
+    </inkml:brush>
+  </inkml:definitions>
+  <inkml:trace contextRef="#ctx0" brushRef="#br0">25 0 0,'-25'0'0,"50"0"31,-1 0-15,1 0 0,23 0-16,-23 0 15,-1 0-15,25 0 0,-24 0 16,23 0-16,-23 0 16,-1 0-16,1 0 0,-1 0 15,1 0-15,-1 0 16,0 0-16,1 0 15,-50 0 1,1 0 0</inkml:trace>
+  <inkml:trace contextRef="#ctx0" brushRef="#br0" timeOffset="236">74 219 0,'-25'25'0,"25"-1"15,0 1 1,25-25 0,-25 24-16,24-24 15,0 0-15,1 0 16,-1 0-16,25 0 0,-24 0 16,23 0-16,-23 0 15,24 0-15,-25 0 0,25-24 16,-25 24-16,1 0 0,-1 0 15,1-25-15,-1 25 16</inkml:trace>
+</inkml:ink>
+</file>
+
+<file path=ppt/ink/ink124.xml><?xml version="1.0" encoding="utf-8"?>
+<inkml:ink xmlns:inkml="http://www.w3.org/2003/InkML">
+  <inkml:definitions>
+    <inkml:context xml:id="ctx0">
+      <inkml:inkSource xml:id="inkSrc0">
+        <inkml:traceFormat>
+          <inkml:channel name="X" type="integer" max="1920" units="cm"/>
+          <inkml:channel name="Y" type="integer" max="1080" units="cm"/>
+          <inkml:channel name="T" type="integer" max="2.14748E9" units="dev"/>
+        </inkml:traceFormat>
+        <inkml:channelProperties>
+          <inkml:channelProperty channel="X" name="resolution" value="55.81395" units="1/cm"/>
+          <inkml:channelProperty channel="Y" name="resolution" value="55.6701" units="1/cm"/>
+          <inkml:channelProperty channel="T" name="resolution" value="1" units="1/dev"/>
+        </inkml:channelProperties>
+      </inkml:inkSource>
+      <inkml:timestamp xml:id="ts0" timeString="2020-11-17T21:01:35.969"/>
+    </inkml:context>
+    <inkml:brush xml:id="br0">
+      <inkml:brushProperty name="width" value="0.05" units="cm"/>
+      <inkml:brushProperty name="height" value="0.05" units="cm"/>
+      <inkml:brushProperty name="fitToCurve" value="1"/>
+    </inkml:brush>
+  </inkml:definitions>
+  <inkml:trace contextRef="#ctx0" brushRef="#br0">366 273 0,'-24'0'0,"-1"-25"15,1 1 1,24 0 15,0-1-31,24 25 0,-24-24 16,25-1-16,-1 1 0,-24-1 15,25 25-15,24-24 16,-25 0-16,0 24 0,1-25 16,-1 25-16,25 0 15,-25 0-15,1 25 0,-1-1 16,-24 0-16,25 1 0,-25-1 16,24 25-16,-24 0 15,0 0-15,-24 0 0,-1 0 16,1-1-16,-1 1 0,-23 25 15,-1-26-15,0 1 16,0 0-16,0 0 0,0 24 16,1-24-16,-26 0 15,25-25-15,1 25 0,23 0 16,1-25-16,-1 1 16,1-1-16,24 1 0,0-1 15,24-24-15,1 0 16,-1 24-16,1-24 15,23 0-15,1 0 0,0-24 16,0 24-16,0-24 0,0 24 16,0 0-16,-1-25 15,26 25-15,-26 0 0,1 0 16,0 0-16,0 0 16,-25 0-16,25 0 0,-24 0 15,24 0-15,-25 0 0,0 25 16,1-25-16,-1 0 15,1 0-15,-1 0 16,1 24 0,-25-48-1</inkml:trace>
+  <inkml:trace contextRef="#ctx0" brushRef="#br0" timeOffset="330">1270 395 0,'0'-24'16,"-24"24"-16,24-25 15,24 25 1,0 0-1,1 25-15,-1-25 16,1 24-16,23 0 16,-23 25-16,24-24 0,-25 24 15,25-1-15,-25 1 16,25 0-16,-24 0 0,-1 0 16,1-25-16,-25 25 0,24-25 15,-24 1-15,0-1 16,0-48 15</inkml:trace>
+  <inkml:trace contextRef="#ctx0" brushRef="#br0" timeOffset="596">1710 322 0,'0'-25'0,"0"50"31,-25-25-31,1 24 0,24 1 16,-25 23-16,1-23 15,-25 24-15,25-1 0,-1 1 16,1 25-16,-1-26 16,1 1-16,-25 0 0,25 0 15,-1 0-15,25 0 0,-24-25 16,-1 25-16,25-25 15,-24-24-15,24 25 0,24-25 32</inkml:trace>
+  <inkml:trace contextRef="#ctx0" brushRef="#br0" timeOffset="1218">2320 566 0,'0'-49'0,"0"25"15,0-1-15,0 1 16,0-1-16,0 1 0,0 0 16,0-1-16,0 1 0,25 24 15,-25-25-15,24 25 16,0-24-16,1 24 0,-1-25 15,25 25-15,-24 0 0,23 0 16,1 0-16,0 0 16,0 0-16,0 0 0,-25 25 15,25-1-15,-25 1 16,1-1-16,-25 1 0,0 23 16,-25 1-16,1-24 0,0 23 15,-25 1-15,24 0 16,-48 0-16,24 0 0,0-25 15,1 25-15,-1-24 16,24 23-16,1-23 0,-1-1 16,1 1-16,0-1 0,-1 1 15,25-1-15,0 0 16,0 1-16,25-1 16,-1-24-1,0 0-15,1 0 16,-1 0-16,1 0 0,24 0 15,-25-24-15,25 24 16,-25 0-16,25 0 0,24-25 16,-24 25-16,0 0 15,0 0-15,0 0 0,0 0 16,-1 0-16,-23 0 0,24 0 16,-25 0-16,0 0 15,1 0-15,-1 0 16,-48 0-1,-1 0-15,1 0 16,0 0-16</inkml:trace>
+</inkml:ink>
+</file>
+
+<file path=ppt/ink/ink125.xml><?xml version="1.0" encoding="utf-8"?>
+<inkml:ink xmlns:inkml="http://www.w3.org/2003/InkML">
+  <inkml:definitions>
+    <inkml:context xml:id="ctx0">
+      <inkml:inkSource xml:id="inkSrc0">
+        <inkml:traceFormat>
+          <inkml:channel name="X" type="integer" max="1920" units="cm"/>
+          <inkml:channel name="Y" type="integer" max="1080" units="cm"/>
+          <inkml:channel name="T" type="integer" max="2.14748E9" units="dev"/>
+        </inkml:traceFormat>
+        <inkml:channelProperties>
+          <inkml:channelProperty channel="X" name="resolution" value="55.81395" units="1/cm"/>
+          <inkml:channelProperty channel="Y" name="resolution" value="55.6701" units="1/cm"/>
+          <inkml:channelProperty channel="T" name="resolution" value="1" units="1/dev"/>
+        </inkml:channelProperties>
+      </inkml:inkSource>
+      <inkml:timestamp xml:id="ts0" timeString="2020-11-17T21:01:46.470"/>
+    </inkml:context>
+    <inkml:brush xml:id="br0">
+      <inkml:brushProperty name="width" value="0.05" units="cm"/>
+      <inkml:brushProperty name="height" value="0.05" units="cm"/>
+      <inkml:brushProperty name="fitToCurve" value="1"/>
+    </inkml:brush>
+  </inkml:definitions>
+  <inkml:trace contextRef="#ctx0" brushRef="#br0">0 26 0,'25'0'0,"-25"-24"16,24 24-16,1 0 15,-1 0-15,1 0 16,-1 0 0,0 0-16,1 0 15,-1 0-15,25 0 0,-24 0 16,-1 0-16,25 0 15,-25 0-15,25 0 0,24 0 32,-48 0-32,-50 0 15</inkml:trace>
+  <inkml:trace contextRef="#ctx0" brushRef="#br0" timeOffset="215">171 197 0,'0'24'16,"0"1"0,0-1-16,25-24 15,-1 25 1,1-25-16,-1 0 0,1 0 16,-1 0-16,0 0 0,1 0 15,-1-25-15,25 25 16,-24 0-16,-1 0 0,0 0 15,1 0-15,-1 0 16,1 0-16,-1 0 0</inkml:trace>
+</inkml:ink>
+</file>
+
+<file path=ppt/ink/ink126.xml><?xml version="1.0" encoding="utf-8"?>
+<inkml:ink xmlns:inkml="http://www.w3.org/2003/InkML">
+  <inkml:definitions>
+    <inkml:context xml:id="ctx0">
+      <inkml:inkSource xml:id="inkSrc0">
+        <inkml:traceFormat>
+          <inkml:channel name="X" type="integer" max="1920" units="cm"/>
+          <inkml:channel name="Y" type="integer" max="1080" units="cm"/>
+          <inkml:channel name="T" type="integer" max="2.14748E9" units="dev"/>
+        </inkml:traceFormat>
+        <inkml:channelProperties>
+          <inkml:channelProperty channel="X" name="resolution" value="55.81395" units="1/cm"/>
+          <inkml:channelProperty channel="Y" name="resolution" value="55.6701" units="1/cm"/>
+          <inkml:channelProperty channel="T" name="resolution" value="1" units="1/dev"/>
+        </inkml:channelProperties>
+      </inkml:inkSource>
+      <inkml:timestamp xml:id="ts0" timeString="2020-11-17T21:01:44.574"/>
+    </inkml:context>
+    <inkml:brush xml:id="br0">
+      <inkml:brushProperty name="width" value="0.05" units="cm"/>
+      <inkml:brushProperty name="height" value="0.05" units="cm"/>
+      <inkml:brushProperty name="fitToCurve" value="1"/>
+    </inkml:brush>
+  </inkml:definitions>
+  <inkml:trace contextRef="#ctx0" brushRef="#br0">98 245 0,'-25'0'15,"25"25"-15,-24-25 16,-1 0 15,25-25-15,0 1 0,0 0-16,25 24 15,-1-25-15,-24 1 16,25-1-16,-1 1 0,0-1 15,25 1-15,-24 0 0,24-1 16,-25 25-16,25 0 16,-25 0-16,25 0 0,-24 0 15,23 25-15,-23-1 0,-1 25 16,-24-25-16,0 25 16,0 0-16,0 24 0,0-24 15,-24 24-15,-1-24 16,1 24-16,0 1 0,-1-25 15,-24-1-15,0 1 0,1 0 16,-1 0-16,24-25 16,-24 25-16,25-24 0,-25-1 15,25 1-15,-1-25 16,25 24-16,-24-24 0,24 24 16,24-24 15,25-24-31,-24 24 15,23 0-15,1-24 16,0 24-16,0 0 0,24 0 16,1 0-16,-26 0 0,26 0 15,-1 0-15,-24 0 16,0 24-16,0-24 0,-1 0 16,-23 0-16,-1 24 15,1-24-15,-1 0 0,0 0 16,-24-24 31,0 0-47</inkml:trace>
+  <inkml:trace contextRef="#ctx0" brushRef="#br0" timeOffset="306">1075 245 0,'0'-24'15,"24"48"17,0 1-32,1-1 15,-1 1-15,1 24 0,24-25 16,-25 25-16,25 0 15,0-1-15,-25 1 0,25 0 16,0-24-16,-25 23 0,25 1 16,-25-24-16,1-1 15,-25 1-15,24-1 0,1 0 16,-50-48 15</inkml:trace>
+  <inkml:trace contextRef="#ctx0" brushRef="#br0" timeOffset="617">1612 172 0,'-25'0'31,"25"25"-31,-24-25 0,24 24 15,-24 0-15,-1 1 0,1-1 16,-1 25-16,1 0 16,0 0-16,-25 0 0,24-1 15,1 1-15,-1 0 16,1 0-16,0 0 0,-1 0 16,1-25-16,24 25 0,-25-25 15,1 1-15,24-1 16,-25-24-16,25 25 0,-24-25 15,24-25 1,0 1-16,0-1 16</inkml:trace>
+  <inkml:trace contextRef="#ctx0" brushRef="#br0" timeOffset="1428">2393 123 0,'-24'0'15,"0"-24"-15,-1 24 16,1 0-1,-1 0-15,1 0 0,24-25 16,-25 25-16,1 0 0,0 0 16,-1 0-1,1 0-15,-1 25 0,1-25 16,0 0-16,-1 0 16,1 0-16,-1 0 15,25 24-15,0 1 31,0-1-15,25 1-16,-25-1 16,0 0-1,0 1-15,0-1 0,24 1 16,-24-1-16,0 25 16,0-25-16,0 1 0,0-1 15,0 1-15,0-1 0,0 0 16,25-24-1,-25 25-15,24-50 32,0 25-32,-24-24 15,25 24-15,-25-24 0,24 24 16,1-25-16,-1 1 16,0 24-16,1 0 15,-1-25-15,1 25 16,-1 0-16,1 0 0,-1 25 15,0-25-15,25 24 0,-24 1 16,-1-1-16,1 0 16,-1 1-16,0-1 0,1 25 15,-25-24-15,0 23 16,24-23-16,-24-1 0,0 25 16,0-24-16,-24-1 15,-1 0-15,1-24 16,0 25-16,-1-25 0,-24 0 15,25 0-15,-25 0 16,0 0-16,0 24 0,0-24 16,1 0-16,23 0 0,-24 0 15,25 0-15,0-24 16,-1 24-16,25-25 16,25 1-1</inkml:trace>
+</inkml:ink>
+</file>
+
+<file path=ppt/ink/ink127.xml><?xml version="1.0" encoding="utf-8"?>
+<inkml:ink xmlns:inkml="http://www.w3.org/2003/InkML">
+  <inkml:definitions>
+    <inkml:context xml:id="ctx0">
+      <inkml:inkSource xml:id="inkSrc0">
+        <inkml:traceFormat>
+          <inkml:channel name="X" type="integer" max="1920" units="cm"/>
+          <inkml:channel name="Y" type="integer" max="1080" units="cm"/>
+          <inkml:channel name="T" type="integer" max="2.14748E9" units="dev"/>
+        </inkml:traceFormat>
+        <inkml:channelProperties>
+          <inkml:channelProperty channel="X" name="resolution" value="55.81395" units="1/cm"/>
+          <inkml:channelProperty channel="Y" name="resolution" value="55.6701" units="1/cm"/>
+          <inkml:channelProperty channel="T" name="resolution" value="1" units="1/dev"/>
+        </inkml:channelProperties>
+      </inkml:inkSource>
+      <inkml:timestamp xml:id="ts0" timeString="2020-11-17T21:01:49.164"/>
+    </inkml:context>
+    <inkml:brush xml:id="br0">
+      <inkml:brushProperty name="width" value="0.05" units="cm"/>
+      <inkml:brushProperty name="height" value="0.05" units="cm"/>
+      <inkml:brushProperty name="fitToCurve" value="1"/>
+    </inkml:brush>
+  </inkml:definitions>
+  <inkml:trace contextRef="#ctx0" brushRef="#br0">73 26 0,'-25'0'16,"25"-24"-16,25 24 31,-1 0-15,1 0-16,-1 0 15,1 0-15,23 0 0,-23 0 16,24 0-16,-25 0 0,1 0 16,-1 24-16,0-24 15,1 25-15,-1-25 0,-24 24 16,0 1-1</inkml:trace>
+  <inkml:trace contextRef="#ctx0" brushRef="#br0" timeOffset="221">24 417 0,'0'25'0,"-24"-25"15,24 24-15,24 1 16,0-25-16,1 0 0,24 0 16,-25 0-16,25 0 15,-25-25-15,25 25 0,0 0 16,0 0-16,-25 0 16,1-24-16,-1 24 0,25 0 15,-25 0-15</inkml:trace>
+</inkml:ink>
+</file>
+
+<file path=ppt/ink/ink128.xml><?xml version="1.0" encoding="utf-8"?>
+<inkml:ink xmlns:inkml="http://www.w3.org/2003/InkML">
+  <inkml:definitions>
+    <inkml:context xml:id="ctx0">
+      <inkml:inkSource xml:id="inkSrc0">
+        <inkml:traceFormat>
+          <inkml:channel name="X" type="integer" max="1920" units="cm"/>
+          <inkml:channel name="Y" type="integer" max="1080" units="cm"/>
+          <inkml:channel name="T" type="integer" max="2.14748E9" units="dev"/>
+        </inkml:traceFormat>
+        <inkml:channelProperties>
+          <inkml:channelProperty channel="X" name="resolution" value="55.81395" units="1/cm"/>
+          <inkml:channelProperty channel="Y" name="resolution" value="55.6701" units="1/cm"/>
+          <inkml:channelProperty channel="T" name="resolution" value="1" units="1/dev"/>
+        </inkml:channelProperties>
+      </inkml:inkSource>
+      <inkml:timestamp xml:id="ts0" timeString="2020-11-17T21:01:47.677"/>
+    </inkml:context>
+    <inkml:brush xml:id="br0">
+      <inkml:brushProperty name="width" value="0.05" units="cm"/>
+      <inkml:brushProperty name="height" value="0.05" units="cm"/>
+      <inkml:brushProperty name="fitToCurve" value="1"/>
+    </inkml:brush>
+  </inkml:definitions>
+  <inkml:trace contextRef="#ctx0" brushRef="#br0">24 342 0,'0'-24'32,"-24"24"-32,24-25 15,0 1-15,0 0 16,0-1-16,24 1 16,0-1-16,-24 1 15,25-1-15,-1 1 16,1 0-16,-1-1 0,0 1 15,25 24-15,0 0 0,0-25 16,0 25-16,0 0 16,0 0-16,-1 0 0,1 25 15,0-1-15,0 1 16,-25-1-16,25 0 0,-24 25 16,-1-24-16,-24 24 0,0-1 15,0 1-15,0 0 16,-24 0-16,-1 0 0,-24 0 15,25-25-15,-25 25 16,25-25-16,-25 1 0,0 24 16,0-25-16,0 0 0,25-24 15,-25 25-15,25-1 16,-1-24-16,1 25 16,48-25-1,1 0-15,23 0 16,-23 0-16,24 0 0,24 0 15,-24 0-15,24 0 16,0 0-16,1 0 0,-1 24 16,0-24-16,0 0 15,1 25-15,-1-25 0,-24 0 16,0 24-16,0-24 0,-1 0 16,-23 24-16,-1-24 15,1 0-15,-50 0 31,1-24-15</inkml:trace>
+  <inkml:trace contextRef="#ctx0" brushRef="#br0" timeOffset="322">1489 98 0,'-24'0'15,"24"-24"-15,0 48 32,0 0-32,24 1 0,1-1 15,-1 25-15,1-24 0,-1 23 16,25 1-16,0-24 15,0 24-15,-1-1 0,1-23 16,0-1-16,0 25 16,0-25-16,0 1 0,-1 24 15,-23-49-15,-25 24 16</inkml:trace>
+  <inkml:trace contextRef="#ctx0" brushRef="#br0" timeOffset="629">2100 25 0,'-25'0'15,"1"0"-15,0 0 16,24 24-16,-49 1 0,24-1 15,1 0-15,0 25 16,-25 0-16,24 0 0,-24 0 16,25 24-16,0-24 0,-25 24 15,24-24-15,-24 24 16,25-24-16,0 0 0,-1 0 16,1 0-16,24 0 0,-25-25 15,25 0-15,0 1 16,0-50 15</inkml:trace>
+  <inkml:trace contextRef="#ctx0" brushRef="#br0" timeOffset="1139">2491 74 0,'24'0'0,"-24"24"32,-24 0-32,-1 1 15,25-1-15,-24 1 0,-1 24 16,-23-1-16,23 1 15,1 0-15,24 0 0,-25 24 16,25-24-16,0 0 16,0 0-16,25 0 0,-1-1 15,1-23-15,-1 24 0,0-25 16,1 1-16,-1-25 16,25 24-16,-25-24 0,1 0 15,24 0-15,-25-24 0,25-1 16,-25 1-16,1-1 15,-25 1-15,24-1 0,-24-23 16,0 23-16,0 1 16,-24-1-16,-1 1 0,1 24 15,-25-25-15,25 25 0,-1 0 16,-24 0-16,25 0 16,0 25-16,-1-1 0,25 1 15,-24-1 1,24 1-16,0-1 15,24 0-15,-24 1 16,25-25-16,-1 0 16</inkml:trace>
+</inkml:ink>
+</file>
+
+<file path=ppt/ink/ink129.xml><?xml version="1.0" encoding="utf-8"?>
+<inkml:ink xmlns:inkml="http://www.w3.org/2003/InkML">
+  <inkml:definitions>
+    <inkml:context xml:id="ctx0">
+      <inkml:inkSource xml:id="inkSrc0">
+        <inkml:traceFormat>
+          <inkml:channel name="X" type="integer" max="1920" units="cm"/>
+          <inkml:channel name="Y" type="integer" max="1080" units="cm"/>
+          <inkml:channel name="T" type="integer" max="2.14748E9" units="dev"/>
+        </inkml:traceFormat>
+        <inkml:channelProperties>
+          <inkml:channelProperty channel="X" name="resolution" value="55.81395" units="1/cm"/>
+          <inkml:channelProperty channel="Y" name="resolution" value="55.6701" units="1/cm"/>
+          <inkml:channelProperty channel="T" name="resolution" value="1" units="1/dev"/>
+        </inkml:channelProperties>
+      </inkml:inkSource>
+      <inkml:timestamp xml:id="ts0" timeString="2020-11-17T21:01:51.911"/>
+    </inkml:context>
+    <inkml:brush xml:id="br0">
+      <inkml:brushProperty name="width" value="0.05" units="cm"/>
+      <inkml:brushProperty name="height" value="0.05" units="cm"/>
+      <inkml:brushProperty name="fitToCurve" value="1"/>
+    </inkml:brush>
+  </inkml:definitions>
+  <inkml:trace contextRef="#ctx0" brushRef="#br0">0 0 0,'24'0'47,"1"0"-47,-1 0 15,1 0-15,23 0 0,-23 0 16,-1 0-16,1 0 16,-1 0-16,25 0 0,-25 0 15,1 0-15,-1 0 16,1 0-16,-1 0 16,0 0-16,1 0 15</inkml:trace>
+  <inkml:trace contextRef="#ctx0" brushRef="#br0" timeOffset="235">146 219 0,'25'0'0,"-1"0"16,1 0-1,23 0 1,-23 0-16,-1 0 0,1 0 16,-1 0-16,1 0 15,-1 0-15,0-24 16</inkml:trace>
 </inkml:ink>
 </file>
 
@@ -877,6 +1310,329 @@
   <inkml:trace contextRef="#ctx0" brushRef="#br0" timeOffset="1890">1816 171 0,'0'-24'0,"0"0"0,0-1 16,0 50 15,24 23-31,-24-23 15,25 24-15,-25-25 0,0 25 16,24 0-16,-24 0 16,0-1-16,24 1 0,-24 0 15,0 0-15,0-25 16,0 25-16,25-24 0,-25-1 16,0 1-16,0-1 0,0 0 15,24-24 1</inkml:trace>
   <inkml:trace contextRef="#ctx0" brushRef="#br0" timeOffset="2388">2280 611 0,'-25'0'0,"1"24"31,24 1 0,24-25 1,1 0-32,-1 0 15,1 0-15,-1-25 16,0 25-1,1-24-15,-1 24 0,1-24 16,-1-1-16,-24 1 16,0-1-1,0 1-15,-24-1 0,-1 1 16,1 0 0,-1 24-16,1-25 15,0 25-15,-1 0 0,25 25 16,-24-1-16,-1 0 15,1 1-15,24 24 16,-25-25-16,25 1 16,0-1-16,0 0 0,0 1 15,0-1-15,25 1 16,-1-1-16,1-24 16,-1 25-16,25-25 15,-25 0-15,25 0 0,-24 0 16,24 0-16,-25 0 0,25-25 15</inkml:trace>
   <inkml:trace contextRef="#ctx0" brushRef="#br0" timeOffset="2869">3061 367 0,'0'-25'0,"25"1"0,-25-1 16,-25 1 0,1 0-1,-25-1 1,25 25-16,-25 0 0,24 0 16,1 0-16,-1 0 0,1 0 15,-25 25-15,25-1 16,-1-24-16,25 24 15,-24 1-15,24-1 16,0 1-16,0-1 0,0 1 16,24-25-1,1 24-15,24 25 0,-25-25 16,0 1-16,1-25 0,24 24 16,-25 1-16,1-1 15,-1-24-15,0 24 0,1-24 16,-1 25-16,-24-1 15,25-24-15,-25 25 0,0-1 16,-25 1-16,1-25 16,-1 0-16,1 24 15,0-24-15,-1 0 0,-24 0 16,25 0-16,-1 0 0,1 0 16,-25 0-16,49-24 15,-24 24-15,-1-25 0</inkml:trace>
+</inkml:ink>
+</file>
+
+<file path=ppt/ink/ink130.xml><?xml version="1.0" encoding="utf-8"?>
+<inkml:ink xmlns:inkml="http://www.w3.org/2003/InkML">
+  <inkml:definitions>
+    <inkml:context xml:id="ctx0">
+      <inkml:inkSource xml:id="inkSrc0">
+        <inkml:traceFormat>
+          <inkml:channel name="X" type="integer" max="1920" units="cm"/>
+          <inkml:channel name="Y" type="integer" max="1080" units="cm"/>
+          <inkml:channel name="T" type="integer" max="2.14748E9" units="dev"/>
+        </inkml:traceFormat>
+        <inkml:channelProperties>
+          <inkml:channelProperty channel="X" name="resolution" value="55.81395" units="1/cm"/>
+          <inkml:channelProperty channel="Y" name="resolution" value="55.6701" units="1/cm"/>
+          <inkml:channelProperty channel="T" name="resolution" value="1" units="1/dev"/>
+        </inkml:channelProperties>
+      </inkml:inkSource>
+      <inkml:timestamp xml:id="ts0" timeString="2020-11-17T21:01:50.291"/>
+    </inkml:context>
+    <inkml:brush xml:id="br0">
+      <inkml:brushProperty name="width" value="0.05" units="cm"/>
+      <inkml:brushProperty name="height" value="0.05" units="cm"/>
+      <inkml:brushProperty name="fitToCurve" value="1"/>
+    </inkml:brush>
+  </inkml:definitions>
+  <inkml:trace contextRef="#ctx0" brushRef="#br0">24 416 0,'0'-25'0,"-24"25"16,24-24-16,0-1 15,0 1-15,0 0 16,24-1-16,-24-24 0,24 25 16,1-1-16,-1-23 15,1 23-15,-1 1 0,25-1 16,0 25-16,-25-24 16,25 24-16,0 0 0,0 0 15,-25 0-15,1 24 0,23 1 16,-23-1-16,-1 25 15,-24 0-15,0 0 0,0 0 16,0-1-16,0 1 0,-24 0 16,-1 0-16,1 0 15,-25 0-15,25 0 0,-25-25 16,0 0-16,0 25 16,25-24-16,-25-25 0,24 24 15,1 1-15,0-25 16,24 24-16,24-24 15,0 0 1,25 0-16,-24 0 16,24 0-16,-1 0 0,26 0 15,-25 0-15,24 0 0,0 0 16,-24 0-16,24 24 16,1-24-16,-26 0 0,1 0 15,0 0-15,0 0 16,-25 0-16,1 0 0,-1 0 15</inkml:trace>
+  <inkml:trace contextRef="#ctx0" brushRef="#br0" timeOffset="318">1147 172 0,'-24'0'0,"48"0"31,-24 24-31,25-24 0,24 24 16,-25 1-16,25-1 15,-25 1-15,25 23 0,0-23 16,0 24-16,0-25 0,0 25 15,-25-25-15,0 25 16,1-24-16,-1-1 0,1 1 16,-25-1-16,0 0 15,0-48 1</inkml:trace>
+  <inkml:trace contextRef="#ctx0" brushRef="#br0" timeOffset="583">1636 196 0,'0'-25'0,"24"1"15,-24 0-15,-24 24 16,24 24 0,-25 25-1,1-25-15,0 25 0,-1-24 16,1 23-16,-25 26 15,25-25-15,-1-1 0,-24 26 16,25-25-16,-1 24 16,-23-24-16,48 0 0,-25-1 15,1-23-15,24-1 0,0 1 16,24-25 0</inkml:trace>
+  <inkml:trace contextRef="#ctx0" brushRef="#br0" timeOffset="1009">1953 98 0,'0'-24'16,"-24"24"-16,0 0 15,24-25 1,24 25 0,0 0-16,25 0 15,-24-24 1,23 24-16,-23 0 0,24-24 16,-25 24-16,25 0 0,-25 0 15,25 0 1,-24 0-16,-25 24 15,0 0-15,0 1 16,0-1-16,0 25 0,0-24 16,0 23-16,0 1 0,0 0 15,0 0-15,0 0 16,0 0-16,0-1 0,0 1 16,0 0-16,0-24 15,0 23-15,0-23 0,0-1 16,0 1-16,0-1 0,0 0 15</inkml:trace>
+  <inkml:trace contextRef="#ctx0" brushRef="#br0" timeOffset="1247">2124 489 0,'-24'0'16,"48"0"0,1 0-1,-1 0-15,1 0 16,23-24-16,-23 24 0,24 0 16,-25 0-16,25 0 15,-25 0-15,1 0 0,-1 0 16,25 0-16,-24 0 15</inkml:trace>
+</inkml:ink>
+</file>
+
+<file path=ppt/ink/ink131.xml><?xml version="1.0" encoding="utf-8"?>
+<inkml:ink xmlns:inkml="http://www.w3.org/2003/InkML">
+  <inkml:definitions>
+    <inkml:context xml:id="ctx0">
+      <inkml:inkSource xml:id="inkSrc0">
+        <inkml:traceFormat>
+          <inkml:channel name="X" type="integer" max="1920" units="cm"/>
+          <inkml:channel name="Y" type="integer" max="1080" units="cm"/>
+          <inkml:channel name="T" type="integer" max="2.14748E9" units="dev"/>
+        </inkml:traceFormat>
+        <inkml:channelProperties>
+          <inkml:channelProperty channel="X" name="resolution" value="55.81395" units="1/cm"/>
+          <inkml:channelProperty channel="Y" name="resolution" value="55.6701" units="1/cm"/>
+          <inkml:channelProperty channel="T" name="resolution" value="1" units="1/dev"/>
+        </inkml:channelProperties>
+      </inkml:inkSource>
+      <inkml:timestamp xml:id="ts0" timeString="2020-11-17T21:02:17.434"/>
+    </inkml:context>
+    <inkml:brush xml:id="br0">
+      <inkml:brushProperty name="width" value="0.05" units="cm"/>
+      <inkml:brushProperty name="height" value="0.05" units="cm"/>
+      <inkml:brushProperty name="fitToCurve" value="1"/>
+    </inkml:brush>
+  </inkml:definitions>
+  <inkml:trace contextRef="#ctx0" brushRef="#br0">0 73 0,'0'-24'16,"0"-1"0,0 1-1,25 24 1,-1 0 46,0 24-62,1-24 16</inkml:trace>
+</inkml:ink>
+</file>
+
+<file path=ppt/ink/ink132.xml><?xml version="1.0" encoding="utf-8"?>
+<inkml:ink xmlns:inkml="http://www.w3.org/2003/InkML">
+  <inkml:definitions>
+    <inkml:context xml:id="ctx0">
+      <inkml:inkSource xml:id="inkSrc0">
+        <inkml:traceFormat>
+          <inkml:channel name="X" type="integer" max="1920" units="cm"/>
+          <inkml:channel name="Y" type="integer" max="1080" units="cm"/>
+          <inkml:channel name="T" type="integer" max="2.14748E9" units="dev"/>
+        </inkml:traceFormat>
+        <inkml:channelProperties>
+          <inkml:channelProperty channel="X" name="resolution" value="55.81395" units="1/cm"/>
+          <inkml:channelProperty channel="Y" name="resolution" value="55.6701" units="1/cm"/>
+          <inkml:channelProperty channel="T" name="resolution" value="1" units="1/dev"/>
+        </inkml:channelProperties>
+      </inkml:inkSource>
+      <inkml:timestamp xml:id="ts0" timeString="2020-11-17T21:02:54.952"/>
+    </inkml:context>
+    <inkml:brush xml:id="br0">
+      <inkml:brushProperty name="width" value="0.05" units="cm"/>
+      <inkml:brushProperty name="height" value="0.05" units="cm"/>
+      <inkml:brushProperty name="fitToCurve" value="1"/>
+    </inkml:brush>
+  </inkml:definitions>
+  <inkml:trace contextRef="#ctx0" brushRef="#br0">52 0 0,'-25'24'62,"1"0"-30,24 1-17,0-1 1,0 1-1,0-1 1,0 1 0,0-1-1,0 0 1,24 1 0,-24-1-1,25-24 1,-25 25-16,24-25 0,1 24 15,-1-24 1,-24 25-16,25-25 16,-1 0-16,0 0 0,1 0 15,-1 0-15,25 0 0,-25 0 16,25 0-16,0 0 16,0 24-16,-25-24 0,25 0 15,25 0-15,-26 0 16,1 0-16,25 0 0,-26 24 15,26-24-15,-1 0 0,0 25 16,-24-25-16,49 24 16,-25-24-16,0 0 0,1 25 15,-1-25-15,24 0 16,-23 24-16,23 1 0,1-25 16,0 24-16,0-24 0,-1 24 15,-23 1-15,23-1 16,-24-24-16,25 25 0,-25-1 15,-24-24-15,25 25 16,-1-25-16,-24 24 0,24-24 16,0 0-16,-24 24 0,24-24 15,1 0-15,-1 25 16,0-25-16,0 24 0,1-24 16,-1 25-16,0-25 15,0 24-15,-24-24 0,25 0 16,-26 24-16,1-24 0,0 0 15,0 0-15,-25 25 16,25-25-16,-24 0 0,23 0 16,-23 0-16,-1 0 15,25 0-15,-24 0 0,-1 0 16,0 0-16,1 0 0,-1 0 16,1 0-16,-1 0 15,1 0-15,-1 0 16,-24-25-16,0 1 15,24 24 1,-24-24-16,0-1 31,25 25-31,-25-24 0,0-1 16,0 1-16,24 24 16,-24-24-16,0-1 0,25 1 15,-25-1-15,0 1 0,24-1 16,-24 1-16,0 0 15,0-1-15,25 1 0,-25-1 16,0 1 0,-25 24-1,25-25-15,-24 25 16,24-24 0,-25 24-1,25-24 16,0-1 1,25 25-32,-25-24 0</inkml:trace>
+</inkml:ink>
+</file>
+
+<file path=ppt/ink/ink133.xml><?xml version="1.0" encoding="utf-8"?>
+<inkml:ink xmlns:inkml="http://www.w3.org/2003/InkML">
+  <inkml:definitions>
+    <inkml:context xml:id="ctx0">
+      <inkml:inkSource xml:id="inkSrc0">
+        <inkml:traceFormat>
+          <inkml:channel name="X" type="integer" max="1920" units="cm"/>
+          <inkml:channel name="Y" type="integer" max="1080" units="cm"/>
+          <inkml:channel name="T" type="integer" max="2.14748E9" units="dev"/>
+        </inkml:traceFormat>
+        <inkml:channelProperties>
+          <inkml:channelProperty channel="X" name="resolution" value="55.81395" units="1/cm"/>
+          <inkml:channelProperty channel="Y" name="resolution" value="55.6701" units="1/cm"/>
+          <inkml:channelProperty channel="T" name="resolution" value="1" units="1/dev"/>
+        </inkml:channelProperties>
+      </inkml:inkSource>
+      <inkml:timestamp xml:id="ts0" timeString="2020-11-17T21:03:13.995"/>
+    </inkml:context>
+    <inkml:brush xml:id="br0">
+      <inkml:brushProperty name="width" value="0.05" units="cm"/>
+      <inkml:brushProperty name="height" value="0.05" units="cm"/>
+      <inkml:brushProperty name="fitToCurve" value="1"/>
+    </inkml:brush>
+  </inkml:definitions>
+  <inkml:trace contextRef="#ctx0" brushRef="#br0">0 0 0,'24'0'16,"-24"24"-16,25-24 31,-1 0-15,1 0-16,-1 0 16</inkml:trace>
+</inkml:ink>
+</file>
+
+<file path=ppt/ink/ink134.xml><?xml version="1.0" encoding="utf-8"?>
+<inkml:ink xmlns:inkml="http://www.w3.org/2003/InkML">
+  <inkml:definitions>
+    <inkml:context xml:id="ctx0">
+      <inkml:inkSource xml:id="inkSrc0">
+        <inkml:traceFormat>
+          <inkml:channel name="X" type="integer" max="1920" units="cm"/>
+          <inkml:channel name="Y" type="integer" max="1080" units="cm"/>
+          <inkml:channel name="T" type="integer" max="2.14748E9" units="dev"/>
+        </inkml:traceFormat>
+        <inkml:channelProperties>
+          <inkml:channelProperty channel="X" name="resolution" value="55.81395" units="1/cm"/>
+          <inkml:channelProperty channel="Y" name="resolution" value="55.6701" units="1/cm"/>
+          <inkml:channelProperty channel="T" name="resolution" value="1" units="1/dev"/>
+        </inkml:channelProperties>
+      </inkml:inkSource>
+      <inkml:timestamp xml:id="ts0" timeString="2020-11-17T21:03:14.229"/>
+    </inkml:context>
+    <inkml:brush xml:id="br0">
+      <inkml:brushProperty name="width" value="0.05" units="cm"/>
+      <inkml:brushProperty name="height" value="0.05" units="cm"/>
+      <inkml:brushProperty name="fitToCurve" value="1"/>
+    </inkml:brush>
+  </inkml:definitions>
+  <inkml:trace contextRef="#ctx0" brushRef="#br0">0 0 0,'0'24'0,"25"-24"16,-1 0-16,-24 25 0,24-25 16,-24 24-1,25-24-15</inkml:trace>
+</inkml:ink>
+</file>
+
+<file path=ppt/ink/ink135.xml><?xml version="1.0" encoding="utf-8"?>
+<inkml:ink xmlns:inkml="http://www.w3.org/2003/InkML">
+  <inkml:definitions>
+    <inkml:context xml:id="ctx0">
+      <inkml:inkSource xml:id="inkSrc0">
+        <inkml:traceFormat>
+          <inkml:channel name="X" type="integer" max="1920" units="cm"/>
+          <inkml:channel name="Y" type="integer" max="1080" units="cm"/>
+          <inkml:channel name="T" type="integer" max="2.14748E9" units="dev"/>
+        </inkml:traceFormat>
+        <inkml:channelProperties>
+          <inkml:channelProperty channel="X" name="resolution" value="55.81395" units="1/cm"/>
+          <inkml:channelProperty channel="Y" name="resolution" value="55.6701" units="1/cm"/>
+          <inkml:channelProperty channel="T" name="resolution" value="1" units="1/dev"/>
+        </inkml:channelProperties>
+      </inkml:inkSource>
+      <inkml:timestamp xml:id="ts0" timeString="2020-11-17T21:03:41.873"/>
+    </inkml:context>
+    <inkml:brush xml:id="br0">
+      <inkml:brushProperty name="width" value="0.05" units="cm"/>
+      <inkml:brushProperty name="height" value="0.05" units="cm"/>
+      <inkml:brushProperty name="fitToCurve" value="1"/>
+    </inkml:brush>
+  </inkml:definitions>
+  <inkml:trace contextRef="#ctx0" brushRef="#br0">564 196 0,'0'-25'16,"0"1"-16,0 0 15,0-1 1,-24 1-16,-1-1 16,1 25-1,-1 0-15,1 0 0,-25 0 16,0 25-16,25-25 0,-25 24 16,0 1-16,0 23 15,0-23-15,25 24 0,-25-1 16,25 1-16,-1 0 0,25 24 15,0-24-15,0 0 16,0 0-16,25 0 0,-1 0 16,1 0-16,23-25 15,1 25-15,0-49 0,0 24 16,0-24-16,24 0 16,-24 0-16,0-24 0,0 24 15,-1-25-15,1-23 0,0 23 16,-24 1-16,-1-25 15,0 24-15,-24-23 0,25 23 16,-25-24-16,0 25 16,24-1-16,-24 1 0,0 0 15,0-1-15,0 1 16,0-1 0,-24 25-1,24 25 1,-25-1-16,1-24 15,24 25-15,-24-1 0,24 0 16,-25 1-16,25-1 16,0 1-16,0-1 0,0 1 15,0 23-15,0-23 0,25-1 16,-25 1-16,24-1 16,0 1-16,1-25 0,-1 24 15,1-24 1,-1 0-16,-24-24 0,25 24 15,-25-25-15,24 1 0,-24-1 16,0 1-16,0-1 16,0-23-16,0 23 0,0 1 15,0-25-15,-24 24 16,24-23-16,-25 23 0,25 1 16,-24 24-16,24-25 0,-25 25 15,25 25 1,0-1-1,0 1 1,0-1-16,25 0 16,-25 1-1,24-25-15,1 0 16,-1 0 0,0-25-1,1 1-15,-1 0 16,1 24-16,-1-25 0,0 1 15,1 24 1,-1 0-16,1 24 16,-1 1-1,-24-1-15,0 0 16,25 25-16,-25-24 0,0-1 16,24 25-16,-24-25 15,0 1-15,0-1 0,0 1 16,0-50 15,24 25-15,-24-24-16,0-1 15,25 1-15,-25 0 0,24-25 16,1 24-16,-1 1 0,1-25 16,23 25-16,-23-1 15,-1 1-15,25 24 0,-25 0 16,25 0-1,-24 24-15,-1 1 0,-24-1 16,25 25-16,-25-25 16,24 25-16,0 0 0,-24 0 15,25 0-15,-1 0 0,1-25 16,-1 25-16,1-25 16,23-24-16,-23 0 0</inkml:trace>
+  <inkml:trace contextRef="#ctx0" brushRef="#br0" timeOffset="602">2518 538 0,'-25'0'16,"1"0"-16,24-25 15,-24 25-15,-1-24 16,1-1 15,24 1-31,-25 0 16,1-1-16,24 1 0,-25 24 15,1 0-15,0-25 16,-25 25-16,24 0 0,1 25 16,-25-1-16,25 1 0,-25-1 15,24 0-15,1 1 16,0 24-16,-1-25 0,1 25 15,24-25-15,-25 1 16,25 24-16,0-25 0,25 1 16,-25-1-16,24 0 0,1-24 15,-1 0-15,0 0 16,25 0-16,-24 0 0,23-24 16,-23 0-16,24-1 15,-25 1-15,1-25 0,-1 0 16,25 0-16,-49 0 0,24 0 15,1 1-15,-25-26 16,24 26-16,-24-1 0,0-25 16,0 50-16,25-25 15,-25 25-15,0-1 0,0 50 32,24-1-32,-24 25 15,0 0-15,0 0 0,24 0 16,-24 24-16,25-24 15,-1 24-15,1-24 0,-1 0 16,-24-1-16,25 1 0,-1-24 16,0-1-16,-24 1 15,25-1-15,-1-24 16</inkml:trace>
+  <inkml:trace contextRef="#ctx0" brushRef="#br0" timeOffset="824">2811 538 0,'24'-25'0,"-24"1"16,0-1 0,25 25-16,-25-24 15,0 48 1,0 1 0,24-1-16,-24 1 0,0-1 15,25 1-15,-25 23 0,0-23 16,0-1-16,0 1 15,24-1-15,-24 1 0,0-1 16</inkml:trace>
+  <inkml:trace contextRef="#ctx0" brushRef="#br0" timeOffset="991">2982 245 0,'0'-25'15,"0"1"-15,0-1 0,0 1 32,-25 24-32,1 24 15,24 1 1,0-1 0</inkml:trace>
+  <inkml:trace contextRef="#ctx0" brushRef="#br0" timeOffset="1254">3251 220 0,'0'-24'16,"-25"24"-16,25-25 0,0 1 16,0 48 15,0 1-31,25-1 15,-25 25-15,24 0 16,-24 0-16,24 24 0,1-24 16,-25 24-16,24-24 15,-24 0-15,0 0 0,25-25 16,-25 25-16,0-25 0,0 1 16</inkml:trace>
+  <inkml:trace contextRef="#ctx0" brushRef="#br0" timeOffset="1620">3251 611 0,'-25'-24'0,"25"-1"15,-24 1-15,24-1 16,0 1 0,24 24-16,1 0 15,-1 0-15,25-25 16,0 25-16,-25 0 15,25 0-15,0 0 0,0-24 16,-1 24-16,-23 0 0,-1 0 16,1 0-16,-25-24 15,24 24-15,-24-25 16,0 1 0,0 48-1,0 1 1,0-1-1,0 0-15,25 25 0,-25-24 16,0 24-16,0-1 16,24-23-16,-24 24 0,0-25 15,0 25-15,24-49 0,-24 24 16,0 1-16</inkml:trace>
+  <inkml:trace contextRef="#ctx0" brushRef="#br0" timeOffset="1824">3763 49 0,'0'-24'0,"-24"-1"16,0 25-1,24 25 1,0-1-1,24 1 1,-24-1-16,24 1 0,-24-1 16,25 0-16</inkml:trace>
+  <inkml:trace contextRef="#ctx0" brushRef="#br0" timeOffset="2701">4105 318 0,'0'24'31,"0"1"-15,-24-1-16,24 1 16,-24-1-16,24 0 15,-25 25-15,25-24 0,0 24 16,0-1-16,0-23 0,0 24 15,0-25-15,25 1 16,-1-1-16,0 0 0,-24 1 16,25-25-16,-1 24 15,25-24-15,-25 0 0,1-24 16,-1-1-16,1 25 0,-1-48 16,1 23-16,-1-24 15,-24 0-15,24 1 0,-24-1 16,0-25-16,0 26 15,-24-1-15,0 0 0,-1 24 16,25 1-16,-49 0 16,25-1-16,-1 25 0,1 0 15,0 25-15,-1-1 0,1 0 16,-1 25-16,25-24 16,0-1-16,0 1 0,0 23 15,0-23-15,25-1 0,-25 1 16,24-1-16,1-24 15,-1 25-15,0-25 0,1 0 16,-1 0-16,1 0 16,-1 0-16,1-25 0,-1 1 15,0 24-15,25-25 0,-24-24 16,-1 25-16,-24 0 16,25-1-16,-1 1 0,0-25 15,1 49-15,-25-25 16,24 25-1,1 0-15,-25 25 0,0-1 0,0 1 16,0-1-16,24 25 16,-24-25-16,0 1 0,0 24 15,0-25-15,24 1 16,-24-1-16,0 0 0,0 1 16,25-25-16,-25 24 0,0-48 31,24-1-16,-24-23 1,25 23-16,-25 1 0,24-1 16,1-24-16,-1 25 0,-24-25 15,24 25-15,1-1 16,-1 1-16,1 24 0,-1 0 16,1 24-16,-1 1 15,-24 24-15,24-25 16,1 25-16,-25 0 0,24 0 15,-24-1-15,25 1 16,-25-24-16,24 24 0,-24-25 16,25 0-16</inkml:trace>
+</inkml:ink>
+</file>
+
+<file path=ppt/ink/ink136.xml><?xml version="1.0" encoding="utf-8"?>
+<inkml:ink xmlns:inkml="http://www.w3.org/2003/InkML">
+  <inkml:definitions>
+    <inkml:context xml:id="ctx0">
+      <inkml:inkSource xml:id="inkSrc0">
+        <inkml:traceFormat>
+          <inkml:channel name="X" type="integer" max="1920" units="cm"/>
+          <inkml:channel name="Y" type="integer" max="1080" units="cm"/>
+          <inkml:channel name="T" type="integer" max="2.14748E9" units="dev"/>
+        </inkml:traceFormat>
+        <inkml:channelProperties>
+          <inkml:channelProperty channel="X" name="resolution" value="55.81395" units="1/cm"/>
+          <inkml:channelProperty channel="Y" name="resolution" value="55.6701" units="1/cm"/>
+          <inkml:channelProperty channel="T" name="resolution" value="1" units="1/dev"/>
+        </inkml:channelProperties>
+      </inkml:inkSource>
+      <inkml:timestamp xml:id="ts0" timeString="2020-11-17T21:03:49.273"/>
+    </inkml:context>
+    <inkml:brush xml:id="br0">
+      <inkml:brushProperty name="width" value="0.05" units="cm"/>
+      <inkml:brushProperty name="height" value="0.05" units="cm"/>
+      <inkml:brushProperty name="fitToCurve" value="1"/>
+    </inkml:brush>
+  </inkml:definitions>
+  <inkml:trace contextRef="#ctx0" brushRef="#br0">2540 97 0,'0'-24'0,"0"-1"15,0 1-15,0 0 32,0 48-1,0 0-15,0 1-1,0-1-15,0 1 0,0-1 16,0 25-16,0-25 15,0 25-15,0-24 0,0 24 16,25-25-16,-25 0 16,0 1-16,24-1 0,-24 1 15,0-1-15,0 0 16,24 1 0</inkml:trace>
+  <inkml:trace contextRef="#ctx0" brushRef="#br0" timeOffset="264">2247 317 0,'-24'0'16,"48"25"15,0-25-15,1 24-16,-1-24 15,1 24-15,-1-24 16,1 25-16,-1-25 0,0 0 16,1 24-16,-1-24 0,-24 25 15,25-25-15,-1 24 16,1-24-16</inkml:trace>
+  <inkml:trace contextRef="#ctx0" brushRef="#br0" timeOffset="594">2784 219 0,'25'0'16,"-50"0"15,25 25-31,-24-1 16,0-24-1,24 25-15,-25-1 16,1-24-16,24 25 15,-25-1-15,1-24 0,24 24 16,-25-24-16,25 25 0,-24-1 16,0 1-1,-1-1 1</inkml:trace>
+  <inkml:trace contextRef="#ctx0" brushRef="#br0" timeOffset="2688">73 1001 0,'0'-24'15,"25"-1"-15,-25 1 16,0-1-1,0 1-15,0 48 47,-25-24-47,25 25 0,-24-1 16,24 25-16,-24-25 16,24 25-16,-25-24 0,25 24 15,0-25-15,0 25 16,0-25-16,25 25 0,-25-25 15,24 1-15,0-1 16,1 1-16,-1-1 16,1-24-16,24 0 0,-25 0 15,0 0-15,1-24 16,-1-1-16,1 1 0,-1-1 16,0 1-16,-24 0 0,25-25 15,-25 24-15,24-23 16,-24 23-16,0 1 0,0-1 15,0 1 1,-24 24 0,24 24-16,0 1 15,0 24 1,0-25-16,24 0 0,1 25 16,-1-24-16,-24 23 15,25-23-15,-1-1 0,25 1 16,-25-1-16,1-24 0,24 0 15,-25 0-15,25 0 16,-25 0-16,25-24 0,-25-1 16,1 1-16,-1-25 15,1 25-15,-1-25 0,1 0 16,-25 0-16,0 25 0,0-25 16,0 0-16,-25 25 15,25-1-15,-24 1 0,24-1 16,-25 25-16,1 0 15,-1 0 1,25 25 0,0-1-1</inkml:trace>
+  <inkml:trace contextRef="#ctx0" brushRef="#br0" timeOffset="3240">1246 830 0,'-49'-49'16,"49"25"0,24 24-1,-24 24 1,0 1-16,25-1 15,-25 25-15,0-25 0,0 25 16,0 0-16,0 0 16,0 0-16,0-1 0,0 1 15,0-24-15,0 24 0,0-1 16,-25-23-16,25-1 16,0 1-16,0-1 0,-24 1 15,24-50 16,0 1-31,0-1 16,0 1-16,0-1 0,24-23 16,-24 23-16,25-24 0,-1 25 15,1-25-15,-1 25 16,0-1-16,1 25 0,-1-24 16,1 24-16,24 0 0,-25 0 15,0 24-15,1 1 16,-1-1-16,-24 0 0,25 1 15,-1-1-15,-24 1 16,24 24-16,1-25 0,-25 0 16,0 1-16,24-1 0,-24 1 15,0-1 1</inkml:trace>
+  <inkml:trace contextRef="#ctx0" brushRef="#br0" timeOffset="3541">1905 1123 0,'0'-24'16,"0"-1"15,25 25-15,-25 25-1,0-1-15,0 1 16,24-1-16,-24 0 0,0 1 16,0-1-16,0 25 15,0-25-15,0 1 0,0-1 16,0 1-1,0-1-15,0-48 32</inkml:trace>
+  <inkml:trace contextRef="#ctx0" brushRef="#br0" timeOffset="4345">1978 732 0,'-24'0'15,"24"-24"1,0 48 31</inkml:trace>
+  <inkml:trace contextRef="#ctx0" brushRef="#br0" timeOffset="4661">2198 732 0,'-24'0'0,"24"25"31,0-1-15,0 1-16,0-1 0,24 0 15,-24 25-15,0-24 16,0 24-16,0-1 0,25 1 16,-25 0-16,0 0 0,0 0 15,0-25-15,0 25 16,0-25-16,0 1 0,0-1 15,0 1-15,0-1 16</inkml:trace>
+  <inkml:trace contextRef="#ctx0" brushRef="#br0" timeOffset="5161">2540 1172 0,'-24'0'15,"24"24"32,24-24-31,1 0-1,-1 0-15,0 0 0,1 0 16,-1 0-16,1 0 16,-1 0-16,-24-24 15,25 24-15,-25-25 0,0 1 16,0 0 0,0-1-1,-25 25-15,25-24 0,-24 24 16,-1-25-16,1 25 15,-1 0-15,1 0 0,0 0 16,-1 0-16,1 0 16,24 25-16,-25-1 0,1 1 15,24-1-15,-25 25 0,25-25 16,0 25-16,0-24 16,25 23-16,-25 1 0,24-24 15,1-1-15,-1 25 16,1-25-16,23-24 0,-23 25 15,24-25-15,-25 0 0,25 0 16,0-25-16</inkml:trace>
+  <inkml:trace contextRef="#ctx0" brushRef="#br0" timeOffset="5760">4372 1148 0,'0'-25'15,"0"1"-15,0-1 16,0 1 0,-25 24-1,1 0-15,-25 0 16,25 0-16,-1 24 0,1 1 15,-1-1-15,1 1 16,-25 23-16,25-23 0,24 24 16,-25-1-16,25-23 15,-24 24-15,24-25 0,0 25 16,24-25-16,1 1 16,-1-1-16,1-24 0,23 25 15,-23-25-15,24 0 0,0-25 16,-1 25-16,1-24 15</inkml:trace>
+  <inkml:trace contextRef="#ctx0" brushRef="#br0" timeOffset="6669">4714 1196 0,'0'-24'15,"0"-1"16,0 50-15,-25-25 0,25 24-16,-24 1 0,0 24 15,24-25 1,0 0-16,0 1 0,0-1 16,0 1-16,0 24 0,0-25 15,24 0-15,-24 1 16,24-25-16,1 24 0,-1-24 15,1 0-15,-1 0 0,0 0 16,1-24-16,-1-1 16,1 25-16,-25-24 0,24 0 15,1-25-15,-25 24 16,0 1-16,24-25 0,-24 25 16,0-1-16,-24 1 15,-1-25-15,1 24 16,-1 1-16,1 24 0,-1 0 15,1 0 1,0 24 0,24 1-16,0-1 15,0 1 1,0-1 0,24-24-1,0 0 1,-24-24-16,25 24 0,-1-25 15,1 1 1,-1 24-16,1-25 0,-1 25 16,0-24-16,1 24 15,-1 0-15,-24-24 0,25 24 16,-1 0-16,1 0 0,-25 24 16,24 0-16,0-24 15,-24 25-15,25-1 0,-25 1 16,0-1-16,24 1 15,-24-1-15,0 0 0,25 1 16,-25-1-16,0 1 0,0-1 16,24-24-1,-24-24 17,24-1-17,-24 1-15,0-1 0,25 1 16,-25 0-16,24-1 15,1-24-15,-25 25 0,24-1 16,1 1-16,-1 0 0,0 24 16,1-25-16,-1 25 15,1 0-15,-1 0 16,1 25 0,-25-1-16,0 25 0,24-25 15,-24 25-15,0-24 0,0 23 16,0-23-16,0 24 15,0-25-15,0 1 0,0 23 32</inkml:trace>
+  <inkml:trace contextRef="#ctx0" brushRef="#br0" timeOffset="7297">6179 1318 0,'0'-24'0,"0"0"16,0-1 0,0 1-16,0-1 15,-24 25-15,24-24 16,0 0-16,-25-1 15,1 25 1,-1 0-16,1 0 16,0 25-16,-1-1 0,25 0 15,-24 1-15,-1-1 16,25 1-16,-24-1 0,0 25 16,24-25-16,0 1 15,0-1-15,0 1 0,24-1 16,0 0-1,1-24-15,-1 0 16,1 0-16,-1 0 16,0-24-16,1 0 0,-1-1 15,1 1-15,-1-1 16,-24-24-16,25 1 0,-25-1 16,24 0-16,-24 0 15,0 0-15,24 0 0,-24 1 16,0-1-16,0 0 15,0 24-15,0-23 0,0 23 16,0 50 15,0-1-31,0 0 0,0 25 16,0-24-16,0 24 16,25-1-16,-25 1 0,0 0 15,0 0-15,0 0 0,0-25 16,0 25-16,0 0 15,24-25-15,-24 1 0,0-1 16,0 1-16,0-1 16</inkml:trace>
+  <inkml:trace contextRef="#ctx0" brushRef="#br0" timeOffset="8353">6985 1367 0,'0'-24'16,"0"-1"15,0 50 32,0-1-48</inkml:trace>
+  <inkml:trace contextRef="#ctx0" brushRef="#br0" timeOffset="11663">6106 1979 0,'0'-25'16,"0"1"-16,0 0 16,-25 24-16,1-25 15,24 1-15,0-1 16,24 1 0,1 24-16,-1 0 0,1-25 15,-1 25-15,1 0 0,-1 0 16,25 0-16,-25 0 15,1 0-15,-1 0 0,25 25 16,-25-25-16,1 24 16,-1 1-16,1-1 0,-25 25 15,24-25-15,0 25 0,-24 0 16,0 0-16,0 0 16,0 24-16,0-24 0,-24 0 15,24 0-15,-24 0 0,24-1 16,-25 1-16,25 0 15,-24 0-15,24-25 0,-25 25 16,25-24-16,-24 23 16,24-23-16,-24 24 0,24-25 15,-25 1-15,1-1 0,-1 0 16,1 1-16,-25-1 16,25-24-16,-1 25 0,-24-25 15,25 0-15,-25 0 16,0-25-16,25 25 0,-1-24 15,-23 24-15,23-25 0,1 1 16,-1 0-16,1 24 16,-1-25-16,25 1 0,-24 24 15,24-25-15,0 1 16,-24 24-16,24-25 16,24 25 15,0 0-16,1 0 1</inkml:trace>
+  <inkml:trace contextRef="#ctx0" brushRef="#br0" timeOffset="12101">5935 2466 0,'0'-24'16,"-24"48"31,-1 1-47,1-1 15,-1 1 1,1-25-16,-25 24 0,25-24 16,-1 24-16,-24-24 15,25 0-15,-25 25 0,25-25 16,-1 0-16,1 0 16,-1 0-16,1 0 15,48 24 16,1 1-31,-1-1 16,1 25-16,-25-25 16,24 25-16,0 0 0,1 0 15,-25-25-15,24 25 0,-24 0 16,25-25-16,-1 25 16,1-24-16</inkml:trace>
+  <inkml:trace contextRef="#ctx0" brushRef="#br0" timeOffset="12754">6961 2027 0,'-25'0'16,"25"-25"-16,0 1 15,0-1 1,25 25-16,-25-24 0,24 24 15,-24-24-15,25 24 16,-1-25-16,0 25 0,1 0 16,-1 0-16,1 0 15,-1 25 1,0-1-16,-24 25 16,25-25-16,-25 25 0,24 0 15,-24 0-15,25 0 16,-25 0-16,0 24 0,0-24 15,0 0-15,0 24 16,-25-24-16,25-1 0,-24 1 16,-1 0-16,25-24 15,-48 23-15,23-23 0,1 24 16,-1-25-16,-23 1 0,23-1 16,-24 0-16,0-24 15,1 25-15,23-25 0,-24 24 16,25-24-16,-25 0 15,25 0-15,-1 0 0,1 0 16,24-24-16,-25 24 0,25-25 16,-24 1-1,24 0-15,0-1 16,24 1-16,-24-1 16,25 1-16,-1-1 15,1 25 1</inkml:trace>
+  <inkml:trace contextRef="#ctx0" brushRef="#br0" timeOffset="13123">6741 2711 0,'0'24'15,"-25"-24"17,1 0-17,0 0 1,24 24-16,-25-24 0,1 0 16,-1 25-16,1-1 15,0 1-15,-1-25 16,25 24-16,-24-24 0,-1 25 15,25-1-15,-24-24 16,24 24-16,0 1 16,0-1-1,24-24-15,-24 25 16,25-1-16,-1-24 0,1 25 16,-1-1-16,0-24 0,1 24 15,24-24-15,-25 0 16</inkml:trace>
+  <inkml:trace contextRef="#ctx0" brushRef="#br0" timeOffset="13864">7767 2002 0,'0'-24'0,"0"-1"16,24 1-16,-24 0 16,25-1-16,-25 1 0,24 24 15,-24-25-15,24 1 0,1 24 16,-1 0-1,1 0-15,-1 0 0,0 0 16,1 0-16,-1 24 0,25 1 16,-24-25-16,-1 24 15,0 1-15,1-1 0,-1 0 16,-24 25-16,25-24 16,-25 24-16,0-1 0,0 1 15,0 0-15,-25 0 0,25 0 16,-24 0-16,-1 0 15,25-1-15,-24 1 0,24-24 16,-24 23-16,-1 1 16,1-24-16,24 24 0,-25-25 15,1 0-15,-1 25 0,1-24 16,0-1-16,24 1 16,-25-1-16,1 0 0,-1 1 15,1-1-15,0-24 16,-25 0-16,24 25 0,1-25 15,-1 0-15,1 0 0,0 0 16,-1 0-16,1 0 16,-1 0-16,1-25 0,-1 1 31,25-1-31,0 1 16,0 0-16,25-1 15,-25 1-15</inkml:trace>
+  <inkml:trace contextRef="#ctx0" brushRef="#br0" timeOffset="14218">7718 2637 0,'0'25'47,"-25"-25"-31,25 24-1,-24 1-15,0-1 16,24 0-16,-25-24 16,1 25-16,-1-1 15,1 1-15,-1-1 16,25 1-16,-24-25 15,24 24-15,-24-24 0,24 24 16,0 1-16,0-1 16,24 1-1,0-1-15,-24 1 16,25-25-16,-1 24 0</inkml:trace>
+  <inkml:trace contextRef="#ctx0" brushRef="#br0" timeOffset="15559">440 2930 0,'0'25'16,"0"-1"0,0 1 15,0-1-15,0 0-1,24-24-15,1 0 16,-1 0-16,0 0 15,1 0 1,-1 0-16,1 0 0,-1 0 16,1-24-1,-1 0-15,-24-1 16,24 1-16,-24-1 0,0 1 16,0 0-16,-24-25 15,0 24-15,24 1 0,-25-1 16,1 25-16,-25-24 15,24 24-15,1 0 0,0 0 16,-25 0-16,24 0 0,1 24 16,-1 1-16,1-1 15,0 25-15,-1-24 0,25 23 16,0 1-16,0 0 16,0 0-16,0 0 0,0 0 15,0-25-15,25 25 0,-25-25 16,24 1-16,0-1 15,1 1-15,-25-1 0,49-24 16,-25 0-16,1 0 16,-1 0-16,0-24 0,25-1 15</inkml:trace>
+  <inkml:trace contextRef="#ctx0" brushRef="#br0" timeOffset="16045">928 2882 0,'0'-25'16,"0"1"0,0-1-16,0 1 15,25-1 1,-1 25 0,-24 25-16,24-1 15,-24 1 1,0-1-16,0 25 0,0-25 15,0 1-15,0 24 0,0-25 16,0 25-16,0-25 16,0 1-16,0-1 0,0 1 15,0-1 1,0-48 0,0-1-1,25 1 1,-25-25-16,24 25 0,1-25 15,-1 24-15,1-24 16,-1 25-16,0 0 0,1-1 16,24 1-16,-25 24 0,1 0 15,-1 0-15,0 0 16,1 24-16,-1-24 0,1 25 16,-25 23-16,24-23 15,-24-1-15,0 25 0,0-24 16,0 23-16,0-23 0,0-1 15,-24 1-15,24-1 16,-25-24-16,25 24 0,-24-24 16</inkml:trace>
+  <inkml:trace contextRef="#ctx0" brushRef="#br0" timeOffset="16602">1930 3028 0,'24'0'0,"-24"-24"15,0-1-15,-24 25 16,-1-24 0,1 24-16,-1 0 15,1 0-15,-1 0 16,1 24-16,0-24 15,-1 25-15,25-1 0,-24 1 16,-1-1-16,25 0 16,0 1-16,-24-1 0,24 25 15,0-25-15,24-24 0,-24 25 16,25-1-16,-1 1 16,1-25-16,-1 0 15,0 0-15,1 0 0,-1-25 16,1 25-16,-1-24 15,1-25-15,-1 25 0,0-25 16,-24 0-16,25 0 16,-25 0-16,24 0 0,-24-24 15,25 24-15,-25 0 0,24 1 16,-24 23-16,0 1 16,25 24-16,-25 24 31,0 1-31,0 23 0,0-23 15,0 24-15,-25 0 0,25-1 16,0 1-16,0 0 16,0 24-16,0-48 0,0 24 15,0-1-15,0-23 16,0-1-16,0 1 0,25-1 16</inkml:trace>
+  <inkml:trace contextRef="#ctx0" brushRef="#br0" timeOffset="17293">2540 3004 0,'-24'0'16,"24"-25"-16,-25 25 16,1 0-1,24 25 1,-25-25-16,25 24 16,-24 1-16,24-1 0,0 0 15,-24 1-15,24-1 0,0 25 16,-25-25-16,25 1 15,0 24-15,25-25 0,-25 1 16,24-1-16,-24 0 0,24-24 16,1 25-16,-1-25 15,1 0-15,-1 0 0,1 0 16,-1-25-16,-24 1 16,24 0-16,1-1 0,-1 1 15,1-1-15,-25-24 0,0 25 16,24 0-16,-24-1 15,0 1-15,0-1 0,0 50 32,-24-1-17,24 1-15,0-1 0,0 0 16,0 1-16,24 24 16,-24-25-16,24 1 0,1-1 15,-1 0-15,1-24 16,-1 25-16,1-25 15,-1 0-15,25-25 0,-25 25 16,1-24-16,-1 0 16,1-1-16,-1 1 0,0-1 15,-24-24-15,25 25 0,-25-25 16,0 25-16,0-25 16,-25 25-16,1-1 0,24 1 15,-24 24-15,-1-25 16,1 25-16,-1 0 15,1 0-15,24 25 16</inkml:trace>
+  <inkml:trace contextRef="#ctx0" brushRef="#br0" timeOffset="17811">3346 2906 0,'0'-24'16,"0"-1"-16,0 1 0,0-1 15,25 25 17,-25 25-32,0-1 15,0 1-15,0 23 0,0 1 16,0 0-16,-25 0 0,25 0 15,0 24-15,-24-24 16,24 0-16,0 0 0,0-25 16,0 0-16,0 1 0,0-1 15,0 1-15,0-50 32,24 25-17,-24-24-15,25-1 0,-1-23 16,0 23-16,1 1 15,-1-25-15,25 24 0,-25 1 16,25 0-16,-24 24 0,-1-25 16,25 25-16,-25 0 15,1 0-15,-1 0 0,1 25 16,-1-1 0,-24 0-16,25 1 0,-25-1 15,0 1-15,0-1 0,0 1 16,0-1-16,0 0 15,0 1-15,0-1 0,0 1 16</inkml:trace>
+  <inkml:trace contextRef="#ctx0" brushRef="#br0" timeOffset="18066">4152 3175 0,'0'-25'16,"0"50"15,24-25-15,-24 24-16,0 0 0,0 1 15,0-1-15,25 1 16,-25-1-16,0 25 0,0-25 15,0 1-15,0-1 0,0 1 16,0-1-16,0 1 16</inkml:trace>
+  <inkml:trace contextRef="#ctx0" brushRef="#br0" timeOffset="18253">4250 2808 0,'0'-24'15,"-25"24"-15,1 0 16,24 24 0,0 1-1,-25-25-15,25 24 16</inkml:trace>
+  <inkml:trace contextRef="#ctx0" brushRef="#br0" timeOffset="18546">4494 2955 0,'0'24'16,"0"1"-1,0-1 1,0 1 0,0 23-16,0-23 15,0 24-15,0-25 0,0 25 16,0 0-16,0 0 16,0-1-16,0 1 0,0 0 15,0-24-15,0 23 0,0-23 16,0-1-16,0 1 15,0-1-15,0 0 16,0-48 0</inkml:trace>
+  <inkml:trace contextRef="#ctx0" brushRef="#br0" timeOffset="18990">4934 3468 0,'24'0'79,"0"0"-64,1 0 1,-1 0-16,1 0 0,-1 0 15,1-25-15,-1 25 16,0-24-16,1-1 16,-25 1-1,-25 0-15,1 24 16,0-25-16,-1 25 0,1-24 16,-25 24-16,24 0 0,-23 0 15,-1 0-15,24 0 16,1 24-16,-25 1 0,49-1 15,-24 0-15,24 1 16,0-1-16,0 25 0,24 0 16,0-25-16,1 25 0,24-24 15,-25-1-15,25 1 16,0-1-16,0 0 0,0-24 16,-1 0-16,1 0 15,-24 0-15,23-24 0</inkml:trace>
+  <inkml:trace contextRef="#ctx0" brushRef="#br0" timeOffset="19200">5715 3468 0,'25'24'15,"-1"1"-15,0-1 16,1 0-1,-1-24 1,-24 25-16,25-25 16,-25-25-1</inkml:trace>
+</inkml:ink>
+</file>
+
+<file path=ppt/ink/ink137.xml><?xml version="1.0" encoding="utf-8"?>
+<inkml:ink xmlns:inkml="http://www.w3.org/2003/InkML">
+  <inkml:definitions>
+    <inkml:context xml:id="ctx0">
+      <inkml:inkSource xml:id="inkSrc0">
+        <inkml:traceFormat>
+          <inkml:channel name="X" type="integer" max="1920" units="cm"/>
+          <inkml:channel name="Y" type="integer" max="1080" units="cm"/>
+          <inkml:channel name="T" type="integer" max="2.14748E9" units="dev"/>
+        </inkml:traceFormat>
+        <inkml:channelProperties>
+          <inkml:channelProperty channel="X" name="resolution" value="55.81395" units="1/cm"/>
+          <inkml:channelProperty channel="Y" name="resolution" value="55.6701" units="1/cm"/>
+          <inkml:channelProperty channel="T" name="resolution" value="1" units="1/dev"/>
+        </inkml:channelProperties>
+      </inkml:inkSource>
+      <inkml:timestamp xml:id="ts0" timeString="2020-11-17T21:04:14.429"/>
+    </inkml:context>
+    <inkml:brush xml:id="br0">
+      <inkml:brushProperty name="width" value="0.05" units="cm"/>
+      <inkml:brushProperty name="height" value="0.05" units="cm"/>
+      <inkml:brushProperty name="fitToCurve" value="1"/>
+    </inkml:brush>
+  </inkml:definitions>
+  <inkml:trace contextRef="#ctx0" brushRef="#br0">0 0 0,'0'24'0,"25"-24"93,-1 25-77,0-25-16,1 0 16,24 0-16,0 24 0,-1-24 15,1 25-15,0-25 16,0 0-16,0 0 0,0 24 16,-25-24-16,0 0 0,1 0 15,-1 0-15,1 0 16,-25-24-1,-25 24 1</inkml:trace>
+  <inkml:trace contextRef="#ctx0" brushRef="#br0" timeOffset="390">171 268 0,'0'-24'63,"25"24"-48,-1 0-15,0 0 16,1 0-16,-1 0 0,1 0 16,24 0-16,-25 0 15,25 0-15,0 0 0,-1 0 16,-23 0-16,24 0 15,-25 0-15,1 0 0,-1 0 16,0 24-16</inkml:trace>
+</inkml:ink>
+</file>
+
+<file path=ppt/ink/ink138.xml><?xml version="1.0" encoding="utf-8"?>
+<inkml:ink xmlns:inkml="http://www.w3.org/2003/InkML">
+  <inkml:definitions>
+    <inkml:context xml:id="ctx0">
+      <inkml:inkSource xml:id="inkSrc0">
+        <inkml:traceFormat>
+          <inkml:channel name="X" type="integer" max="1920" units="cm"/>
+          <inkml:channel name="Y" type="integer" max="1080" units="cm"/>
+          <inkml:channel name="T" type="integer" max="2.14748E9" units="dev"/>
+        </inkml:traceFormat>
+        <inkml:channelProperties>
+          <inkml:channelProperty channel="X" name="resolution" value="55.81395" units="1/cm"/>
+          <inkml:channelProperty channel="Y" name="resolution" value="55.6701" units="1/cm"/>
+          <inkml:channelProperty channel="T" name="resolution" value="1" units="1/dev"/>
+        </inkml:channelProperties>
+      </inkml:inkSource>
+      <inkml:timestamp xml:id="ts0" timeString="2020-11-17T21:04:17.681"/>
+    </inkml:context>
+    <inkml:brush xml:id="br0">
+      <inkml:brushProperty name="width" value="0.05" units="cm"/>
+      <inkml:brushProperty name="height" value="0.05" units="cm"/>
+      <inkml:brushProperty name="fitToCurve" value="1"/>
+    </inkml:brush>
+  </inkml:definitions>
+  <inkml:trace contextRef="#ctx0" brushRef="#br0">0 73 0,'0'-24'15,"0"-1"1,0 1 0,25 24 15,-1 24-15,0-24-16,25 25 0,0-1 15,0 1-15,0 23 16,24 1-16,-24 0 0,24 24 15,0 1-15,-24 23 16,25 1-16,-26 24 0,1-24 16,25 24-16,-50-24 0,25 24 15,-25-25-15,1 1 16,24 0-16,-49-1 0,24 1 16,0-25-16,-24 25 15,25-25-15,-25 25 0,24-25 16,-24 1-16,25-1 0,-25 0 15,0 0-15,24-24 16,-24 0-16,0 0 0,0-25 16,24 1-16,-24-1 15,0-48 63,-24-1-62</inkml:trace>
+  <inkml:trace contextRef="#ctx0" brushRef="#br0" timeOffset="265">782 2393 0,'-25'0'0,"25"25"16,0-1-1,25-24 1,-1 25-16,1-1 16,-1-24-16,0 24 15,1 1 1,-25-1-16,24-24 0,1 25 15,-1-25-15,-24 24 16,24-24-16,1 0 16,-1 0-16</inkml:trace>
+  <inkml:trace contextRef="#ctx0" brushRef="#br0" timeOffset="816">1466 2344 0,'0'-24'16,"24"24"0,-24-24-16,24 24 31,-24 24-15,-24-24-1,24 24 1,-24-24-16,24 25 15,-25-25 1,25 24-16,-24-24 0,24 25 16,-25-25-16,25 24 0,-24-24 15,24 25-15,-25-25 16,25 24-16,-24-24 0,0 24 16,-1-24-1,25 25-15,-24-25 0,24 24 16,-25-24-16,1 0 31,24 25-31,-25-25 31,25 24-15,0-48 109</inkml:trace>
+</inkml:ink>
+</file>
+
+<file path=ppt/ink/ink139.xml><?xml version="1.0" encoding="utf-8"?>
+<inkml:ink xmlns:inkml="http://www.w3.org/2003/InkML">
+  <inkml:definitions>
+    <inkml:context xml:id="ctx0">
+      <inkml:inkSource xml:id="inkSrc0">
+        <inkml:traceFormat>
+          <inkml:channel name="X" type="integer" max="1920" units="cm"/>
+          <inkml:channel name="Y" type="integer" max="1080" units="cm"/>
+          <inkml:channel name="T" type="integer" max="2.14748E9" units="dev"/>
+        </inkml:traceFormat>
+        <inkml:channelProperties>
+          <inkml:channelProperty channel="X" name="resolution" value="55.81395" units="1/cm"/>
+          <inkml:channelProperty channel="Y" name="resolution" value="55.6701" units="1/cm"/>
+          <inkml:channelProperty channel="T" name="resolution" value="1" units="1/dev"/>
+        </inkml:channelProperties>
+      </inkml:inkSource>
+      <inkml:timestamp xml:id="ts0" timeString="2020-11-17T21:04:39.160"/>
+    </inkml:context>
+    <inkml:brush xml:id="br0">
+      <inkml:brushProperty name="width" value="0.05" units="cm"/>
+      <inkml:brushProperty name="height" value="0.05" units="cm"/>
+      <inkml:brushProperty name="fitToCurve" value="1"/>
+    </inkml:brush>
+  </inkml:definitions>
+  <inkml:trace contextRef="#ctx0" brushRef="#br0">63 317 0,'-24'-24'0,"-1"24"0,1 0 31,48 0 16,1 0-47,-1 0 16,1 0-16,-1 0 15,25 0-15,0 0 0,0 0 16,-1-25-16,1 25 0,0 0 16,0 0-16,-25 0 15,25 0-15,-24 0 16,-1 0-16,-24-24 47,-24 24-47,-1 0 15</inkml:trace>
+  <inkml:trace contextRef="#ctx0" brushRef="#br0" timeOffset="547">503 0 0,'-25'0'16,"1"0"-16,-1 0 16,1 0-16,48 0 47,1 0-32,-1 24-15,1-24 16,24 25-16,-25-25 0,25 24 15,-25 0-15,25-24 16,-24 25-16,23-25 0,-23 24 16,-1-24-16,1 25 15,-1-25-15,1 24 16,-1-24 0,-24 25-1,0-1 1,-24-24-16,24 24 0,-25-24 15,25 25-15,-24-1 16,-1 1-16,1-1 0,-1 1 16,1-1-16,0 0 15,-1 1-15,1-25 0,-1 24 16,25 1-16,-24-1 0,24 1 16,-25-1-1,25-48 63</inkml:trace>
 </inkml:ink>
 </file>
 
@@ -942,6 +1698,459 @@
 </inkml:ink>
 </file>
 
+<file path=ppt/ink/ink140.xml><?xml version="1.0" encoding="utf-8"?>
+<inkml:ink xmlns:inkml="http://www.w3.org/2003/InkML">
+  <inkml:definitions>
+    <inkml:context xml:id="ctx0">
+      <inkml:inkSource xml:id="inkSrc0">
+        <inkml:traceFormat>
+          <inkml:channel name="X" type="integer" max="1920" units="cm"/>
+          <inkml:channel name="Y" type="integer" max="1080" units="cm"/>
+          <inkml:channel name="T" type="integer" max="2.14748E9" units="dev"/>
+        </inkml:traceFormat>
+        <inkml:channelProperties>
+          <inkml:channelProperty channel="X" name="resolution" value="55.81395" units="1/cm"/>
+          <inkml:channelProperty channel="Y" name="resolution" value="55.6701" units="1/cm"/>
+          <inkml:channelProperty channel="T" name="resolution" value="1" units="1/dev"/>
+        </inkml:channelProperties>
+      </inkml:inkSource>
+      <inkml:timestamp xml:id="ts0" timeString="2020-11-17T21:04:37.097"/>
+    </inkml:context>
+    <inkml:brush xml:id="br0">
+      <inkml:brushProperty name="width" value="0.05" units="cm"/>
+      <inkml:brushProperty name="height" value="0.05" units="cm"/>
+      <inkml:brushProperty name="fitToCurve" value="1"/>
+    </inkml:brush>
+  </inkml:definitions>
+  <inkml:trace contextRef="#ctx0" brushRef="#br0">49 73 0,'-24'0'0,"24"-25"16,-25 1 0,25 0-1,25 24 16,-25 24 1,0 0-17,24 1-15,-24 24 0,0 0 16,24-1-16,-24 26 16,0-1-16,25 0 0,-25 25 15,24-25-15,-24 25 16,25-25-16,-25 0 0,0 1 15,0-26-15,0 1 0,0 0 16,0-24-16,0-1 16,0 0-16,0-48 31</inkml:trace>
+  <inkml:trace contextRef="#ctx0" brushRef="#br0" timeOffset="466">562 244 0,'24'-25'0,"-24"1"16,25 24-16,-50 24 31,25 1-15,-24 24-16,24-25 0,-25 25 15,1 0-15,0-25 16,-1 25-16,-24 0 0,25 0 16,-1 0-16,-23-1 0,23-23 15,-24-1-15,25 1 16,0-1-16,-1 1 0,1-25 16,-1 24-16,1-24 15,24-24-15,0-1 16,24 25-16,-24-24 15,25-1-15,-1 25 16,1 0-16,23 0 0,-23 0 16,-1 0-16,25 25 15,-25-25-15,25 24 0,-24 25 16,24-25-16,-25 1 0,0 24 16,25-25-16,-24 1 15,-1 23-15,1-23 0,23-1 16,-23 1-16,-1-1 15,1-24-15,-1 24 0,1-24 16</inkml:trace>
+  <inkml:trace contextRef="#ctx0" brushRef="#br0" timeOffset="754">1002 683 0,'-25'-24'16,"1"24"-1,24 24 17,0 1-32,24-25 15,-24 24-15,0 1 16,25-1-16,-25 1 0,0-1 15,24 25-15,-24-25 0,0 1 16,0-1-16,0 1 16,0-1-16,24-24 0,-24 24 15</inkml:trace>
+  <inkml:trace contextRef="#ctx0" brushRef="#br0" timeOffset="964">977 341 0,'0'-24'0,"-24"24"0,24-24 16,24 24 46</inkml:trace>
+  <inkml:trace contextRef="#ctx0" brushRef="#br0" timeOffset="1282">1319 317 0,'0'24'47,"0"1"-31,0-1-16,24 1 15,-24 24-15,0-25 0,25 25 16,-25 0-16,0 0 15,24-1-15,-24 26 0,0-50 16,25 25-16,-25 0 0,0-25 16,0 25-16,24-24 15,-24-1-15,0 0 0,0 1 16</inkml:trace>
+  <inkml:trace contextRef="#ctx0" brushRef="#br0" timeOffset="1607">1685 390 0,'0'-24'0,"0"-1"15,0 50 16,0 24-15,0-25-16,0 1 0,25 23 16,-25-23-16,0 24 0,24 0 15,-24-1-15,25 1 16,-25 0-16,24 0 0,-24 0 16,0 0-16,24-25 0,-24 25 15,25-25-15,-25 1 16,0-1-16,0 1 0,0-1 15,0 0-15,0-48 32</inkml:trace>
+</inkml:ink>
+</file>
+
+<file path=ppt/ink/ink141.xml><?xml version="1.0" encoding="utf-8"?>
+<inkml:ink xmlns:inkml="http://www.w3.org/2003/InkML">
+  <inkml:definitions>
+    <inkml:context xml:id="ctx0">
+      <inkml:inkSource xml:id="inkSrc0">
+        <inkml:traceFormat>
+          <inkml:channel name="X" type="integer" max="1920" units="cm"/>
+          <inkml:channel name="Y" type="integer" max="1080" units="cm"/>
+          <inkml:channel name="T" type="integer" max="2.14748E9" units="dev"/>
+        </inkml:traceFormat>
+        <inkml:channelProperties>
+          <inkml:channelProperty channel="X" name="resolution" value="55.81395" units="1/cm"/>
+          <inkml:channelProperty channel="Y" name="resolution" value="55.6701" units="1/cm"/>
+          <inkml:channelProperty channel="T" name="resolution" value="1" units="1/dev"/>
+        </inkml:channelProperties>
+      </inkml:inkSource>
+      <inkml:timestamp xml:id="ts0" timeString="2020-11-17T21:04:43.155"/>
+    </inkml:context>
+    <inkml:brush xml:id="br0">
+      <inkml:brushProperty name="width" value="0.05" units="cm"/>
+      <inkml:brushProperty name="height" value="0.05" units="cm"/>
+      <inkml:brushProperty name="fitToCurve" value="1"/>
+    </inkml:brush>
+  </inkml:definitions>
+  <inkml:trace contextRef="#ctx0" brushRef="#br0">1 318 0,'0'24'62,"24"-24"-62,-24 24 32,25-24-32,-1 0 15,-24 25-15,24-25 16,1 0 0,-1 24-16,1-24 0,-1 0 15,1 0-15,23 0 0,-23 0 16,-1 0-16,1 0 15,-1-24-15,1 24 0,-1 0 16,-24-25-16,24 25 16,-24-24-16,0 0 15,0-1-15,0 1 16,-24 24 0,0-25-16,-1 1 15,1 24-15,-1 0 0,1 0 16,-25 0-16,25 0 15,-1 0-15,-24 0 0,25 0 16,-1 0-16,1 24 16,0-24-16,-1 0 0,1 25 15,24-1-15,0 1 16,0-1-16,0 25 16,0-25-16,24 1 0,-24 24 15,25-25-15,-1 0 16,0 1-16,1-1 0,-1 1 15,1-1-15,-1 1 0,1-1 16,23 0-16,-23-24 16,-1 25-16,25-25 0,-24 24 15,23-24-15,1 0 16,-24 0-16,23 0 0,-23 0 16,24-24-16,-25 24 0,1 0 15,-1-25-15,0 25 16,1-24-16,-25 0 0</inkml:trace>
+  <inkml:trace contextRef="#ctx0" brushRef="#br0" timeOffset="341">782 269 0,'0'24'63,"25"1"-48,-25-1 1,24 0-16,-24 1 15,25-1-15,-1 1 0,0-1 16,1 1-16,-25-1 0,24 0 16,1 1-16,-1-1 15,1 1-15,-25-1 16</inkml:trace>
+  <inkml:trace contextRef="#ctx0" brushRef="#br0" timeOffset="643">1002 244 0,'0'-24'16,"-24"24"-16,-1 0 15,25 24 1,-24 1-16,-1-1 15,25 1-15,-24-1 0,24 0 16,-24 1-16,24-1 16,0 1-16,-25 24 0,25-25 15,0 0-15,0 1 16,0 24-16,0-25 0,0 1 16,-24-1-16,24 0 15,0 1-15,24-1 16,1-24-1,-25-24 1</inkml:trace>
+  <inkml:trace contextRef="#ctx0" brushRef="#br0" timeOffset="1007">1222 244 0,'0'-24'15,"0"48"32,24-24-31,-24 25-16,0-1 0,25 1 15,-25-1 1,0 0-16,24 25 0,-24-24 16,25-1-16,-25 1 15,24-1-15,-24 0 0,0 1 16,24-1-16,-24 1 16,25-25-16,-25 24 15,24-24-15,-24-24 16,25-1-1</inkml:trace>
+  <inkml:trace contextRef="#ctx0" brushRef="#br0" timeOffset="1261">1197 25 0,'-24'0'16,"48"0"47,-24 24-48</inkml:trace>
+  <inkml:trace contextRef="#ctx0" brushRef="#br0" timeOffset="1765">1613 49 0,'0'-24'16,"0"-1"0,24 50 31,-24-1-32,0 0-15,25 25 0,-25-24 16,0 24-16,0-25 0,24 25 15,-24 0-15,0-25 16,24 25-16,-24 0 0,0-25 16,25 25-16,-25-25 15,24 1-15,-24-1 0,25 1 16,-25-1-16,24-24 0,-24 25 16,25-25-16,-1 0 15,0 0-15,1 0 16,-1-25-16,1 1 15</inkml:trace>
+  <inkml:trace contextRef="#ctx0" brushRef="#br0" timeOffset="1986">1613 269 0,'-25'0'0,"50"0"32,-1 0-32,1 0 15,23 0-15,-23 0 0,-1 0 16,1 0-16,-1 0 16,0 0-16,1 0 0,-1 0 15,1 0-15</inkml:trace>
+  <inkml:trace contextRef="#ctx0" brushRef="#br0" timeOffset="2502">2345 440 0,'-24'0'15,"48"24"48,-24 1-32,-24-25 0,0 24-31,-1-24 16,25-24-1,-24 24 1,24-25-16,0 1 16,0-1-1,24 25 1,-24-24 0,0 48 15</inkml:trace>
+</inkml:ink>
+</file>
+
+<file path=ppt/ink/ink142.xml><?xml version="1.0" encoding="utf-8"?>
+<inkml:ink xmlns:inkml="http://www.w3.org/2003/InkML">
+  <inkml:definitions>
+    <inkml:context xml:id="ctx0">
+      <inkml:inkSource xml:id="inkSrc0">
+        <inkml:traceFormat>
+          <inkml:channel name="X" type="integer" max="1920" units="cm"/>
+          <inkml:channel name="Y" type="integer" max="1080" units="cm"/>
+          <inkml:channel name="T" type="integer" max="2.14748E9" units="dev"/>
+        </inkml:traceFormat>
+        <inkml:channelProperties>
+          <inkml:channelProperty channel="X" name="resolution" value="55.81395" units="1/cm"/>
+          <inkml:channelProperty channel="Y" name="resolution" value="55.6701" units="1/cm"/>
+          <inkml:channelProperty channel="T" name="resolution" value="1" units="1/dev"/>
+        </inkml:channelProperties>
+      </inkml:inkSource>
+      <inkml:timestamp xml:id="ts0" timeString="2020-11-17T21:05:39.082"/>
+    </inkml:context>
+    <inkml:brush xml:id="br0">
+      <inkml:brushProperty name="width" value="0.05" units="cm"/>
+      <inkml:brushProperty name="height" value="0.05" units="cm"/>
+      <inkml:brushProperty name="fitToCurve" value="1"/>
+    </inkml:brush>
+  </inkml:definitions>
+  <inkml:trace contextRef="#ctx0" brushRef="#br0">227 342 0,'0'-24'15,"0"-1"1,24 25 0,-24-24-16,0 0 15,-24 24 1,-1 0-1,1 0 1,-1 0-16,1 24 0,0 0 16,-1 1-1,1-1-15,24 25 0,-25-24 16,25-1-16,-24 25 0,24-25 16,0 25-16,0-24 15,24-1-15,-24 25 0,25-25 16,-1 1-16,1-1 15,23-24-15,-23 24 0,-1-24 16,25 25-16,-24-25 16,23 0-16,-23-25 0,-1 1 15</inkml:trace>
+  <inkml:trace contextRef="#ctx0" brushRef="#br0" timeOffset="474">666 342 0,'0'-24'0,"-24"24"0,24-25 16,-25 25 0,1 0 15,24 25-31,0-1 15,0 1-15,0-1 16,0 1-16,0 23 16,0-23-16,0-1 0,24 1 15,1-1 1,-1 1-16,1-25 0,-1 24 16,1-24-16,-1 0 0,0 0 15,1 0-15,-1-24 16,-24-1-16,0 1 15,0-1 1,0 1-16,0-1 0,-24 1 16,24-25-16,-25 25 0,1-1 15,0 1-15,-1-1 16,1 1-16,-1 24 16,1-24-16,-1 24 15,25 24 1,0 0-16,25 1 31</inkml:trace>
+  <inkml:trace contextRef="#ctx0" brushRef="#br0" timeOffset="1014">1008 318 0,'-24'0'16,"24"-25"-1,0 1 17,24 24-32,1 24 15,-1 1-15,0-1 16,1 1-1,-1 24-15,-24-25 0,0 0 16,25 1-16,-25-1 0,0 1 16,24-25-16,-24 24 15,0 1-15,0-50 47,0 1-47,-24-1 16,24 1-16,0-1 15,0 1-15,0 0 0,24-1 16,1-24-16,-25 25 16,24-1-16,0 1 0,1 0 15,-1-1-15,1 25 0,-1 0 16,1 0-16,-1 0 16,0 25-16,1-1 0,-1-24 15,1 24-15,-25 1 16,24 24-16,-24-25 0,24 1 15,-24-1-15,0 0 0,0 1 16,0-1-16,0 1 16,0-1-16,25-24 0,-25 25 15</inkml:trace>
+  <inkml:trace contextRef="#ctx0" brushRef="#br0" timeOffset="1319">1790 123 0,'0'-25'0,"-25"1"16,25-1-1,-24 25-15,48 0 31,-24 25-15,25-1-16,-25 1 0,24-1 16,-24 25-16,25 0 15,-25-25-15,0 25 0,24 0 16,-24 0-16,24-25 0,-24 25 16,0-25-16,25 1 15,-25-1-15,0 1 0</inkml:trace>
+  <inkml:trace contextRef="#ctx0" brushRef="#br0" timeOffset="1721">1741 416 0,'0'-25'0,"-25"25"0,25-24 16,25-1-1,-1 25-15,1 0 16,-1-24-16,1 24 0,23 0 16,-23 0-16,24 0 15,-25 0-15,25 0 0,-25 0 16,1-25-16,-1 25 16,1 0-16,-1 0 0,0 0 15,-24-24-15,0 0 31,0 48 1,0 0-1,0 1-31,0-1 0,0 1 16,0-1-16,25 1 0,-25-1 15,24 25-15,-24-25 16,0 1-16,25-1 0,-1 1 15</inkml:trace>
+  <inkml:trace contextRef="#ctx0" brushRef="#br0" timeOffset="1926">2205 122 0,'0'-48'15,"0"23"-15,-25 1 16,25-1-16,25 50 47,-1-1-31,-24 1-1</inkml:trace>
+  <inkml:trace contextRef="#ctx0" brushRef="#br0" timeOffset="2417">2327 171 0,'0'25'0,"24"-25"47,1 0-16,-1 24-31,-24 1 0,25-1 16,-25 0-16,24 1 0,-24 24 16,25-25-16,-25 1 15,0 23-15,0-23 0,0-1 16,24 1-16,-24-1 16,0 1-16,24-25 15,-24-25 16,-24 1-15,24-1-16,0 1 16,0-1-16,0-23 0,24 23 15,-24-24-15,25 25 0,-1-25 16,1 25-16,-1-1 16,1 1-16,-1 24 0,0 0 15,1 0-15,-1 24 16,1-24-16,-1 25 15,-24-1-15,24 0 0,-24 1 16,25-1-16,-25 1 16,0 24-16,0-25 0,0 0 15,0 1-15,0-1 16,0 1-16,0-1 16</inkml:trace>
+  <inkml:trace contextRef="#ctx0" brushRef="#br0" timeOffset="2928">3133 269 0,'-49'0'0,"25"-24"16,-1-1-16,1 25 15,24-24 1,-25 24-16,25 24 47,0 1-47,0-1 16,25 0-16,-25 1 15,0 24-15,24-25 0,-24 1 16,25 23-16,-1-23 0,-24-1 15,25-24-15,-1 25 16,0-25-16,1 24 0,-1-24 16,25 0-16,-24 0 15,-1 0-15,0-24 16,1 24-16,-25-25 0,24 1 16,-24-1-16,25 1 15,-25 0-15,0-1 0,0-24 16,-25 25-16,1-25 15,24 25-15,-25-25 0,25 24 16,-24 25-16,24-24 0,-24 24 16,24 24-1,0 1 1,0-1 0,24 1-16,0-1 15</inkml:trace>
+  <inkml:trace contextRef="#ctx0" brushRef="#br0" timeOffset="3360">3597 269 0,'0'24'47,"24"-24"-31,1 0-1,-1 0 1,1 0-16,-1 0 16,1 0-16,-1 0 15,0-24-15,1 24 16,-25-24 0,24 24-16,-24-25 0,0 1 15,-24-1 1,24 1-16,-25 24 0,1-24 15,0 24-15,-1-25 0,1 25 16,-1 0-16,-24 0 16,25 0-16,0 25 0,-1-1 15,1 0-15,24 1 16,0 24-16,0-25 0,0 25 16,0 0-16,24-25 0,1 25 15,-1-25-15,0 1 16,25-1-16,-24 1 0,24-1 15,-25-24-15,0 0 16,25 0-16,-24 0 0,-1-24 16</inkml:trace>
+  <inkml:trace contextRef="#ctx0" brushRef="#br0" timeOffset="3708">4183 367 0,'-24'0'0,"48"-25"47,1 25-31,-50 0 31,25 25-47,-24-25 15,-1 0 1,25-25 15,0 1 0</inkml:trace>
+</inkml:ink>
+</file>
+
+<file path=ppt/ink/ink143.xml><?xml version="1.0" encoding="utf-8"?>
+<inkml:ink xmlns:inkml="http://www.w3.org/2003/InkML">
+  <inkml:definitions>
+    <inkml:context xml:id="ctx0">
+      <inkml:inkSource xml:id="inkSrc0">
+        <inkml:traceFormat>
+          <inkml:channel name="X" type="integer" max="1920" units="cm"/>
+          <inkml:channel name="Y" type="integer" max="1080" units="cm"/>
+          <inkml:channel name="T" type="integer" max="2.14748E9" units="dev"/>
+        </inkml:traceFormat>
+        <inkml:channelProperties>
+          <inkml:channelProperty channel="X" name="resolution" value="55.81395" units="1/cm"/>
+          <inkml:channelProperty channel="Y" name="resolution" value="55.6701" units="1/cm"/>
+          <inkml:channelProperty channel="T" name="resolution" value="1" units="1/dev"/>
+        </inkml:channelProperties>
+      </inkml:inkSource>
+      <inkml:timestamp xml:id="ts0" timeString="2020-11-17T21:01:40.403"/>
+    </inkml:context>
+    <inkml:brush xml:id="br0">
+      <inkml:brushProperty name="width" value="0.05" units="cm"/>
+      <inkml:brushProperty name="height" value="0.05" units="cm"/>
+      <inkml:brushProperty name="fitToCurve" value="1"/>
+    </inkml:brush>
+  </inkml:definitions>
+  <inkml:trace contextRef="#ctx0" brushRef="#br0">6079 416 0,'-24'0'0,"-1"0"15,25-25 1,25 1-1,-1 24 1,1 0 0,23-25-16,-23 25 0,-1 0 15,1 0-15,23 0 0,-23-24 16,24 24-16,-25 0 16,25 0-16,-25 0 0,1 0 15,-1 0-15,1 0 0</inkml:trace>
+  <inkml:trace contextRef="#ctx0" brushRef="#br0" timeOffset="216">6103 587 0,'-24'24'0,"24"0"15,0 1 1,24-25-1,-24 24-15,25-24 0,-1 0 16,1 0-16,24 0 16,-25 0-16,25-24 0,-25 24 15,25 0-15,-24 0 16,23 0-16,-23 0 0,-1 0 16,1 0-16</inkml:trace>
+  <inkml:trace contextRef="#ctx0" brushRef="#br0" timeOffset="-1578">2684 220 0,'-24'0'16,"-1"0"-16,1 0 0,0 0 15,-1 0-15,1 0 16,24-24-16,-25-1 16,25 1-1,25-1 1,-1 1-16,1 24 0,-1-24 15,0-1-15,1 25 16,24-24-16,-25 24 0,1-25 16,23 25-16,-23 0 0,24 0 15,-25 25-15,0-25 16,1 24-16,-1 1 0,-24 23 16,0-23-16,0 24 0,0 0 15,0 24-15,-24-24 16,-1 24-16,1-24 0,-25 24 15,0-24-15,1 0 16,-1 0-16,0-1 0,0 1 16,0-24-16,0-1 0,0 25 15,25-49-15,0 24 16,-1-24-16,25 25 0,-24-25 16,48 0-1,1 0 1,23 0-16,-23-25 15,24 25-15,0 0 0,-1 0 16,1 0-16,25 0 0,-26 0 16,1 0-16,24 0 15,-24 0-15,0 0 0,0 25 16,0-25-16,0 0 16,0 0-16,-1 24 0,-23-24 15,24 25-15,-25-25 0,1 0 16,-25 24-16,24-24 15,0 0-15,-24-24 32</inkml:trace>
+  <inkml:trace contextRef="#ctx0" brushRef="#br0" timeOffset="-1284">3466 342 0,'0'-24'0,"0"-1"15,24 25 17,1 25-32,-1-1 15,1 1-15,-1-1 16,25 1-16,0 23 0,-1-23 15,-23 24-15,24 0 0,0-25 16,-25 0-16,25 25 16,-25-24-16,1-1 0,-25 0 15,24-24-15,-24 25 16</inkml:trace>
+  <inkml:trace contextRef="#ctx0" brushRef="#br0" timeOffset="-1008">3930 318 0,'24'-25'16,"-24"1"-16,-24 24 31,-1 24-15,1-24-16,0 25 0,-25 24 15,24-25-15,1 1 16,-25 23-16,25 1 0,-25-24 16,24 24-1,-23-1-15,23 1 0,1-24 0,24 23 16,-25-23-16,1-1 0,24 1 16,0-1-16,0 1 15,24-25-15</inkml:trace>
+  <inkml:trace contextRef="#ctx0" brushRef="#br0" timeOffset="-341">4223 367 0,'0'-25'0,"0"1"16,0-1-16,24 1 15,-24 0-15,25 24 0,-1-25 16,1 1-16,-1 24 16,0-25-16,1 25 0,24 0 15,-25 0-15,25 0 16,-25 0-16,25 0 0,-24 25 15,24-25-15,-25 24 0,0 1 16,1-1-16,-1 0 16,-24 1-16,0-1 15,0 1-15,-24-1 0,24 1 16,-25-1-16,1 0 16,0 1-16,-25-25 0,24 24 15,1 1-15,-1-25 16,-23 24-16,23-24 0,1 0 15,24 25-15,-25-25 0,50 0 32,-1 0-17,1 0-15,-1 0 16,25 0-16,-25 0 0,25 24 16,0-24-16,0 0 0,-25 24 15,25-24-15,0 25 16,-25-25-16,1 24 0,-1-24 15,1 25-15,-25-1 16,24-24-16,-24 24 0,-24 1 16,-1-1-16,1-24 15,-1 25-15,-24-25 16,1 24-16,-1-24 0,0 0 16,0 0-16,0 25 0,25-25 15,-25 0-15,25 0 16,-1 0-16,25-25 15,0 1 1,25 24-16</inkml:trace>
+  <inkml:trace contextRef="#ctx0" brushRef="#br0" timeOffset="2911">6568 1808 0,'-25'0'16,"50"0"15,-1 0-31,0 0 16,1 0-16,24 0 16,-25 0-16,25 0 0,0 0 15,-25 0-15,25 0 0,-25 0 16,25 0-16,-24 0 15,-50 0 1,-24 0 0</inkml:trace>
+  <inkml:trace contextRef="#ctx0" brushRef="#br0" timeOffset="3150">6445 2052 0,'-24'24'0,"24"1"16,24-25 0,1 0-1,-1 0-15,1 0 16,-1 0-16,25 0 0,-25 0 16,25 0-16,-24 0 0,24 0 15,-25 0-15,0 0 16,25 0-16,-24 0 0,-1 0 15,-48 0 1</inkml:trace>
+  <inkml:trace contextRef="#ctx0" brushRef="#br0" timeOffset="1235">2709 1954 0,'-25'0'16,"1"0"-16,-1 0 15,25-24-15,-24-1 16,24 1-1,0-1-15,0 1 16,24 24-16,-24-24 16,25-1-16,-1 1 0,1 24 15,-1-25-15,1 1 0,-1 24 16,25-24-16,0 24 16,-25 0-16,25 0 0,0 0 15,0 0-15,-25 24 16,25-24-16,-25 24 0,1 1 15,-25 24-15,0-25 0,0 25 16,0 0-16,0 0 16,-25 24-16,-24-24 0,25 0 15,0-1-15,-25 1 16,24 0-16,-23 0 0,-1-25 16,24 1-16,-24 24 0,1-49 15,23 24-15,-24 1 16,25-1-1,-1-24-15,1 24 0,0-24 16,24 25 0,24-25-16,0 0 15,1 0-15,-1 0 16,25-25-16,-24 25 0,23 0 16,1 0-16,0-24 15,0 24-15,0 0 0,24 0 16,-24-24-16,24 24 0,-24 0 15,24 0-15,-24 0 16,0 0-16,0 0 0,0 0 16,-25 0-16,0 0 15,1 24-15,-50-24 47</inkml:trace>
+  <inkml:trace contextRef="#ctx0" brushRef="#br0" timeOffset="1560">3710 1808 0,'0'-25'0,"24"25"47,1 0-47,-1 0 15,1 25-15,-1-1 0,1 1 16,23-1-16,-23 25 16,24-25-16,0 25 0,-25 0 15,0 0-15,1 0 0,-1-1 16,1 1-16,-1-24 15,0-1-15,-24 1 0,25-1 16,-25-48 15,0-1-31</inkml:trace>
+  <inkml:trace contextRef="#ctx0" brushRef="#br0" timeOffset="1885">4321 1661 0,'0'-24'16,"-25"24"15,1 24-15,-1 1-16,1-1 0,0 0 15,-1 25-15,-24-24 16,25 24-16,-1 24 0,1-24 15,0-1-15,-1 1 16,1 25-16,-1-26 0,1-23 16,-1 24-16,25-25 0,0 25 15,-24-25-15,24 1 16,-24-1-16,48-48 47,-24-1-47,24 25 15</inkml:trace>
+  <inkml:trace contextRef="#ctx0" brushRef="#br0" timeOffset="2592">4638 1710 0,'0'-24'16,"25"24"-16,-50 0 31,25 24-15,-24-24-16,24 24 16,0 1-1,0-1-15,0 1 0,0-1 16,24 1-16,-24-1 15,0 0-15,0 1 0,0-1 16,0 25-16,0-25 16,0 1-16,0-1 0,25-24 15,-25 25-15,0-1 0,0 1 16,24-25 0,0 0-16,1 0 15,-25 24-15,24-24 0,1 0 16,24 0-16,-25-24 15,0 24-15,25 0 0,-24 0 16,-1-25-16,25 25 16,-25 0-16,25 0 0,-24 0 15,-1-24-15,0 24 0,-24-25 16,25 25-16,-25-24 16,24 24-16,-24-25 0,0 1 15,0 0 1,0-1-16,-24-24 0,24 25 15,0 0-15,-25-1 0,25 1 16,0-1-16,0 1 16,0-1-16,0 1 0,0 48 31,0 1-15,0 24-16,25-25 0,-25 25 15,0 0-15,0 0 16,0-1-16,0 26 0,24-25 15,-24-1-15,0 1 16,0-24-16,25 24 0,-25-25 16,0 0-16,24 1 0,-24-1 15,0 1-15,25-25 16,-25 24-16,24-24 0,0 0 16,1-24-16</inkml:trace>
+  <inkml:trace contextRef="#ctx0" brushRef="#br0" timeOffset="249233">2123 1563 0,'-25'-24'16,"50"0"31,-1 24-47,0 0 15,25 0-15,-24-25 16,48 25-16,0 0 0,25-24 16,0 24-16,24-25 15,0 25-15,0-24 0,24 24 16,1-25-16,0 25 15,24-24-15,-25 24 0,1-24 16,-25 24-16,24 0 0,-24-25 16,25 25-16,-25 0 15,0-24-15,25 24 0,-25 0 16,24-25-16,-24 25 16,25 0-16,-25-24 0,0 24 15,-24 0-15,24-25 0,-24 25 16,-25 0-16,25 0 15,-25-24-15,0 24 0,-24 0 16,0 0-16,0 0 16,0 0-16,-1 0 0,1 0 15,0 0-15,-24 0 0,23 0 16,-23 0-16,24 0 16,-25 0-16,0 0 0,1 0 15,-1 24-15,1-24 16,-25 25 15,0-1 16,24-24-47,-24 25 16,25-25-16,-25 24 15,0 1 1,0-1-16,0 0 15,0 1-15,24 24 16,-24-25-16,24 25 16,-24-25-16,0 25 0,25 0 15,-25 0-15,24 0 16,-24 0-16,25 0 0,-25-1 16,0 1-16,0 0 0,24 0 15,-24 0-15,0 0 16,0-1-16,0-23 0,0 24 15,0-25-15,25 25 16,-25-25-16,0 1 0,0 24 16,0-25-16,0 0 0,0 1 15,24-1 1,-24 1-16,-24-25 62,-1 0-46,1 0-16,-1 0 16,-24 0-16,25 24 15,-25-24-15,0 0 0,0 0 16,1 0-16,-26 0 0,26 0 16,-26 0-16,-23 0 15,23 0-15,-23 0 0,-1 0 16,0 0-16,1 0 15,-1 0-15,-24 0 0,24 0 16,-24 0-16,0 0 0,24 0 16,-24 0-16,0 0 15,24 0-15,-24 25 0,24-25 16,-24 24-16,0-24 0,24 0 16,-24 24-16,25-24 15,-1 0-15,0 0 0,1 0 16,-1 25-16,25-25 15,-1 0-15,-23 0 0,23 0 16,1 0-16,0 0 0,0 0 16,-1 24-16,1-24 15,24 0-15,-24 0 0,0 0 16,-25 0-16,25 25 16,-1-25-16,1 0 0,0 0 15,-25 0-15,25 24 0,-25-24 16,25 0-16,0 0 15,-1 0-15,1 25 0,24-25 16,0 0-16,1 0 16,-1 24-16,24-24 0,1 0 15,-1 0-15,1 0 0,24 24 16,-24-24-16,-1 0 31,1 25-15,-1-25-1,1 0 1,24-25 31,0 1-31,24 0-1,-24-1-15,0 1 16,0-1-16,25 1 0,-25-1 15,0-23-15,24-1 16,-24 0-16,0 0 0,25 0 16,-25 0-16,0-24 0,0 24 15,24-24-15,-24 24 16,0-24-16,24 24 0,-24-24 16,0 24-16,0 0 15,0 25-15,0-25 0,0 24 16,0 1-16,0 0 0,0-1 15,0 1 1,25 24-16,-25-25 16,-25 25 31,1 0-16,48 0 31,1 0-46,-1 0-16,1 0 16,24 0-16,-1 0 0,1 0 15,25 0-15,-26 0 0,50 0 16,-25-24-16,1 24 15,23 0-15,-23-25 0,23 25 16,-48 0-16,24-24 0,-24 24 16,0-24-16,-24 24 15,-1 0-15,-48 0 32,24 24-32,-25-24 15,1 24-15</inkml:trace>
+  <inkml:trace contextRef="#ctx0" brushRef="#br0" timeOffset="249923">22 2272 0,'-24'0'15,"48"0"16,1 0-31,-1 0 0,0-25 16,25 25-16,0 0 0,24-24 16,1 24-16,-26 0 15,26-25-15,-1 25 0,0-24 16,1 24-16,-26 0 0,1-24 16,0 24-16,0 0 15,-25 0-15,1-25 0,-1 25 16,1 0-16,-1 0 15</inkml:trace>
+  <inkml:trace contextRef="#ctx0" brushRef="#br0" timeOffset="250457">731 1832 0,'-24'0'15,"48"0"17,1 0-17,-1 24-15,1-24 16,-1 0-16,25 0 0,0 25 16,0-25-16,-1 0 15,1 24-15,0-24 0,24 0 16,-24 0-16,0 25 0,-24-25 15,23 24-15,-23-24 16,-1 25-16,-24-1 16,0 0 15,0 1-31,-24-1 16,24 1-16,-25-1 15,1 1-15,0-1 0,-1 0 16,-24 25-16,25-24 0,-25-1 15,25 1-15,-1-1 16,-24 0-16,25 1 0,-1-25 16,1 24-16,0 1 15,-1-1-15,1-24 0,-1 25 16,1-25-16,24 24 0</inkml:trace>
+</inkml:ink>
+</file>
+
+<file path=ppt/ink/ink144.xml><?xml version="1.0" encoding="utf-8"?>
+<inkml:ink xmlns:inkml="http://www.w3.org/2003/InkML">
+  <inkml:definitions>
+    <inkml:context xml:id="ctx0">
+      <inkml:inkSource xml:id="inkSrc0">
+        <inkml:traceFormat>
+          <inkml:channel name="X" type="integer" max="1920" units="cm"/>
+          <inkml:channel name="Y" type="integer" max="1080" units="cm"/>
+          <inkml:channel name="T" type="integer" max="2.14748E9" units="dev"/>
+        </inkml:traceFormat>
+        <inkml:channelProperties>
+          <inkml:channelProperty channel="X" name="resolution" value="55.81395" units="1/cm"/>
+          <inkml:channelProperty channel="Y" name="resolution" value="55.6701" units="1/cm"/>
+          <inkml:channelProperty channel="T" name="resolution" value="1" units="1/dev"/>
+        </inkml:channelProperties>
+      </inkml:inkSource>
+      <inkml:timestamp xml:id="ts0" timeString="2020-11-17T21:03:25.939"/>
+    </inkml:context>
+    <inkml:brush xml:id="br0">
+      <inkml:brushProperty name="width" value="0.05" units="cm"/>
+      <inkml:brushProperty name="height" value="0.05" units="cm"/>
+      <inkml:brushProperty name="fitToCurve" value="1"/>
+    </inkml:brush>
+  </inkml:definitions>
+  <inkml:trace contextRef="#ctx0" brushRef="#br0">5467 6478 0,'24'0'63,"-24"24"15,0 1-47,0-1-15,0 0-16,0 1 16,0-1-16,25 1 15,-25-1-15,24 1 16,-24-1-16,25-24 15,-25 24-15,24-24 16,1 0-16,-1-24 16,0 24-16,1 0 15,-1-24-15,1 24 0,-1-25 16,1 25-16,-25-24 0,24 24 16,-24-25-16,24 1 15,-24-1-15,0 1 16,0 0-1,-24-1 1,0 25 0,24 25-1,0-1 1,24-24-16,-24 24 16,24 1-16,1-1 15,-1 1 1,1-1-1,-1-24-15,1 0 32,-1-24-17,-24-1 1,0 1-16,0-1 16,24 1-16,-24 0 15,0-1-15,0 1 16,-24 24-1</inkml:trace>
+  <inkml:trace contextRef="#ctx0" brushRef="#br0" timeOffset="582">6224 6527 0,'25'-25'31,"-1"25"-15,0 0-1,1 25 1,-1-1-16,1 0 15,-25 1 1,0-1-16,24-24 0,-24 25 16,0-1-16,-24-24 31,-1 0-15,1 0-1,24-24-15,24-1 16,1 1-1,-1 24-15,1-25 16,-1 1-16,0 0 0,1-1 16,-1 25-16,1-24 15,-1-1-15,1 1 16,-1 24-16,0 0 16,1 24-1,-25 1-15,24-1 16,-24 1-1,25-1 1,-25 0-16,0 1 16,24-25-16,-24 24 15,25 1 1,-25-1-16,24-24 16,-24 25-16</inkml:trace>
+  <inkml:trace contextRef="#ctx0" brushRef="#br0" timeOffset="774">6713 6234 0,'0'24'47,"0"0"-32,24-24-15</inkml:trace>
+  <inkml:trace contextRef="#ctx0" brushRef="#br0" timeOffset="1045">6981 6307 0,'0'24'15,"0"1"17,0-1-32,25-24 15,-25 24-15,24 1 16,-24-1-16,25 1 0,-25-1 15,24 1-15,-24 23 16,0-23-16,24-25 0,-24 24 16,0 1-16,0-1 0,0 1 31</inkml:trace>
+  <inkml:trace contextRef="#ctx0" brushRef="#br0" timeOffset="1443">7079 6575 0,'0'-24'0,"-24"24"0,24-24 16,-25 24-1,25-25-15,25 25 16,-1 0 0,0 0-1,1 0-15,24 0 0,-25 0 16,1-24-16,23 24 15,-23 0-15,-1 0 0,25 0 16,-25 0-16,1-25 0,-1 25 16,1 0-1,-25-24-15,24 24 0,-24-25 16,-24 1 0,-1 24-16,1 0 15,-1 0-15,1 0 16,0 0-16,-1 24 15,1 1-15,24-1 16,0 1-16,0-1 0,0 1 16,24-1-16,1 0 15,-1 1-15,0-1 0,1-24 16,-1 25-16,1-25 16,24 0-16,-25 0 0,0 0 15</inkml:trace>
+  <inkml:trace contextRef="#ctx0" brushRef="#br0" timeOffset="1663">7909 6429 0</inkml:trace>
+  <inkml:trace contextRef="#ctx0" brushRef="#br0" timeOffset="1830">7909 6673 0,'25'0'16,"-25"25"-16,0-1 0,24-24 31,-24 24-31,25-24 16,-1 0-1,-24-24 1</inkml:trace>
+  <inkml:trace contextRef="#ctx0" brushRef="#br0" timeOffset="4676">6346 1911 0,'0'-25'0,"0"1"16,0 48 15,0 1-15,0 23-16,-24 1 0,24 0 15,-25 24-15,1 1 16,0-1-16,-1 25 0,1-25 16,-25 25-16,25-1 0,-25 1 15,24 0-15,-24-25 16,25 25-16,0-25 0,-1 0 15,1-24-15,-1 24 16,25-24-16,-24 0 0,24-25 16,-25 25-16,25-24 15,0-1-15,-24-24 0,24-24 16</inkml:trace>
+  <inkml:trace contextRef="#ctx0" brushRef="#br0" timeOffset="4976">5589 3010 0,'-24'0'0,"24"24"16,0 0 0,24 1-1,1-25-15,-1 0 16,0 24-16,1-24 15,24 0-15,0 25 0,24-25 16,-24 0-16,24 0 0,0 0 16,1 0-16,-26 0 15,26 0-15,-1 0 0,-24 0 16,0 0-16,-25 0 16,0 24-16,1-24 0,-25-24 31,-25-1-16</inkml:trace>
+  <inkml:trace contextRef="#ctx0" brushRef="#br0" timeOffset="5519">7738 1080 0,'0'-49'0,"25"1"16,-1-26-16,1 25 0,-25 1 16,24-1-16,1 24 0,-25-24 15,24 25-15,-24-25 16,0 25-16,0-1 0,0 1 16,0-1-1,-24 25-15,-1 25 16,-24-1-16,25 1 0,-1 24 15,1-1-15,-25 26 16,25-1-16,-1 0 0,25 1 16,-24-1-16,24 0 15,0 0-15,0 1 0,0-1 16,0-24-16,24 24 0,-24 0 16,0-24-16,0 0 15,0 24-15,0-24 0,0 0 16,-24 0-16,-1 0 0,1-1 15,0 1-15,-25-24 16,24-1-16,-24 1 0,25-1 16,0-24-16</inkml:trace>
+  <inkml:trace contextRef="#ctx0" brushRef="#br0" timeOffset="5774">7323 1569 0,'-24'0'15,"48"0"17,1 0-17,-1 0-15,0 0 0,1 0 16,24 0-16,0 0 15,-1 0-15,1 0 0,0 0 16,0 0-16,0 0 16,0 0-16,-25 0 0,1-25 15,-1 25-15</inkml:trace>
+  <inkml:trace contextRef="#ctx0" brushRef="#br0" timeOffset="5985">7909 1471 0,'0'-24'15,"25"24"1,-25-25-16,0 50 16,24-1-1,-24 0-15,0 1 16,0-1-16,0 1 0,25 24 16,-25-1-16,0-23 0,0 24 15,24-25-15,-24 0 16,0 1-16,0-1 0,0 1 15</inkml:trace>
+  <inkml:trace contextRef="#ctx0" brushRef="#br0" timeOffset="6182">8080 1227 0,'0'-25'0,"0"1"16,25 24 15,-25 24-15,24-24-16,-24 25 0,25-25 16,-1 24-16</inkml:trace>
+  <inkml:trace contextRef="#ctx0" brushRef="#br0" timeOffset="6428">8276 1398 0,'0'24'0,"24"1"15,-24-1 1,25-24-16,-1 24 16,0-24-16,-24 25 15,25-1-15,-1 1 0,1 24 16,-1-25-16,1 0 15,-1 25-15,0-24 0,1 23 16,-1-23-16,1-1 0,-25 1 16,24-1-16,-24 1 15,24-25 1,-24-25 0</inkml:trace>
+  <inkml:trace contextRef="#ctx0" brushRef="#br0" timeOffset="6662">8715 1422 0,'0'-24'0,"0"-1"15,0 1 1,-24 48 0,0 1-16,-1-25 0,1 49 15,-1-25-15,1 25 16,-1-25-16,-23 25 0,23 0 15,1 0-15,-1 0 0,1 0 16,-1-1-16,25-23 16,-24 24-16,0-25 0,24 0 15,0 1 1</inkml:trace>
+  <inkml:trace contextRef="#ctx0" brushRef="#br0" timeOffset="7130">8886 1593 0,'-24'0'16,"48"0"15,1 0-16,-25 25-15,24-25 16,1 0-16,-1 0 0,0 24 16,1-24-16,-1 0 15,1 0-15,-1 0 0,1 0 16,-1-24-16,0 24 0,-24-25 16,25 25-16,-25-24 15,0-1-15,0 1 16,0-1-1,0 1-15,-25 24 0,1-24 16,0-1-16,-1 25 16,1 0-16,-25 0 15,24 25-15,1-1 0,0 0 16,24 1-16,-25-1 16,25 1-16,-24 24 0,24-1 15,0-23-15,24 24 0,-24-25 16,25 25-16,-1-25 15,0 1-15,1-1 0,-1 1 16,1-25-16,24 0 16,-1 0-16</inkml:trace>
+  <inkml:trace contextRef="#ctx0" brushRef="#br0" timeOffset="7821">9936 1691 0,'0'-25'31,"0"1"-15,0 0-16,0-1 15,0 1 1,-24-1-16,0 1 15,-1-1-15,1 25 0,-1-24 16,1 24-16,0 0 16,-1 0-16,-24 24 0,25 1 15,-1-1-15,25 1 16,-24-1-16,0 1 0,24-1 16,-25 25-16,25-25 0,0 1 15,0-1-15,0 1 16,0-1-16,0 0 0,25-24 15,-1 25-15,0-25 16,1 24-16,-1-24 0,1 0 16,-1-24-16,1-1 0,23 25 15,-23-24-15,-1-25 16,1 25-16,-1-25 0,-24 0 16,24 0-16,1 0 15,-25-24-15,24 0 0,-24-1 16,25 1-16,-25 24 0,0-24 15,0 24-15,24 0 16,-24 1-16,0 23 0,0 1 16,0-1-16,0 50 15,-24 24 1,24-25-16,0 25 0,0 0 16,0 73-1,0-49-15,0 0 0,0-24 16,24 24-16,-24-24 15,25 0-15,-25 0 0,24 0 16,0 0-16,-24 0 0,25-25 16,-1 25-16,-24-25 15,25 1-15,-25-1 0,24-24 16,-24 24-16,25-24 16,-25-24-1</inkml:trace>
+  <inkml:trace contextRef="#ctx0" brushRef="#br0" timeOffset="59482">3245 79 0,'24'0'16,"-24"-25"0,24 25-16,-24-24 15,25 24 1,-25 24-1,0 1 1,24-1 0,-24 25-16,0-24 15,0-1-15,25 25 0,-25 0 16,0 0-16,24-1 16,-24-23-16,0 24 0,0-1 15,25-23-15,-25 24 16,0-25-16,0 1 0,0-1 15,0 0-15</inkml:trace>
+  <inkml:trace contextRef="#ctx0" brushRef="#br0" timeOffset="60071">2634 299 0,'0'-25'16,"-24"1"-16,-1-1 16,25 1-16,0 0 15,0-1-15,0 1 16,25-1-16,-1 25 15,0-24-15,1 24 16,24-25-16,0 25 0,-1 0 16,1-24-16,0 24 0,24-24 15,1 24-15,-26 0 16,26 0-16,-1 0 0,-24 0 16,24 0-16,-24 24 0,0-24 15,0 24-15,0 25 16,-25-24-16,0 24 0,1-25 15,-1 25-15,1 0 16,-25-25-16,0 25 0,0-25 16,0 25-16,0-24 15,0 23-15,0-23 0,-25-1 16,25 1-16,-24 24 0,-1-25 16,1 0-16,-25 1 15,0-1-15,25 1 0,-25-1 16,0 1-16,0-25 15,0 24-15,1-24 0,-1 24 16,0-24-16,24 0 0,1 0 16,0 0-16,-1 0 15,1 0-15,24-24 0,-25 24 16,50-24 15</inkml:trace>
+  <inkml:trace contextRef="#ctx0" brushRef="#br0" timeOffset="60592">4148 225 0,'-24'-24'16,"-1"24"-1,1 0-15,0 0 16,-1 24 0,1-24-16,24 25 15,-25-1 1,25 1-16,0-1 15,0 1-15,0-1 0,-24 0 16,24 25-16,0-24 16,0-1-16,0 25 0,0-25 15,24 1-15,-24-1 16,25 1-16,-1-1 0,1-24 16,-1 24-16,0-24 0,1 0 15,24 0-15,-25-24 16,25 0-16,-25-1 0,1 1 15,-1-1-15,1 1 16,-1-25-16,-24 25 0,24-25 16,-24 24-16,0 1 0,0-25 15,0 25-15,-24-1 16,24 1-16,-24-1 0,-1 1 16,1 24-16,-1 0 0,1 0 15,0 0-15,-1 0 16,1 0-16,-1 0 0</inkml:trace>
+  <inkml:trace contextRef="#ctx0" brushRef="#br0" timeOffset="63467">13405 1080 0,'24'0'0,"0"0"16,1 0-16,24 0 15,-25 0-15,1 0 16,23 0-16,-23 0 16,24 0-16,0 0 0,-25 0 15,25 0-15,0 0 16,-1 0-16,1-24 0,0 24 15,0 0-15,-25 0 0,25 0 16,-24 0-16,24 0 16,-25 0-16,0 0 0,25 0 15,-24-25 1,-1 25-16</inkml:trace>
+  <inkml:trace contextRef="#ctx0" brushRef="#br0" timeOffset="-80855">2610 3400 0,'-25'0'0,"50"0"16,-25-24-16,0 0 16,24 24-1,0-25-15,-24 1 0,0 48 63,0 1-48,0-1-15,0 0 0,0 1 16,0 24-16,0-25 0,25 25 16,-25 0-16,0 0 15,0-1-15,0 1 0,0 0 16,0 24-16,0-24 15,0 0-15,0 0 0,0 0 16,0 0-16,0-25 0,0 25 16,0-25-16,0 1 15,0-1-15,0 1 16,-25-25 0,50 0 15,-1-25-16,1 25-15,-1 0 16,1 0-16,-1-24 16,25 24-16,-25 0 0,25 0 15,-25 0-15,25 0 0,0 0 16,0 24-16,-25-24 16,25 0-16,-24 0 0,24 0 15,-25 0-15,-24 25 16,24-25-16,-48 0 31,0-25-15,-1 25-16,1 0 15</inkml:trace>
+  <inkml:trace contextRef="#ctx0" brushRef="#br0" timeOffset="-80309">3513 3767 0,'0'-25'0,"-24"25"31,-1 0-31,1 25 16,0-1-1,24 1 1,0-1-16,0 25 0,0-25 16,0 25-16,0 0 15,0-25-15,24 25 0,-24-24 16,24-1-16,-24 1 15,25-1-15,-25 0 0,24-24 16,1 25-16,-1-25 16,0-25-16,1 25 15,-1-24-15,-24 0 0,25-1 16,-1 1-16,-24-1 0,25 1 16,-25-1-16,0-23 15,0 23-15,0-24 0,0 25 16,-25-1-16,1 1 15,24 0-15,-25-1 0,1 1 16,-1 24-16,1 0 16,0-25-16,-1 25 15,1 0-15,24 25 16,0-1 0,0 1-16</inkml:trace>
+  <inkml:trace contextRef="#ctx0" brushRef="#br0" timeOffset="-79775">4099 3791 0,'-24'-24'16,"0"24"-1,-1 0 1,1 0-16,-1 24 16,1 1-16,-1-1 15,25 0-15,-24 25 16,24-24-16,0 24 0,0-25 15,0 25-15,0-25 16,0 1-16,24 24 0,-24-25 16,25 0-16,-1 1 0,1-25 15,-1 24-15,1-24 16,23 0-16,-23 0 0,-1 0 16,1-24-16,-1-1 15,1 25-15,-1-24 0,-24 0 16,24-1-16,-24-24 0,0 25 15,0-1-15,0-23 16,-24 23-16,24 1 0,-24-25 16,-1 24-16,1 1 15,-1 0-15,1-1 0,-1 25 16,1-24-16,0 24 16,-1 0-1</inkml:trace>
+  <inkml:trace contextRef="#ctx0" brushRef="#br0" timeOffset="-78960">4515 3523 0,'0'-25'16,"-25"1"-16,25-1 16,-24 1-16,24 48 46,0 1-46,0-1 0,0 25 16,0 0-16,0 0 16,0-1-16,0 1 0,0 25 15,24-26-15,-24 26 0,0-25 16,25 24-16,-25-24 16,24 24-16,-24-24 0,0 0 15,0 0-15,0-1 16,0-23-16,0 24 0,24-25 15,-24 25-15,0-25 0,0 1 16,25-1-16,-25 1 16,24-25-16,1 0 31,-25-25-15,0 1-16,0-1 15,0 1-15,0-1 16,0-23-16,0 23 0,-25-24 15,25 1-15,-24-26 16,24 25-16,-25-24 0,25 24 16,-24-24-16,24 24 0,0-24 15,0 24-15,0 25 16,24-25-16,-24 24 0,25 1 16,-1-1-1,1 25-15,-1 0 16,1 0-16,-1 0 0,0 25 15,1-25-15,-1 0 16,1 24-16,-1 1 0,0-25 16,1 24-16,-1 1 15,1-1-15,-25 0 0,0 1 16,0-1-16,0 1 0,0-1 16,0 1-16,-25-1 15,1 0-15,-1-24 0,25 25 16,-24-25-16,0 0 15,-1 24-15,1-24 0,-1 0 16,1 0-16,0 0 16,-1 0-1,1 0 1</inkml:trace>
+  <inkml:trace contextRef="#ctx0" brushRef="#br0" timeOffset="-77826">6102 3474 0,'0'24'63,"0"1"-63,0-1 15,24 0-15,-24 1 16,0 24-16,25 0 0,-25-1 15,0 1-15,24 0 0,-24 0 16,0 0-16,0 24 16,25-24-16,-25 0 0,0-25 15,0 25-15,24-25 16,-24 1-16</inkml:trace>
+  <inkml:trace contextRef="#ctx0" brushRef="#br0" timeOffset="-77304">6542 3571 0,'-25'0'15,"25"25"-15,0-1 16,-24 1-16,24-1 16,-25 0-1,25 1-15,0-1 0,0 1 16,0 24-16,0-1 0,0-23 16,25 24-16,-25 0 15,24-1-15,1 1 0,-25-24 16,24 24-16,1-25 15,-1 0-15,0 1 0,1-25 16,-1 24-16,1-24 0,-1 0 16,1-24-16,-1 24 15,0-25-15,1 1 0,-1 0 16,1-25-16,-1 24 16,-24-24-16,24 1 0,-24-1 15,0 0-15,0 0 0,0 0 16,0 0-16,0 25 15,-24-25-15,0 25 0,-1-1 16,1 25-16,-1-24 0,1 24 16,0 0-1,-1 24-15,1-24 0,24 25 16,-25-1-16,1 0 16,24 1-16,0-1 15</inkml:trace>
+  <inkml:trace contextRef="#ctx0" brushRef="#br0" timeOffset="-76913">7934 3425 0,'-25'0'0,"1"0"16,0 0 15,24 24-16,0 1 1,0-1-16,0 25 0,24-25 16,-24 25-16,0 0 0,24 0 15,-24 0-15,0 0 16,25-1-16,-25 1 0,24 0 16,-24 0-16,0 0 15,25-25-15,-25 25 0,24-24 16,-24-1-16</inkml:trace>
+  <inkml:trace contextRef="#ctx0" brushRef="#br0" timeOffset="-76481">7787 3864 0,'-24'-24'0,"48"0"32,1 24-17,-1 0-15,1 0 0,23 0 16,-23 0-16,24 0 0,-1 0 16,1 0-16,0 0 15,0-25-15,0 25 0,0 0 16,-25 0-16,1 0 15,-1 0-15,0 0 0,1-24 16,-25-1 0,0 50 31,0-1-47,0 1 15,0-1-15,24 25 16,-24-25-16,25 25 0,-25 0 15,24 0-15,-24-25 0,0 25 16,25-24-16,-25-1 16,24 0-16</inkml:trace>
+  <inkml:trace contextRef="#ctx0" brushRef="#br0" timeOffset="-76290">8471 3376 0,'25'0'31,"-1"0"-31,0 24 16</inkml:trace>
+  <inkml:trace contextRef="#ctx0" brushRef="#br0" timeOffset="-75503">8789 3816 0,'24'0'16,"0"0"-16,1 0 0,-25-25 16,24 25-16,1 0 15,-1 0 1,-24 25-16,0-1 16,25 0-16,-25 1 15,0-1-15,0 25 0,24-24 16,-24 23-16,0-23 0,24 24 15,-24-25-15,0 25 16,25-25-16,-25 1 0,0-1 16,24-24-1,-24-24 17,0-1-17,0 1-15,25 0 0,-25-25 16,0 24-16,0-24 15,24 1-15,-24-1 0,0 0 16,25 24-16,-25-23 0,24 23 16,-24 1-16,24-1 15,-24 1-15,25 24 0,-1 0 16,1 0 0,-1 24-16,0-24 15,-24 25-15,0-1 16,25 1-16,-25-1 0,0 0 15,24 1-15,-24-1 0,0 1 16,0-1-16,0 1 16,0-1-16,25 0 15,-1-48 17,1 0-17,-25-1 1,24 1-16,0-1 0,1-24 15,-1 25-15,1-25 16,-1 25-16,1-1 0,-1 1 16,0 0-16,1-1 0,-1 25 15,1 0 1,-1 25-16,-24-1 0,0 0 16,25 25-16,-25-24 0,0 23 15,0-23-15,0 24 16,24 0-16,-24-25 0,0 25 15,0-25-15,0 1 16,0-1-16,0 1 0</inkml:trace>
+  <inkml:trace contextRef="#ctx0" brushRef="#br0" timeOffset="-74718">10059 3742 0,'-25'0'0,"25"-24"15,-24 24 1,24 24 0,0 1-1,0-1 1,24-24-1,1 25-15,-1-25 0,0 24 16,1-24-16,-1 0 0,1 0 16,-1 0-16,1 0 15,-1 0-15,0-24 16,1 24-16,-25-25 16,0 1-16,0-1 15,0 1-15,-25-1 16,25 1-1,-24 24-15,0-24 0,-1-1 16,1 25 0,24 25-16,-25-25 15,25 24-15,-24 0 0,24 25 16,0-24-16,0 24 16,0-25-16,0 25 0,0 0 15,0-25-15,24 25 0,-24-25 16,25 1-16,-25 24 15,24-49-15,1 24 0,-1-24 16,0 0-16,1 0 16,24 0-16,-25-24 0,25-1 15,0 25-15,-25-49 0,25 25 16,-24 0-16,-1-25 16,25 0-16,-25 24 0,-24-23 15,25-1-15,-25 24 16,24-24-16,-24 25 0,0-25 15,0 25-15,-24-1 16,24 1-16,-25 24 16,1 24-1,24 1-15,0-1 16,0 25-16,0-25 16,24 1-16,1 24 0,-1-25 15,0 25-15,1 0 16,24-25-16,-25 25 0,1-24 15,-25 23-15,24-23 16,-24-1-16,0 1 0,0-1 16,-24 1-16,-1-1 0,1-24 15,-25 0-15,-24 0 16</inkml:trace>
+  <inkml:trace contextRef="#ctx0" brushRef="#br0" timeOffset="-64592">5516 5330 0,'24'-25'15,"1"25"-15,-1 0 16,-24-24 0,25 24-16,-1 0 0,0 24 31,-24 1-15,-24-1-1,24 1-15,-24-1 0,-1 1 16,25-1-16,-24-24 0,-25 24 15,24 1-15,1-1 16,0 1-16,-1-25 0,-24 24 16,25-24-16,0 0 15,-50-24 1,50-1-16,-1 1 0,1 24 0,0-25 16,24 1-16,0 0 15,0-1-15,0 1 16,24-1-16,0 1 15,1 24-15,-1-25 0,25 1 16,-24 24-16,23 0 0,-23 0 16,24 0-16,-25 24 15,25-24-15,-25 25 0,1-1 16,-1 25-16,1-24 0,-1 23 16,0 1-16,-24 0 15,0 24-15,0 1 0,-24-26 16,0 26-16,-1-25 15,1-1-15,-25 1 0,0 0 16,0 0-16,0-25 0,1 25 16,-1-24-16,-25-25 15,26 24-15,-1-24 0,0 0 16,24 0-16,-23 0 16,23-24-16,25-1 0,0 1 15,0-1-15,0-23 0,0 23 16,25 1-16,-1-1 15,25 1-15,-25-1 0,25 1 16,-24 24-16,23 0 16,-23 0-16,-1 24 0,25-24 15,-24 25-15,-1-1 0,0 1 16,25-1-16,-24-24 16,23 25-16,1-1 0,-24 0 15,24 1-15,-1-25 16,1 24-16,25 1 0,-26-1 15,1 0-15,0-24 0,0 25 16,0-25-16,0 24 16,-25-24-16,1 0 15,-25-24-15,24-1 16</inkml:trace>
+  <inkml:trace contextRef="#ctx0" brushRef="#br0" timeOffset="-64192">6224 5428 0,'0'-25'16,"25"25"31,-1 25-47,0-1 16,1 0-16,-1 1 15,25 24-15,-24 0 0,23-1 16,-23 1-16,24 0 15,0 0-15,-25 0 0,25-25 16,-25 25-16,1-25 0,-1 1 16,1-1-16,-1 1 15,0-1-15,-24 1 16,25-25-16,-25-25 16</inkml:trace>
+  <inkml:trace contextRef="#ctx0" brushRef="#br0" timeOffset="-63868">6737 5305 0,'-24'0'15,"-1"0"-15,1 0 16,-1 25-1,1-1-15,24 1 16,0-1-16,-24 1 16,24 23-16,-25 1 0,25 0 15,-24 0-15,-1 0 0,25 24 16,-24-24-16,-1 0 16,1 24-16,24-49 0,-24 25 15,-1 0-15,1-24 16,24-1-16,-25 0 0,1-24 15,24 25-15,-25-25 16,25-25 0,0 1-16</inkml:trace>
+  <inkml:trace contextRef="#ctx0" brushRef="#br0" timeOffset="-62715">7421 5721 0,'-25'0'15,"25"-25"1,0 1-16,25-1 15,-1 1 1,1-1 0,-1 1-16,1 24 15,-1 0 1,0 0-16,1 0 0,-1 24 16,1-24-16,-1 25 0,-24 24 15,25-25-15,-1 25 16,0-25-16,1 25 0,-25 0 15,24-24-15,-24 23 16,0-23-16,25-1 0,-25 1 16,0-1-16,-25 1 15,1-25 1,24 24-16,-25-24 0,1 0 16,24-24-16,-24 24 15,24-25-15,-25 1 0,1-1 16,24-24-16,0 25 15,24-25-15,-24 25 16,25-25-16,-1 0 0,0 25 16,25-25-16,-24 0 15,24 24-15,-1 1 0,-23 0 16,24 24-16,-25 0 0,1 0 16,-1 24-16,0 0 15,1 1-15,-25 24 0,24-25 16,-24 25-16,0 0 0,0 0 15,0-25-15,25 25 16,-25-25-16,0 1 0,0-1 16,0 1-16,24-1 15</inkml:trace>
+  <inkml:trace contextRef="#ctx0" brushRef="#br0" timeOffset="-62368">8276 5281 0,'0'-24'16,"0"48"46,0 0-46,24 1 0,-24-1-16,0 1 0,25 24 15,-25-25-15,0 25 16,24-25-16,-24 25 0,0-24 15,0 23-15,0-23 0,0-1 16,0 1-16,0-1 16,-24-24-16</inkml:trace>
+  <inkml:trace contextRef="#ctx0" brushRef="#br0" timeOffset="-61744">8178 5452 0,'-24'0'16,"24"-24"-16,24 24 31,0 0-31,1 0 16,-1 0-16,1 0 0,-1 0 15,1 0-15,-1 0 16,0 0-16,25 0 0,-24-25 15,-1 25-15,1 0 16,-25-24-16,24 24 16,-24-25-16,0 1 15,-24-1-15,24 1 16,-25 0-16,25-1 0,0 1 16,0-1-1,0 1-15,0 48 31,0 1-31,0-1 16,25 1-16,-25-1 0,0 25 16,0-25-16,0 1 15,0 24-15,0-25 0,24 0 16,-24 1-16,0 24 0,0-25 16,0 1-16,0-1 15,0 0 1,0-48-1,24 24 1,-24-24-16,25-1 16,-25 1-16,24-1 0,1 1 15,-1 24-15,1-25 0,-1 1 16,0 24-16,1-24 16,-1 24-16,1 0 0,-25 24 15,24-24-15,0 24 0,-24 25 16,0-24-16,25 24 15,-25-25-15,0 25 0,0-25 16,0 25-16,0-25 16,0 1-16</inkml:trace>
+  <inkml:trace contextRef="#ctx0" brushRef="#br0" timeOffset="-61324">9204 5330 0,'-25'-25'0,"25"1"15,25 24 1,-25-24-16,24 24 16,1-25-1,23 25-15,-23 0 0,24-24 16,-25 24-16,25 0 0,0 0 15,-25 0-15,25 0 16,0 24-16,-25-24 0,25 0 16,-24 25-16,-1-25 15,1 0-15,-1 0 0,-48 0 16,-1 0 0</inkml:trace>
+  <inkml:trace contextRef="#ctx0" brushRef="#br0" timeOffset="-61083">9399 5281 0,'0'24'15,"25"-24"1,-25 25-16,0-1 16,24 1-16,-24-1 15,0 1-15,0 23 0,0-23 16,0 24-16,0-25 15,24 25-15,-24 0 0,0 0 16,25-25-16,-1 25 16,-24-25-16,25 1 0,-25-1 15,24 1-15,1-1 0,-1-24 16</inkml:trace>
+  <inkml:trace contextRef="#ctx0" brushRef="#br0" timeOffset="-60790">9961 5501 0,'24'24'16,"-24"1"-1,0-1 1,0 1-16,0-1 16,25 0-16,-25 25 0,24-24 15,-24-1-15,0 0 16,25 1-16,-25 24 0,24-49 16,-24 24-16,24 1 0,-24-1 15,25-24 1</inkml:trace>
+  <inkml:trace contextRef="#ctx0" brushRef="#br0" timeOffset="-60586">9960 5257 0,'-24'0'15,"24"24"1,24 0 15,0-24-15</inkml:trace>
+  <inkml:trace contextRef="#ctx0" brushRef="#br0" timeOffset="-59812">10181 5501 0,'0'24'32,"24"-24"-17,1 25-15,-1-25 16,0 24-1,-24 1-15,25-1 0,-25 0 16,24 25-16,-24-24 0,25-1 16,-25 25-16,0-25 15,0 1-15,0-1 0,0 1 16,0-1-16,0 0 16,0 1-16,0-50 31,24 25-16,-24-24-15,0 0 0,0-1 16,25 1-16,-25-1 16,0-24-16,24 1 0,-24 23 15,24-24-15,1 1 0,-25-1 16,24 0-16,1 24 16,-1 1-16,-24 0 0,24 24 15,1 0-15,-1 0 16,-24 24-16,25-24 0,-25 49 15,24-25-15,-24 1 0,25 24 16,-25-25-16,0 25 16,0-25-16,0 25 0,24-25 15,-24 1-15,0-1 16,0 1-16,0-1 16,24-48 15,-24-1-16,25 1 1,-25-25-16,24 25 0,-24-25 16,25 0-16,-1 0 0,-24 25 15,25-25-15,-1 24 16,0 1-16,1 0 0,-1 24 16,1 0-1,-1 24-15,1-24 16,-25 24-16,0 25 0,24-24 15,-24 24-15,24-25 16,-24 0-16,0 25 0,0-24 16,0 23-16,25-23 15,-25-1-15,0 1 0,0-1 16,24 1-16</inkml:trace>
+  <inkml:trace contextRef="#ctx0" brushRef="#br0" timeOffset="-59254">11500 5550 0,'0'-25'16,"24"25"15,0 25-31,1-25 16,-1 0-16,1 24 16,-1-24-16,1 0 15,-1 25-15,0-25 0,1 0 16,-1 0-1,1-25-15,-1 1 16,1-1 0,-25 1-16,0-1 15,0 1-15,0 0 16,0-1 0,0 1-16,-25 24 0,25-25 15,-24 25-15,24-24 16,-25 24-16,1 0 0,-1 0 15,1 0-15,0 24 0,-1-24 16,1 25-16,-1-1 16,25 1-16,-24 23 0,24-23 15,0-1-15,0 25 16,0-24-16,0 23 0,24-23 16,1 24-16,24-25 0,-25 0 15,25 1-15,-25-1 16,25 1-16,0-25 0,0 0 15,0 0-15,-1 0 16,1 0-16,-24-25 0</inkml:trace>
+  <inkml:trace contextRef="#ctx0" brushRef="#br0" timeOffset="-57550">11988 4793 0,'24'0'0,"-24"-25"0,0 1 15,0 48 32,0 1-31,0-1-16,0 0 0,0 1 15,0-1-15,-24 1 0,0 24 16,24-25-16,-25 0 16,1 1-16,24-1 0,-25 1 15,1-1-15,24 0 16,-24 1-16,-1-25 16,50 0-1,-1 0 1,0-25-16,1 25 0,-1-24 15,25 0-15,-25 24 16,25-25-16,0 1 0,0-1 16,-25 25-16,25-24 15,-24 0-15,-1 24 0,1 0 16,-1-25-16,0 25 0,1 0 31</inkml:trace>
+  <inkml:trace contextRef="#ctx0" brushRef="#br0" timeOffset="-57182">12110 4964 0,'25'0'16,"-25"-25"-16,24 25 16,0-24-16,1-1 15,-1 1-15,25-1 0,0 1 16,24 0-16,-24-25 16,49 24-16,-25-24 0,25 1 15,-1-26-15,1 25 0,0 1 16,0-26-16,-1 25 15,-24 1-15,1-1 0,-25 24 16,-1 1-16,-23 0 16,-50 24 15,1 24-31,0-24 16,24 24-16,-25-24 15</inkml:trace>
+  <inkml:trace contextRef="#ctx0" brushRef="#br0" timeOffset="-56341">14113 3425 0,'0'-25'0,"0"1"31,0 0-31,0 48 47,0 0-31,0 1-16,-25 24 16,25 0-16,0-25 0,-24 25 15,24 0-15,0 24 0,0-24 16,-24 0-16,24 24 15,0-24-15,0 0 0,0-1 16,0 1-16,-25-24 16,25 24-16,0-25 0,0 0 15,25 1 1,-25-1-16,24-24 0,0 25 16,1-25-16,-1 0 15,1 0-15,-1 0 16,25 0-16,-25 0 0,25 0 15,0 0-15,-25 0 0,25 0 16,-24-25-16,-1 25 16,1 0-16,23 0 0,-23-24 15,-1 24 1</inkml:trace>
+  <inkml:trace contextRef="#ctx0" brushRef="#br0" timeOffset="-55893">14821 3889 0,'-24'-25'15,"24"1"1,-25 24-16,1 0 16,-1 0-1,25 24-15,-24 1 16,0-1-16,24 1 15,-25 24-15,25-25 16,-24 25-16,24 0 0,0-25 16,0 25-16,0-25 15,0 25-15,24-24 0,-24-1 16,25 0-16,-1 1 16,0-25-16,1 0 0,-1 0 15,1 0-15,-1-25 0,1 25 16,-1-24-16,0 0 15,-24-1-15,25 1 0,-25-1 16,0-23-16,0 23 0,0 1 16,0-1-16,0-24 15,-25 25-15,1 0 0,0-1 16,24 1-16,-25 24 16,1-25-16,-1 25 0,25-24 15,-24 24-15,24 24 16,0 1-1,24-25-15</inkml:trace>
+  <inkml:trace contextRef="#ctx0" brushRef="#br0" timeOffset="-55408">15212 3913 0,'-25'-24'16,"1"24"-1,24 24 17,0 1-32,-24-25 0,24 24 15,0 1-15,0-1 16,0 25-16,0-25 0,0 1 15,24 24-15,-24-25 0,24 0 16,1 1-16,-25-1 16,24 1-16,1-1 0,-1-24 15,1 24-15,-1-24 16,0-24-16,1 0 16,-25-1-16,24 1 15,-24-1-15,0-23 16,25 23-16,-25-24 0,0 25 15,0-25-15,-25 0 16,1 25-16,24-25 0,-25 24 16,1 1-16,0 0 0,-1 24 15,1 0-15,-1 0 16,1 0-16,-1 24 0,1 0 16,24 1-1,0-1-15,24 1 16,1-25-16</inkml:trace>
+  <inkml:trace contextRef="#ctx0" brushRef="#br0" timeOffset="-54729">15554 3596 0,'0'-25'0,"0"1"16,0 0-16,0-1 0,0 1 16,0-1-1,24 25-15,-24 25 16,0-1 0,0 1-16,25-1 0,-25 25 15,0-25-15,24 49 0,-24-24 16,0 25-16,0-26 15,0 26-15,0-1 0,0 0 16,0 1-16,0-1 0,0 0 16,0-24-16,0 0 15,-24 0-15,24-1 0,0 1 16,-25-24-16,25 24 16,0-25-16,0 0 0,0 1 15,0-1-15,0-48 63,0-1-63,0 1 0,0 0 15,0-1-15,0-24 0,0 0 16,0 1-16,0-1 16,0 0-16,0 0 0,0-24 15,25 24-15,-1 0 16,-24 0-16,25 0 0,-1 25 15,0 0-15,1-1 0,-1 1 16,1-1-16,-1 25 16,25 0-16,-25 25 15,1-25-15,-1 24 16,-24 1-16,25-1 0,-25 0 16,0 1-16,0 24 0,-25-25 15,25 1-15,-24-1 16,-1 0-16,1 1 0,-1-1 15,1 1-15,-25-1 16,25-24-16,-1 25 0,1-25 16,0 0-16,-1 0 15</inkml:trace>
+  <inkml:trace contextRef="#ctx0" brushRef="#br0" timeOffset="-54004">14577 4890 0,'0'-24'16,"0"-1"-16,24 25 16,-24-24-16,25 0 15,-25-1 1,-25 1-1,1 24-15,-1 0 16,1 24-16,-25 1 16,25-25-16,-25 24 0,0 25 15,25-25-15,-1 1 16,-24 23-16,25 1 0,24-24 16,-24 24-16,24-25 0,0 25 15,0-25-15,0 1 16,24 24-16,25-25 0,-25-24 15,25 24-15,0-24 16,0 25-16,24-25 0</inkml:trace>
+  <inkml:trace contextRef="#ctx0" brushRef="#br0" timeOffset="-53038">14968 4939 0,'-25'0'16,"25"-24"-16,-24 24 16,-1 0-16,1 0 15,0 24-15,-1-24 16,1 24-16,-1-24 0,25 25 16,-24-1-16,24 25 15,-25-24-15,25-1 0,0 0 16,0 25-16,0-24 0,0-1 15,0 1-15,25-1 16,-25 0-16,24 1 0,1-1 16,-1-24-1,1 0-15,-1 0 0,0 0 16,1 0-16,-1-24 16,1-1-16,-1 1 15,-24 0-15,0-1 0,25 1 16,-25-25-16,0 24 15,-25 1-15,25-25 0,-24 25 16,-1-1-16,25 1 16,-24-1-16,-1 25 0,25-24 15,-24 24-15,0 0 16,24 24 0,0 1-1,0-1-15,0 1 16,24-1-16,-24 1 15,24-25-15,1 24 0,-1-24 16,1 24-16,-1-24 16,25 25-16,-25-25 0,1 0 15,24 0-15,-25 0 0,0 0 16,1 0-16,-1 0 16,-24-25-16,25 25 0,-25-24 15,0 0 1,0-1-16,0 1 15,-25-1-15,25 1 16,-24 24 0,24 24-1,0 1 1,0-1-16,0 1 0,0-1 16,0 0-16,0 1 0,0-1 15,0 1-15,0-1 16,24 1-16,-24-1 0,25-24 15,-25 24-15,24-24 16,1 25-16,-1-25 16,0-25-16,1 25 15,-25-24-15,24 24 16,1-24-16,-25-1 0,24 1 16,1-1-16,-25 1 15,24-1-15,-24-23 0,0 23 16,24 1-16,-24-1 0,0 1 15,25 24-15,-25-25 16,0 50 0,0-1-1,0 1-15,0-1 16,0 1-16,24 23 0,-24-23 16,0-1-16,25 1 15,-25-1-15,24 1 16</inkml:trace>
+  <inkml:trace contextRef="#ctx0" brushRef="#br0" timeOffset="-52522">15798 4963 0,'0'-24'15,"0"48"17,0 1-17,24-1-15,-24 1 16,0-1-16,0 1 16,0-1-16,0 0 15,0 1-15,25-1 0,-25 1 16,0-1-1,0-48 32,24-1-31,-24 1-16,25-1 0,-25 1 16,24 0-16,1-1 0,-25-24 15,24 25-15,0-25 16,1 25-16,-1-25 0,1 24 15,-1 25-15,1-24 0,-1 24 16,-24 24 0,0 1-16,0 24 15,0-25-15,0 0 16,0 25-16,0-24 0,0 24 16,0-25-16,0 0 0,0 1 15,0-1-15,0 1 16,0-1-16</inkml:trace>
+  <inkml:trace contextRef="#ctx0" brushRef="#br0" timeOffset="-52239">16409 4597 0,'0'-24'16,"0"48"15,24 1-31,-24-1 0,0 0 16,24 25-16,-24 0 0,0 24 16,0-24-16,25 0 15,-25 24-15,0-24 0,0 0 16,0 0-16,0-25 15,0 25-15,0-24 0,0-1 16,0 0-16,-25 1 0,1-25 16</inkml:trace>
+  <inkml:trace contextRef="#ctx0" brushRef="#br0" timeOffset="-51820">16457 5061 0,'0'-49'16,"0"25"-16,25 48 47,-1-24-47,1 0 16,-1 0-16,25 25 0,-25-25 15,25 0-15,0 0 16,-24 0-16,23 0 0,-23 0 15,-1-25-15,1 25 0,-1-24 16,-24 0 0,0-1-16,0 1 15,0-1-15,-24 25 0,24-24 16,-25-1-16,1 1 16,-1 24-1,1 0 1,0 24-16,24 1 15,-25-1-15,25 1 0,0 24 16,0-1-16,0-23 16,0 24-16,0-1 0,25-23 15,-25 24-15,24-25 16,-24 1-16,24-1 0,1-24 16,-1 24-16</inkml:trace>
+  <inkml:trace contextRef="#ctx0" brushRef="#br0" timeOffset="-51381">17141 4817 0,'0'-24'15,"-24"-1"-15,48 25 16,1 0-1,-25 25 1,24-25-16,1 24 0,-1 0 16,0 25-1,-24-24-15,25-1 0,-25 25 16,0-25-16,0 25 0,0-24 16,0-1-16,-25 0 15,25 1-15,0-1 0,-24 1 16,48-50 15,1 1-15,-1-1-1,1 1-15,-1-25 0,25 0 16,-25 1-16,25-1 16,25 0-16,-26 0 0,1 25 15,0-25-15,24 0 0,-48 24 16,24 25-16,-25 0 15,0 0-15,1 0 0,-25 25 16,0-1-16</inkml:trace>
+  <inkml:trace contextRef="#ctx0" brushRef="#br0" timeOffset="-49386">3048 6820 0,'25'-25'16,"-25"1"-16,24 24 15,-24-25-15,0 1 16,0 0-16,-24-1 16,-1 25-1,-24 0-15,0 0 0,1 0 16,-26 25-16,1-1 16,0 0-16,0 1 0,-25-1 15,49 25-15,-24 0 0,48 0 16,1 0-16,0-1 15,24 1-15,0 0 0,24 0 16,0 0-16,25 0 16,-24 0-16,23-25 0,1 0 15,0 1-15,0-1 0,0 1 16,0-25-16,0 0 16,-1 0-16,-23 0 0,24 0 15,-25 0-15,0 0 16,1-25-1,48 1-15,-48-1 0,-1 25 16</inkml:trace>
+  <inkml:trace contextRef="#ctx0" brushRef="#br0" timeOffset="-48768">2732 7137 0,'-49'0'16,"0"-24"-16,25 24 0,-25 0 16,24 0-16,25-25 15,25 25 1,24 0-16,-25 0 16,25-24-16,24 24 0,-24 0 15,0 0-15,24-25 16,-24 25-16,24-24 0,-24 24 15,0-24-15,0 24 16,-25-25-16,25 25 0,-25 0 16,1 0-16,-1 0 15,1 0-15,-1 0 16,-24 25-16,0-1 16,25 0-16,-25 1 15,24-1-15,-24 25 0,24-24 16,-24-1-16,25 25 15,-25-25-15,0 25 0,0-24 16,0-1-16,-25 0 0,25 1 16,-24-25-1,24 24-15,-24-24 0,24-24 16,0-1-16,0 1 16,0 0-16,0-25 15,24 0-15,0 0 0,1 0 16,-1 0-16,1 0 15,23 25-15,1-25 0,-24 25 16,24-1-16,-1 25 0,-23 0 16,-1 0-16,25 25 15,-24-25-15,-25 24 0,24 1 16,0 23-16,-24-23 16,0 24-16,25-25 0,-25 1 15,0-1-15,0 25 0,0-25 16,-25 1-16,1-1 15</inkml:trace>
+  <inkml:trace contextRef="#ctx0" brushRef="#br0" timeOffset="-48203">4588 7137 0,'24'-24'0,"-24"-1"0,0 1 16,-24 24 0,-1-25-16,1 1 0,0 24 15,-25-24-15,0 24 16,24-25-16,-23 25 0,-1 0 16,0 0-16,0 0 0,25 25 15,-25-25-15,24 24 16,1 0-16,0 1 15,24 24-15,0-25 16,24 1-16,-24 23 0,24-23 16,1 24-16,24-25 0,-25 1 15,0-25-15,25 24 16,-24-24-16,24 0 0,-25 0 16,25 0-16,-25-24 15,1-1-15,-1 1 0,1-25 16,-1 24-16,-24-23 0,24-1 15,-24 0-15,25 0 16,-25 0-16,0-24 0,0 24 16,0 0-16,-25 0 15,25 1-15,0-1 0,0 24 16,-24 25-16,24 49 31,0-24-31,0 23 0,0 26 16,24-26-16,1 1 0,-25 25 15,24-26-15,-24 1 16,25 0-16,-25 0 0,0 0 16,24 0-16,-24 0 15,0-25-15,0 0 0,0 1 16</inkml:trace>
+  <inkml:trace contextRef="#ctx0" brushRef="#br0" timeOffset="-47789">5101 6771 0,'0'-25'0,"-25"25"15,1 0 1,24 25 0,0-1-16,0 25 15,0-24-15,0-1 16,0 25-16,24-25 16,-24 25-16,0 0 0,0 0 15,0 0-15,0-1 16,0 1-16,0 0 0,0 0 15,0 0-15,0-25 0,0 1 16,25-1-16,-25 0 16,24 1-16,1-25 0,-1 24 15,0-24-15,1 0 16,24-24-16,0-1 0,-1 25 16,1-24-16,0 0 0,0-1 15,0-24-15,24 25 16,-24 0-16</inkml:trace>
+  <inkml:trace contextRef="#ctx0" brushRef="#br0" timeOffset="-46972">5882 7064 0,'-24'0'31,"-1"0"-15,25 24-1,-24-24 1,24 25-16,-24-25 0,-1 24 16,25 1-16,0-1 15,-24 25-15,24-25 0,0 1 16,0 24-16,24-25 0,-24 0 16,25 1-16,-1-1 15,0-24-15,1 25 0,24-25 16,-25 0-16,25 0 15,-25 0-15,1 0 0,-1 0 16,1-25-16,-25 1 0,0-1 16,0 1-16,0 0 15,0-1-15,-25-24 0,1 25 16,-1-1-16,1 1 16,-25-25-16,25 49 0,-1-24 15,1-1-15,-1 1 16,50 24-1,-1 0-15,1 24 16,24-24-16,-1 0 16,1 25-16,0-25 0,0 0 15,24 0-15,-24 0 0,0 0 16,0 0-16,-25 0 16,25 0-16,-25 0 0,1-25 15,-1 25-15,-48 0 31,-25 0-31,0 0 16,25 0 0,-1 0-16,1 25 0,24-1 15,-25 1-15,25-1 0,0 0 16,0 1-16,0 24 16,0-25-16,0 1 0,25 23 15,-1-23-15,1-1 16,-1-24-16,25 25 0,-25-1 15,25-24-15,0 0 0,0 0 16,0 0-16,0-24 16,-25-1-16,1 25 0,23-24 15,-48-25-15,25 25 16,-25-25-16,0 24 0,-25-24 16,1 25-16,0-25 0,-25 25 15,0-1-15,0 1 16,0 24-16,0 0 0,0 0 15,1 0-15,23 0 16,1 0-16,24 24 16,24-24-16,1 0 15,-1 0-15</inkml:trace>
+  <inkml:trace contextRef="#ctx0" brushRef="#br0" timeOffset="-46391">6884 6966 0,'24'-24'16,"-24"-1"-16,24 1 15,-24 0-15,0-1 0,25 1 16,-25-1-16,0 50 31,-25-25-31,25 49 0,0-25 16,0 25-16,0 0 15,0 24-15,0-24 0,0 24 16,0 25-16,25-25 0,-1 0 16,-24 0-16,25 25 15,-1-25-15,-24-24 0,25 25 16,-1-26-16,-24 26 0,24-50 16,-24 25-16,25-25 15,-25 1-15,0-1 0,0-48 31,0-1-31,0 1 16,-25 0-16,25-25 16,-24 0-16,0-24 0,24 24 15,-25-25-15,25 1 0,0 0 16,0 0-16,0 24 16,25-24-16,-1-1 0,0 25 15,1 1-15,24 23 0,-25-24 16,25 49-16,0-24 15,0 24-15,-25 0 0,25 0 16,0 24-16,0-24 16,-25 49-16,0-24 0,1 23 15,-1-23-15,-24 24 16,0 0-16,-24-25 0,-1 25 16,-23-25-16,-1 1 0,0-25 15,-24 24-15,-1-24 16,1 0-16,0 0 0,0 0 15,-25-24-15,25-1 16</inkml:trace>
+  <inkml:trace contextRef="#ctx0" brushRef="#br0" timeOffset="-44856">2561 4841 0,'24'0'16,"-24"-24"-1,25 24-15,-25-24 16,-25 24-1,1 0-15,-1 0 16,1 0-16,-1 0 0,-23 24 16,23-24-16,1 0 15,-25 0-15,25 0 0,-25 0 16,24 0-16,1 0 0,-25 24 16,25-24-16,-1 0 15,1 0 1,24 25-1,0-1 1,24 1 0,-24-1-1,0 0-15,0 1 16,0-1-16,0 1 16,-24 24-16,24-25 0,0 0 15,-25 25-15,25 0 0,0-24 16,-24 23-16,24 1 15,0 25-15,0-26 0,-25 1 16,25 0-16,0 0 0,0 24 16,0-24-16,0 0 15,0 0-15,0-25 0,0 25 16,0-25-16,0 25 16,0-24-16,0-1 0,0 1 15,0-1-15,0 0 16,-24-24-1,24 25-15,24-25 32,1 0-17,24 0-15,-25 0 16,25 0-16,0 0 16,0 0-16,0 0 0,-1 0 15,1 0-15,-24 0 16,23 0-16,1 0 0,-24 0 15,-1 0-15,1 0 0,-1 0 16,-48 0 0,-1-25-1</inkml:trace>
+  <inkml:trace contextRef="#ctx0" brushRef="#br0" timeOffset="-44044">2023 5379 0,'25'0'16,"-25"-25"-16,-25 1 31,1 24-15,0 0-1,-1 0-15,1 0 16,-1 0-16,1 24 16,-25-24-16,0 0 15,0 25-15,0-25 0,-24 0 16,24 0-16,-24 24 0,24-24 15,-24 0-15,24 0 16,25 0-16,-1 25 0,1-25 16,-1 0-16,50 0 47,-1 0-47,1 0 15,-1 0 16,-48 0 1,-1 0-17,25 24-15,0 0 16,-24 1-16,24-1 16,0 1-16,-25 24 0,25-1 15,0 1-15,-24 0 0,24 24 16,0-24-16,0 24 15,-24 1-15,24-1 0,0 0 16,0 0-16,-25 1 16,25-1-16,-24 0 0,24 1 15,-25 23-15,1-23 0,0-1 16,-25 25-16,24-25 16,1 0-16,-1 0 0,1 1 15,0-1-15,-1-24 16,1 24-16,-1-24 0,25 0 15,-24-25-15,24 0 0,-25 1 16,25-1-16,0 1 16,0-1-1,25-24 1</inkml:trace>
+  <inkml:trace contextRef="#ctx0" brushRef="#br0" timeOffset="-42990">70 8065 0,'24'0'0,"-24"-24"31,24 24-31,-24 24 31,0 1-31,25-1 16,-25 25-16,0-25 15,0 25-15,0 0 0,0 0 16,0 0-16,0 0 16,-25-25-16,25 25 0,0 0 15,0-25-15,0 25 0,0-25 16,0 1 0,0-1-16,-24-73 31,0 1-16,24 23-15,-25-24 16,25 0-16,-24 1 16,24-26-16,0 25 0,-25-24 15,25 0-15,0 0 16,25-1-16,-1 1 0,1 24 16,-1 0-16,25 1 0,0-1 15,0 24-15,-1 1 16,1 24-16,0 0 0,-24 24 15,23 1-15,1-1 16,-24 25-16,23-25 0,-48 25 16,25 0-16,-25 0 0,0 24 15,-25-24-15,25 0 16,-24 0-16,-25 0 0,25-25 16,-25 25-16,25-25 0,-25 1 15,24-25-15,1 24 16,-25-24-16,25 0 0,-1 0 15,1 0-15,-1-24 16,25-1 0,25 25-16,-1 0 15,25 0-15,-25 0 0,25 25 16,-24-25-16,24 24 0,-1 1 16,-23 23-16,24-23 15,-25-1-15,25 25 0,-25-24 16,25-1-16,-24 25 15,23-49-15,-23 24 0,-1 1 16,1-25-16,-1 0 0,1 0 16</inkml:trace>
+  <inkml:trace contextRef="#ctx0" brushRef="#br0" timeOffset="-42526">1095 8358 0,'-24'0'32,"-1"0"-17,50 25 17,-1-25-17,1 0-15,-1 0 0,25 0 16,-25 0-16,1 0 15,-1 0-15,1 0 0,-1 0 16,1-25-16,-1 25 16,-24-24-16,0-1 15,0 1-15,-24 24 0,-1-24 16,1 24-16,-1-25 16,-24 25-16,1-24 0,23 24 15,-24 0-15,0 0 16,25 24-16,-25 1 0,25-1 15,24 0-15,-25 1 0,25 24 16,0-25-16,25 25 16,-25-25-16,24 25 0,1 0 15,-1-24-15,0-1 16,25 0-16,-24 1 0,-1-1 16,25-24-16,-25 25 0,25-25 15,0 0-15,-24 0 16,-1-25-16,25 1 0,-25-1 15</inkml:trace>
+  <inkml:trace contextRef="#ctx0" brushRef="#br0" timeOffset="-41940">1535 8114 0,'0'-24'0,"-24"-1"15,24 1-15,-25 24 0,25-25 31,0 50-15,0-1-16,0 1 0,0 23 16,0-23-16,0 24 0,0 0 15,0 24-15,25 0 16,-25-24-16,0 24 0,24-24 16,-24 24-16,0 1 15,24-25-15,1 24 0,-25-24 16,24 24-16,1-24 0,-1 24 15,-24-24-15,24 0 16,-24 0-16,0-25 0,0 25 16,0-25-16,-24-24 15,0 0-15,-1 0 16,1-24-16,-1-25 0,1 25 16,0-25-16,-1-25 15,1 26-15,24-26 0,-25 1 16,25-25-16,0 25 15,25 0-15,-25 0 0,24-1 16,1 25-16,23 1 16,-23-1-16,24 24 0,-25 1 15,25-1-15,-25 25 0,25-24 16,-24 24-16,-1 0 16,25 24-16,-25 1 0,1 24 15,-25-25-15,0 1 16,0 23-16,-25-23 15,1 24-15,-1-25 0,1 1 16,-25-1-16,25 0 16,-1-24-16,1 25 0,-25-25 15,25 0-15,-1-25 16,1 1-16,24 0 16,0-1-16,24 1 0</inkml:trace>
+  <inkml:trace contextRef="#ctx0" brushRef="#br0" timeOffset="-41448">2194 8383 0,'0'24'47,"25"1"0,-1-25-47,1 0 15,-1 24-15,0-24 16,1 0-16,-1 0 0,1 0 16,-25-24-16,24 24 15,1-25-15,-1 25 16,-24-24-16,0-1 0,0 1 15,0-1 1,-24 25-16,-1-24 0,1 24 16,-1-24-16,1 24 0,-25 0 15,25 0-15,-1 0 16,1 24-16,-1 0 0,1 1 16,24-1-16,-24 1 15,24 24-15,0-25 0,0 25 16,24 0-1,-24-25-15,24 25 0,1-25 0,-1 1 16,25 24-16,-25-49 0,25 24 16,-24 0-16,24-24 15,-25 0-15,25 0 0,0-24 16,-25 24-16,25-24 0,0 24 16</inkml:trace>
+  <inkml:trace contextRef="#ctx0" brushRef="#br0" timeOffset="-40751">2903 8554 0,'24'-25'15,"0"1"-15,25-1 0,-24 1 16,-25 0-16,24-1 16,1 1-16,-25-1 0,0 1 15,-25 24 1,25-25-16,-24 25 0,-1 0 16,1 0-16,-25 0 0,25 0 15,-1 0-15,1 0 16,-1 25-16,1-1 0,0 1 15,24-1-15,-25 1 0,25-1 16,0 25-16,0-25 16,0 25-16,25-24 0,-1-1 15,-24 0-15,24 1 0,1-25 16,-1 24-16,1-24 16,23 0-16,-23 0 0,-1-24 15,1-1 1,-1 1-16,-24 0 0,25-1 15,-25 1-15,24-25 0,-24 24 16,0 1-16,0 0 16,24 24-1,-24 24 1,0 0-16,0 1 16,25-1-16,-25 25 0,0-24 15,24-1-15,1 0 16,-1 1-16,1-25 0,-1 24 15,0-24-15,1 0 16,-1 0-16,25 0 0,-24-24 16,-1-1-16,0 1 0,1 0 15,-1-1-15,-24-24 16,25 0-16,-25 1 0,0-1 16,0 0-16,-25 0 15,1 0-15,24-24 0,-25 24 16,1 25-16,24-1 15,-24-24-15,-1 49 0,1 25 16,24-1 0,0 1-16,0 23 15,24 1-15,-24 0 0,25 0 16,-1 0-16,-24 24 0,24-24 16,1 0-16,-25 0 15,24-25-15,-24 25 0,25-25 16,-25 1-16,0-1 15,0 1-15,-25-50 16</inkml:trace>
+  <inkml:trace contextRef="#ctx0" brushRef="#br0" timeOffset="-40242">3391 8529 0,'0'-24'0,"-24"24"0,24-25 15,-25 25-15,25-24 16,0 0 15,25 24-31,-1 0 16,1 0-16,-1 0 0,0 0 15,25 0-15,0 0 0,0 0 16,0 0-16,0 0 16,-1 0-16,1 0 0,0-25 15,0 25-15,0 0 0,-25 0 16,1 0-16,-1 0 15,-24-24-15,25 24 0,-25-25 32,-25 1-32,1-1 15,-1 1 1,1 24 0,24-24-16,-25 24 0,1-25 15,0 25-15,-1 0 16,1 0-16,-25 0 0,24 0 15,1 0-15,0 25 0,24-1 16,-25 0-16,25 1 16,0-1-16,25 25 0,-25-24 15,24 23-15,0 1 16,1 0-16,-1-24 0,1-1 16,-1 0-16,25 1 0,-25-1 15,1 1-15,24-25 16,-25 0-16,25 0 0,0-25 15,-25 25-15,25-24 16,-24 24-16,-1-25 0,0 1 16,1 0-16</inkml:trace>
+  <inkml:trace contextRef="#ctx0" brushRef="#br0" timeOffset="-39599">4710 8505 0,'24'0'16,"1"0"-1,-25-25 1,0 1 15,0 0-31,-25 24 16,25-25-16,-24 25 0,0 0 15,-25-24-15,24 24 16,1 0-16,-25 0 0,0 0 16,25 0-16,-1 24 15,1-24-15,-1 25 0,1-1 16,24 0-16,0 1 0,0-1 16,0 1-16,0-1 15,24 1-15,1 23 0,-1-23 16,1-25-16,24 24 15,-25 1-15,25-25 0,0 0 16,0 0-16,-25 0 16,25 0-16,0-25 0,-25 1 15,1-1-15,-1 1 0,0 0 16,-24-25-16,25 0 16,-25 0-16,0 0 0,0 0 15,-25 0-15,25-24 0,-24 24 16,24 25-16,-24-25 15,24 25-15,-25-1 0,25 1 16,-24 24-16,-1 24 16,25 1-1,0-1-15,-24 1 0,24 23 16,0 1-16,0 24 16,0-24-16,24 25 0,-24-26 15,25 26-15,-25-25 16,24-1-16,1 1 0,23 0 15,-23 0-15,24-25 0,-25 25 16,0-49-16,25 25 16,-24-25-16,-1 0 0,-24-25 15</inkml:trace>
+  <inkml:trace contextRef="#ctx0" brushRef="#br0" timeOffset="-38280">2390 9531 0,'-25'0'15,"25"-25"-15,-24 25 16,24 25-1,0-1-15,0 0 16,0 25-16,24-24 16,-24 24-16,0-1 0,25 1 15,-25 0-15,0 0 0,0 0 16,0 0-16,24-25 16,-24 25-16,0-25 0,0 25 15,0-24-15,0-1 16</inkml:trace>
+  <inkml:trace contextRef="#ctx0" brushRef="#br0" timeOffset="-37793">2756 9702 0,'0'-25'15,"25"25"-15,-25-24 0,0-1 32,-25 25-32,25 25 15,-24-25-15,24 24 16,-25 1-16,25-1 0,-24 0 16,24 25-16,0-24 0,0 24 15,0-1-15,0-23 16,0 24-16,24-1 0,1-23 15,-1-1-15,1 1 16,-1-1-16,25 1 0,0-25 16,-25 0-16,25 0 0,-25 0 15,25-25-15,-24 25 16,-1-24-16,0-1 0,1 1 16,-25-25-16,0 25 15,0-25-15,0 24 0,0-23 16,0-1-16,-25 0 0,1 0 15,0 25-15,-1-25 16,1 24-16,-25 1 0,25 24 16,-25 0-16,24 0 0,1 24 15,-1-24-15,1 25 16,0-1-16,-1 1 0,25-1 16,-24 0-16,24 1 15,24-25-15,1 24 16</inkml:trace>
+  <inkml:trace contextRef="#ctx0" brushRef="#br0" timeOffset="-37446">3977 9531 0,'-24'0'16,"24"-25"-1,-25 25-15,25 25 16,0-1 0,25 0-16,-25 25 15,24-24-15,-24 24 16,25-1-16,-25 1 0,24 0 15,-24 0-15,0 0 0,25 0 16,-25-25-16,0 25 16,24-25-16,-24 1 0,0-1 15,0 1-15,0-1 0,0 0 16</inkml:trace>
+  <inkml:trace contextRef="#ctx0" brushRef="#br0" timeOffset="-37038">3855 9921 0,'-24'0'0,"24"-24"15,-25 24-15,50 0 32,-1-24-17,1 24-15,-1 0 16,0 0-16,25 0 0,-24 0 15,24 0-15,-1-25 16,1 25-16,-24 0 0,24-24 16,-25 24-16,25 0 0,-25-25 15,1 25-15,-1 0 16,-24-24-16,24 24 0,-24-25 16,25 25-1,-25-24 1,0 48-1,0 1 1,0-1-16,0 1 0,0-1 16,24 1-16,-24 23 15,0-23-15,25 24 0,-25-25 16,24 1-16,-24-1 0,25 0 16,-25 1-16,24-1 15,0-24 1</inkml:trace>
+  <inkml:trace contextRef="#ctx0" brushRef="#br0" timeOffset="-36851">4466 9482 0,'-25'0'0,"1"0"0,24-25 15,-25 25 1,50 0 0,-1 0-1</inkml:trace>
+  <inkml:trace contextRef="#ctx0" brushRef="#br0" timeOffset="-36114">4710 9750 0,'24'0'32,"1"0"-17,-1 0-15,1 0 16,-1 25-16,0-1 15,-24 1-15,25-25 0,-25 24 16,0 25-16,24-25 16,-24 1-16,0-1 0,0 1 15,0-1-15,0 0 16,0 1-16,-24-1 16,24-48 15,0-1-16,0 1 1,0 0-16,0-1 0,24-24 16,-24 25-16,25 0 0,-25-25 15,24 24-15,1-24 16,-1 25-16,0 0 0,-24-1 16,25 25-16,-1-24 15,1 24-15,-1 0 0,1 24 16,-25 1-16,24-1 0,-24 0 15,24 1-15,-24-1 16,0 1-16,0 24 0,0-25 16,0 0-16,0 1 15,0-1-15,0 1 0,0-1 32,0-48-17,0-1 1,25 25-16,-1-24 0,-24-1 15,25-23-15,-1 23 16,1-24-16,-1 25 0,0-25 16,25 25-16,-24-1 15,-1 25-15,1 0 0,-1 0 16,0 0-16,1 25 0,-1-1 16,1 0-16,-25 25 15,0-24-15,24 24 0,-24-25 16,0 25-16,0-25 15,0 1-15,24-1 0,-24 0 16,25 1-16,-1-25 16</inkml:trace>
+  <inkml:trace contextRef="#ctx0" brushRef="#br0" timeOffset="-35303">5980 9750 0,'-24'0'0,"-1"0"16,1 0 0,-1 0-16,25 25 15,25-25 1,-1 0-16,1 0 15,-1 0-15,0 0 16,1 0-16,24 0 16,-25 0-16,0 0 0,1 0 15,-1 0-15,1-25 16,-1 25-16,1-24 0,-1 24 16,-24-24-16,24-1 0,-24 1 15,-24-1 1,0 1-16,-1-1 0,1 1 15,-1 24-15,-24-24 16,1 24-16,-1 0 0,24 0 16,-23 0-1,23 24-15,-48 25 0,73-25 16,-25 25-16,25-24 0,0 23 16,0 1-16,0 0 15,25-24-15,-25 23 0,24-23 16,1 24-16,24-25 0,-25 0 15,25 1-15,-25-25 16,25 24-16,0-24 0,24 0 16,-24-24-16,0 24 15,0-25-15,0 1 0,-1 0 16,1-25-16,0 0 0,24 25 16,-24-25-16,0 0 15,0 0-15,0 0 0,0 0 16,-1 0-16,-23 25 15,24 0-15,-49-1 0,24 1 16,-24-1-16,-24 25 16,-1 0-16,1 25 15,-1-25-15,1 24 0,-25-24 16,25 25-16,-1-25 0,1 24 16,0 0-16,24 1 15,0-1-15,24 1 0,25 24 16,-25-25-1,25 0-15,-25 1 0,25-1 16,-24 1-16,24-1 0,-25 1 16,0-1-16,-24 0 15,0 1-15,0-1 16,-48 1-16,23-25 16,-48 0-16,0 24 0,-49-24 15,-1 0-15</inkml:trace>
+  <inkml:trace contextRef="#ctx0" brushRef="#br0" timeOffset="-25407">9741 6917 0,'0'-24'47,"25"24"-32,-25 24 1,0 1-16,0-1 16,0 25-16,0-25 15,0 1-15,-25 24 16,25 0-16,-24-1 0,24 1 15,-25 25-15,25-26 16,-24 1-16,-1 25 0,25-26 16,0 1-16,0 0 0,-24 0 15,24 0-15,0-25 16,0 25-16,0-25 0,0 25 16,-24-24-16,24-1 15,0 1-15,-25-1 16</inkml:trace>
+  <inkml:trace contextRef="#ctx0" brushRef="#br0" timeOffset="-24873">9424 8358 0,'0'-24'0,"0"-1"31,24 25 0,-24 25-15,0-1 0,0 1-16,-24-1 15,24 1-15,0-1 0,-25 25 16,25-25-16,0 1 15,0-1-15,-24 25 0,24-25 16,0 1-16,0-1 16,0 1-16,0-1 0,0 0 15,0 1-15,0-1 16,0 1 0,0-1-1,24-24 1,-24-24-1,0-1 1,0 1 0</inkml:trace>
+  <inkml:trace contextRef="#ctx0" brushRef="#br0" timeOffset="-24460">9033 8920 0,'0'-24'31,"24"24"-15,1 0-1,-1 0-15,25 0 16,-25 0-16,1 0 16,-1 24-16,25-24 15,-25 0-15,25 0 0,-24 24 16,24-24-16,-25 0 0,0 0 15,1 0-15,-1 0 16,1 0-16,-50 0 31,1 0-15</inkml:trace>
+  <inkml:trace contextRef="#ctx0" brushRef="#br0" timeOffset="-23691">10645 8920 0,'0'-24'16,"0"-1"15,0 1-15,0 48 15,0 1-31,0-1 16,0 0-16,-25 25 15,25-24-15,-24 24 0,-1-1 16,1 26-16,0-25 16,-1-1-16,-24 26 0</inkml:trace>
+  <inkml:trace contextRef="#ctx0" brushRef="#br0" timeOffset="-17261">11329 8480 0,'0'-24'0,"24"24"15,-24-24-15,24 24 16,1-25-16,-1 25 16,1 0-1,-25-24-15,24 24 16,1 0-16,-1 0 15,0 0-15,1 0 16,-1 0-16,1 0 0,-1 0 16,1 0-16,-1 0 0,0 24 15,1-24-15,-1 0 16,-24 25-16,25-25 16,-1 24-1,-24 0-15,0 1 16,25-25-16,-25 24 15,0 1-15,0-1 0,-25-24 16,25 25-16,-24-1 0,24 0 16,-25-24-16,1 25 15,-1-1-15,1 1 0,0-25 16,-1 24-16,1 0 0,-1-24 16,1 25-16,-1-1 15,1 1-15,0-25 0,-1 24 16,1 1-16,-1-25 15,1 24-15,-1 0 0,1-24 16,0 25-16,-1-25 0,1 0 16,24 24-16,-25-24 15,1 0-15,24 25 16,-25-25-16,25 24 31,25-24 0,-1 0-31,1 0 16,-1 0-16,1 0 16,-1 0-16,0 0 0,1 0 15,24 0-15,-25 0 16,1 0-16,23 0 0,-23 0 16,24 0-16,-25 25 0,1-25 15,23 0-15,-23 0 16,-1 0-16,25 24 0,-24-24 15,-1 0-15,0 0 0,25 24 16,-24-24-16,-1 0 16,0 25-16,1-25 15,-1 0-15,1 0 32</inkml:trace>
+  <inkml:trace contextRef="#ctx0" brushRef="#br0" timeOffset="-15952">12770 9164 0,'24'0'16,"-24"-24"-16,24-1 16,-24 50 46,-24-1-46,24 1-16,-24-1 15,-1 1-15,25-1 0,-24 25 16,24-25-16,-25 25 16,25-24-16,-24-1 0,24 0 15,0 1-15,-25-1 0,25 1 16</inkml:trace>
+  <inkml:trace contextRef="#ctx0" brushRef="#br0" timeOffset="-15115">13307 8700 0,'0'-24'15,"24"-1"1,-24 1-16,25 24 0,-1-24 16,-24-1-16,25 1 0,-1-1 15,0 1-15,1 24 16,24-25-16,-25 1 0,1 24 15,-1-24-15,25 24 16,-25 0-16,1-25 0,24 25 16,-25 0-16,0 0 15,1 25-15,-1-25 0,1 24 16,-1 0-16,-24 1 0,0-1 16,0 1-16,0-1 15,0 1-15,0-1 0,0 25 16,-24-25-16,24 1 15,-25-1-15,1 1 0,-1-1 16,1-24-16,-25 24 0,25-24 16,-1 25-16,-24-25 15,25 24-15,0-24 0,-1 0 16,1 0 0,24 25-16,24-50 31,1 25-31,-1 0 15,25 0-15,-25 0 0,25 0 16,0 0-16,-25 0 0,25 25 16,0-25-16,0 24 15,-25-24-15,1 24 0,-1 1 16,1-1-16,-1 1 16,-24-1-16,0 1 0,0 23 15,0-23-15,-24-1 0,24 1 16,-25-1-16,1 1 15,-1-1-15,-24 0 0,25-24 16,-25 25-16,25-25 16,-25 24-16,0-24 0,0 0 15,25 0-15,-25 0 0,0 0 16,25 0-16,-25 0 16,24 0-16,1-24 0,0 24 15,-1-25 1,1 1-1,48 0 17</inkml:trace>
+  <inkml:trace contextRef="#ctx0" brushRef="#br0" timeOffset="-14655">14504 9238 0,'0'-25'16,"24"25"15,0 25 0,-24-1-31,0 0 16,0 1-16,-24-1 0,24 1 16,-24-1-16,24 1 15,0-1-15,0 25 0,-25-25 16,25 1-16,0-1 0,0 0 16,0 1-16,0-1 15</inkml:trace>
+  <inkml:trace contextRef="#ctx0" brushRef="#br0" timeOffset="-13779">15041 8554 0,'0'-25'15,"0"50"48,0-1-63,0 1 15,0-1-15,24 0 16,-24 1-16,0 24 0,0-25 16,0 1-16,0 23 0,0-23 15,0 24-15,0-25 16,0 0-16,0 25 0,0-24 15,0-1-15,0 1 16,0-1-16,25-24 16,-25 24-16,24-24 15,1 0 1,-25-24-16,24 24 0,25-24 16,-25-1-1,1 25-15,-1-24 0,25 24 16,-25-25-16,1 25 15,24 0-15,-25-24 0,1 24 16,-1 0-16,0-25 0,1 25 16,-1 0-16,1 0 15,-25-24-15,0 0 16,0-1 0,0 1-1,-25-1-15,25 1 16,0 0-16,-24-1 15,24 1-15,0-1 16,0 1-16,24 24 0,-24-25 16,25 1-16,-25 0 15,0-1 1,0 50 0,0-1-1,0 0-15,0 1 16,0 24-16,0-25 15,0 25-15,0 0 0,0 24 16,0-24-16,0 0 0,0 24 16,0-24-16,0 0 15,0 0-15,0-1 0,0 1 16,0-24-16,0-1 16,0 25-16,0-25 15,-25 1-15,25-1 16</inkml:trace>
+  <inkml:trace contextRef="#ctx0" brushRef="#br0" timeOffset="-13384">16360 9238 0,'0'24'16,"0"0"15,0 1-15,0-1-16,0 1 15,0 23 1,-25-23-16,25-1 0,0 1 16,-24-1-16,24 1 0,0-1 15,-24 0-15,24 1 16,0-1-16,-25-24 0,25 25 15</inkml:trace>
+  <inkml:trace contextRef="#ctx0" brushRef="#br0" timeOffset="-12748">17434 8529 0,'25'0'16,"-25"-24"-16,-25 48 47,1-24-31,0 25-16,-1-1 0,1 1 15,-1-1-15,1 0 0,-1 1 16,1 24-16,0-25 15,24 0-15,-25 25 0,25-24 16,-24-1-16,24 1 16,0-1-16,0 0 15,0 1 1,24-25-16,1 24 16,-1-24-16,0 0 0,1 0 15,-1 0-15,25 25 16,-24-25-16,23 0 0,-23 0 15,24 24-15,-25-24 0,0 25 16,1-25-16,-1 24 16,-24 0-16,25 1 0,-25-1 15,0 1-15,0-1 16,0 1-16,-25-1 0,25 0 16,-24 1-16,-1-25 15,1 24-15,0-24 0,-1 25 16,1-25-16,-1 0 0,-23 24 15,23-24-15,1 0 16,-1-24-16</inkml:trace>
+  <inkml:trace contextRef="#ctx0" brushRef="#br0" timeOffset="-12448">17556 8603 0,'49'-25'16,"-49"1"-16,25 24 0,-1 0 16,1 0-1,-1 0-15,0 24 0,1-24 16,-1 0-16,25 0 0,-24 25 15,23-25-15,-23 0 16,-1 0-16,25 24 0,-24-24 16,-1 0-16,0 0 15,1 0-15,-1 0 16</inkml:trace>
+  <inkml:trace contextRef="#ctx0" brushRef="#br0" timeOffset="-12171">18460 9189 0,'0'24'0,"0"1"16,0-1 0,25-24-1,-1 0 32,0 0-31</inkml:trace>
+  <inkml:trace contextRef="#ctx0" brushRef="#br0" timeOffset="151133">5296 4695 0,'0'-25'15,"25"25"16,-50 25 32,25-1-63,0 1 16,0-1-16,0 25 0,0-25 15,0 1-15,0-1 16,0 1-16,0-1 0,25 0 15,-25 1-15,0-1 16</inkml:trace>
+  <inkml:trace contextRef="#ctx0" brushRef="#br0" timeOffset="151438">5247 4426 0,'0'-24'0,"0"48"78,25 1-62</inkml:trace>
+  <inkml:trace contextRef="#ctx0" brushRef="#br0" timeOffset="152045">5540 4573 0,'25'0'0,"-25"24"15,0 1-15,24-1 16,-24 0 0,0 1-16,0 24 0,0-25 15,0 1-15,0-1 16,0 0-16,0 1 0,0-1 15,0 1-15,0-1 0,0 0 16,0 1 0,0-50 31,0 1-47,-24 0 15,24-1 1,0 1-16,-25-25 0,25 25 15,0-25-15,0 24 0,0-24 16,-24 25-16,24-25 16,0 25-16,0-1 0,0 1 15,0-1-15,0 1 16,24 0-16,-24-1 0,25 1 16,-1-1 15,1 25-16,-1 0 1,-24 25 0,0-1-1,24 1 1,-24-1-16</inkml:trace>
+  <inkml:trace contextRef="#ctx0" brushRef="#br0" timeOffset="152339">5516 4695 0,'24'0'0,"-24"24"16,25-24-16,-1 0 16,1 0-1,-1-24 1,0 24-16,1 0 16,-1 0-16,1 0 15,-1 0 1</inkml:trace>
+  <inkml:trace contextRef="#ctx0" brushRef="#br0" timeOffset="153838">6322 4695 0,'0'-25'78,"0"1"-31,24 24-16,1 0 0,-25 24-31,24 1 16,-24-1-16,25 1 15,-25-1 1,0 1-16,0-1 0,0 0 16,0 1-1,0-1-15,0 1 16,0-50 15,0 1-15,0-1-1,0 1-15,0 0 16,24-1-16,-24 1 0,24-1 16,-24 1-16,25-1 15,-25 1-15,24 0 0,1-1 16,-1 25-1,-24 25 1,0-1-16,25 0 16,-25 1-16,0-1 15,24 1-15,-24-1 16,0 1-16,0-1 0,24-24 16,-24 24-16,0 1 15,0-1 1</inkml:trace>
+  <inkml:trace contextRef="#ctx0" brushRef="#br0" timeOffset="154174">6762 4426 0,'0'25'63,"24"-25"-63,-24 24 0,0 0 15,0 1 1,0-1-16,0 1 0,0 24 16,24-1-16,-24-23 15,0-1 1,0 1-16,0-1 16</inkml:trace>
+  <inkml:trace contextRef="#ctx0" brushRef="#br0" timeOffset="154378">6835 4548 0,'24'0'0,"1"-24"16,-1 24-16,0 0 0</inkml:trace>
+  <inkml:trace contextRef="#ctx0" brushRef="#br0" timeOffset="154751">6957 4499 0,'0'-24'0,"0"0"16,0-1 0,0 1-1,0 48 16,0 1-15,0-1-16,0 0 0,0 1 16,24-1-16,-24 1 15,0-1-15,0 1 0,0-1 16,0 0 0,0 1-1,25-25 32,-25-25-31,24 25-16,-24-24 0,25 24 15,-25-24-15,24 24 0,0-25 16,1 25 0,-1 0-16,1 0 15,-1 25-15,-24-1 16,25 0-1,-25 1-15,0-1 16,0 1-16</inkml:trace>
+  <inkml:trace contextRef="#ctx0" brushRef="#br0" timeOffset="154997">7470 4695 0,'24'0'15,"1"0"1,-1 0-16,0 0 15,1 0-15,-1 0 16,1 0-16,-1 0 0</inkml:trace>
+  <inkml:trace contextRef="#ctx0" brushRef="#br0" timeOffset="155200">7445 4817 0,'25'0'32,"-1"0"-17,1 0-15,-1 0 16,0 0-16,1 0 0,24 0 16,-25 0-16,1 0 15,-1-24-15</inkml:trace>
+  <inkml:trace contextRef="#ctx0" brushRef="#br0" timeOffset="155988">8007 4573 0,'0'-25'15,"0"50"32,0-1-31,0 1-1,0-1-15,0 0 16,0 1-16,0-1 16,0 1-16,0-1 0,0 1 15,0-1-15,0 0 16,24-24 15,1 0-15,-25-24-16,24 24 15,-24-24-15,25 24 16,-1 0-16,1-25 0,-1 25 16,0-24-16,1 24 15,-1-25 1,-24 1 15,0-1-15,0 1 15,0 0-15,25-1-1,-25 1 1,0 48 31,0 1-47,0-1 15,24 0-15,-24 1 16,0-1-16,0 1 0,25-1 16,-25 1-16,24 23 15,-24-23-15,0-1 16,0 1-1,24-25-15</inkml:trace>
+  <inkml:trace contextRef="#ctx0" brushRef="#br0" timeOffset="156269">8569 4451 0,'-25'0'15,"25"24"32,0 0-47,25-24 16,-25 25-16,0-1 0,0 25 15,24-24-15,-24-1 0,0 0 16,0 1-16,0-1 16,25-24-16,-25 25 0,0-1 15</inkml:trace>
+  <inkml:trace contextRef="#ctx0" brushRef="#br0" timeOffset="156850">8447 4622 0,'24'0'31,"1"0"-31,-1 0 16,0 0-16,1 0 15,-1 0-15,1 0 16,-1-25-16,1 25 0,-1 0 15,0-24 1,1 24-16,-25-25 0,0 1 16,0-1-1,0 1 1,0 48 31,0 1-32,0-1-15,0 1 16,0-1-16,0 1 0,0-1 16,24 0-1,-24 1-15,0-1 16,25-24 31,-25-24-32,0-1-15,24 1 16,0 0-16,1-1 16,-1 25-1,1 0 1,-25 25 0,24-25-16,-24 24 0,25 0 15,-25 1-15,24-25 0,-24 24 16,0 1-16,24-1 15,-24 1-15</inkml:trace>
+  <inkml:trace contextRef="#ctx0" brushRef="#br0" timeOffset="157889">9472 4402 0,'0'-25'16,"0"1"-1,0 48 17,0 1-32,0-1 15,0 1-15,0-1 0,0 25 16,0-25-16,0 1 16,0 24-16,25-25 0,-25 0 15,0 1-15,0 24 16,0-25-16,24 1 0,-24-1 15,0 0-15,0 1 16,0-1 0,-24-24-16</inkml:trace>
+  <inkml:trace contextRef="#ctx0" brushRef="#br0" timeOffset="158764">9326 4744 0,'0'-25'16,"24"25"-1,1 0 1,-1 0 0,1-24-16,-1 24 15,0 0-15,1 0 16,24 0-16,-25 0 0,1 0 15,23-25-15,-23 25 16,-1 0-16,1 0 0,-1 0 16,1-24-16</inkml:trace>
+  <inkml:trace contextRef="#ctx0" brushRef="#br0" timeOffset="159215">9717 4524 0,'0'-25'0,"0"1"15,0 0 1,24 48 31,-24 0-31,0 1-1,25-1-15,-25 25 0,0-24 16,24-1-16,-24 0 15,0 25-15,0-24 0,0-1 16,0 1-16,0-1 0,0 0 16,0 1-1,0-50 32,24 25-31,-24-24-16,25 24 15,-25-24-15,24-1 0,1 25 16,-25-24-16,24 24 16,1-25-16,-1 25 15,0 0-15,-24 25 16,25-25-16,-25 24 16,24 1-16,-24-1 15,25 0-15,-25 1 16</inkml:trace>
+  <inkml:trace contextRef="#ctx0" brushRef="#br0" timeOffset="159653">10254 4744 0,'-24'0'15,"48"0"64,-24-25-79,24 25 15,1 0 1,-25-24-16,24-1 15,-24 1 1,-24 24-16,24-24 16,-25 24-16,25-25 0,-24 25 15,24-24-15,-24 24 16,-1 0-16,1 0 16,24 24-16,0 1 0,-25-25 15,25 24-15,0 0 16,0 1-16,25-1 0,-25 1 15,24-1-15,-24 1 16,25-1-16,-1-24 0,-24 24 16,24-24-16,1 25 15,-1-25-15,1 0 0</inkml:trace>
+  <inkml:trace contextRef="#ctx0" brushRef="#br0" timeOffset="160103">10498 4622 0,'0'-25'32,"0"50"-1,25-1-16,-25 0-15,0 1 16,0-1 0,0 1-16,0-1 0,0 1 15,0-1-15,0 0 16,0 1 0,0-50 15,0 1-31,0 0 15,0-1-15,24 1 16,-24-1-16,25 25 16,-1-24-16,-24-1 0,24 1 15,1 24-15,-1 0 16,1 0-16,-1 0 16,-24 24-16,24 1 15,-24-1-15,0 1 16,0-1-16,0 1 15,0-1-15</inkml:trace>
+  <inkml:trace contextRef="#ctx0" brushRef="#br0" timeOffset="160693">11451 4499 0,'24'0'16,"-24"-24"-16,0 0 16,-24 24-1,24-25-15,-25 25 16,1-24 0,-1 24-16,1 24 15,0-24-15,-1 25 0,1-1 16,-1 0-16,1 25 15,0-24-15,24 24 0,-25-25 16,25 25-16,0-25 16,0 25-16,0-24 0,25-1 15,-1 0-15,0 1 0,1-1 16,-1-24-16,1 25 16,23-25-16,-23 0 0,24 0 15</inkml:trace>
+  <inkml:trace contextRef="#ctx0" brushRef="#br0" timeOffset="161512">11671 4670 0,'0'-24'0,"-25"0"16,1 24 15,-1 0-16,25 24-15,-24 0 16,24 1 0,-25-1-16,25 1 15,0-1-15,0 1 16,25-25-16,-25 24 0,24 0 16,1-24-16,-1 0 15,1 0 1,-1-24-1,-24 0 1,24 24-16,-24-25 0,0 1 16,0-1-16,0 1 0,0-1 15,-24 25-15,24-24 16,0 0-16,-24-1 0,24 1 16,-25 24-1,50 0 32,-25 24-47,24-24 16,0 0-1,1 0 1,-1 0-16,1 0 16,-1 0-1,1 0-15,-1 0 31,-24 25-31,0-1 16,0 0-16,0 1 16,0-1-1,0 1-15,0-1 16,-24-24 15,24-24 0,0-1-31,24 25 16,-24-24-16,24 24 0,-24-25 16,25 1-16,-1 0 15,1-1-15,-1 1 16,0 24 0,1 24-1,-25 1 1,0-1-16,24-24 0,-24 24 15,0 1-15,0-1 0,0 1 16</inkml:trace>
+  <inkml:trace contextRef="#ctx0" brushRef="#br0" timeOffset="161788">12159 4402 0,'0'-25'0,"0"1"0,0-1 15,0 50 17,0-1-17,0 1-15,24 24 16,-24-25-16,0 0 0,0 25 15,0-24-15,0 24 16,0-25-16,0 0 0,0 1 16,0-1-16,0 1 0,0-1 15,0 1 1</inkml:trace>
+  <inkml:trace contextRef="#ctx0" brushRef="#br0" timeOffset="162130">12135 4622 0,'0'-25'0,"0"1"16,24-1-1,0 25 1,1 0-16,-1 0 16,-24-24-16,25 24 15,-1 0-15,1 0 0,-1 0 16,0 0-1,1 0-15,-25-25 16,24 25 0,-24 25 31,0-1-47,0 1 15,0-1-15,0 1 16,0-1-16,0 0 15,0 1-15,0-1 16,0 1-16</inkml:trace>
+  <inkml:trace contextRef="#ctx0" brushRef="#br0" timeOffset="162312">12403 4280 0,'0'-25'0,"0"1"16,0 48 15,0 1-15,0-1-16</inkml:trace>
+  <inkml:trace contextRef="#ctx0" brushRef="#br0" timeOffset="163013">12452 4426 0,'24'25'0,"1"-1"31,-1-24-15,-24 24-1,25 1-15,-25-1 16,24-24-16,-24 25 15,0-1-15,0 1 16,0-1-16,0 0 16,0-48 62,0 0-78,25 24 0,-25-25 15,24 1-15,-24-1 16,24 25-16,-24-24 0,25-1 16,-1 1-1,1 48 1,-25 1 0,0-1-16,0 1 15,24-25-15,-24 24 0,0 1 16,0-1-16,25-24 0,-25 24 15,24-24-15,-24 25 16,24-25-16,1 0 16,-1 0-1,1 0-15,-25-25 16,24 25-16,1 0 16,-1-24-16,0 24 0,-24-24 15,25-1-15,-1 1 0,-24-1 16,0 1-16,25-1 15,-25 1-15,0 0 0,0-1 16,-25 1 0,1 24-16,-1 0 15,1 24-15,0 1 16,-1-1-16,25 0 16,0 1-16,0-1 0,0 1 15,0-1-15,0 1 16,25-1-16,-1 0 0,0 1 15,1-1-15,-1 1 0,1-25 16,-1 0-16,1 24 16,-1-24-16,0 0 0</inkml:trace>
+</inkml:ink>
+</file>
+
+<file path=ppt/ink/ink145.xml><?xml version="1.0" encoding="utf-8"?>
+<inkml:ink xmlns:inkml="http://www.w3.org/2003/InkML">
+  <inkml:definitions>
+    <inkml:context xml:id="ctx0">
+      <inkml:inkSource xml:id="inkSrc0">
+        <inkml:traceFormat>
+          <inkml:channel name="X" type="integer" max="1920" units="cm"/>
+          <inkml:channel name="Y" type="integer" max="1080" units="cm"/>
+          <inkml:channel name="T" type="integer" max="2.14748E9" units="dev"/>
+        </inkml:traceFormat>
+        <inkml:channelProperties>
+          <inkml:channelProperty channel="X" name="resolution" value="55.81395" units="1/cm"/>
+          <inkml:channelProperty channel="Y" name="resolution" value="55.6701" units="1/cm"/>
+          <inkml:channelProperty channel="T" name="resolution" value="1" units="1/dev"/>
+        </inkml:channelProperties>
+      </inkml:inkSource>
+      <inkml:timestamp xml:id="ts0" timeString="2020-11-17T21:06:14.224"/>
+    </inkml:context>
+    <inkml:brush xml:id="br0">
+      <inkml:brushProperty name="width" value="0.05" units="cm"/>
+      <inkml:brushProperty name="height" value="0.05" units="cm"/>
+      <inkml:brushProperty name="color" value="#ED1C24"/>
+      <inkml:brushProperty name="fitToCurve" value="1"/>
+    </inkml:brush>
+  </inkml:definitions>
+  <inkml:trace contextRef="#ctx0" brushRef="#br0">4469 0 0,'0'25'63,"-24"-25"-48,0 24 1</inkml:trace>
+  <inkml:trace contextRef="#ctx0" brushRef="#br0" timeOffset="551">4274 122 0,'-24'0'16,"-1"0"15,50 0-15,-1 0-1,1 0-15,-1 0 0,0 0 16,25 0-16,0 0 16,0 0-16,24 25 0,0-25 15,-24 0-15,25 0 0,-1 0 16,-24 0-16,0 0 16,-25 0-16,25 0 0,-74 0 31,-23 0-16,23 24-15,-24-24 16,0 0-16,1 0 0,-1 0 16,0 0-16,0 0 0,0 0 15,0 0-15,25 0 16,0 0-16,-25 0 0,24 0 16,1 0-16,-1 0 15,1 0-15,0 0 16,48 0 15,0 0-15,25 0-16,-24 0 0,24 0 15,-1 0-15,-23 0 16,24 0-16,-1 0 0,1 0 16,-24 0-16,-1 0 15,1 0-15,-1 0 0</inkml:trace>
+  <inkml:trace contextRef="#ctx0" brushRef="#br0" timeOffset="2196">4640 171 0,'0'24'78,"25"-24"47,-25 25-109,24-25-16,1 24 15,-1-24-15,1 25 16,-1-25-16,0 0 16,1 24-16,-1 1 0,1-25 15,-1 24-15,1 0 16,-1-24-16,25 25 0,-25-1 16,1 1-16,-1-1 0,25 1 15,-25-1-15,25 0 16,-24 1-1,48-1-15,-49 1 0,25-1 0,-24 1 16,-1-1-16,0 0 16,1 1-16,-1 24 0,1-25 15,-25 1-15,24 23 16,1-23-16,-1 24 0,-24-25 16,24 25-16,-24 0 0,25-25 15,-25 25-15,24 0 16,-24 0-16,25 0 0,-25-1 15,0-23-15,24 24 16,-24-25-16,0 25 0,0-25 16,0 25-16,0-24 0,0 23 15,0-23-15,0-1 16,0 1-16,0-1 0,-24 25 16,24-25-16,-25 1 15,25-1-15,-24 1 0,24-1 16,-25 1-16,25 23 0,-24-23 15,0-1-15,24 1 16,-25 24-16,1-25 0,-1 0 16,1 1-16,-1-1 15,1 1-15,0-1 0,-1 0 16,1 1-16,-1-1 0,1-24 16,-1 25-16,1-1 15,0-24-15,-1 25 0,-24-1 16,25 0-16,-25 1 15,25-25-15,-25 24 0,0-24 16,0 25-16,0-25 0,0 24 16,1-24-16,-26 0 15,25 0-15,-24 25 0,0-25 16,0 0-16,-1 0 16,-23 0-16,23 0 0,-23-25 15,23 25-15,-23 0 0,23-24 16,-23 24-16,24-25 15,-25 25-15,0-24 0,0 24 16,25-25-16,-24 25 0,-1 0 16,0-24-16,0 24 15,1-24-15,-1 24 0,-24-25 16,24 25-16,25-24 16,-25 24-16,1-25 0,23 25 15,1 0-15,-25 0 0,25-24 16,0 24-16,0 0 15,24 0-15,-25 0 0,26 0 16,-1 0-16,-25 0 16,26-25-16,23 25 0,-24 0 15,25 0-15,-25 0 16,25 0-16,-1 0 0,1 0 16,-1-24-16,1 24 0,0 0 15,-1 0-15,1 0 16,-1 0-16,1 0 15,-1 0-15,1 0 16,0 0-16,-1-24 0,1 24 16,-1 0-16,-24 0 0,25 0 15,0 0-15,-1 0 16,1 0-16,-1 0 0,1 0 16,0 0-16,-1 0 0,1 0 15,-1 0 1,1 24-16,-1-24 0,1 0 15,0 0-15,24 24 16,-25-24-16,1 0 0,-1 0 16,1 0-16,-1 25 0,1-25 15,0 0 1,-1 0-16,1 0 16,-1 0-1,25 24 1,-24-24-16,-1 0 31,25 25-15,-24-25-1,24 24 1,-24-24 15,-1 0 0,25-24-31</inkml:trace>
+  <inkml:trace contextRef="#ctx0" brushRef="#br0" timeOffset="2784">366 2003 0,'-24'0'16,"24"24"-16,0 1 31,-24-1-31,-1 1 15,25-1 1,-24-24-16,24 24 16,-25-24-16,25 25 0,-24-1 15,-1 1-15,1-25 0,24 24 16,-24 0-16,-1 1 16,1-25-16,-1 24 0,1 1 15,-1-1 1,1-24-16,24 25 15,0-1 17,24-24-32,1 0 15,-1 24 1,1-24-16,-1 0 0,1 25 16,-1-1-16,0-24 15,25 25-15,-24-25 0,-1 24 16,1 1-16,-1-25 0,0 24 15,1-24-15,-1 24 16,1-24-16,-1 25 16,-24-1-16,0 1 31,25-25-31</inkml:trace>
+</inkml:ink>
+</file>
+
+<file path=ppt/ink/ink146.xml><?xml version="1.0" encoding="utf-8"?>
+<inkml:ink xmlns:inkml="http://www.w3.org/2003/InkML">
+  <inkml:definitions>
+    <inkml:context xml:id="ctx0">
+      <inkml:inkSource xml:id="inkSrc0">
+        <inkml:traceFormat>
+          <inkml:channel name="X" type="integer" max="1920" units="cm"/>
+          <inkml:channel name="Y" type="integer" max="1080" units="cm"/>
+          <inkml:channel name="T" type="integer" max="2.14748E9" units="dev"/>
+        </inkml:traceFormat>
+        <inkml:channelProperties>
+          <inkml:channelProperty channel="X" name="resolution" value="55.81395" units="1/cm"/>
+          <inkml:channelProperty channel="Y" name="resolution" value="55.6701" units="1/cm"/>
+          <inkml:channelProperty channel="T" name="resolution" value="1" units="1/dev"/>
+        </inkml:channelProperties>
+      </inkml:inkSource>
+      <inkml:timestamp xml:id="ts0" timeString="2020-11-17T21:06:47.282"/>
+    </inkml:context>
+    <inkml:brush xml:id="br0">
+      <inkml:brushProperty name="width" value="0.05" units="cm"/>
+      <inkml:brushProperty name="height" value="0.05" units="cm"/>
+      <inkml:brushProperty name="fitToCurve" value="1"/>
+    </inkml:brush>
+  </inkml:definitions>
+  <inkml:trace contextRef="#ctx0" brushRef="#br0">41 342 0,'-24'0'47,"24"-25"-16,-25 25-31,50 0 63,-1 0-63,0 0 15,1 0-15,24 0 16,-1-24-16,26 24 0,-25 0 15,-1 0-15,26-24 16,-25 24-16,24 0 0,-24 0 16,-1-25-16,1 25 0,-24 0 15,24 0-15,-25 0 16,-24-24-16,24 24 0,1 0 31,-25-25-15</inkml:trace>
+  <inkml:trace contextRef="#ctx0" brushRef="#br0" timeOffset="419">677 73 0,'-25'0'16,"1"-24"-16,0 24 16,24-25-16,-25 25 15,25-24 1,25 24 0,-1 24-1,25-24-15,-25 0 16,25 0-16,-24 25 15,23-25-15,-23 24 0,24-24 16,-25 0-16,1 25 0,-1-25 16,0 24-16,1 1 15,-1-25-15,1 24 0,-25 0 16,0 1 0,0-1-16,0 1 15,0-1-15,-25 1 16,1-1-16,-1 0 0,1 25 15,0-49-15,-25 25 0,24-1 16,-24 0-16,1-24 16,-1 25-16,24-25 0</inkml:trace>
+</inkml:ink>
+</file>
+
+<file path=ppt/ink/ink147.xml><?xml version="1.0" encoding="utf-8"?>
+<inkml:ink xmlns:inkml="http://www.w3.org/2003/InkML">
+  <inkml:definitions>
+    <inkml:context xml:id="ctx0">
+      <inkml:inkSource xml:id="inkSrc0">
+        <inkml:traceFormat>
+          <inkml:channel name="X" type="integer" max="1920" units="cm"/>
+          <inkml:channel name="Y" type="integer" max="1080" units="cm"/>
+          <inkml:channel name="T" type="integer" max="2.14748E9" units="dev"/>
+        </inkml:traceFormat>
+        <inkml:channelProperties>
+          <inkml:channelProperty channel="X" name="resolution" value="55.81395" units="1/cm"/>
+          <inkml:channelProperty channel="Y" name="resolution" value="55.6701" units="1/cm"/>
+          <inkml:channelProperty channel="T" name="resolution" value="1" units="1/dev"/>
+        </inkml:channelProperties>
+      </inkml:inkSource>
+      <inkml:timestamp xml:id="ts0" timeString="2020-11-17T21:07:00.662"/>
+    </inkml:context>
+    <inkml:brush xml:id="br0">
+      <inkml:brushProperty name="width" value="0.05" units="cm"/>
+      <inkml:brushProperty name="height" value="0.05" units="cm"/>
+      <inkml:brushProperty name="fitToCurve" value="1"/>
+    </inkml:brush>
+  </inkml:definitions>
+  <inkml:trace contextRef="#ctx0" brushRef="#br0">394 98 0,'24'-24'16,"1"-1"-16,-25 1 15,0-1 1,-25 25 0,1 0-1,-25 0-15,25 0 16,-25 25-16,0-1 0,0 1 15,0-1-15,25 25 16,-25 0-16,25-25 0,-1 25 16,25 0-16,0 0 15,0 0-15,0-1 0,25 1 16,-1-24-16,1-1 0,23 1 16,-23-1-16,24 0 15,0-24-15,-1 0 0,1 0 16,0 0-16,0-24 15</inkml:trace>
+  <inkml:trace contextRef="#ctx0" brushRef="#br0" timeOffset="391">858 245 0,'25'0'15,"-25"-25"-15,-25 25 16,1 0-1,24 25-15,-25-25 16,1 24-16,-1-24 16,25 25-16,-24-25 0,24 24 15,-24 0-15,24 1 0,0-1 16,0 1-16,24-1 16,-24 0-16,24 1 0,1-25 15,-25 24-15,24 1 0,1-25 16,24 24-16,-25-24 15,0 0-15,1-24 0,-1 24 16,1-25-16,-25 1 16,0-1-16,0 1 15,0 0-15,-25-1 16,1 1-16,24-1 0,-25 1 16,1 0-16,0-1 0,-1 25 15,1 0-15,-1-24 16,1 24-16,24 24 15,24-24 1</inkml:trace>
+  <inkml:trace contextRef="#ctx0" brushRef="#br0" timeOffset="865">1127 318 0,'-25'0'16,"25"-24"0,25 24-1,-25-25 1,24 25-16,1 0 0,-1 0 16,-24 25-16,24-1 15,1 0-15,-25 1 0,24-1 16,-24 1-16,0 24 0,25-25 15,-25 0-15,0 25 16,0-24-16,0-1 16,0 0-1,0-48 1,0 0-16,0-1 16,0 1-16,24-1 15,1 1-15,-25-25 0,24 25 16,0-25-16,1 24 15,-1 1-15,1 0 0,-1-1 16,1 1-16,-1 24 0,0 0 16,1 24-16,-1-24 15,-24 25-15,25-1 0,-25 0 16,0 1-16,0 24 16,0-25-16,0 25 0,0-25 15,0 1-15,0 24 0,0-25 16</inkml:trace>
+  <inkml:trace contextRef="#ctx0" brushRef="#br0" timeOffset="1400">2079 391 0,'-24'0'47,"-1"-24"-47,1 24 16,0 0-16,-1 0 15,1 0-15,-1 0 16,1 0-16,-1 24 16,1 1-1,24-1-15,0 0 16,0 1-16,0-1 0,24 25 15,-24-24-15,25-25 0,-1 24 16,-24 0-16,25-24 16,-1 0-16,1 0 0,23 0 15,-23 0-15,-1 0 16,-24-24-16,25 0 0,-1 24 16,-24-49-16,0 24 0,25-24 15,-25 1-15,0-1 16,-25 0-16,25 0 0,-24 0 15,24 0-15,0 1 16,-25 23-16,25 1 0,0-1 16,0 50-1,0-1-15,0 1 16,25 23-16,-25-23 0,24 24 16,-24 0-16,0-1 15,25 1-15,-25 0 0,24-25 16,-24 25-16,0-24 15,24-1-15,-24 1 0,0-1 16,0 0-16,25-24 0</inkml:trace>
+  <inkml:trace contextRef="#ctx0" brushRef="#br0" timeOffset="1645">2519 440 0,'-25'0'32,"25"24"-17,-24-24-15,24 25 16,-24-1 0,24 1-16,0-1 15,0 1-15,24-1 16,-24 0-1,24-24-15,1 0 16</inkml:trace>
+  <inkml:trace contextRef="#ctx0" brushRef="#br0" timeOffset="1861">2519 98 0,'-25'0'0,"1"0"16,0 0-1,48 0 32,-24 25-31,24-25-16</inkml:trace>
+</inkml:ink>
+</file>
+
+<file path=ppt/ink/ink148.xml><?xml version="1.0" encoding="utf-8"?>
+<inkml:ink xmlns:inkml="http://www.w3.org/2003/InkML">
+  <inkml:definitions>
+    <inkml:context xml:id="ctx0">
+      <inkml:inkSource xml:id="inkSrc0">
+        <inkml:traceFormat>
+          <inkml:channel name="X" type="integer" max="1920" units="cm"/>
+          <inkml:channel name="Y" type="integer" max="1080" units="cm"/>
+          <inkml:channel name="T" type="integer" max="2.14748E9" units="dev"/>
+        </inkml:traceFormat>
+        <inkml:channelProperties>
+          <inkml:channelProperty channel="X" name="resolution" value="55.81395" units="1/cm"/>
+          <inkml:channelProperty channel="Y" name="resolution" value="55.6701" units="1/cm"/>
+          <inkml:channelProperty channel="T" name="resolution" value="1" units="1/dev"/>
+        </inkml:channelProperties>
+      </inkml:inkSource>
+      <inkml:timestamp xml:id="ts0" timeString="2020-11-17T21:05:32.904"/>
+    </inkml:context>
+    <inkml:brush xml:id="br0">
+      <inkml:brushProperty name="width" value="0.05" units="cm"/>
+      <inkml:brushProperty name="height" value="0.05" units="cm"/>
+      <inkml:brushProperty name="fitToCurve" value="1"/>
+    </inkml:brush>
+  </inkml:definitions>
+  <inkml:trace contextRef="#ctx0" brushRef="#br0">3450 244 0,'-24'0'0,"24"-24"16,0 48 125,-25-24-126,1 24 1,-1-24 0,1 0-1,-1 0-15,25 25 16,-24-25-16,0 0 15,-1 24 1,50-24 15,-1 0-15,-24-24 0,24 24-16,25 0 0,-24-25 15,-1 25-15,25 0 0,0-24 16,0 24-16,24 0 15,-24 0-15,24 0 0,0 0 16,1-24-16,-26 24 16,1 0-16,0 0 0,0 0 15,-25 0-15,1 24 0,-50 0 32,1-24-17,0 0 1,-1 0-16</inkml:trace>
+  <inkml:trace contextRef="#ctx0" brushRef="#br0" timeOffset="540">3938 24 0,'-24'0'15,"24"-24"17,24 48 30,1-24-46,-1 25-1,1-25-15,-1 24 0,25-24 16,0 24-16,-25 1 0,25-25 16,0 24-16,-25-24 15,1 25-15,24-25 0,-25 24 16,0-24-16,1 0 0,-1 0 15,-24 25 1,-24-25-16,-1 24 16,-23-24-1,23 24-15,-24 1 0,0-1 16,1 1-16,-1-1 0,24 1 16,-23-1-16,-1 0 15,24 25-15,1-24 0,-1-1 16,25 1-16,-24-1 15,24 0-15,0 1 0,0-1 16</inkml:trace>
+  <inkml:trace contextRef="#ctx0" brushRef="#br0" timeOffset="2147">421 366 0,'-24'0'16,"0"-24"15,-1 24-15,25-25-16,-24 25 15,-1 0-15,1-24 16,0 24-16,-1 0 0,1-25 16,-1 1-1,1 24-15,24-24 16,-25 24-16,50 0 15,-1 0-15,1 0 16,24-25-16,-1 25 0,26 0 16,-1-24-16,25 24 15,-1 0-15,1-25 0,0 25 16,-1-24-16,1 24 16,-25 0-16,-24-25 0,24 25 15,-48 0-15,-1 0 0,-48 0 31,-1 0-31,-23 0 0,23 25 16</inkml:trace>
+  <inkml:trace contextRef="#ctx0" brushRef="#br0" timeOffset="2640">763 244 0,'0'24'0,"25"-24"16,-1 0 31,1 0-31,-1 25-16,-24-1 15,25 1-15,-1 24 16,-24-25-16,24 0 0,-24 25 15,25-24-15,-25 24 0,24-1 16,-24 1-16,0-24 16,0 23-16,0-23 0,0-1 15,25 25-15,-25-24 16,0-1-16,0 0 16,0 1-16,-25-25 0,1 0 31,-1 0-16,1 0-15,0-25 16,-1 25-16,1-24 0,-25 0 16,24 24-16,-23-25 0,-1 25 15,0 0-15,24-24 16,-23 24-16,-1 0 0,24 0 16,-24 0-16,25 0 15,0 24-15,48-24 31,0 0-31</inkml:trace>
+  <inkml:trace contextRef="#ctx0" brushRef="#br0" timeOffset="3115">1398 513 0,'-24'0'0,"24"-25"16,-24 25-16,24 25 31,-25-25-15,25 24-16,0 1 15,0-1-15,0 25 16,0-25-16,0 1 0,0-1 16,25 0-16,-25 1 15,24-1-15,-24 1 0,24-1 16,1 1-16,-1-25 16,1 24-16,-1-24 15,1 0-15,-1-24 16,0-25-16,1 24 15,-25 1-15,0-1 0,0-23 16,0 23-16,0-24 16,0 1-16,-25 23 0,25 1 15,0-1-15,-24 1 0,24-1 16,0 50 31</inkml:trace>
+  <inkml:trace contextRef="#ctx0" brushRef="#br0" timeOffset="3852">1765 537 0,'-25'0'0,"50"0"63,-25 24-63,24 1 0,1-1 16,-25 1-1,0 24-15,0-25 0,0 0 16,0 1-16,0-1 0,0 1 15,0-1 1,0 1-16,0-50 47,0 1-47,0-1 16,0 1-16,0-1 15,0-23-15,0 23 0,0-24 16,0 0-16,24 1 15,-24 23-15,24 1 0,-24-1 16,25 1-16,-1 24 0,1 0 16,-1 24-1,1 1-15,-25-1 0,0 1 16,24-1-16,-24 0 16,0 1-16,0 24 0,0-25 15,0 1-15,0-1 16,0 0-16,-24 1 15,24-50 17,24 25-17,-24-24-15,24 0 0,-24-1 16,0 1-16,25-25 16,-25 24-16,24 1 0,-24 0 15,25-1-15,-1 25 0,-24-24 16,25 24-16,-1 0 15,0 0-15,1 24 16,-1 1-16,-24-1 16,25 0-16,-25 1 0,0-1 15,24 25-15,-24-24 0,0-1 16,25 0-16,-25 1 16,0-1-1</inkml:trace>
+  <inkml:trace contextRef="#ctx0" brushRef="#br0" timeOffset="4426">2424 244 0,'-24'-24'15,"24"-1"-15,-25 1 16,25-1-16,0 1 0,0 48 31,0 1-15,25-1-16,-25 25 0,24-25 15,-24 25-15,25 0 16,-25 0-16,24 24 0,-24-24 16,24 24-16,1-24 15,-25 24-15,24-24 0,1 25 16,-25-26-16,24 1 0,-24 0 15,25-24-15,-25 23 16,24-23-16,-24-1 0,0 1 16,24-1-1,-24-48 1,-24 24 0,24-25-16,-24 1 15,24-1-15,-25 1 0,25 0 16,-24-25-16,24 0 15,-25 0-15,25 0 0,0 0 16,0 0-16,0 1 0,0-1 16,0 0-16,25 0 15,-1 25-15,1-25 0,-1 24 16,0 1-16,1 24 16,-1-24-16,25 24 0,-24 0 15,-1 0-15,0 0 0,1 24 16,-1 0-16,-24 1 15,0-1-15,-24 25 0,-1-24 16,1 23-16,-25-23 16,0 24-16,0-25 0</inkml:trace>
+  <inkml:trace contextRef="#ctx0" brushRef="#br0" timeOffset="90267">55 1538 0,'-24'-24'15,"-1"24"1,25-24-16,0-1 15,25 1 1,-1 24 0,1 0-16,-1 0 15,0-25-15,25 25 0,0 0 16,24-24-16,-24 24 16,25 0-16,-26-25 0,1 25 15,0 0-15,0 0 16,-25 0-16,1-24 0</inkml:trace>
+  <inkml:trace contextRef="#ctx0" brushRef="#br0" timeOffset="90705">299 1416 0,'0'25'16,"0"-1"-1,25-24-15,-25 25 16,24-25-16,-24 24 16,25 0-16,-25 1 0,24-1 15,-24 1-15,24-1 16,1 1-16,-25-1 0,24 0 16,-24 1-16,0-1 0,0 1 15,25-1-15,-25 1 16,0-1-16,0 0 15,0 1 1,0-50 0,-25 25-1,25-24-15,-24 0 16,24-1-16,-25 25 0,1-24 16,0-1-16,-1 1 15,1 24-15,-25 0 0,25 0 16,-1 0-16,1 0 0,-1 0 15,1 24-15,-1-24 16,25 25-16,-24-1 0,0 1 16,24-1-1,0 0-15,24 1 16,0-25-16,1 0 0</inkml:trace>
+  <inkml:trace contextRef="#ctx0" brushRef="#br0" timeOffset="91115">861 1563 0,'0'-25'0,"0"1"16,-24 24-16,-1 0 31,25 24-16,0 1-15,0-1 16,25 1-16,-25 24 16,0-25-16,24-24 15,-24 24-15,25 1 0,-1-1 16,0-24-16,1 0 16,-1 25-16,1-25 0,-1-25 15,0 25-15,1-24 16,-25-1-16,24 1 0,-24 0 15,25-1-15,-25 1 0,0-1 16,0-24-16,0 25 16,-25 0-16,25-1 0,-24 1 15,-1 24 1,25 24 0,-24-24-16,24 25 15,0-1 1</inkml:trace>
+  <inkml:trace contextRef="#ctx0" brushRef="#br0" timeOffset="91714">1301 1538 0,'0'-24'16,"-25"0"-1,50 24 16,-25 24-15,24-24-16,-24 24 16,25 1-16,-25-1 0,0 1 15,24-1-15,-24 1 16,0-1-16,0 0 0,0 1 16,-24-25 15,24-25-31,0 1 15,0 0 1,0-1-16,0 1 0,0-1 16,24 1-16,-24-1 15,24 1-15,1 0 0,-25-1 16,24 1-16,1 24 0,-1 0 16,1 24-1,-25 1-15,0-1 0,0 0 16,24 1-16,-24-1 15,0 1-15,0-1 16,0 1-16,24-25 31,1-25-31,-1 1 16,1-1 0,-1 1-16,1 24 0,-1-25 15,0 1-15,1 0 0,-1-1 16,1 25-1,-25 25-15,24-25 16,-24 24-16,0 0 16,0 1-16,0-1 0,0 1 15,0-1-15,0 1 0,0-1 16,0 0 0,24-24-16</inkml:trace>
+  <inkml:trace contextRef="#ctx0" brushRef="#br0" timeOffset="92200">2131 1343 0,'0'-24'16,"-24"24"-16,24 24 16,0 0-1,0 25-15,0-24 16,0 24-16,0-1 0,0 1 15,24 0-15,-24 24 0,0-24 16,0 24-16,0 1 16,0-1-16,0-24 0,0 24 15,25-24-15,-25 0 16,0 0-16,0-25 0,24 1 16,-24-1-16,0 0 0,24-24 15,-24-24 1,0 0-16,25-1 0,-25-24 15,0 0-15,0 1 16,0-26-16,0 25 0,24-24 16,-24 0-16,0 24 0,25-24 15,-25 24-15,24 0 16,0 25-16,1-1 0,-1 1 16,25 24-16,-24 0 15,-1 24-15,25 1 0,-25-1 16,25 1-16,-24 23 0,-1-23 15,-24-1-15,24 1 16,-24-1-16,0 0 0,-24 1 16,0-25-16,-1 0 15,-24 0-15,0 0 0,25 0 16,-25-25-16</inkml:trace>
+</inkml:ink>
+</file>
+
+<file path=ppt/ink/ink149.xml><?xml version="1.0" encoding="utf-8"?>
+<inkml:ink xmlns:inkml="http://www.w3.org/2003/InkML">
+  <inkml:definitions>
+    <inkml:context xml:id="ctx0">
+      <inkml:inkSource xml:id="inkSrc0">
+        <inkml:traceFormat>
+          <inkml:channel name="X" type="integer" max="1920" units="cm"/>
+          <inkml:channel name="Y" type="integer" max="1080" units="cm"/>
+          <inkml:channel name="T" type="integer" max="2.14748E9" units="dev"/>
+        </inkml:traceFormat>
+        <inkml:channelProperties>
+          <inkml:channelProperty channel="X" name="resolution" value="55.81395" units="1/cm"/>
+          <inkml:channelProperty channel="Y" name="resolution" value="55.6701" units="1/cm"/>
+          <inkml:channelProperty channel="T" name="resolution" value="1" units="1/dev"/>
+        </inkml:channelProperties>
+      </inkml:inkSource>
+      <inkml:timestamp xml:id="ts0" timeString="2020-11-17T21:07:06.102"/>
+    </inkml:context>
+    <inkml:brush xml:id="br0">
+      <inkml:brushProperty name="width" value="0.05" units="cm"/>
+      <inkml:brushProperty name="height" value="0.05" units="cm"/>
+      <inkml:brushProperty name="fitToCurve" value="1"/>
+    </inkml:brush>
+  </inkml:definitions>
+  <inkml:trace contextRef="#ctx0" brushRef="#br0">370 513 0,'25'0'16,"-1"0"0,-24-25-1,0 1 1,0-1-1,-24 1-15,-1 24 16,1-25-16,-1 25 0,1-24 16,-25 24-16,25 0 15,-25 24-15,24-24 0,-23 25 16,23 24-16,1-25 16,-1 1-16,25 23 0,-24 1 15,24-24-15,0 23 0,24 1 16,1-24-16,-1 24 15,25-25-15,-25 0 0,25 1 16,0-1-16,24-24 16,-24 0-16,25 0 0,-1-24 15,-24-1-15,-1 1 0,1-25 16</inkml:trace>
+  <inkml:trace contextRef="#ctx0" brushRef="#br0" timeOffset="459">785 219 0,'0'-24'16,"-24"24"-16,24-24 16,0-1-16,0 50 31,0-1-15,24 0-1,-24 1-15,25 24 16,-25-25-16,24 25 0,-24 0 15,25-25-15,-25 25 0,24 0 16,-24 0-16,25-25 16,-25 25-16,24-25 0,-24 1 15,0-1 1,0-48 0,-24 24-16,24-25 15,0 1-15,0 0 16,0-1-16,0-24 0,0 25 15,0-25-15,24 25 16,0-1-16,25 1 0,-24-1 16,24 25-16,-25 0 0,25 25 15,0-25-15,-25 24 16,0 1-16,1-1 0,-1 25 16,-24-25-16,25 1 15,-25 24-15,0-25 0,0 0 16,0 1-16,0-1 15</inkml:trace>
+  <inkml:trace contextRef="#ctx0" brushRef="#br0" timeOffset="874">1567 537 0,'24'0'16,"1"0"62,-1 0-62,1 0-16,-1 0 0,1-24 15,-1 24-15,0 0 0,1-25 16,-1 25-16,1 0 15,-25-24-15,24 24 0,-24-25 16,0 1-16,-24 24 0,24-25 16,-25 1-16,1 24 15,-25 0-15,25-24 0,-1 24 16,-24 0-16,25 0 16,-1 24-16,-23 0 0,23 1 15,25-1-15,-24 1 16,24-1-16,0 25 0,24-25 15,-24 25-15,25-24 0,23-1 16,-23 0-16,24 1 16,0-1-16,-1 1 0,1-25 15,-24 0-15,23 0 0,1-25 16</inkml:trace>
+  <inkml:trace contextRef="#ctx0" brushRef="#br0" timeOffset="1810">2178 415 0,'0'-25'0,"0"1"16,0 0-16,0-1 31,-25 25 0,1 0-31,-1 0 16,25 25-16,-24-25 0,-1 24 15,25 0-15,-24 1 16,24-1-16,0 1 0,0 23 16,24-23-16,-24-1 0,25 25 15,-1-24-15,1-25 16,24 24-16,-25 0 0,25-24 16,-25 0-16,25 0 15,0 0-15,-25-24 0,1 0 16,-1-1-16,1 1 0,-1-25 15,-24 0-15,0 0 16,0 0-16,-24 1 0,24-26 16,-25 25-16,1 1 15,24-1-15,0 0 0,-25 24 16,25 1-16,0 0 0,25 24 31,-25 24-31,0 25 0,49 73 31,-49-73-31,24 0 0,-24 0 16,0-1-16,24 1 0,-24 0 16,0 0-16,0-25 15,0 1-15,25-1 0,-25 1 16,0-50 15,0 1-31,0-1 16,0-24-16,0 25 15,24 0-15,1-1 0,-25-24 16,24 25-16,1 24 16,-1-24-16,25 24 0,-25-25 15,1 25-15,-1 0 0,1 25 16,-25-1 0,0 0-16,0 1 15,0-1-15,-25-24 0,1 25 16,-1-1-16,1-24 15,-1 24-15,1-24 0,-25 0 16,25 0-16,-1 0 16,1 0-16,48 0 31,25 0-15,-24 0-16,-1 0 0,25 0 15,0 25-15,-25-25 16,25 24-16,0 1 0,-25-1 15,25 1-15,-24-1 0,-1 0 16,0-24-16,1 25 16,-1-25-16,1 0 0,-1 24 15,1-24 1,-1 0-16,-24-24 16,24 24-16,-24-25 15,25 25-15,-25-24 0,24 0 16,-24-1-16,0 1 15</inkml:trace>
+</inkml:ink>
+</file>
+
 <file path=ppt/ink/ink15.xml><?xml version="1.0" encoding="utf-8"?>
 <inkml:ink xmlns:inkml="http://www.w3.org/2003/InkML">
   <inkml:definitions>
@@ -972,6 +2181,317 @@
 </inkml:ink>
 </file>
 
+<file path=ppt/ink/ink150.xml><?xml version="1.0" encoding="utf-8"?>
+<inkml:ink xmlns:inkml="http://www.w3.org/2003/InkML">
+  <inkml:definitions>
+    <inkml:context xml:id="ctx0">
+      <inkml:inkSource xml:id="inkSrc0">
+        <inkml:traceFormat>
+          <inkml:channel name="X" type="integer" max="1920" units="cm"/>
+          <inkml:channel name="Y" type="integer" max="1080" units="cm"/>
+          <inkml:channel name="T" type="integer" max="2.14748E9" units="dev"/>
+        </inkml:traceFormat>
+        <inkml:channelProperties>
+          <inkml:channelProperty channel="X" name="resolution" value="55.81395" units="1/cm"/>
+          <inkml:channelProperty channel="Y" name="resolution" value="55.6701" units="1/cm"/>
+          <inkml:channelProperty channel="T" name="resolution" value="1" units="1/dev"/>
+        </inkml:channelProperties>
+      </inkml:inkSource>
+      <inkml:timestamp xml:id="ts0" timeString="2020-11-17T21:07:09.867"/>
+    </inkml:context>
+    <inkml:brush xml:id="br0">
+      <inkml:brushProperty name="width" value="0.05" units="cm"/>
+      <inkml:brushProperty name="height" value="0.05" units="cm"/>
+      <inkml:brushProperty name="fitToCurve" value="1"/>
+    </inkml:brush>
+  </inkml:definitions>
+  <inkml:trace contextRef="#ctx0" brushRef="#br0">49 391 0,'-24'0'16,"-1"0"-16,25-24 15,0-1 1,0 1-16,25-1 16,-25 1-1,24 24-15,-24-25 16,24 25-16,1 0 15,-25 25-15,24-1 16,1-24-16,-1 25 0,-24 24 16,25-25-16,-1 0 15,-24 25-15,24-24 0,-24-1 16,25 25-16,-25-25 0,0 1 16,24-1-16,-24 1 15,0-1-15,-24-24 31,-1 0-15,25-24-16,0-1 16,0-24-16,0 25 15,0 0-15,0-25 0,25 0 16,-25 0-16,24 25 16,1-25-16,-1 24 0,25 1 15,-25-1-15,1 25 0,24 0 16,-25 25-16,1-25 15,-1 24-15,0 25 0,1-24 16,-25 23-16,24-23 0,-24 24 16,0-25-16,0 25 15,0-25-15,0 1 16,0-1-16</inkml:trace>
+  <inkml:trace contextRef="#ctx0" brushRef="#br0" timeOffset="241">708 74 0,'0'-25'0,"0"1"0,-24 24 0,24-25 16,24 50 15,1-1-31,-25 1 15,24-1-15,-24 25 0,25 0 16,-1-25-16,-24 25 16,25 0-16,-25 0 0,0-25 15,0 0-15,0 1 16,0-1-16</inkml:trace>
+  <inkml:trace contextRef="#ctx0" brushRef="#br0" timeOffset="750">635 293 0,'0'-24'0,"0"-1"16,0 1-1,25 24 1,-25-24-16,24 24 0,0 0 16,1 0-16,-1-25 15,1 25-15,24 0 0,-25 0 16,0-24-16,1 24 15,-25-25-15,0 1 16,0 0 0,0-1-16,0 1 15,0-1-15,24 50 32,-24-1-17,0 1-15,25-1 0,-25 25 16,24 0-16,-24-25 15,0 25-15,25-25 0,-25 1 16,0-1-16,0 1 0,0-1 16,24-24-16,-24 24 15,0-48 17,24 24-32,-24-24 0,25-1 15,-1 1-15,1-1 16,-1 1-16,1-1 15,-1 25-15,0 0 16,1 25-16,-1-1 16,-24 1-16,0-1 15,25 1-15,-25-1 0,0 0 16,0 1-16,0-1 16,0 1-16</inkml:trace>
+</inkml:ink>
+</file>
+
+<file path=ppt/ink/ink151.xml><?xml version="1.0" encoding="utf-8"?>
+<inkml:ink xmlns:inkml="http://www.w3.org/2003/InkML">
+  <inkml:definitions>
+    <inkml:context xml:id="ctx0">
+      <inkml:inkSource xml:id="inkSrc0">
+        <inkml:traceFormat>
+          <inkml:channel name="X" type="integer" max="1920" units="cm"/>
+          <inkml:channel name="Y" type="integer" max="1080" units="cm"/>
+          <inkml:channel name="T" type="integer" max="2.14748E9" units="dev"/>
+        </inkml:traceFormat>
+        <inkml:channelProperties>
+          <inkml:channelProperty channel="X" name="resolution" value="55.81395" units="1/cm"/>
+          <inkml:channelProperty channel="Y" name="resolution" value="55.6701" units="1/cm"/>
+          <inkml:channelProperty channel="T" name="resolution" value="1" units="1/dev"/>
+        </inkml:channelProperties>
+      </inkml:inkSource>
+      <inkml:timestamp xml:id="ts0" timeString="2020-11-17T21:07:12.396"/>
+    </inkml:context>
+    <inkml:brush xml:id="br0">
+      <inkml:brushProperty name="width" value="0.05" units="cm"/>
+      <inkml:brushProperty name="height" value="0.05" units="cm"/>
+      <inkml:brushProperty name="fitToCurve" value="1"/>
+    </inkml:brush>
+  </inkml:definitions>
+  <inkml:trace contextRef="#ctx0" brushRef="#br0">24 327 0,'-24'0'15,"48"0"16,0 0-15,1 0-16,-1-24 16,1 24-16,-1 0 0,1 0 15,23 0-15,-23 0 16,-1 0-16,1 0 0,-1-25 16,25 25-1,-25 0-15</inkml:trace>
+  <inkml:trace contextRef="#ctx0" brushRef="#br0" timeOffset="280">48 474 0,'0'24'0,"25"-24"47,-1 0-47,1 0 0,-1 0 16,1-24-1,-1 24-15,0 0 0,1 0 16,-1 0-16,1 0 0,-1 0 16,1 0-1,-1 0-15,0 0 31</inkml:trace>
+  <inkml:trace contextRef="#ctx0" brushRef="#br0" timeOffset="4948">439 107 0,'25'0'16,"-1"0"0,-24-24-1,25 24 1,-1 0 0,-24 24-1,0 1-15,-24-1 16,-1 1-16,25-1 15,-24 0-15,-1 1 16,-24-1-16,25 1 0,0-1 16,-1 1-16,-24-1 15,25 0-15,-1-24 0,1 25 16,0-25-16,24 24 0,-25-24 16,1 0-16,-1 0 15,25 25-15,-24-25 16,48 0 31,1 0-47,-1 0 15,1 0-15,-1 24 16,0-24-16,25 25 16,-24-25-16,-1 24 0,1-24 15,23 24-15,-23-24 0,-1 25 16,1-25-16,-1 24 15,1-24-15,-1 0 32,-24-24-17</inkml:trace>
+  <inkml:trace contextRef="#ctx0" brushRef="#br0" timeOffset="5687">1050 156 0,'-25'0'0,"1"0"16,24-24-1,-24 24 1,48 24 31,0-24-32,1 0 1,24 25-16,-25-25 0,25 24 16,-25-24-16,25 0 15,-24 24-15,23-24 16,-23 0-16,-1 25 0,1-25 16,-25 24-1,-25 1 1,1-1-1,-1-24-15,1 25 0,0-25 16,24 24-16,-25 0 0,1-24 16,-25 49-1,24-24-15,1-1 0,0 1 16,-1-25-16,1 24 16,24 0-16,-25-24 0,25 25 15,-24-25-15,24 24 0,0 1 31,0-50 1,24 1-17</inkml:trace>
+  <inkml:trace contextRef="#ctx0" brushRef="#br0" timeOffset="6868">1831 58 0,'-24'-24'15,"24"0"1,0 48 31,0 0-32,24-24-15,-24 25 16,25-1-16,-25 1 0,24-1 16,-24 1-16,25-1 15,-25 25-15,24-25 0,-24 1 16,0-1-16,24-24 16,-24 25-16,0-1 15,25-24 48,-25-24-63,24 24 15,1 0-15,-1 0 16,1 0-16,23-25 0,-23 25 16,-1 0-16,1 0 15,-1 0-15,25 0 0,-25-24 16,1 24-16,-1 0 15,1 0-15,-25-25 16,0 1 0,-25-1-1,1 25-15,24-24 0,-25 24 16,1-24 0,0-1-16,24 1 31,0-1-16,0 1 1,0-1 0,0 1 15,0 0-15,0-1 30,0 50-14,0-1-32,24 0 15,-24 1-15,0 24 16,24-25-16,-24 25 0,0-25 16,25 25-16,-25-24 0,24 24 15,-24-25-15,25 0 16,-25 25-16,24-24 0,-24-1 15,24 1-15,-24-1 16,25 0-16,-1-24 16,-24 25-16,25-25 31,-1 0 0</inkml:trace>
+</inkml:ink>
+</file>
+
+<file path=ppt/ink/ink152.xml><?xml version="1.0" encoding="utf-8"?>
+<inkml:ink xmlns:inkml="http://www.w3.org/2003/InkML">
+  <inkml:definitions>
+    <inkml:context xml:id="ctx0">
+      <inkml:inkSource xml:id="inkSrc0">
+        <inkml:traceFormat>
+          <inkml:channel name="X" type="integer" max="1920" units="cm"/>
+          <inkml:channel name="Y" type="integer" max="1080" units="cm"/>
+          <inkml:channel name="T" type="integer" max="2.14748E9" units="dev"/>
+        </inkml:traceFormat>
+        <inkml:channelProperties>
+          <inkml:channelProperty channel="X" name="resolution" value="55.81395" units="1/cm"/>
+          <inkml:channelProperty channel="Y" name="resolution" value="55.6701" units="1/cm"/>
+          <inkml:channelProperty channel="T" name="resolution" value="1" units="1/dev"/>
+        </inkml:channelProperties>
+      </inkml:inkSource>
+      <inkml:timestamp xml:id="ts0" timeString="2020-11-17T21:41:25.980"/>
+    </inkml:context>
+    <inkml:brush xml:id="br0">
+      <inkml:brushProperty name="width" value="0.05" units="cm"/>
+      <inkml:brushProperty name="height" value="0.05" units="cm"/>
+      <inkml:brushProperty name="fitToCurve" value="1"/>
+    </inkml:brush>
+  </inkml:definitions>
+  <inkml:trace contextRef="#ctx0" brushRef="#br0">49 51 0,'-25'0'0,"1"0"15,48 0 32,1-24-31,-1 24-1,1 0-15,-1 0 0,0 0 16,1 0-16,-1 0 0,1 0 16,-1-24-16,0 24 15,1 0-15,-1 0 16</inkml:trace>
+  <inkml:trace contextRef="#ctx0" brushRef="#br0" timeOffset="246">122 198 0,'-24'0'0,"48"0"46,0 0-46,1 0 0,-1 0 0,1 0 16,-1 0-16,0 0 16,1-24-16,-1 24 15,1 0-15,-25-25 16</inkml:trace>
+</inkml:ink>
+</file>
+
+<file path=ppt/ink/ink153.xml><?xml version="1.0" encoding="utf-8"?>
+<inkml:ink xmlns:inkml="http://www.w3.org/2003/InkML">
+  <inkml:definitions>
+    <inkml:context xml:id="ctx0">
+      <inkml:inkSource xml:id="inkSrc0">
+        <inkml:traceFormat>
+          <inkml:channel name="X" type="integer" max="1920" units="cm"/>
+          <inkml:channel name="Y" type="integer" max="1080" units="cm"/>
+          <inkml:channel name="T" type="integer" max="2.14748E9" units="dev"/>
+        </inkml:traceFormat>
+        <inkml:channelProperties>
+          <inkml:channelProperty channel="X" name="resolution" value="55.81395" units="1/cm"/>
+          <inkml:channelProperty channel="Y" name="resolution" value="55.6701" units="1/cm"/>
+          <inkml:channelProperty channel="T" name="resolution" value="1" units="1/dev"/>
+        </inkml:channelProperties>
+      </inkml:inkSource>
+      <inkml:timestamp xml:id="ts0" timeString="2020-11-17T21:41:23.789"/>
+    </inkml:context>
+    <inkml:brush xml:id="br0">
+      <inkml:brushProperty name="width" value="0.05" units="cm"/>
+      <inkml:brushProperty name="height" value="0.05" units="cm"/>
+      <inkml:brushProperty name="fitToCurve" value="1"/>
+    </inkml:brush>
+  </inkml:definitions>
+  <inkml:trace contextRef="#ctx0" brushRef="#br0">367 293 0,'25'0'0,"-25"-24"15,24 24 1,-24-25-16,0 1 31,0 0-15,0-1-1,-24 25 1,-1-24-16,1 24 16,-1 0-16,1 0 15,-25 0-15,25 0 16,-1 0-16,-23 24 0,23-24 16,1 25-16,-25-1 15,24 0-15,1 1 16,24-1-16,0 1 15,0-1-15,0 1 16,24-25-16,1 24 16,-1-24-1,1 0-15,-1 0 16,25 24 0,-25-24-16,1 0 0,24 0 15,-25 0-15,0 0 0,1 0 16,24 25-16,-25-25 0,1 0 15,-25 24-15,24-24 16,0 0-16,-24 25 0,25-25 16,-25 24-16,0 1 15,24-25-15,-24 24 16,0 0-16,0 1 16,-24-25-16,-1 24 15,1-24-15,0 25 16,-1-25-16,1 24 15,-1-24-15,1 0 0,-25 0 16,25 0-16,-1 25 0,1-25 16,-1 0-16,1 0 15,0 0-15,24-25 0,-25 25 16,1-24 0,24-1 15</inkml:trace>
+  <inkml:trace contextRef="#ctx0" brushRef="#br0" timeOffset="504">636 0 0,'0'25'47,"0"-1"-47,0 1 15,0-1-15,0 0 16,24 1-16,-24-1 0,0 25 16,25 0-16,-25-25 15,24 25-15,-24-24 0,0 23 16,25-23-16,-25 24 0,0-25 16,24 1-16,-24-1 15,0 0-15</inkml:trace>
+  <inkml:trace contextRef="#ctx0" brushRef="#br0" timeOffset="1160">612 318 0,'0'-25'31,"0"1"0,24 24-15,0 0 15,25-25-15,-24 25 0,-1 0-16,0 0 0,1-24 15,-1 24-15,1 0 16,-1 0-16,1 0 15,-1 0-15,0 0 16,1 24 0,-1-24-1,-24 25 1,25-25 0,-25-25 155,-25 25-139</inkml:trace>
+  <inkml:trace contextRef="#ctx0" brushRef="#br0" timeOffset="1711">929 244 0,'-24'0'0,"48"0"47,0 0-31,1 0-1,-1 0-15,1 0 16,-1 25-16,1-25 16,-1 24-16,0 1 15,1-25-15,-1 24 16,25 25 0,-49-25-16,25 1 0,-25-1 15,0 1 1,0-1-1,-25-24-15,1 0 16,-1 0 0,1-24-1,-1-1-15,25 1 16,0-1-16,-24 1 16,24 0-16,0-1 0,0-24 15,0 25-15,0-1 16,24 25-16,-24-24 0,25 0 15,-1 24-15,1-25 0,-1 25 16,1-24-16,-1 24 16,0 0-16</inkml:trace>
+</inkml:ink>
+</file>
+
+<file path=ppt/ink/ink154.xml><?xml version="1.0" encoding="utf-8"?>
+<inkml:ink xmlns:inkml="http://www.w3.org/2003/InkML">
+  <inkml:definitions>
+    <inkml:context xml:id="ctx0">
+      <inkml:inkSource xml:id="inkSrc0">
+        <inkml:traceFormat>
+          <inkml:channel name="X" type="integer" max="1920" units="cm"/>
+          <inkml:channel name="Y" type="integer" max="1080" units="cm"/>
+          <inkml:channel name="T" type="integer" max="2.14748E9" units="dev"/>
+        </inkml:traceFormat>
+        <inkml:channelProperties>
+          <inkml:channelProperty channel="X" name="resolution" value="55.81395" units="1/cm"/>
+          <inkml:channelProperty channel="Y" name="resolution" value="55.6701" units="1/cm"/>
+          <inkml:channelProperty channel="T" name="resolution" value="1" units="1/dev"/>
+        </inkml:channelProperties>
+      </inkml:inkSource>
+      <inkml:timestamp xml:id="ts0" timeString="2020-11-17T21:42:06.903"/>
+    </inkml:context>
+    <inkml:brush xml:id="br0">
+      <inkml:brushProperty name="width" value="0.05" units="cm"/>
+      <inkml:brushProperty name="height" value="0.05" units="cm"/>
+      <inkml:brushProperty name="fitToCurve" value="1"/>
+    </inkml:brush>
+  </inkml:definitions>
+  <inkml:trace contextRef="#ctx0" brushRef="#br0">391 562 0,'0'-25'16,"0"1"-1,0-1 1,0 1-1,-25-1 1,1 25-16,-1 0 16,1 0-1,-1 0-15,-23 0 0,23 0 16,1 25-16,-25-1 0,24-24 16,1 25-16,0-1 15,-1 1-15,1-25 0,24 24 16,0 0-16,0 1 15,24-1 1,1-24-16,-1 0 0,0 25 16,25-25-16,-24 24 15,24-24-15,-25 25 0,25-25 16,-25 24-16,25-24 16,-24 24-16,-1 1 0,0-1 15,-24 1-15,0-1 16,-24 0-1,24 1-15,-24-25 16,-25 24-16,24-24 16,1 0-16,-1 25 0,-23-25 15,23 0-15,-24 0 0,25 0 16,-1 0-16,1 0 16,0-25-16,-1 1 15,25-1 1,0 1-16</inkml:trace>
+  <inkml:trace contextRef="#ctx0" brushRef="#br0" timeOffset="349">610 293 0,'25'0'0,"-25"-25"0,0 50 31,0-1-31,0 1 16,0 24-16,0-25 15,24 0-15,-24 25 16,0-24-16,25 24 0,-25-1 16,24-23-16,-24 24 0,24-25 15,-24 25-15,0-25 16,0 25 0,25-49-16,-25 25 0</inkml:trace>
+  <inkml:trace contextRef="#ctx0" brushRef="#br0" timeOffset="852">659 684 0,'0'-25'0,"0"1"16,0-1-1,25 25 1,-25-24 0,48 0-1,-23 24-15,24 0 16,-25 0-16,1 0 16,-1 0-16,0 0 0,1 0 15,-1 24-15,1-24 0,-1 24 16,1 1-16,-1-1 15,-24 1-15,24-25 0,-24 24 16,25 1-16,-25-1 16,0 0-16,0 1 15,-25-25 1,1 0 0,0 0-16,24-25 15,-25 1 1,25 0-16,0-1 0,0 1 15,0-25-15,0 24 16,25 1-16,-1 0 0,-24-1 16,24 1-16,1 24 0,-1-25 15,1 25-15,-1 0 16,1 0-16,-25 25 16</inkml:trace>
+  <inkml:trace contextRef="#ctx0" brushRef="#br0" timeOffset="1364">1441 610 0,'0'25'31,"24"-25"-15,1-25-1,-1 25 1,0 0-16,1 0 15,24 0-15,-25 0 0,1 0 16,23-24-16,-23 24 16,24 0-16,-25 0 0,0-24 15,1 24 1,-1 0-16,1 0 0,-50 0 31,1 0-31</inkml:trace>
+  <inkml:trace contextRef="#ctx0" brushRef="#br0" timeOffset="1694">1685 391 0,'0'-25'32,"0"50"15,0-1-32,0 0 1,0 25-16,24-24 0,-24-1 15,0 25-15,25-25 0,-25 25 16,0 0-16,24-24 16,-24-1-16,0 25 0,25-25 15,-25 1-15</inkml:trace>
+  <inkml:trace contextRef="#ctx0" brushRef="#br0" timeOffset="5029">2271 244 0,'-24'0'31,"24"24"63,0 1-79,0 24 1,0 0-1,0 73 17,0-98-32,0 1 15,0-1-15,24-24 16,-24 24-16,0 1 31,25-25 0,-25-25-31,24 25 16,0 0 0,-24-24-16,25 24 0,-1 0 15,1 0-15,-1-24 16,0 24-16,1 0 16,-1 0-16,1-25 0,24 25 15,-25 0 1,0-24-16,1 24 31,-50 0 0,25-25-31,0 1 16,-24 24 0,24-25-1,0 1-15,0 0 16,0-1-1,0 1-15,0-1 16,0 1 0,-24 24-1,24-25 32,0 50 0,-25-1-47,25 1 16,0-1-1,0 1-15,0-1 16,0 0-16,0 1 0,0-1 16,25 1-16,-25-1 0,0 1 15,0 23-15,24-23 0,-24 24 16,0-25-1,24 1-15,-24-1 16,0 0 0,25 1-16,-25-1 15,24-24-15,-24 25 16,0-50 46</inkml:trace>
+  <inkml:trace contextRef="#ctx0" brushRef="#br0" timeOffset="9362">3126 171 0,'0'-25'31,"0"50"16,0-1-31,0 1-1,0-1 1,0 25-16,-25-25 0,25 1 16,0 24-16,0-25 15,-24 25-15,24-25 0,0 1 16,0 24-16,0-25 15,0 0-15,0 1 0,24-1 16,-24 1-16,25-1 0,-25 1 16,24-1-16,-24 0 15,25-24-15,-1 25 16,1-1-16,-1 1 0,0-25 16,1 24-1,-1-24-15,1 25 16,-1-25-16,1 0 15,-1 0-15,0 0 16,1 0-16,-1 0 16,-48 0 15,-1 0-15,25-25-16,-24 25 0,0 0 15</inkml:trace>
+  <inkml:trace contextRef="#ctx0" brushRef="#br0" timeOffset="10605">3566 171 0,'0'24'110,"0"1"-95,0-1 1,0 1-16,0 48 31,0-49-31,0 25 0,0-25 16,0 1-16,0-1 15,0 1-15,0-1 16,0 1-16,24-25 16,0 0 15,1 0-15,-25-25-1,24 25-15,1 0 16,-1-24-16,0 24 15,1 0-15,-1 0 16,1 0-16,-1-25 0,1 25 16,-1 0-1,0 0-15,-24-24 16,25 24-16,-25-25 47,0 1-32,0 0 1,-25-1 0,25 1-1,0-1-15,0 1 16,0 0-16,-24 24 16,24-25-16,0 1 0,0-1 15,0 1 16,0 48 32,0 1-47,0-1-1,24 1 1,-24-1-16,0 0 0,0 1 15,0 24 1,0-25-16,25 0 0,-25 1 0,0-1 16,0 1-16,0-1 0,0 1 15,0-1-15,24 0 16,-24 1-16,0-1 16,25 1-16,-25-1 0,0 1 15,0-1 1,24-24-1,-24 24-15,0-48 63,0 0-47,-24 24-1</inkml:trace>
+  <inkml:trace contextRef="#ctx0" brushRef="#br0" timeOffset="11342">4225 0 0,'24'24'78,"1"1"-78,-1-25 16,-24 24-16,25 1 16,-1-1-16,0 49 15,1-48-15,-25-1 16,24 25-16,-24-25 0,0 25 16,25-24-16,-25-1 0,24 25 15,-24-25-15,25 25 16,-25 0-1,0-25-15,0 1 16,0 48 0,-25-48-16,25-1 0,-24 0 15,24 1-15,-25-25 16,25 24-16,-24-24 0,24 25 16,-25-25-16,25 24 15,-24-24-15,0 0 31,24-24-15</inkml:trace>
+</inkml:ink>
+</file>
+
+<file path=ppt/ink/ink155.xml><?xml version="1.0" encoding="utf-8"?>
+<inkml:ink xmlns:inkml="http://www.w3.org/2003/InkML">
+  <inkml:definitions>
+    <inkml:context xml:id="ctx0">
+      <inkml:inkSource xml:id="inkSrc0">
+        <inkml:traceFormat>
+          <inkml:channel name="X" type="integer" max="1920" units="cm"/>
+          <inkml:channel name="Y" type="integer" max="1080" units="cm"/>
+          <inkml:channel name="T" type="integer" max="2.14748E9" units="dev"/>
+        </inkml:traceFormat>
+        <inkml:channelProperties>
+          <inkml:channelProperty channel="X" name="resolution" value="55.81395" units="1/cm"/>
+          <inkml:channelProperty channel="Y" name="resolution" value="55.6701" units="1/cm"/>
+          <inkml:channelProperty channel="T" name="resolution" value="1" units="1/dev"/>
+        </inkml:channelProperties>
+      </inkml:inkSource>
+      <inkml:timestamp xml:id="ts0" timeString="2020-11-17T21:42:20.478"/>
+    </inkml:context>
+    <inkml:brush xml:id="br0">
+      <inkml:brushProperty name="width" value="0.05" units="cm"/>
+      <inkml:brushProperty name="height" value="0.05" units="cm"/>
+      <inkml:brushProperty name="fitToCurve" value="1"/>
+    </inkml:brush>
+  </inkml:definitions>
+  <inkml:trace contextRef="#ctx0" brushRef="#br0">25 48 0,'-25'0'15,"50"0"48,-1 0-32,-24-24-31,25 24 0,-1 0 16,1 0-16,-1 0 0,0 0 15,1 0-15,-1 0 16,1 0-16,-1-24 0,1 24 16,-1 0-16</inkml:trace>
+  <inkml:trace contextRef="#ctx0" brushRef="#br0" timeOffset="318">49 244 0,'0'24'15,"25"-24"16,-1 25-15,1-25 0,-1 0-16,0 0 15,1 0-15,-1-25 0,1 25 16,-1 0-16,1 0 16,-1 0-16,0 0 15,1 0 1</inkml:trace>
+</inkml:ink>
+</file>
+
+<file path=ppt/ink/ink156.xml><?xml version="1.0" encoding="utf-8"?>
+<inkml:ink xmlns:inkml="http://www.w3.org/2003/InkML">
+  <inkml:definitions>
+    <inkml:context xml:id="ctx0">
+      <inkml:inkSource xml:id="inkSrc0">
+        <inkml:traceFormat>
+          <inkml:channel name="X" type="integer" max="1920" units="cm"/>
+          <inkml:channel name="Y" type="integer" max="1080" units="cm"/>
+          <inkml:channel name="T" type="integer" max="2.14748E9" units="dev"/>
+        </inkml:traceFormat>
+        <inkml:channelProperties>
+          <inkml:channelProperty channel="X" name="resolution" value="55.81395" units="1/cm"/>
+          <inkml:channelProperty channel="Y" name="resolution" value="55.6701" units="1/cm"/>
+          <inkml:channelProperty channel="T" name="resolution" value="1" units="1/dev"/>
+        </inkml:channelProperties>
+      </inkml:inkSource>
+      <inkml:timestamp xml:id="ts0" timeString="2020-11-17T21:42:21.635"/>
+    </inkml:context>
+    <inkml:brush xml:id="br0">
+      <inkml:brushProperty name="width" value="0.05" units="cm"/>
+      <inkml:brushProperty name="height" value="0.05" units="cm"/>
+      <inkml:brushProperty name="fitToCurve" value="1"/>
+    </inkml:brush>
+  </inkml:definitions>
+  <inkml:trace contextRef="#ctx0" brushRef="#br0">39 22 0,'0'-25'31,"0"50"32,0-1-48,0 1-15,0 23 0,0-23 16,0 24-16,0 24 0,0-24 16,-25 0-16,25 24 15,0-24-15,0 0 0,0 0 16,0-1-16,0 1 0,0-24 16,0-1-16,0 25 15,0-25-15,0 1 0,0-1 16,0 1-1,25-1 1,-25 0 15,24-24-15,1 0 0,-1 0-16,1 0 15,-1 0-15,0 0 0,25-24 16,-24 24-16,24 0 15,-25 0-15,25 0 0,-25-24 16,1 24-16,23 0 16,-23 0-16,-1 0 15,1 0-15,-50-25 47</inkml:trace>
+  <inkml:trace contextRef="#ctx0" brushRef="#br0" timeOffset="590">894 413 0,'0'-25'0,"-25"25"47,1 0-32,-1 25 1,25-1-16,-24-24 0,24 24 15,-24 1-15,24-1 16,0 25-16,-25-24 0,25-1 16,0 25-16,0-25 15,0 1-15,25-1 0,-25 25 16,24-25-16,0-24 0,-24 25 16,25-1-16,-1-24 15,1 0-15,-1 0 0,1 0 16,-1 0-16,0 0 0,1-24 15,-1 24-15,-24-25 16,25 1-16,-25-1 0,0 1 16,0 0-16,0-1 15,0-24-15,0 25 0,-25-49 16,1 48 0,-1-24-16,25 25 0,-24 0 15,0 24-15,24-25 0,-25 25 16,25-24-16,-24 24 15,-1 0 1,25 24-16,0 1 16,0-1-1</inkml:trace>
+  <inkml:trace contextRef="#ctx0" brushRef="#br0" timeOffset="1315">1284 388 0,'25'25'94,"-25"-1"-94,24 0 16,-24 1-16,0-1 0,25 1 15,-25-1-15,24 25 16,-24-25-16,25 1 0,-25-1 16,24 1-16,-24-1 15,24-24-15,1 24 0,-1 1 16,1-25-1,-1 0 1,-24-25 15,25 25-15,-25-24-16,0 0 16,24-1-1,-24 1-15,0-1 0,0 1 16,24 0-16,-24-1 0,0-24 15,25 25-15,-25-1 16,0-23-16,24 23 0,-24 1 16,0-1-16,25 1 15,-25-1-15,24 25 32,0 0 30</inkml:trace>
+  <inkml:trace contextRef="#ctx0" brushRef="#br0" timeOffset="1964">2017 413 0,'0'24'46,"25"-24"-46,-25 24 16,24-24 0,0 0-16,-24 25 15,25-25-15,-1 0 16,1 0-16,-1 0 16,1 0-16,-1-25 0,0 25 15,1 0-15,-1-24 16,1 24-16,-25-24 0,24 24 15,-24-25-15,25 25 16,-25-24-16,0-1 16,-25 1-16,1-1 15,-1 1-15,1 24 16,-1-24-16,1 24 0,0 0 16,-1 0-16,1 0 15,-1 0-15,1 0 0,-1 24 16,1 0-16,0-24 0,-1 25 15,1 24 1,-1 0-16,25-25 0,0 0 16,0 1-16,0-1 15,0 1-15,25 24 0,-1-25 16,25 0-16,-25 1 16,1-1-16,24-24 15,-25 0-15,25 25 0,-25-25 16,1 0-16,24 0 15,-25 0-15,1 0 0,-1 0 16,0-25-16,1 25 0,-1-24 16,1 24-1,-25-25-15</inkml:trace>
+</inkml:ink>
+</file>
+
+<file path=ppt/ink/ink157.xml><?xml version="1.0" encoding="utf-8"?>
+<inkml:ink xmlns:inkml="http://www.w3.org/2003/InkML">
+  <inkml:definitions>
+    <inkml:context xml:id="ctx0">
+      <inkml:inkSource xml:id="inkSrc0">
+        <inkml:traceFormat>
+          <inkml:channel name="X" type="integer" max="1920" units="cm"/>
+          <inkml:channel name="Y" type="integer" max="1080" units="cm"/>
+          <inkml:channel name="T" type="integer" max="2.14748E9" units="dev"/>
+        </inkml:traceFormat>
+        <inkml:channelProperties>
+          <inkml:channelProperty channel="X" name="resolution" value="55.81395" units="1/cm"/>
+          <inkml:channelProperty channel="Y" name="resolution" value="55.6701" units="1/cm"/>
+          <inkml:channelProperty channel="T" name="resolution" value="1" units="1/dev"/>
+        </inkml:channelProperties>
+      </inkml:inkSource>
+      <inkml:timestamp xml:id="ts0" timeString="2020-11-17T21:42:28.315"/>
+    </inkml:context>
+    <inkml:brush xml:id="br0">
+      <inkml:brushProperty name="width" value="0.05" units="cm"/>
+      <inkml:brushProperty name="height" value="0.05" units="cm"/>
+      <inkml:brushProperty name="fitToCurve" value="1"/>
+    </inkml:brush>
+  </inkml:definitions>
+  <inkml:trace contextRef="#ctx0" brushRef="#br0">24 149 0,'-24'-25'0,"48"1"94,0 24-78,1 0-16,-1-25 15,1 25-15,-1 0 16,1-24-16,-1 24 0,0 0 16,1-25-16,24 25 0,-25 0 15,1 0 1,-25-24-16,24 24 15,-24 24 1</inkml:trace>
+  <inkml:trace contextRef="#ctx0" brushRef="#br0" timeOffset="432">73 442 0,'0'24'62,"24"-24"-30,-24-24-32,25 24 15,-1 0-15,1 0 0,-1-25 16,0 25-16,1 0 0,24-24 16,-25 24-16,0 0 15,25-25-15,-24 25 0,24 0 16,-25-24-1,0 24 1,-24 24 15</inkml:trace>
+</inkml:ink>
+</file>
+
+<file path=ppt/ink/ink158.xml><?xml version="1.0" encoding="utf-8"?>
+<inkml:ink xmlns:inkml="http://www.w3.org/2003/InkML">
+  <inkml:definitions>
+    <inkml:context xml:id="ctx0">
+      <inkml:inkSource xml:id="inkSrc0">
+        <inkml:traceFormat>
+          <inkml:channel name="X" type="integer" max="1920" units="cm"/>
+          <inkml:channel name="Y" type="integer" max="1080" units="cm"/>
+          <inkml:channel name="T" type="integer" max="2.14748E9" units="dev"/>
+        </inkml:traceFormat>
+        <inkml:channelProperties>
+          <inkml:channelProperty channel="X" name="resolution" value="55.81395" units="1/cm"/>
+          <inkml:channelProperty channel="Y" name="resolution" value="55.6701" units="1/cm"/>
+          <inkml:channelProperty channel="T" name="resolution" value="1" units="1/dev"/>
+        </inkml:channelProperties>
+      </inkml:inkSource>
+      <inkml:timestamp xml:id="ts0" timeString="2020-11-17T21:42:29.482"/>
+    </inkml:context>
+    <inkml:brush xml:id="br0">
+      <inkml:brushProperty name="width" value="0.05" units="cm"/>
+      <inkml:brushProperty name="height" value="0.05" units="cm"/>
+      <inkml:brushProperty name="fitToCurve" value="1"/>
+    </inkml:brush>
+  </inkml:definitions>
+  <inkml:trace contextRef="#ctx0" brushRef="#br0">28 120 0,'0'24'62,"0"1"-62,-25-1 16,25 1-16,0-1 0,0 25 16,0-25-16,0 25 15,0 0-15,0-24 0,25 23 16,-25 1-16,0-24 0,0 24 16,0-25-16,0 25 15,24-25-15,-24 1 0,0 24 16,0-25-16,0 0 15,0 1-15,0-1 16,0 1-16,0-1 16,25-24-1,-1 0 1,-24-24-16</inkml:trace>
+  <inkml:trace contextRef="#ctx0" brushRef="#br0" timeOffset="544">101 169 0,'25'0'47,"-25"24"-16,24-24-31,0 25 16,1-1-1,-1 1-15,1-1 16,-25 0-16,24 1 0,1-1 16,-1 1-1,0-1-15,1 1 0,-1-1 0,1 25 16,-1-25-16,0-24 15,1 25-15,-1-1 0,25 1 16,-24-25-16,-25 24 0,24 0 16,0-24-16,1 25 15,-1-25-15,1 24 16,-50-48 31</inkml:trace>
+  <inkml:trace contextRef="#ctx0" brushRef="#br0" timeOffset="1089">663 96 0,'0'-25'32,"0"50"46,0-1-63,24 1-15,-24-1 16,0 25-16,0-25 16,0 1-16,0 23 0,0-23 15,0 24-15,0-25 16,0 25-16,0-25 0,0 25 15,0-24-15,0-1 16,0 25-16,0-25 0,0 1 16,0-1-16,0 1 0,0-1 15,0 0 1,0 1-16,0-1 16,25-24-1,-25-24 32,24-1-31</inkml:trace>
+  <inkml:trace contextRef="#ctx0" brushRef="#br0" timeOffset="2139">931 96 0,'0'-25'15,"25"25"63,-1 25-46,-24-1-17,25-24-15,-25 24 0,24 1 16,-24-1-16,25 1 15,-25-1-15,24 1 0,-24-1 16,0 0-16,24 1 16,-24-1-16,25 1 0,-25-1 15,24 1-15,-24-1 0,25-24 16,-25 24 0,24-24-16,1 0 15,-25-24 1,24 24-16,-24-24 15,0-1-15,24 25 0,-24-24 0,25-50 16,-25 50 0,0 0-16,0-1 0,0 1 15,24-1-15,-24 1 16,0-1-16,0 1 0,0 0 16,25-1-16,-25 1 15,0-1 1,0 1 15,0 48 16,0 1-31,0-1-1,-25 1-15,25-1 16,0 0-16,-24 25 0,24-24 15,-25 24-15,25-25 16,-24 25-16,24-25 0,-24 25 16,24-24-16,-25 23 0,25-23 15,0-1-15,-24 25 16,24-24-16,0-1 0,-25 0 16,25 1-16,0 24 15,0-25 1,0 1-16,-24-1 0,24 0 15,0 1 1,24-25 0,-24 24-16,25-48 31,-25-1-15</inkml:trace>
+  <inkml:trace contextRef="#ctx0" brushRef="#br0" timeOffset="2867">2104 145 0,'0'-25'16,"0"1"0,-25 24-1,25-25 1,-24 25-16,0 0 16,-1 0-16,1 0 0,-1 0 15,1 25 1,-1-25-16,1 24 0,0 1 15,-1-1-15,1 0 16,24 1-16,-25-1 0,1 25 16,24-25-16,0 25 0,-25-24 15,25-1-15,0 25 16,0-25-16,0 1 0,25-1 16,-25 1-16,24-1 15,1 1-15,-25-1 16,24-24-16,-24 24 0,25-24 15,-25 25 1,48-25-16,-23 0 0,-1 0 16,25 0-16,-24-25 15,23 25-15,-23 0 0,24-24 16,0 24-16,-25-24 0,0 24 16,1 0-16,-1-25 15,1 25-15,-1-24 16,-24-1 15,-24 25 16</inkml:trace>
+</inkml:ink>
+</file>
+
+<file path=ppt/ink/ink159.xml><?xml version="1.0" encoding="utf-8"?>
+<inkml:ink xmlns:inkml="http://www.w3.org/2003/InkML">
+  <inkml:definitions>
+    <inkml:context xml:id="ctx0">
+      <inkml:inkSource xml:id="inkSrc0">
+        <inkml:traceFormat>
+          <inkml:channel name="X" type="integer" max="1920" units="cm"/>
+          <inkml:channel name="Y" type="integer" max="1080" units="cm"/>
+          <inkml:channel name="T" type="integer" max="2.14748E9" units="dev"/>
+        </inkml:traceFormat>
+        <inkml:channelProperties>
+          <inkml:channelProperty channel="X" name="resolution" value="55.81395" units="1/cm"/>
+          <inkml:channelProperty channel="Y" name="resolution" value="55.6701" units="1/cm"/>
+          <inkml:channelProperty channel="T" name="resolution" value="1" units="1/dev"/>
+        </inkml:channelProperties>
+      </inkml:inkSource>
+      <inkml:timestamp xml:id="ts0" timeString="2020-11-17T21:42:34.277"/>
+    </inkml:context>
+    <inkml:brush xml:id="br0">
+      <inkml:brushProperty name="width" value="0.05" units="cm"/>
+      <inkml:brushProperty name="height" value="0.05" units="cm"/>
+      <inkml:brushProperty name="fitToCurve" value="1"/>
+    </inkml:brush>
+  </inkml:definitions>
+  <inkml:trace contextRef="#ctx0" brushRef="#br0">293 293 0,'0'-25'31,"24"25"-15,-24-24-1,-24 24 1,24-25-16,-25 25 16,1 0-1,0 0-15,-1 0 0,1 25 16,-1-25-16,-24 24 15,25 1-15,0-25 0,-1 24 16,1 0-16,24 1 0,0-1 16,0 1-1,0-1 1,0 1-16,24-25 0,1 24 16,-1-24-16,0 24 15,25-24-15,-24 0 0,24 25 16,-25-25-1,25 24-15,-25-24 0,1 0 16,-25 25-16,24-25 16,0 24-16,-24 1 0,25-25 15,-25 24-15,0 0 0,0 1 16,0-1 0,-25-24-16,25 25 0,-24-25 15,0 24 1,-1-24-16,25 25 0,-24-25 0,-1 0 15,-23 0-15,23 0 0,1 0 16,-1 0-16,1 0 16,-1 0-16,25-25 0,-24 25 15,24-24 1,24-1 15</inkml:trace>
+  <inkml:trace contextRef="#ctx0" brushRef="#br0" timeOffset="436">635 0 0,'0'24'47,"0"0"-31,0 1-1,24-1-15,-24 1 0,0-1 16,25 25-16,-25-25 0,24 25 16,-24-24-16,0 23 15,24-23-15,-24 24 0,25-25 16,-25 1-16,0-1 15,24 0-15,-24 1 0,0-1 16,0 1 0,-24-1-16,-1-24 15</inkml:trace>
+  <inkml:trace contextRef="#ctx0" brushRef="#br0" timeOffset="1041">659 390 0,'-24'0'15,"-1"-24"-15,25-1 16,0 1 0,25 0-16,-1-1 31,1 25-31,-1-24 16,0 24-16,1 0 15,-1 0-15,1 0 16,-1 24-16,1-24 0,-1 25 15,0-25-15,1 24 16,-25 0-16,24-24 0,1 25 16,-1-1-16,-24 1 0,0-1 15,24-24-15,-24 25 16,0-1-16,0 0 0,0 1 16,0-1-1,-24-24-15,24 25 16,-24-25-16,-1-25 15,25 1 1,-24 24-16,24-25 16,0 1-16,0 0 0,0-1 15,24 1-15,-24-25 16,25 0 0,-1 25-16,-24-1 0,24 1 15,1-1-15,-1 1 16,1 24-1</inkml:trace>
+  <inkml:trace contextRef="#ctx0" brushRef="#br0" timeOffset="1485">1392 366 0,'-25'0'0,"50"0"62,-25-25-62,24 25 16,1 0-16,-1 0 0,1 0 15,-1 0-15,25-24 16,-25 24-16,25 0 0,-24 0 16,23 0-16,-23 0 0,-1 0 15,1-24-15,-50 24 32,1 0-17</inkml:trace>
+  <inkml:trace contextRef="#ctx0" brushRef="#br0" timeOffset="1862">1538 122 0,'-24'0'0,"24"-25"15,0 50 32,24-25-47,-24 24 16,0 1-16,25-25 0,-25 24 16,24 25-1,-24 0-15,0-25 0,25 0 16,-25 1-16,0-1 15,24 1-15,-24-1 0,0 1 16,25-1-16,-25 0 0,0 1 16,0-1-1,0 1-15,24-25 16</inkml:trace>
+</inkml:ink>
+</file>
+
 <file path=ppt/ink/ink16.xml><?xml version="1.0" encoding="utf-8"?>
 <inkml:ink xmlns:inkml="http://www.w3.org/2003/InkML">
   <inkml:definitions>
@@ -998,6 +2518,168 @@
   </inkml:definitions>
   <inkml:trace contextRef="#ctx0" brushRef="#br0">0 659 0,'0'-24'15,"0"48"48,24-24-48,0 24 1,-24 1-16,25-25 0,-1 24 16,1 1-16,-25-1 0,24 0 15,1 1-15,-25-1 16,24 1-16,0-1 0,-24 1 16,25-1-1,-25 0-15,24 1 16,-24-1-16,0-48 78,25 24-62,-25-25-1,24 1-15,-24 0 16,0-1-16,25 1 15,-25-1-15,24 1 0,0-25 16,1 0-16,-1 0 0,1 1 16,-1-1-16,0 24 15,1-24-15,-1 25 16,1 0-16,-1-1 16,1 25-16,-25 25 31,0-1-16,-25-24 17,25 24-17</inkml:trace>
   <inkml:trace contextRef="#ctx0" brushRef="#br0" timeOffset="481">366 830 0,'-24'0'0,"-1"0"16,25 24-16,-24-24 15,-1 0 1,1-24 15,-1 0-15,25-1-1,0 1 1,0-1-16,0 1 16,0-1-16,0-23 15,25 23-15,-25 1 0,24-1 16,1-24-16,-1 25 0,1-25 15,-1 0-15,0 0 16,1 25-16,24-25 0,-25 0 16,25 25-16,-25-25 15,1 25-15,24-1 0,-25 1 16,0-1-16,1 1 0,-1 24 16,-24-24-1</inkml:trace>
+</inkml:ink>
+</file>
+
+<file path=ppt/ink/ink160.xml><?xml version="1.0" encoding="utf-8"?>
+<inkml:ink xmlns:inkml="http://www.w3.org/2003/InkML">
+  <inkml:definitions>
+    <inkml:context xml:id="ctx0">
+      <inkml:inkSource xml:id="inkSrc0">
+        <inkml:traceFormat>
+          <inkml:channel name="X" type="integer" max="1920" units="cm"/>
+          <inkml:channel name="Y" type="integer" max="1080" units="cm"/>
+          <inkml:channel name="T" type="integer" max="2.14748E9" units="dev"/>
+        </inkml:traceFormat>
+        <inkml:channelProperties>
+          <inkml:channelProperty channel="X" name="resolution" value="55.81395" units="1/cm"/>
+          <inkml:channelProperty channel="Y" name="resolution" value="55.6701" units="1/cm"/>
+          <inkml:channelProperty channel="T" name="resolution" value="1" units="1/dev"/>
+        </inkml:channelProperties>
+      </inkml:inkSource>
+      <inkml:timestamp xml:id="ts0" timeString="2020-11-17T21:41:34.401"/>
+    </inkml:context>
+    <inkml:brush xml:id="br0">
+      <inkml:brushProperty name="width" value="0.05" units="cm"/>
+      <inkml:brushProperty name="height" value="0.05" units="cm"/>
+      <inkml:brushProperty name="fitToCurve" value="1"/>
+    </inkml:brush>
+  </inkml:definitions>
+  <inkml:trace contextRef="#ctx0" brushRef="#br0">7841 269 0,'0'-24'0,"25"24"0,-25-25 16,-25 50 15,25-1-15,0 1-16,0-1 0,0 0 15,0 1-15,0 24 16,0 0-16,0-1 16,0-23-16,25 24 0,-25 0 15,0-25-15,0 25 0,0-25 16,0 1-16,24-1 0,-24 0 16,0 1-16</inkml:trace>
+  <inkml:trace contextRef="#ctx0" brushRef="#br0" timeOffset="339">7914 342 0,'0'-24'16,"-24"24"0,24-24-16,24 24 31,-24 24-15,25-24-16,-25 24 0,24 1 15,25 24 1,-25-25-16,1 1 0,24-1 15,-25 25-15,1-25 0,-1 1 16,0-1-16,-24 1 16,25-1-16,-1-24 0,-24 24 15,25-24-15,-1 25 16,1-25-16</inkml:trace>
+  <inkml:trace contextRef="#ctx0" brushRef="#br0" timeOffset="684">8232 245 0,'0'-25'0,"-25"25"31,25 25 0,0-1-31,25 1 16,-25-1-16,24 0 15,-24 1-15,0-1 0,25 25 16,-25 0-16,24-25 0,-24 25 16,25-24-16,-25 24 15,0-25-15,24 25 0,-24-25 16,0 1-16,24-1 15,-24 0-15</inkml:trace>
+  <inkml:trace contextRef="#ctx0" brushRef="#br0" timeOffset="1441">8501 220 0,'-25'0'16,"25"-24"15,0 48 16,25-24-47,-25 25 16,24-1-16,-24 1 15,24-1-15,-24 0 16,25 1-16,-25-1 0,24 1 15,1-1-15,-1 1 0,0-1 16,1-24 0,-1 24-16,1-24 0,-1 0 15,1 0 1,-1-24-16,0 0 16,-24-1-16,25 1 15,-25-1 1,0 1-16,24-1 0,-24 1 15,0 0-15,0-1 16,0 1-16,0-1 0,0 1 16,0-1-16,-24 25 47,24 25-32,0-1-15,0 1 0,-25-1 16,25 1-16,0 23 0,0-23 15,0-1-15,-24 25 16,24-24-16,0 23 0,0-23 16,0 24-16,0-25 0,0 25 15,0-25-15,0 1 16,0-1-16,0 1 0,0-1 16,0 0-16,0 1 15,0-1-15,24-24 47,-24-24-31,0-1-1,25 25-15,-25-24 0</inkml:trace>
+  <inkml:trace contextRef="#ctx0" brushRef="#br0" timeOffset="2154">9453 294 0,'0'-25'16,"-24"1"15,-1 24-15,1 0-16,-1 0 16,1 0-16,-1 0 15,1 24 1,-25 1-16,49-1 15,-24 0-15,24 1 16,-25 24-16,25-25 0,0 1 16,0-1-16,0 0 0,0 1 15,0 24-15,25-25 16,-25 0-16,24 1 0,1-1 16,-1 1-16,-24-1 15,24 1-15,1-25 16,-1 24-16,1 0 15,-1-24-15,1 0 16,-1 0-16,0 0 0,1 0 16,-1 0-16,-24-24 15,25 24-15,-1 0 0,-24-24 16,25 24-16,-1 0 31,-24-25-31,0 1 16,0-1 15</inkml:trace>
+  <inkml:trace contextRef="#ctx0" brushRef="#br0" timeOffset="2665">9868 0 0,'0'25'78,"0"-1"-62,0 1-1,0-1 1,25 1-16,-25-1 15,0 0-15,24 1 16,-24-1-16</inkml:trace>
+  <inkml:trace contextRef="#ctx0" brushRef="#br0" timeOffset="-2087">5399 416 0,'0'-25'0,"-25"25"15,25-24-15,0-1 32,-24 25-32,24 25 31,0-1-31,0 1 0,0 24 16,-24-25-16,24 25 0,0-25 15,0 25-15,0-24 16,24 23-16,-24-23 15,0-1-15,24 1 0,-24-1 16,25 0-16,-25 1 16,24-25-1,1 0 1,-1-25-16,0 1 16,1 0-1,-25-1-15,24 1 0,-24-1 16,25-48-16,-25 49 15,24-25-15,-24 24 16,0 1-16,0 0 0,0-1 16,0 50 15,0-1-31,0 0 16,0 1-16,0-1 15,25 1-15,-25-1 0,24 1 16,-24-1-16,24 0 0,1 1 15,-25-1-15,24-24 16,1 25-16,-1-25 0,1 24 16,-1-24-16,0 0 15,1 0-15,-1 0 0,1 0 16,-1-24-16,1 24 0,-1-25 16,0 1-1,1-1-15,-1 1 0,-24 0 0,25-1 16,-25 1-16,0-1 15,0 1-15,0-25 0,-25 25 16,1-1-16,24 1 0,-25-1 16,1 1-1,0 24-15,24-25 16,-25 25 0,25 25-1,-24-25 1</inkml:trace>
+  <inkml:trace contextRef="#ctx0" brushRef="#br0" timeOffset="-1770">6229 416 0,'0'24'47,"0"1"-31,0-1-1,25 0 1,-25 25-16,0-24 0,0-1 16,24 1-16,-24-1 0,0 0 15,24 1-15,-24-1 16,0 1-16,0-1 16,25-24-16</inkml:trace>
+  <inkml:trace contextRef="#ctx0" brushRef="#br0" timeOffset="-1565">6229 147 0,'0'-24'15,"-24"24"-15</inkml:trace>
+  <inkml:trace contextRef="#ctx0" brushRef="#br0" timeOffset="-1272">6425 123 0,'0'24'31,"0"0"0,0 25-31,24 0 0,-24 0 0,24 0 16,-24 0-16,25 0 16,-1-1-16,-24 1 0,25 0 15,-25 0-15,24-25 0,-24 25 16,0-24-16,0-1 16</inkml:trace>
+  <inkml:trace contextRef="#ctx0" brushRef="#br0" timeOffset="-552">6425 489 0,'-25'0'15,"50"0"32,-1 0-31,0 0-16,1 0 15,24-24-15,-25 24 16,1 0-16,-1 0 0,0-25 16,1 25-16,-1-24 15,1 24-15,-25-25 16,0 1-16,0-1 15,0 1-15,0 0 16,-25-50-16,25 50 16,0-1-16,-24 1 0,24 0 15,0-1 1,0 50 0,0-1-1,0 0-15,0 25 0,24-24 16,-24 24-16,0-25 0,25 25 15,-25 0-15,24-25 16,-24 25-16,0-25 0,25 25 16,-25-24-16,0 24 15,0-25-15,24 0 0,-24 1 16,0-1-16,0 1 16,24-25-1,-24-25 1,0 1-1,0-1-15,25 1 16,-25 0-16,0-25 0,0 24 16,24 1-16,-24-25 15,25 25-15,-25-1 0,24 1 16,0-1-16,1 25 16,-1 0-1,1 25-15,-25-1 16,24 1-16,-24-1 15,25 25 1,-1-25-16,-24 1 0,0-1 16,24 1-16,-24-1 0,25 0 15,-25 1-15</inkml:trace>
+  <inkml:trace contextRef="#ctx0" brushRef="#br0" timeOffset="-6887">26 294 0,'-25'0'16,"25"-25"-16,0 1 31,0 48 32,0 1-48,25-1 1,-25 0-16,0 1 0,24-1 16,-24 1-16,25 24 15,-25-25-15,24 0 0</inkml:trace>
+  <inkml:trace contextRef="#ctx0" brushRef="#br0" timeOffset="-6215">685 440 0,'0'-24'15,"-24"24"1,24 24 15,0 1-15,0-1-1,24 0-15,-24 1 0,0 24 0,0-1 16,25-23-16,-25 24 0,0 0 16,24-1-16,-24 1 15,24 0-15,-24 0 0,0-25 16,25 1-16,-25 24 0,0-25 15,0 1-15,0-1 16,24-24-16</inkml:trace>
+  <inkml:trace contextRef="#ctx0" brushRef="#br0" timeOffset="-5518">1051 831 0,'-24'-25'0,"24"1"32,0 0-32,-24 24 0,24-25 15,0 1-15,24-1 16,0 25-1,1 0 1,-1 25 0,1-1-16,-1-24 0,-24 25 15,25-1-15,-1 0 0,-24 1 16,24-1-16,-24 1 16,0-1-16,0 1 15,25-1-15,-25 0 16,0 1-16,-25-25 31,25-25-15,0 1-1,0 0-15,0-1 16,0 1-16,0-1 0,25 1 16,-25-1-16,0 1 0,24 0 15,1-1-15,-1 1 16,1 24-1,-1 0-15,-24 24 0,24-24 16,-24 25-16,25-1 16,-1 0-16,-24 1 0,25-1 15,-25 1-15,0-1 16,24 1-16,-24-1 0,0 0 16,25 1-16,-25-1 15</inkml:trace>
+  <inkml:trace contextRef="#ctx0" brushRef="#br0" timeOffset="-4796">2468 367 0,'0'-25'15,"0"1"-15,0 48 47,0 1-47,0-1 0,0 1 16,0-1-16,0 25 16,24 0-16,-24-25 0,0 25 15,25 0-15,-25 0 16,0 0-16,24-1 0,-24 1 15,0-24-15,25-1 0,-25 1 16,24-1-16,-24 0 16,25 1-1,-25-50 1,24 25 0,-24-24-16,24 24 15,-24-24-15,25 24 0,-1-25 16,1 25-16,-1 0 0,25-24 15,-25 24-15,1 0 16,-1 0-16,1 0 0,-1 0 16,0 0-16,1 0 0,-1 0 15,1 0 1</inkml:trace>
+  <inkml:trace contextRef="#ctx0" brushRef="#br0" timeOffset="-4307">3201 489 0,'-25'0'16,"1"24"15,-1 1-31,1-1 16,24 1-1,0-1-15,0 0 16,0 1-16,0-1 0,0 25 16,24-24-16,-24-1 15,25 0-15,-1 1 0,1-25 16,-1 24-16,-24 1 15,25-25-15,-1 0 0,0 0 16,1-25-16,-1 1 16,-24-1-1,0 1-15,0 0 16,-24-1-16,24-24 16,-25 25-16,1-1 0,24 1 15,-24 0-15,-1-1 0,25 1 16,-24-1-16,-1 25 15,1 0 1,24 25 0,0-1-1,24-24-15</inkml:trace>
+  <inkml:trace contextRef="#ctx0" brushRef="#br0" timeOffset="-3755">3494 587 0,'0'-25'31,"24"50"16,1-1-47,-1 1 16,-24-1-1,25 0-15,-1 1 0,0-1 16,-24 1-16,25 23 0,-1-23 15,-24-1 1,25 1-16,-25-1 16,24-24-16,-24-24 15,24 24 1,-24-25-16,0 1 16,0-1-16,0 1 0,0 0 15,0-1-15,0-24 0,0 25 16,0-25-16,0 25 0,0-1 15,0 1-15,0-25 16,0 25-16,0-1 16,0 1-1,25 24 1,-25 24 0,0 1-1,24-25 1</inkml:trace>
+  <inkml:trace contextRef="#ctx0" brushRef="#br0" timeOffset="-3152">4056 587 0,'0'24'63,"24"-24"-63,-24 25 15,24-25-15,1 0 16,-25 24-16,24-24 0,1 0 16,-1 0-16,0 0 0,1 0 15,-1 0 1,-24-24-16,25-1 16,-1 1-16,-24-1 15,0 1 1,0-1-16,-24 1 15,-1 0-15,1-1 16,-1 1-16,1 24 16,0-25-16,-1 25 0,1 25 15,-1-1 1,1 1-16,24-1 16,0 0-16,0 25 0,0-24 15,24-1-15,-24 1 16,25 23-16,-1-23 0,-24-1 15,25 1-15,-1-25 16,0 24-16,1 0 16,-1-24-16,1 0 0,-1 0 15,1 0-15,-1 25 16,0-25-16,1 0 16,-1 0-16</inkml:trace>
+  <inkml:trace contextRef="#ctx0" brushRef="#br0" timeOffset="12380">417 1246 0,'0'24'0,"0"1"15,0-1-15,0 25 16,0-24-16,0-1 0,0 0 16,0 1-16,0-1 15,0 1-15,0-1 0,0 1 16,0-1-1,0 0-15,-25 1 0,25-1 16,0 1-16,-24-1 16,24 1-16,0-1 15,0 0 1,0 1 0,0-50 15</inkml:trace>
+  <inkml:trace contextRef="#ctx0" brushRef="#br0" timeOffset="12934">343 1222 0,'25'0'79,"-1"0"-64,-24-25-15,25 25 16,-1-24-16,0 24 15,-24-25 1,25 25-16,-25-24 16,24 24-1,-24 24 17,0 1-17,25-1 1,-25 1-1,0-1-15,0 0 0,0 1 16,0-1-16,0 1 0,24-1 16,-24 1-1,0-1-15</inkml:trace>
+  <inkml:trace contextRef="#ctx0" brushRef="#br0" timeOffset="13661">368 2101 0,'-25'0'78,"25"24"-78,-24 1 15,-1-1 1,1 1-16,24-1 16,0 0-16,0 1 15,0-1 1,0 1-16,24-25 0,1 0 16,-1 24-1,1-24-15,-1-24 16,1 24-16,-1-25 0,0 25 15,-24-24-15,25 24 16,-1-25-16,1 1 0,-25 0 16,24-1-16,-24 1 15,0-1-15,-24 1 16,-1-1 0,1 1-16,-1 24 15,1 0-15,0 0 0,-1 0 16,1 24-16,-1-24 15,25 25-15,-24-1 16</inkml:trace>
+  <inkml:trace contextRef="#ctx0" brushRef="#br0" timeOffset="15244">1174 1246 0,'0'-24'15,"0"48"63,0 0-78,0 1 16,0-1-16,0 1 16,0-1-16,0 1 15,0-1-15,0 0 0,0 1 16,0-1-16,0 1 16,0-1-1,0 1-15,-25-25 0,25 24 16</inkml:trace>
+  <inkml:trace contextRef="#ctx0" brushRef="#br0" timeOffset="15827">1027 1295 0,'0'-25'31,"24"25"-31,-24-24 15,25 24 1,-25-24 0,24-1-16,-24 1 0,25 24 15,-25-25-15,24 25 16,-24-24-16,25 24 16,-1 0-1,0 0 32,-24 24-47,0 1 16,25-1-16,-25 1 15,24-25 1,-24 24-16</inkml:trace>
+  <inkml:trace contextRef="#ctx0" brushRef="#br0" timeOffset="16435">1198 1832 0,'0'25'32,"0"-1"-32,0 1 15,0-1 1,0 0-16,0 1 15,0 24-15,0-25 16,24 0-16,-24 1 16,0-1-16,0 25 15</inkml:trace>
+  <inkml:trace contextRef="#ctx0" brushRef="#br0" timeOffset="18347">1906 1124 0,'0'24'172,"0"1"-157,0-1-15,0 1 16,0-1-16,0 0 15,0 1-15,0-1 16,-24 1-16,24-1 0,0 1 16,0-1-16,-25 0 15,25 1-15,0-1 0,0 1 16,-24-1 0,24 1-16,0-1 15,0 0 16</inkml:trace>
+  <inkml:trace contextRef="#ctx0" brushRef="#br0" timeOffset="19027">1833 1148 0,'-24'0'46,"24"25"-30,-25-25-16,1 0 16,24 24 15,-25-24-15,50 0 46,-1-24-31,1 24-15,-25-25-16,24 25 0,-24-24 16,24 24-1,-24-24-15,25 24 0,-1-25 16,1 25 15,-25 25 0,24-25-31,-24 24 16,25-24-16,-25 24 0,0 1 16,24-25-1,-24 24-15,0 1 0,24-1 16,-24 1-16,0-1 15,0 0-15,0 1 16</inkml:trace>
+  <inkml:trace contextRef="#ctx0" brushRef="#br0" timeOffset="19907">1857 1979 0,'0'-25'15,"0"1"17,0 0-17,49-1 1,-24 25-1,-1 0-15,-24-24 16,25 24-16,-1 0 0,0 0 16,1 0-16,-1 0 15,1 0-15,-25 24 16,24 1-16,-24-1 16,0 0-1,-24 1-15,-1-1 16,25 1-1,-24-25-15,-1 24 0,1-24 16,24 24-16,-24-24 16,24 25-1,24-25 32,0 0-47,1 0 16,-1 0-16,1 0 15,-1 24-15,1-24 16,-1 25-16,-24-1 16,0 1-1,-24-25 1,24 24 0,-25-24-16,1 0 0,-1 24 15,1-24-15,-1 0 0,-23 0 16,23 0-16,1 0 15,-1 0-15,1 0 16,24-24-16</inkml:trace>
+  <inkml:trace contextRef="#ctx0" brushRef="#br0" timeOffset="21365">2541 1100 0,'25'0'31,"-25"24"16,0 0-31,0 1-16,0-1 15,0 1-15,0-1 16,24 0-16,-24 1 0,0-1 16,0 1-16,0-1 15,25-24-15,-25 25 0,0-1 16,24-24 0,-24 24-16</inkml:trace>
+  <inkml:trace contextRef="#ctx0" brushRef="#br0" timeOffset="22086">2419 1222 0,'-24'0'15,"48"0"48,-24-25-63,25 25 16,-1-24-1,0 24-15,-24-25 0,25 25 16,-25-24-16,24 0 15,1-1 1,-25 1-16,24 24 16,-24-25-16,25 25 15,-1 0-15,0 0 16,-24-24-16,25 24 16,-1 0-16,1 24 15,-1-24 1,-24 25-16,0-1 0,25-24 15,-25 25-15,0-1 0,24 0 16,0 1-16,-24-1 16,0 1-16,25-1 15,-25 0-15,24 1 16</inkml:trace>
+  <inkml:trace contextRef="#ctx0" brushRef="#br0" timeOffset="22804">2688 1637 0,'0'24'62,"0"1"-46,24-1-1,-24 1 1,25-25-16,-25 24 16,24 0-1,1-24-15,-1 0 16,0 0-16,1 0 16,-1 0-16,-24-24 15,25 24-15,-25-24 0,24-1 16,-24 1-16,0-1 15,0 1 1,0-1-16,-24 25 31,24 25-15,0-1 0,0 1-1,24-1-15,-24 25 0,0-25 16,24 25-16,-24-24 15,25 24-15,-1-25 16,-24 0-16,25 1 0,-25 24 0,24-25 16</inkml:trace>
+  <inkml:trace contextRef="#ctx0" brushRef="#br0" timeOffset="24016">3225 1075 0,'0'-24'31,"0"-1"-31,-24 25 32,24 25-1,0-1-15,0 1-1,0-1-15,0 0 16,0 1-16,0-1 15,0 1 1,0-50 31,0 1-31,0-1-16,24 25 15,-24-24-15,0 0 16,0-1-16,0 1 15,0-1-15,0 1 16,0-1 0,25 25-16,-1 0 15,-24 25 1,24-1-16,1 1 16,-1-25-1,-24 24-15,0 1 0,25-25 16,-25 24-16,24-24 0,-24 24 15</inkml:trace>
+  <inkml:trace contextRef="#ctx0" brushRef="#br0" timeOffset="24412">3176 1100 0,'25'0'15,"-25"24"1,24-24-1,-24 24-15,25-24 0,-25 25 16,24-1-16,0 1 0,-24 23 16,25-23-16,-1-1 15,-24 1-15,25-1 0,-1 25 16,-24-25-16,25 1 16,-25-1-16,24 1 0,-24-1 15,24-24-15,-24 25 0,0-1 16,25-24-1,-25 24-15</inkml:trace>
+  <inkml:trace contextRef="#ctx0" brushRef="#br0" timeOffset="25296">3665 1612 0,'24'0'16,"-48"0"46,-1 0-46,1 0-16,0 0 15,-1 0-15,1 0 0,-1 0 16,1 0-16,-1 0 0,1 25 31,0-25-31,-1 0 31,25 24-15,0 1 0,0-1-1,25 25 17,-1-25-17,-24 1-15,0-1 16,24 1-1,-24-1 1,0-48 47,25 24-63,-25-25 15,24 25-15,1-24 16,-1 24-1,-24-25-15,25 25 16,-1 0 0,0 0-1,-24 25-15,25-25 0,-25 24 16,24 1 0,1-1-16,-25 1 15,24-25 1,-24 24-16,-24-24 15,-1 0-15,1 24 0,-49-24 16,-1 25 0,25-25-16</inkml:trace>
+  <inkml:trace contextRef="#ctx0" brushRef="#br0" timeOffset="79545">3909 1051 0,'0'-25'16,"-24"25"-1,24-24 1,-25 24 15,25 24 16,-24-24-31,24 25-1,0-1-15,0 1 16,0-1 15,0-48 16,0-1 0,0 1-47,0-1 16,24 1-16,-24-1 15,0 1-15,0 0 0,0-1 16,0 1-1,25 24-15,-25-25 16,0 50 15,24-25-31,0 24 16,-24 1-16,25-1 16,-1-24-16,-24 24 0,25 1 15,-1-1-15,-24 1 16,25-1-16,-1 1 0,0-1 15,1 0 1</inkml:trace>
+  <inkml:trace contextRef="#ctx0" brushRef="#br0" timeOffset="79892">3958 1002 0,'0'24'78,"24"1"-62,-24-1-1,25 1-15,-25-1 0,24 0 16,-24 1-16,0-1 0,25 1 16,-25-1-16,24 0 15,-24 1 1,24 24-1,-24-25-15</inkml:trace>
+  <inkml:trace contextRef="#ctx0" brushRef="#br0" timeOffset="80469">4129 1564 0,'0'-25'16,"0"1"-1,-25 24 1,1 0 0,24 24-1,-24-24-15,24 25 16,0-1-16,-25-24 16,25 24-16,0 1 0,0-1 15,0 1 1,25-1-16,-25 1 0,24-25 15,-24 24-15,24-24 0,-24 24 16,25-24-16,-1 0 16,1 0-1,-1-24 1,-24 0 0,0-1-1,0 1 1,-24 24-16,-1 0 31,1 0-31,24 24 16,0 1-16,-25-25 0,25 24 15,0 0-15,0 1 16,0-1-16</inkml:trace>
+  <inkml:trace contextRef="#ctx0" brushRef="#br0" timeOffset="81266">4422 1075 0,'0'25'63,"0"-1"-48,0 0 17,0 1-32,-25-1 0,25 1 15,0-1 1,0 1-16,0-50 47,0 1-32,0-1 1,0 1-16,25 24 0,-25-25 16,0 1-16,0 0 0,0-1 15,0 1-15,24-1 16,-24 1-16,0-1 15,25 50 17,-25-1-32,24 1 15,1-1 1,-25 1-16,24-1 0,0-24 16,-24 24-16,25-24 15,-1 25-15,1-25 16,-25 24-16</inkml:trace>
+  <inkml:trace contextRef="#ctx0" brushRef="#br0" timeOffset="81561">4446 1051 0,'0'-25'15,"25"25"1,-25 25-16,24-1 16,-24 1-1,0-1-15,25 0 16,-25 1-16,24-1 0,-24 1 16,24-1-16,-24 25 15,25-25-15,-25 1 0,24 24 16,-24-25-16,25 0 15,-25 25-15,24-24 0,-24-1 16,0 1-16,25-1 16,-25 0-1</inkml:trace>
+  <inkml:trace contextRef="#ctx0" brushRef="#br0" timeOffset="81986">4666 1735 0,'-24'0'15,"24"-25"1,24 25-16,-24-24 16,25 24-16,-25-25 15,24 1 1,25-1 0,-25 25-16,1 0 31,-25 25-16,24-1 1,-24 1-16,0-1 16,0 1-16,0-1 0,25 25 15,-25-25 1,0 1-16,0-1 0,24 1 16,-24-1-16,24 0 15</inkml:trace>
+  <inkml:trace contextRef="#ctx0" brushRef="#br0" timeOffset="82192">4642 1906 0,'24'0'31,"-24"-25"-15,98 1 0,-49 24-1,-25-25-15,1 25 0,23-24 0</inkml:trace>
+  <inkml:trace contextRef="#ctx0" brushRef="#br0" timeOffset="83037">4984 904 0,'0'25'31,"0"-1"0,-25-24-31,25 24 0,0 1 16,-24-1-16,24 1 15,0-1 1,0 1 0,0-50 15,0 1 0,0-1-31,24 25 16,-24-24-16,0-1 15,0 1-15,0 0 16,0-1-16,0 1 16,25 24-1,-1 24 1,0 1 0,1-1-1,-1 0-15,1 1 16,-1-25-1,-24 24-15,25 1 0,-1-25 16,-24 24-16</inkml:trace>
+  <inkml:trace contextRef="#ctx0" brushRef="#br0" timeOffset="83295">4959 953 0,'0'-24'16,"-24"24"-16,48 24 31,-24 0-15,25-24-16,-1 25 0,-24-1 15,24 1-15,1-1 16,-25 1-16,24-1 0,1 0 15,-25 1-15,24-1 0,-24 1 16,25-1-16,-25 0 16,0 1-16</inkml:trace>
+  <inkml:trace contextRef="#ctx0" brushRef="#br0" timeOffset="84023">5423 1539 0,'-24'-24'32,"-1"24"-17,1 24 1,24 1-1,-24-25-15,24 24 16,-25-24-16,25 24 0,0 1 16,0-1-16,0 1 15,0 24-15,0-25 0,25 0 16,-25 1-16,24-1 0,0 1 16,1-25-16,-25 24 15,24-24-15,1 0 0,-1 0 16,1-24-16,-1 24 15,-24-25-15,24 1 16,-24-1-16,0 1 16,-24 0-16,0-1 15,-1 1-15,1-1 16,-1 1-16,1-25 16,-25 25-16,25-1 0,-1 1 15,25-1-15,-24 1 0,-1-1 16,25 1-16,0 0 15,25 24 1,-1-25 0,1 25-16,-1 0 15,0 0-15,1 0 0,-1 0 16,1 25-16,-1-1 16,-24 0-16,0 1 15,0-1 1,0 1-16,-24-1 15,-25 25-15</inkml:trace>
+  <inkml:trace contextRef="#ctx0" brushRef="#br0" timeOffset="84877">5643 1002 0,'0'-25'15,"0"1"16,-24 24 1,24 24-17,0 1 1,0-1-16,0 1 16,0-1-16,0 1 15,0-1-15,0 0 31,0-48-15,0 0 15,0-1-31,0 1 0,24-1 16,-24 1 0,0-1-16,0 1 15,0 0 1,24-1-16,1 25 15,-1 49 17,1-49-32,-1 24 0,-24 1 15,25-25-15,-1 24 16,-24 1-16,24-25 0,1 24 16,-25 1-16,24-25 0,1 24 15</inkml:trace>
+  <inkml:trace contextRef="#ctx0" brushRef="#br0" timeOffset="85118">5765 1002 0,'-24'0'0,"24"24"47,24-24-47,-24 25 0,25-1 16,-25 1-1,24-1-15,-24 0 0,24 1 16,-24-1-16,25 1 0,-25-1 16,24 0-16,1 1 15,-25-1-15,24-24 0,-24 25 16</inkml:trace>
+  <inkml:trace contextRef="#ctx0" brushRef="#br0" timeOffset="85731">6083 1539 0,'0'-24'16,"0"-1"-16,0 1 15,-25 24 1,25-25 0,-24 25-16,-1 25 15,1-1 1,0 1 0,24-1-1,0 1 1,0-1-16,24 0 31,0-24-15,1 0-16,-1 0 15,1 0 1,-1 0-16,-24-24 16,25 24-16,-25-24 0,0-1 15,0 1 1,0-1-1,0 50 17,0-1-32,0 1 15,24-1-15,-24 25 16,0-25-16,24 1 0,-24-1 16,0 25-16,25-25 15,-25 1-15</inkml:trace>
+  <inkml:trace contextRef="#ctx0" brushRef="#br0" timeOffset="86703">6302 929 0,'25'-25'0,"-25"1"31,-25 24 0,1 24 0,24 1-15,0-1 0,0 0-1,0 1-15,0-1 16,0-48 15,24 24-15,-24-25-16,0 1 15,0 0 1,0-1-16,0 1 16,0-1-1,0 1-15,25 24 16,-1 0 15,1 0-31,-25 24 16,24-24-16,1 25 15,23 48 1,-23-49-16,-1-24 16,1 25-16,-1-1 15,1-24 1</inkml:trace>
+  <inkml:trace contextRef="#ctx0" brushRef="#br0" timeOffset="87015">6425 880 0,'0'24'31,"0"1"-16,24-1-15,0 0 16,-24 1 0,25-1-16,-1 1 0,1-25 15,-25 24-15,24 1 0,1-1 16,-25 0-16,24 1 16,0-1-16,1 1 15,-25-1-15,0 0 16,0 1-1</inkml:trace>
+  <inkml:trace contextRef="#ctx0" brushRef="#br0" timeOffset="87459">6693 1588 0,'-24'0'0,"24"24"63,24 1-48,-24-1 17,0 25-32,0-24 0,25-1 15,-25 0-15,0 1 0,0-1 16</inkml:trace>
+  <inkml:trace contextRef="#ctx0" brushRef="#br0" timeOffset="87873">6864 1588 0,'-24'0'15,"-1"0"16,1 49-15,24-25 0,0 1-16,0-1 0,24 1 31,1 23-31,-1-48 16,1 0-16,-1 0 15,0 0 1,1-24-16,-1 0 15,-24-1-15,0 1 16,0-1-16,0 1 16,-24-1-1,-1 1 1,1 24-16,0 0 16,-1 0-16</inkml:trace>
+  <inkml:trace contextRef="#ctx0" brushRef="#br0" timeOffset="88688">6792 953 0,'-25'0'32,"25"-24"-32,0 48 62,0 0-46,0 1-1,0-1-15,0 1 16,0-1 0,25-24-16,-25 25 0,0-50 47,0 1-32,0-1 1,0 1-1,0-1-15,0 1 16,0 0 0,24 24-16,-24-25 15,0 1 1,0 48 0,25-24-1,-25 25-15,0-1 16,24-24-1,-24 24-15,25 1 0,-1-1 16,0-24-16,-24 25 16,25-25-16,-25 24 0,24-24 15</inkml:trace>
+  <inkml:trace contextRef="#ctx0" brushRef="#br0" timeOffset="89061">6889 977 0,'-25'0'16,"50"25"15,-1-1-16,0 1-15,1-1 16,-25 1-16,24-1 0,1 0 16,-1 1-16,-24 24 15,25-25-15,-1 1 0,0-1 16,-24 0-16,25 1 0,-25 24 16,24-25-16,1 0 15,-25 1-15,24-1 0,-24 1 16,25-1-1,-1 1-15,0-1 32</inkml:trace>
+  <inkml:trace contextRef="#ctx0" brushRef="#br0" timeOffset="89450">7328 1759 0,'-24'0'47,"24"24"-47,0 1 15,0-1 1,0 1-1,0-1-15,0 0 0,0 1 16,0-1 0,0 1-16,0-1 15,24-24-15,-24 25 16</inkml:trace>
+  <inkml:trace contextRef="#ctx0" brushRef="#br0" timeOffset="89706">7499 1759 0,'0'24'15,"-24"1"1,24-1-1,0 1-15,0-1 16,0 0-16,0 1 16,0-1-16,0 1 15,0-1-15,0 1 16</inkml:trace>
+  <inkml:trace contextRef="#ctx0" brushRef="#br0" timeOffset="90603">7279 806 0,'0'-24'15,"-24"24"1,24 24 31,-24-24-31,-1 0 15,1 0 0,-1 0-15,25-24-16,-24 24 31,24-24 0,-25 24 0,25 24 16,0 0 0,25-24-47,-25 25 16,0-1-1,24-24-15,-24 25 16,0-1-16,25-24 16,-25 25-16,0-1 0,0 0 15,24-24-15,-24 25 0,0-1 16,25-24 0,-25 25-16</inkml:trace>
+  <inkml:trace contextRef="#ctx0" brushRef="#br0" timeOffset="91047">7157 831 0,'-24'0'15,"48"24"17,1-24-17,-25 25-15,24-25 16,1 24-16,-1 1 0,-24-1 15,24 0-15,1 1 0,24 24 16,-25 0 0,0-25-16,1 0 0,-1 1 15,-24-1-15,25 1 16,-25-1-16,24 1 0,-24-1 16,25 0-16,-25 1 0,24-1 15,-24 1-15,24-25 16,-24 24-16,0 0 0,25-24 15,-25 25 1,24-25-16</inkml:trace>
+  <inkml:trace contextRef="#ctx0" brushRef="#br0" timeOffset="91419">7743 1661 0,'0'25'15,"0"-1"1,0 1 0,0-1-16,0 0 15,25 1-15,-25-1 0,0 1 16,24-1-16,-24 0 15,0 1-15,0-1 0,0 1 16,25-25 0,-25 24-16</inkml:trace>
+  <inkml:trace contextRef="#ctx0" brushRef="#br0" timeOffset="91796">7890 1783 0,'0'-24'15,"0"0"1,0-1 0,24 25-16,1 0 15,-1 0 1,1 0-16,-1 0 15,-24 25-15,24-1 16,-24 0-16,0 1 16,-24-1-16,24 1 15,-24-1-15,24 0 16,-25 1-16,1-1 16,24 1-16,0-1 15,0 1 1,24-25-16,1 24 15,-1-24 1,0 0-16,1 0 0,-1 0 16,1-24-16</inkml:trace>
+  <inkml:trace contextRef="#ctx0" brushRef="#br0" timeOffset="92643">7646 806 0,'-25'0'15,"1"0"1,-1 0-1,1 0 1,0 0-16,-1-24 16,1 24-16,-1 0 31,25-24-15,0 48 30,0 0-30,25-24-16,-25 25 16,24-25-16,-24 24 15,25 1-15,-25-1 16,24 1-16,-24-1 16,0 0-16,0 1 15,24-1-15,-24 1 16,25-1-16,-25 1 15</inkml:trace>
+  <inkml:trace contextRef="#ctx0" brushRef="#br0" timeOffset="93218">7548 953 0,'-24'0'16,"24"-24"-1,24 24 32,-24 24-31,24-24-1,1 24-15,-1 1 16,1-1-16,-1-24 16,1 25-16,-1-1 0,0 1 15,25-1-15,-24 0 16,24 50-1,-25-50-15,25 1 0,-25-1 0,1 0 16,-1 1-16,0-1 16,1 1-16,-1-1 0,1 25 15,-1-25-15,-24 1 16,25-1-16,-1 1 16,-24-1-16,0 0 15,24 1-15,-24-1 16,0 1-16,25-1 15,-25 1 1,0-1 0,24-24-16</inkml:trace>
+  <inkml:trace contextRef="#ctx0" brushRef="#br0" timeOffset="93669">8427 1954 0,'0'25'62,"0"-1"-46,25 1 0,-25-1-16,0 0 0,0 1 15,0-1-15,24 1 16,-24-1-1,0 1-15,0-1 32</inkml:trace>
+  <inkml:trace contextRef="#ctx0" brushRef="#br0" timeOffset="94203">8549 1906 0,'-24'0'16,"24"-25"-16,0 1 16,24 24-1,-24-25-15,25 25 16,-1-24-16,1 24 15,-1 0-15,0 0 16,1 0-16,-1 0 16,-24 24-1,0 1 1,0-1-16,-24-24 16,-1 25-1,25-1-15,-24-24 0,24 24 16,-24 1-16,24-1 31,24-24-15,0 25-16,1-25 15,-1 0 1,-24 24-16,25-24 16,-1 0-16,1 24 0,-25 1 15,24-25-15,-24 24 16,0 1-1,0-1 1,-24-24-16,-1 25 16,1-25-16,-1 0 15,1 0-15,-25 0 0,25 0 16,-25-25-16</inkml:trace>
+  <inkml:trace contextRef="#ctx0" brushRef="#br0" timeOffset="95191">8183 929 0,'0'24'47,"-24"-24"-32,-1 0 1,1 0 0,-1 0-16,1 0 15,0 0 1,48 0 46,-24 24-46,24-24-16,1 0 16,-25 25-16,24-25 15,-24 24-15,25 1 16,-25-1-16,0 1 15,0-1-15,0 0 0,24-24 16,-24 25-16,0-1 16,0 1-16,24-25 0,-24 24 15</inkml:trace>
+  <inkml:trace contextRef="#ctx0" brushRef="#br0" timeOffset="95712">8183 1100 0,'0'-25'32,"24"25"15,1 0-32,-1 25-15,1-25 0,-1 24 16,25 0-16,-25-24 0,25 25 15,0-1-15,0 1 16,-25-1-16,25 1 0,0 23 16,0-23-16,-25-1 15,1 1-15,24-1 0,-25 0 16,0 1-16,1-1 0,-1 1 16,-24-1-1,25-24-15,-25 25 16,24-25-16,-24 24 0,25-24 15,-1 0 1,-24 24-16,24-24 16</inkml:trace>
+  <inkml:trace contextRef="#ctx0" brushRef="#br0" timeOffset="96135">9160 1588 0,'-24'0'15,"24"24"32,0 1-47,0-1 16,0 1-16,24-1 15,-24 1-15,0-1 0,0 25 16,0-25-16,0 1 0,0 24 16,0-25-16,0 0 0,0 1 15,0-1 1,0 1-16</inkml:trace>
+  <inkml:trace contextRef="#ctx0" brushRef="#br0" timeOffset="96675">9355 1710 0,'0'25'16,"0"-1"15,0 0-31,0 1 16,25-1-1,-25 1-15,0-1 0,24 1 16,-24-1-16,25 0 16,-1-24-1,0 0 1,1-24 15,-25 0-15,24-1-1,-24 1-15,0-1 16,0 1 0,0-1-1,0 50 17,0-1-17,0 25-15,0-24 16,0-1-16,0 25 15,0-25-15,0 25 0,0 49 32,0-74-32,0 1 0</inkml:trace>
+  <inkml:trace contextRef="#ctx0" brushRef="#br0" timeOffset="97539">9062 904 0,'0'25'15,"-24"-25"-15,-1 0 16,25 24 0,-24-24-16,0 0 15,-1 0-15,1 0 16,-1 0-1,50 0 32,-1 24-31,1 1 0,-1-25-16,0 24 15,1 1-15,-1-1 0,1 1 16,-1-1-16,1 0 15,-1 1-15,-24-1 0,24-24 16,-24 25-16</inkml:trace>
+  <inkml:trace contextRef="#ctx0" brushRef="#br0" timeOffset="97964">9087 1075 0,'0'-24'16,"0"48"15,24-24-15,1 25-16,-1-25 0,0 24 15,1 0-15,24 1 16,0-1-16,-1 1 0,26-1 16,-26 1-16,26-1 0,-1 0 15,-24 25-15,24-24 16,0-1-16,-24 25 0,0-25 16,0 1-16,0-1 15,-25 1-15,1-25 0,-1 24 16,0-24-16,-24 24 0,0 1 31,25-25-15</inkml:trace>
+  <inkml:trace contextRef="#ctx0" brushRef="#br0" timeOffset="98355">10332 1759 0,'0'24'15,"-24"1"1,24-1-1,0 1-15,24-1 0,-24 0 16,0 1-16,0-1 16,25 1-16,-25-1 0,0 1 15,0-1-15,0 0 16,0 1-16,0-1 0,0 1 16</inkml:trace>
+  <inkml:trace contextRef="#ctx0" brushRef="#br0" timeOffset="98691">10625 1759 0,'-24'0'15,"-1"24"1,1-24-16,24 25 0,-24-1 16,-1 1-16,25-1 15,0 0-15,25 1 16,-25-1-16,24-24 16,0 25-16,1-1 15,-1 1-15,1-25 0,-1 24 16,1 0-16,-1 1 15,-24-1-15,0 1 16,-24-1 0,-1-24-1,1 0-15,-1 0 0</inkml:trace>
+  <inkml:trace contextRef="#ctx0" brushRef="#br0" timeOffset="98877">10674 1808 0,'25'-25'16,"-1"25"0,0 0-1,1 0-15,-1 0 16</inkml:trace>
+  <inkml:trace contextRef="#ctx0" brushRef="#br0" timeOffset="99622">10112 660 0,'-24'0'16,"0"0"-1,-1 0-15,1 0 16,-1 0-16,1 0 16,-1 0-16,1 0 15,0 0-15,24 24 0,-25-24 16,1 0 0,-1 0-1,25 25 1,25-25-1,-25 24 1,24-24-16,1 25 16,-1-1-1,25 25 1,-25-25-16,-24 1 0,25-1 16,-25 25-16,24-49 0,-24 24 15,25 1-15,-25-1 0,24-24 16</inkml:trace>
+  <inkml:trace contextRef="#ctx0" brushRef="#br0" timeOffset="100065">10015 782 0,'0'-24'0,"-25"24"16,50 0 15,-25 24-15,24-24-16,1 24 15,-1-24-15,0 0 16,25 25-16,-24-1 0,24 1 15,-1-1-15,1 1 16,25-1-16,-1 0 0,-24 1 16,24-1-16,-24 1 0,24-1 15,-24 1-15,0-1 16,0-24-16,-25 24 0,0 1 16,1-25-16,-1 0 15,-24 24 1</inkml:trace>
+  <inkml:trace contextRef="#ctx0" brushRef="#br0" timeOffset="100665">11163 1148 0,'0'25'47,"0"-1"-32,0 1 1,0-1-16,0 0 16,24 1-16,-24-1 0,0 1 15,0-1-15,0 25 16,24-25-16,-24 25 15,0 0 1,25-24-16,-25-1 16</inkml:trace>
+  <inkml:trace contextRef="#ctx0" brushRef="#br0" timeOffset="101097">11480 1295 0,'0'24'0,"-24"-24"0,24 25 16,-25-25-1,25 24-15,0 1 0,-24-1 16,24 0-16,0 1 16,0 24-16,0-25 15,24 1-15,-24-1 0,25 0 16,-25 1-16,24-25 16,1 24-16,-1 1 15,0-25-15,1 24 0,-1-24 16,1 0-16,-1-24 15,-24-1 1,0 1-16,0-1 16,-24 25-1,-1-24-15,1 24 16,-1 0-16,-23 0 16,23 24-16,-24-24 0</inkml:trace>
+</inkml:ink>
+</file>
+
+<file path=ppt/ink/ink161.xml><?xml version="1.0" encoding="utf-8"?>
+<inkml:ink xmlns:inkml="http://www.w3.org/2003/InkML">
+  <inkml:definitions>
+    <inkml:context xml:id="ctx0">
+      <inkml:inkSource xml:id="inkSrc0">
+        <inkml:traceFormat>
+          <inkml:channel name="X" type="integer" max="1920" units="cm"/>
+          <inkml:channel name="Y" type="integer" max="1080" units="cm"/>
+          <inkml:channel name="T" type="integer" max="2.14748E9" units="dev"/>
+        </inkml:traceFormat>
+        <inkml:channelProperties>
+          <inkml:channelProperty channel="X" name="resolution" value="55.81395" units="1/cm"/>
+          <inkml:channelProperty channel="Y" name="resolution" value="55.6701" units="1/cm"/>
+          <inkml:channelProperty channel="T" name="resolution" value="1" units="1/dev"/>
+        </inkml:channelProperties>
+      </inkml:inkSource>
+      <inkml:timestamp xml:id="ts0" timeString="2020-11-17T21:43:25.056"/>
+    </inkml:context>
+    <inkml:brush xml:id="br0">
+      <inkml:brushProperty name="width" value="0.05" units="cm"/>
+      <inkml:brushProperty name="height" value="0.05" units="cm"/>
+      <inkml:brushProperty name="fitToCurve" value="1"/>
+    </inkml:brush>
+  </inkml:definitions>
+  <inkml:trace contextRef="#ctx0" brushRef="#br0">28 389 0,'0'-25'15,"-24"25"1,24-24-1,0 48 79,0 1-94,0-1 16,0 25-16,0-25 15,0 1-15,0-1 0,0 25 16,0-25-16,24 25 0,-24-24 16,0-1-16,0 0 15,0 1-15,0-1 0,0 1 16,0-1-16,0 1 0,-24-1 16,24 0-1,24-24 16,-24-24-15</inkml:trace>
+  <inkml:trace contextRef="#ctx0" brushRef="#br0" timeOffset="725">150 389 0,'-24'0'16,"24"24"46,0 0-46,0 1-16,0-1 16,0 25-1,24-49-15,-24 25 0,0-1 16,25-24 0,-1 0-16,1 0 15,-1 0 1,1 0-16,23-24 0,-23 24 15,-1-25-15,1 25 0,48-24 32,-49 24-32,-24-25 0,25 25 15,-25-24 1,0-1 0,0 1-1,-25 0 1,25-1-1,-24 1 1,24-1-16,-24 1 16,24-1 15,0 50 0,0-1-31,24-24 16,-24 25-16,0-1 15,0 1-15,0-1 0,24 0 16,-24 25-16,0-24 0,0-1 16,25 25-16,-25-25 15,0 1-15,24-1 0,-24 25 16,0-25-16,25 1 0,-25-1 16,0 1-1,24-1-15</inkml:trace>
+  <inkml:trace contextRef="#ctx0" brushRef="#br0" timeOffset="1158">1030 218 0,'0'-25'15,"-25"50"16,25-1-15,0 0 0,0 1-16,0-1 15,0 1-15,0 24 16,0-25-16,-24 25 0,24-25 16,0 25-16,0-25 0,0 1 15,0 24-15,24-25 16,-24 1-16,0-1 0,25 0 15,-1 1-15,1-25 16,-25 24-16,24-24 16,0 0-16,1 0 0,-25-24 15,24 24-15</inkml:trace>
+  <inkml:trace contextRef="#ctx0" brushRef="#br0" timeOffset="1854">1420 364 0,'0'-24'16,"-24"24"-16,0-25 15,24 1 1,-25 24-16,25-25 0,0 1 16,0 0-1,25 24-15,-25-25 0,24 25 16,0-24-16,1 24 16,-1-25-16,25 25 15,-24 0-15,-1 0 0,0 0 16,25 0-16,-24 0 15,-1 25-15,1-25 0,-25 24 16,24 1-16,-24-1 16,0 0-16,0 1 15,-24-1-15,-1 1 16,1-1-16,-1 1 16,1-25-16,24 24 15,-25 0 1,1-24-16,48 0 47,1 0-32,-1-24-15,1 24 16,24 0-16,-25 0 16,0 0-1,25 0-15,-24 0 0,-1 24 0,1-24 0,23 25 16,-48-1-1,25-24-15,-25 25 0,0-1 16,-25-24-16,25 25 16,-24-25-16,0 24 0,-1 0 15,1-24-15,-25 25 0,24-25 16,-23 0-16,23 24 16,-24-24-16,25 0 0,-1 0 15,1 0-15,0 0 16,24-24-16</inkml:trace>
+  <inkml:trace contextRef="#ctx0" brushRef="#br0" timeOffset="2220">1958 22 0,'24'-24'16,"1"24"15,-1 0-31,1 24 0,-1-24 16,0 25-16,1-1 15,-1-24-15,25 24 0,-25 25 16,25-24-16,-24-1 0,-1 25 15,1 0-15,-1-25 16,0 25-16,1 0 0,-25 0 16,0-25-16,0 25 0,0-24 15,0 23-15,-25-23 16,25-1-16,-24 25 0,0-25 16,-1 1-16,1-1 15,-1 1-15,1-1 0,-25-24 16,25 25-16</inkml:trace>
+</inkml:ink>
+</file>
+
+<file path=ppt/ink/ink162.xml><?xml version="1.0" encoding="utf-8"?>
+<inkml:ink xmlns:inkml="http://www.w3.org/2003/InkML">
+  <inkml:definitions>
+    <inkml:context xml:id="ctx0">
+      <inkml:inkSource xml:id="inkSrc0">
+        <inkml:traceFormat>
+          <inkml:channel name="X" type="integer" max="1920" units="cm"/>
+          <inkml:channel name="Y" type="integer" max="1080" units="cm"/>
+          <inkml:channel name="T" type="integer" max="2.14748E9" units="dev"/>
+        </inkml:traceFormat>
+        <inkml:channelProperties>
+          <inkml:channelProperty channel="X" name="resolution" value="55.81395" units="1/cm"/>
+          <inkml:channelProperty channel="Y" name="resolution" value="55.6701" units="1/cm"/>
+          <inkml:channelProperty channel="T" name="resolution" value="1" units="1/dev"/>
+        </inkml:channelProperties>
+      </inkml:inkSource>
+      <inkml:timestamp xml:id="ts0" timeString="2020-11-17T21:43:31.421"/>
+    </inkml:context>
+    <inkml:brush xml:id="br0">
+      <inkml:brushProperty name="width" value="0.05" units="cm"/>
+      <inkml:brushProperty name="height" value="0.05" units="cm"/>
+      <inkml:brushProperty name="fitToCurve" value="1"/>
+    </inkml:brush>
+  </inkml:definitions>
+  <inkml:trace contextRef="#ctx0" brushRef="#br0">25 76 0,'24'0'62,"1"0"-46,-1 0 15,-24-25-31,24 25 16,1 0 0,-25-24-16,49 24 31,-25 0-16,-48 0 95,-1 0-95,1 0 1,-1 0-16,1 0 16,0 0-1,-1 0-15,1 0 16,-1 0 0,50 0 46,-1 0-46,1 0-1,-1-25-15,0 25 16,1 0 0,-1 0-16,1 0 15,-50 0 16,1 0-31</inkml:trace>
 </inkml:ink>
 </file>
 
@@ -4113,7 +5795,7 @@
           <a:p>
             <a:fld id="{3C22A475-F9F8-4DC1-BF8E-C26CC55A3E0F}" type="datetimeFigureOut">
               <a:rPr lang="en-US" smtClean="0"/>
-              <a:t>11/17/2020</a:t>
+              <a:t>11/18/2020</a:t>
             </a:fld>
             <a:endParaRPr lang="en-US"/>
           </a:p>
@@ -4311,7 +5993,7 @@
           <a:p>
             <a:fld id="{3C22A475-F9F8-4DC1-BF8E-C26CC55A3E0F}" type="datetimeFigureOut">
               <a:rPr lang="en-US" smtClean="0"/>
-              <a:t>11/17/2020</a:t>
+              <a:t>11/18/2020</a:t>
             </a:fld>
             <a:endParaRPr lang="en-US"/>
           </a:p>
@@ -4519,7 +6201,7 @@
           <a:p>
             <a:fld id="{3C22A475-F9F8-4DC1-BF8E-C26CC55A3E0F}" type="datetimeFigureOut">
               <a:rPr lang="en-US" smtClean="0"/>
-              <a:t>11/17/2020</a:t>
+              <a:t>11/18/2020</a:t>
             </a:fld>
             <a:endParaRPr lang="en-US"/>
           </a:p>
@@ -4717,7 +6399,7 @@
           <a:p>
             <a:fld id="{3C22A475-F9F8-4DC1-BF8E-C26CC55A3E0F}" type="datetimeFigureOut">
               <a:rPr lang="en-US" smtClean="0"/>
-              <a:t>11/17/2020</a:t>
+              <a:t>11/18/2020</a:t>
             </a:fld>
             <a:endParaRPr lang="en-US"/>
           </a:p>
@@ -4992,7 +6674,7 @@
           <a:p>
             <a:fld id="{3C22A475-F9F8-4DC1-BF8E-C26CC55A3E0F}" type="datetimeFigureOut">
               <a:rPr lang="en-US" smtClean="0"/>
-              <a:t>11/17/2020</a:t>
+              <a:t>11/18/2020</a:t>
             </a:fld>
             <a:endParaRPr lang="en-US"/>
           </a:p>
@@ -5257,7 +6939,7 @@
           <a:p>
             <a:fld id="{3C22A475-F9F8-4DC1-BF8E-C26CC55A3E0F}" type="datetimeFigureOut">
               <a:rPr lang="en-US" smtClean="0"/>
-              <a:t>11/17/2020</a:t>
+              <a:t>11/18/2020</a:t>
             </a:fld>
             <a:endParaRPr lang="en-US"/>
           </a:p>
@@ -5669,7 +7351,7 @@
           <a:p>
             <a:fld id="{3C22A475-F9F8-4DC1-BF8E-C26CC55A3E0F}" type="datetimeFigureOut">
               <a:rPr lang="en-US" smtClean="0"/>
-              <a:t>11/17/2020</a:t>
+              <a:t>11/18/2020</a:t>
             </a:fld>
             <a:endParaRPr lang="en-US"/>
           </a:p>
@@ -5810,7 +7492,7 @@
           <a:p>
             <a:fld id="{3C22A475-F9F8-4DC1-BF8E-C26CC55A3E0F}" type="datetimeFigureOut">
               <a:rPr lang="en-US" smtClean="0"/>
-              <a:t>11/17/2020</a:t>
+              <a:t>11/18/2020</a:t>
             </a:fld>
             <a:endParaRPr lang="en-US"/>
           </a:p>
@@ -5923,7 +7605,7 @@
           <a:p>
             <a:fld id="{3C22A475-F9F8-4DC1-BF8E-C26CC55A3E0F}" type="datetimeFigureOut">
               <a:rPr lang="en-US" smtClean="0"/>
-              <a:t>11/17/2020</a:t>
+              <a:t>11/18/2020</a:t>
             </a:fld>
             <a:endParaRPr lang="en-US"/>
           </a:p>
@@ -6234,7 +7916,7 @@
           <a:p>
             <a:fld id="{3C22A475-F9F8-4DC1-BF8E-C26CC55A3E0F}" type="datetimeFigureOut">
               <a:rPr lang="en-US" smtClean="0"/>
-              <a:t>11/17/2020</a:t>
+              <a:t>11/18/2020</a:t>
             </a:fld>
             <a:endParaRPr lang="en-US"/>
           </a:p>
@@ -6522,7 +8204,7 @@
           <a:p>
             <a:fld id="{3C22A475-F9F8-4DC1-BF8E-C26CC55A3E0F}" type="datetimeFigureOut">
               <a:rPr lang="en-US" smtClean="0"/>
-              <a:t>11/17/2020</a:t>
+              <a:t>11/18/2020</a:t>
             </a:fld>
             <a:endParaRPr lang="en-US"/>
           </a:p>
@@ -6763,7 +8445,7 @@
           <a:p>
             <a:fld id="{3C22A475-F9F8-4DC1-BF8E-C26CC55A3E0F}" type="datetimeFigureOut">
               <a:rPr lang="en-US" smtClean="0"/>
-              <a:t>11/17/2020</a:t>
+              <a:t>11/18/2020</a:t>
             </a:fld>
             <a:endParaRPr lang="en-US"/>
           </a:p>
@@ -7241,8 +8923,8 @@
           </a:p>
         </p:txBody>
       </p:sp>
-      <mc:AlternateContent xmlns:mc="http://schemas.openxmlformats.org/markup-compatibility/2006">
-        <mc:Choice xmlns:p14="http://schemas.microsoft.com/office/powerpoint/2010/main" Requires="p14">
+      <mc:AlternateContent xmlns:mc="http://schemas.openxmlformats.org/markup-compatibility/2006" xmlns:p14="http://schemas.microsoft.com/office/powerpoint/2010/main">
+        <mc:Choice Requires="p14">
           <p:contentPart p14:bwMode="auto" r:id="rId2">
             <p14:nvContentPartPr>
               <p14:cNvPr id="34" name="Ink 33">
@@ -7261,7 +8943,7 @@
             </p14:xfrm>
           </p:contentPart>
         </mc:Choice>
-        <mc:Fallback>
+        <mc:Fallback xmlns="">
           <p:pic>
             <p:nvPicPr>
               <p:cNvPr id="34" name="Ink 33">
@@ -7292,8 +8974,8 @@
           </p:pic>
         </mc:Fallback>
       </mc:AlternateContent>
-      <mc:AlternateContent xmlns:mc="http://schemas.openxmlformats.org/markup-compatibility/2006">
-        <mc:Choice xmlns:p14="http://schemas.microsoft.com/office/powerpoint/2010/main" Requires="p14">
+      <mc:AlternateContent xmlns:mc="http://schemas.openxmlformats.org/markup-compatibility/2006" xmlns:p14="http://schemas.microsoft.com/office/powerpoint/2010/main">
+        <mc:Choice Requires="p14">
           <p:contentPart p14:bwMode="auto" r:id="rId4">
             <p14:nvContentPartPr>
               <p14:cNvPr id="47" name="Ink 46">
@@ -7312,7 +8994,7 @@
             </p14:xfrm>
           </p:contentPart>
         </mc:Choice>
-        <mc:Fallback>
+        <mc:Fallback xmlns="">
           <p:pic>
             <p:nvPicPr>
               <p:cNvPr id="47" name="Ink 46">
@@ -7343,8 +9025,8 @@
           </p:pic>
         </mc:Fallback>
       </mc:AlternateContent>
-      <mc:AlternateContent xmlns:mc="http://schemas.openxmlformats.org/markup-compatibility/2006">
-        <mc:Choice xmlns:p14="http://schemas.microsoft.com/office/powerpoint/2010/main" Requires="p14">
+      <mc:AlternateContent xmlns:mc="http://schemas.openxmlformats.org/markup-compatibility/2006" xmlns:p14="http://schemas.microsoft.com/office/powerpoint/2010/main">
+        <mc:Choice Requires="p14">
           <p:contentPart p14:bwMode="auto" r:id="rId6">
             <p14:nvContentPartPr>
               <p14:cNvPr id="51" name="Ink 50">
@@ -7363,7 +9045,7 @@
             </p14:xfrm>
           </p:contentPart>
         </mc:Choice>
-        <mc:Fallback>
+        <mc:Fallback xmlns="">
           <p:pic>
             <p:nvPicPr>
               <p:cNvPr id="51" name="Ink 50">
@@ -7394,8 +9076,8 @@
           </p:pic>
         </mc:Fallback>
       </mc:AlternateContent>
-      <mc:AlternateContent xmlns:mc="http://schemas.openxmlformats.org/markup-compatibility/2006">
-        <mc:Choice xmlns:p14="http://schemas.microsoft.com/office/powerpoint/2010/main" Requires="p14">
+      <mc:AlternateContent xmlns:mc="http://schemas.openxmlformats.org/markup-compatibility/2006" xmlns:p14="http://schemas.microsoft.com/office/powerpoint/2010/main">
+        <mc:Choice Requires="p14">
           <p:contentPart p14:bwMode="auto" r:id="rId8">
             <p14:nvContentPartPr>
               <p14:cNvPr id="56" name="Ink 55">
@@ -7414,7 +9096,7 @@
             </p14:xfrm>
           </p:contentPart>
         </mc:Choice>
-        <mc:Fallback>
+        <mc:Fallback xmlns="">
           <p:pic>
             <p:nvPicPr>
               <p:cNvPr id="56" name="Ink 55">
@@ -7445,8 +9127,8 @@
           </p:pic>
         </mc:Fallback>
       </mc:AlternateContent>
-      <mc:AlternateContent xmlns:mc="http://schemas.openxmlformats.org/markup-compatibility/2006">
-        <mc:Choice xmlns:p14="http://schemas.microsoft.com/office/powerpoint/2010/main" Requires="p14">
+      <mc:AlternateContent xmlns:mc="http://schemas.openxmlformats.org/markup-compatibility/2006" xmlns:p14="http://schemas.microsoft.com/office/powerpoint/2010/main">
+        <mc:Choice Requires="p14">
           <p:contentPart p14:bwMode="auto" r:id="rId10">
             <p14:nvContentPartPr>
               <p14:cNvPr id="67" name="Ink 66">
@@ -7465,7 +9147,7 @@
             </p14:xfrm>
           </p:contentPart>
         </mc:Choice>
-        <mc:Fallback>
+        <mc:Fallback xmlns="">
           <p:pic>
             <p:nvPicPr>
               <p:cNvPr id="67" name="Ink 66">
@@ -7496,8 +9178,8 @@
           </p:pic>
         </mc:Fallback>
       </mc:AlternateContent>
-      <mc:AlternateContent xmlns:mc="http://schemas.openxmlformats.org/markup-compatibility/2006">
-        <mc:Choice xmlns:p14="http://schemas.microsoft.com/office/powerpoint/2010/main" Requires="p14">
+      <mc:AlternateContent xmlns:mc="http://schemas.openxmlformats.org/markup-compatibility/2006" xmlns:p14="http://schemas.microsoft.com/office/powerpoint/2010/main">
+        <mc:Choice Requires="p14">
           <p:contentPart p14:bwMode="auto" r:id="rId12">
             <p14:nvContentPartPr>
               <p14:cNvPr id="103" name="Ink 102">
@@ -7516,7 +9198,7 @@
             </p14:xfrm>
           </p:contentPart>
         </mc:Choice>
-        <mc:Fallback>
+        <mc:Fallback xmlns="">
           <p:pic>
             <p:nvPicPr>
               <p:cNvPr id="103" name="Ink 102">
@@ -7547,8 +9229,8 @@
           </p:pic>
         </mc:Fallback>
       </mc:AlternateContent>
-      <mc:AlternateContent xmlns:mc="http://schemas.openxmlformats.org/markup-compatibility/2006">
-        <mc:Choice xmlns:p14="http://schemas.microsoft.com/office/powerpoint/2010/main" Requires="p14">
+      <mc:AlternateContent xmlns:mc="http://schemas.openxmlformats.org/markup-compatibility/2006" xmlns:p14="http://schemas.microsoft.com/office/powerpoint/2010/main">
+        <mc:Choice Requires="p14">
           <p:contentPart p14:bwMode="auto" r:id="rId14">
             <p14:nvContentPartPr>
               <p14:cNvPr id="121" name="Ink 120">
@@ -7567,7 +9249,7 @@
             </p14:xfrm>
           </p:contentPart>
         </mc:Choice>
-        <mc:Fallback>
+        <mc:Fallback xmlns="">
           <p:pic>
             <p:nvPicPr>
               <p:cNvPr id="121" name="Ink 120">
@@ -7598,8 +9280,8 @@
           </p:pic>
         </mc:Fallback>
       </mc:AlternateContent>
-      <mc:AlternateContent xmlns:mc="http://schemas.openxmlformats.org/markup-compatibility/2006">
-        <mc:Choice xmlns:p14="http://schemas.microsoft.com/office/powerpoint/2010/main" Requires="p14">
+      <mc:AlternateContent xmlns:mc="http://schemas.openxmlformats.org/markup-compatibility/2006" xmlns:p14="http://schemas.microsoft.com/office/powerpoint/2010/main">
+        <mc:Choice Requires="p14">
           <p:contentPart p14:bwMode="auto" r:id="rId16">
             <p14:nvContentPartPr>
               <p14:cNvPr id="128" name="Ink 127">
@@ -7618,7 +9300,7 @@
             </p14:xfrm>
           </p:contentPart>
         </mc:Choice>
-        <mc:Fallback>
+        <mc:Fallback xmlns="">
           <p:pic>
             <p:nvPicPr>
               <p:cNvPr id="128" name="Ink 127">
@@ -7649,8 +9331,8 @@
           </p:pic>
         </mc:Fallback>
       </mc:AlternateContent>
-      <mc:AlternateContent xmlns:mc="http://schemas.openxmlformats.org/markup-compatibility/2006">
-        <mc:Choice xmlns:p14="http://schemas.microsoft.com/office/powerpoint/2010/main" Requires="p14">
+      <mc:AlternateContent xmlns:mc="http://schemas.openxmlformats.org/markup-compatibility/2006" xmlns:p14="http://schemas.microsoft.com/office/powerpoint/2010/main">
+        <mc:Choice Requires="p14">
           <p:contentPart p14:bwMode="auto" r:id="rId18">
             <p14:nvContentPartPr>
               <p14:cNvPr id="151" name="Ink 150">
@@ -7669,7 +9351,7 @@
             </p14:xfrm>
           </p:contentPart>
         </mc:Choice>
-        <mc:Fallback>
+        <mc:Fallback xmlns="">
           <p:pic>
             <p:nvPicPr>
               <p:cNvPr id="151" name="Ink 150">
@@ -7700,8 +9382,8 @@
           </p:pic>
         </mc:Fallback>
       </mc:AlternateContent>
-      <mc:AlternateContent xmlns:mc="http://schemas.openxmlformats.org/markup-compatibility/2006">
-        <mc:Choice xmlns:p14="http://schemas.microsoft.com/office/powerpoint/2010/main" Requires="p14">
+      <mc:AlternateContent xmlns:mc="http://schemas.openxmlformats.org/markup-compatibility/2006" xmlns:p14="http://schemas.microsoft.com/office/powerpoint/2010/main">
+        <mc:Choice Requires="p14">
           <p:contentPart p14:bwMode="auto" r:id="rId20">
             <p14:nvContentPartPr>
               <p14:cNvPr id="175" name="Ink 174">
@@ -7720,7 +9402,7 @@
             </p14:xfrm>
           </p:contentPart>
         </mc:Choice>
-        <mc:Fallback>
+        <mc:Fallback xmlns="">
           <p:pic>
             <p:nvPicPr>
               <p:cNvPr id="175" name="Ink 174">
@@ -7751,8 +9433,8 @@
           </p:pic>
         </mc:Fallback>
       </mc:AlternateContent>
-      <mc:AlternateContent xmlns:mc="http://schemas.openxmlformats.org/markup-compatibility/2006">
-        <mc:Choice xmlns:p14="http://schemas.microsoft.com/office/powerpoint/2010/main" Requires="p14">
+      <mc:AlternateContent xmlns:mc="http://schemas.openxmlformats.org/markup-compatibility/2006" xmlns:p14="http://schemas.microsoft.com/office/powerpoint/2010/main">
+        <mc:Choice Requires="p14">
           <p:contentPart p14:bwMode="auto" r:id="rId22">
             <p14:nvContentPartPr>
               <p14:cNvPr id="191" name="Ink 190">
@@ -7771,7 +9453,7 @@
             </p14:xfrm>
           </p:contentPart>
         </mc:Choice>
-        <mc:Fallback>
+        <mc:Fallback xmlns="">
           <p:pic>
             <p:nvPicPr>
               <p:cNvPr id="191" name="Ink 190">
@@ -7802,8 +9484,8 @@
           </p:pic>
         </mc:Fallback>
       </mc:AlternateContent>
-      <mc:AlternateContent xmlns:mc="http://schemas.openxmlformats.org/markup-compatibility/2006">
-        <mc:Choice xmlns:p14="http://schemas.microsoft.com/office/powerpoint/2010/main" Requires="p14">
+      <mc:AlternateContent xmlns:mc="http://schemas.openxmlformats.org/markup-compatibility/2006" xmlns:p14="http://schemas.microsoft.com/office/powerpoint/2010/main">
+        <mc:Choice Requires="p14">
           <p:contentPart p14:bwMode="auto" r:id="rId24">
             <p14:nvContentPartPr>
               <p14:cNvPr id="192" name="Ink 191">
@@ -7822,7 +9504,7 @@
             </p14:xfrm>
           </p:contentPart>
         </mc:Choice>
-        <mc:Fallback>
+        <mc:Fallback xmlns="">
           <p:pic>
             <p:nvPicPr>
               <p:cNvPr id="192" name="Ink 191">
@@ -7853,8 +9535,8 @@
           </p:pic>
         </mc:Fallback>
       </mc:AlternateContent>
-      <mc:AlternateContent xmlns:mc="http://schemas.openxmlformats.org/markup-compatibility/2006">
-        <mc:Choice xmlns:p14="http://schemas.microsoft.com/office/powerpoint/2010/main" Requires="p14">
+      <mc:AlternateContent xmlns:mc="http://schemas.openxmlformats.org/markup-compatibility/2006" xmlns:p14="http://schemas.microsoft.com/office/powerpoint/2010/main">
+        <mc:Choice Requires="p14">
           <p:contentPart p14:bwMode="auto" r:id="rId26">
             <p14:nvContentPartPr>
               <p14:cNvPr id="201" name="Ink 200">
@@ -7873,7 +9555,7 @@
             </p14:xfrm>
           </p:contentPart>
         </mc:Choice>
-        <mc:Fallback>
+        <mc:Fallback xmlns="">
           <p:pic>
             <p:nvPicPr>
               <p:cNvPr id="201" name="Ink 200">
@@ -7904,8 +9586,8 @@
           </p:pic>
         </mc:Fallback>
       </mc:AlternateContent>
-      <mc:AlternateContent xmlns:mc="http://schemas.openxmlformats.org/markup-compatibility/2006">
-        <mc:Choice xmlns:p14="http://schemas.microsoft.com/office/powerpoint/2010/main" Requires="p14">
+      <mc:AlternateContent xmlns:mc="http://schemas.openxmlformats.org/markup-compatibility/2006" xmlns:p14="http://schemas.microsoft.com/office/powerpoint/2010/main">
+        <mc:Choice Requires="p14">
           <p:contentPart p14:bwMode="auto" r:id="rId28">
             <p14:nvContentPartPr>
               <p14:cNvPr id="232" name="Ink 231">
@@ -7924,7 +9606,7 @@
             </p14:xfrm>
           </p:contentPart>
         </mc:Choice>
-        <mc:Fallback>
+        <mc:Fallback xmlns="">
           <p:pic>
             <p:nvPicPr>
               <p:cNvPr id="232" name="Ink 231">
@@ -7955,8 +9637,8 @@
           </p:pic>
         </mc:Fallback>
       </mc:AlternateContent>
-      <mc:AlternateContent xmlns:mc="http://schemas.openxmlformats.org/markup-compatibility/2006">
-        <mc:Choice xmlns:p14="http://schemas.microsoft.com/office/powerpoint/2010/main" Requires="p14">
+      <mc:AlternateContent xmlns:mc="http://schemas.openxmlformats.org/markup-compatibility/2006" xmlns:p14="http://schemas.microsoft.com/office/powerpoint/2010/main">
+        <mc:Choice Requires="p14">
           <p:contentPart p14:bwMode="auto" r:id="rId30">
             <p14:nvContentPartPr>
               <p14:cNvPr id="236" name="Ink 235">
@@ -7975,7 +9657,7 @@
             </p14:xfrm>
           </p:contentPart>
         </mc:Choice>
-        <mc:Fallback>
+        <mc:Fallback xmlns="">
           <p:pic>
             <p:nvPicPr>
               <p:cNvPr id="236" name="Ink 235">
@@ -8006,8 +9688,8 @@
           </p:pic>
         </mc:Fallback>
       </mc:AlternateContent>
-      <mc:AlternateContent xmlns:mc="http://schemas.openxmlformats.org/markup-compatibility/2006">
-        <mc:Choice xmlns:p14="http://schemas.microsoft.com/office/powerpoint/2010/main" Requires="p14">
+      <mc:AlternateContent xmlns:mc="http://schemas.openxmlformats.org/markup-compatibility/2006" xmlns:p14="http://schemas.microsoft.com/office/powerpoint/2010/main">
+        <mc:Choice Requires="p14">
           <p:contentPart p14:bwMode="auto" r:id="rId32">
             <p14:nvContentPartPr>
               <p14:cNvPr id="250" name="Ink 249">
@@ -8026,7 +9708,7 @@
             </p14:xfrm>
           </p:contentPart>
         </mc:Choice>
-        <mc:Fallback>
+        <mc:Fallback xmlns="">
           <p:pic>
             <p:nvPicPr>
               <p:cNvPr id="250" name="Ink 249">
@@ -8057,8 +9739,8 @@
           </p:pic>
         </mc:Fallback>
       </mc:AlternateContent>
-      <mc:AlternateContent xmlns:mc="http://schemas.openxmlformats.org/markup-compatibility/2006">
-        <mc:Choice xmlns:p14="http://schemas.microsoft.com/office/powerpoint/2010/main" Requires="p14">
+      <mc:AlternateContent xmlns:mc="http://schemas.openxmlformats.org/markup-compatibility/2006" xmlns:p14="http://schemas.microsoft.com/office/powerpoint/2010/main">
+        <mc:Choice Requires="p14">
           <p:contentPart p14:bwMode="auto" r:id="rId34">
             <p14:nvContentPartPr>
               <p14:cNvPr id="257" name="Ink 256">
@@ -8077,7 +9759,7 @@
             </p14:xfrm>
           </p:contentPart>
         </mc:Choice>
-        <mc:Fallback>
+        <mc:Fallback xmlns="">
           <p:pic>
             <p:nvPicPr>
               <p:cNvPr id="257" name="Ink 256">
@@ -8108,8 +9790,8 @@
           </p:pic>
         </mc:Fallback>
       </mc:AlternateContent>
-      <mc:AlternateContent xmlns:mc="http://schemas.openxmlformats.org/markup-compatibility/2006">
-        <mc:Choice xmlns:p14="http://schemas.microsoft.com/office/powerpoint/2010/main" Requires="p14">
+      <mc:AlternateContent xmlns:mc="http://schemas.openxmlformats.org/markup-compatibility/2006" xmlns:p14="http://schemas.microsoft.com/office/powerpoint/2010/main">
+        <mc:Choice Requires="p14">
           <p:contentPart p14:bwMode="auto" r:id="rId36">
             <p14:nvContentPartPr>
               <p14:cNvPr id="267" name="Ink 266">
@@ -8128,7 +9810,7 @@
             </p14:xfrm>
           </p:contentPart>
         </mc:Choice>
-        <mc:Fallback>
+        <mc:Fallback xmlns="">
           <p:pic>
             <p:nvPicPr>
               <p:cNvPr id="267" name="Ink 266">
@@ -8159,8 +9841,8 @@
           </p:pic>
         </mc:Fallback>
       </mc:AlternateContent>
-      <mc:AlternateContent xmlns:mc="http://schemas.openxmlformats.org/markup-compatibility/2006">
-        <mc:Choice xmlns:p14="http://schemas.microsoft.com/office/powerpoint/2010/main" Requires="p14">
+      <mc:AlternateContent xmlns:mc="http://schemas.openxmlformats.org/markup-compatibility/2006" xmlns:p14="http://schemas.microsoft.com/office/powerpoint/2010/main">
+        <mc:Choice Requires="p14">
           <p:contentPart p14:bwMode="auto" r:id="rId38">
             <p14:nvContentPartPr>
               <p14:cNvPr id="268" name="Ink 267">
@@ -8179,7 +9861,7 @@
             </p14:xfrm>
           </p:contentPart>
         </mc:Choice>
-        <mc:Fallback>
+        <mc:Fallback xmlns="">
           <p:pic>
             <p:nvPicPr>
               <p:cNvPr id="268" name="Ink 267">
@@ -8210,8 +9892,8 @@
           </p:pic>
         </mc:Fallback>
       </mc:AlternateContent>
-      <mc:AlternateContent xmlns:mc="http://schemas.openxmlformats.org/markup-compatibility/2006">
-        <mc:Choice xmlns:p14="http://schemas.microsoft.com/office/powerpoint/2010/main" Requires="p14">
+      <mc:AlternateContent xmlns:mc="http://schemas.openxmlformats.org/markup-compatibility/2006" xmlns:p14="http://schemas.microsoft.com/office/powerpoint/2010/main">
+        <mc:Choice Requires="p14">
           <p:contentPart p14:bwMode="auto" r:id="rId40">
             <p14:nvContentPartPr>
               <p14:cNvPr id="304" name="Ink 303">
@@ -8230,7 +9912,7 @@
             </p14:xfrm>
           </p:contentPart>
         </mc:Choice>
-        <mc:Fallback>
+        <mc:Fallback xmlns="">
           <p:pic>
             <p:nvPicPr>
               <p:cNvPr id="304" name="Ink 303">
@@ -8261,8 +9943,8 @@
           </p:pic>
         </mc:Fallback>
       </mc:AlternateContent>
-      <mc:AlternateContent xmlns:mc="http://schemas.openxmlformats.org/markup-compatibility/2006">
-        <mc:Choice xmlns:p14="http://schemas.microsoft.com/office/powerpoint/2010/main" Requires="p14">
+      <mc:AlternateContent xmlns:mc="http://schemas.openxmlformats.org/markup-compatibility/2006" xmlns:p14="http://schemas.microsoft.com/office/powerpoint/2010/main">
+        <mc:Choice Requires="p14">
           <p:contentPart p14:bwMode="auto" r:id="rId42">
             <p14:nvContentPartPr>
               <p14:cNvPr id="358" name="Ink 357">
@@ -8281,7 +9963,7 @@
             </p14:xfrm>
           </p:contentPart>
         </mc:Choice>
-        <mc:Fallback>
+        <mc:Fallback xmlns="">
           <p:pic>
             <p:nvPicPr>
               <p:cNvPr id="358" name="Ink 357">
@@ -8312,8 +9994,8 @@
           </p:pic>
         </mc:Fallback>
       </mc:AlternateContent>
-      <mc:AlternateContent xmlns:mc="http://schemas.openxmlformats.org/markup-compatibility/2006">
-        <mc:Choice xmlns:p14="http://schemas.microsoft.com/office/powerpoint/2010/main" Requires="p14">
+      <mc:AlternateContent xmlns:mc="http://schemas.openxmlformats.org/markup-compatibility/2006" xmlns:p14="http://schemas.microsoft.com/office/powerpoint/2010/main">
+        <mc:Choice Requires="p14">
           <p:contentPart p14:bwMode="auto" r:id="rId44">
             <p14:nvContentPartPr>
               <p14:cNvPr id="362" name="Ink 361">
@@ -8332,7 +10014,7 @@
             </p14:xfrm>
           </p:contentPart>
         </mc:Choice>
-        <mc:Fallback>
+        <mc:Fallback xmlns="">
           <p:pic>
             <p:nvPicPr>
               <p:cNvPr id="362" name="Ink 361">
@@ -8363,8 +10045,8 @@
           </p:pic>
         </mc:Fallback>
       </mc:AlternateContent>
-      <mc:AlternateContent xmlns:mc="http://schemas.openxmlformats.org/markup-compatibility/2006">
-        <mc:Choice xmlns:p14="http://schemas.microsoft.com/office/powerpoint/2010/main" Requires="p14">
+      <mc:AlternateContent xmlns:mc="http://schemas.openxmlformats.org/markup-compatibility/2006" xmlns:p14="http://schemas.microsoft.com/office/powerpoint/2010/main">
+        <mc:Choice Requires="p14">
           <p:contentPart p14:bwMode="auto" r:id="rId46">
             <p14:nvContentPartPr>
               <p14:cNvPr id="366" name="Ink 365">
@@ -8383,7 +10065,7 @@
             </p14:xfrm>
           </p:contentPart>
         </mc:Choice>
-        <mc:Fallback>
+        <mc:Fallback xmlns="">
           <p:pic>
             <p:nvPicPr>
               <p:cNvPr id="366" name="Ink 365">
@@ -8444,8 +10126,8 @@
           <a:chExt cx="0" cy="0"/>
         </a:xfrm>
       </p:grpSpPr>
-      <mc:AlternateContent xmlns:mc="http://schemas.openxmlformats.org/markup-compatibility/2006">
-        <mc:Choice xmlns:p14="http://schemas.microsoft.com/office/powerpoint/2010/main" Requires="p14">
+      <mc:AlternateContent xmlns:mc="http://schemas.openxmlformats.org/markup-compatibility/2006" xmlns:p14="http://schemas.microsoft.com/office/powerpoint/2010/main">
+        <mc:Choice Requires="p14">
           <p:contentPart p14:bwMode="auto" r:id="rId2">
             <p14:nvContentPartPr>
               <p14:cNvPr id="14" name="Ink 13">
@@ -8464,7 +10146,7 @@
             </p14:xfrm>
           </p:contentPart>
         </mc:Choice>
-        <mc:Fallback>
+        <mc:Fallback xmlns="">
           <p:pic>
             <p:nvPicPr>
               <p:cNvPr id="14" name="Ink 13">
@@ -8495,8 +10177,8 @@
           </p:pic>
         </mc:Fallback>
       </mc:AlternateContent>
-      <mc:AlternateContent xmlns:mc="http://schemas.openxmlformats.org/markup-compatibility/2006">
-        <mc:Choice xmlns:p14="http://schemas.microsoft.com/office/powerpoint/2010/main" Requires="p14">
+      <mc:AlternateContent xmlns:mc="http://schemas.openxmlformats.org/markup-compatibility/2006" xmlns:p14="http://schemas.microsoft.com/office/powerpoint/2010/main">
+        <mc:Choice Requires="p14">
           <p:contentPart p14:bwMode="auto" r:id="rId4">
             <p14:nvContentPartPr>
               <p14:cNvPr id="24" name="Ink 23">
@@ -8515,7 +10197,7 @@
             </p14:xfrm>
           </p:contentPart>
         </mc:Choice>
-        <mc:Fallback>
+        <mc:Fallback xmlns="">
           <p:pic>
             <p:nvPicPr>
               <p:cNvPr id="24" name="Ink 23">
@@ -8546,8 +10228,8 @@
           </p:pic>
         </mc:Fallback>
       </mc:AlternateContent>
-      <mc:AlternateContent xmlns:mc="http://schemas.openxmlformats.org/markup-compatibility/2006">
-        <mc:Choice xmlns:p14="http://schemas.microsoft.com/office/powerpoint/2010/main" Requires="p14">
+      <mc:AlternateContent xmlns:mc="http://schemas.openxmlformats.org/markup-compatibility/2006" xmlns:p14="http://schemas.microsoft.com/office/powerpoint/2010/main">
+        <mc:Choice Requires="p14">
           <p:contentPart p14:bwMode="auto" r:id="rId6">
             <p14:nvContentPartPr>
               <p14:cNvPr id="29" name="Ink 28">
@@ -8566,7 +10248,7 @@
             </p14:xfrm>
           </p:contentPart>
         </mc:Choice>
-        <mc:Fallback>
+        <mc:Fallback xmlns="">
           <p:pic>
             <p:nvPicPr>
               <p:cNvPr id="29" name="Ink 28">
@@ -8597,8 +10279,8 @@
           </p:pic>
         </mc:Fallback>
       </mc:AlternateContent>
-      <mc:AlternateContent xmlns:mc="http://schemas.openxmlformats.org/markup-compatibility/2006">
-        <mc:Choice xmlns:p14="http://schemas.microsoft.com/office/powerpoint/2010/main" Requires="p14">
+      <mc:AlternateContent xmlns:mc="http://schemas.openxmlformats.org/markup-compatibility/2006" xmlns:p14="http://schemas.microsoft.com/office/powerpoint/2010/main">
+        <mc:Choice Requires="p14">
           <p:contentPart p14:bwMode="auto" r:id="rId8">
             <p14:nvContentPartPr>
               <p14:cNvPr id="32" name="Ink 31">
@@ -8617,7 +10299,7 @@
             </p14:xfrm>
           </p:contentPart>
         </mc:Choice>
-        <mc:Fallback>
+        <mc:Fallback xmlns="">
           <p:pic>
             <p:nvPicPr>
               <p:cNvPr id="32" name="Ink 31">
@@ -8648,8 +10330,8 @@
           </p:pic>
         </mc:Fallback>
       </mc:AlternateContent>
-      <mc:AlternateContent xmlns:mc="http://schemas.openxmlformats.org/markup-compatibility/2006">
-        <mc:Choice xmlns:p14="http://schemas.microsoft.com/office/powerpoint/2010/main" Requires="p14">
+      <mc:AlternateContent xmlns:mc="http://schemas.openxmlformats.org/markup-compatibility/2006" xmlns:p14="http://schemas.microsoft.com/office/powerpoint/2010/main">
+        <mc:Choice Requires="p14">
           <p:contentPart p14:bwMode="auto" r:id="rId10">
             <p14:nvContentPartPr>
               <p14:cNvPr id="38" name="Ink 37">
@@ -8668,7 +10350,7 @@
             </p14:xfrm>
           </p:contentPart>
         </mc:Choice>
-        <mc:Fallback>
+        <mc:Fallback xmlns="">
           <p:pic>
             <p:nvPicPr>
               <p:cNvPr id="38" name="Ink 37">
@@ -8699,8 +10381,8 @@
           </p:pic>
         </mc:Fallback>
       </mc:AlternateContent>
-      <mc:AlternateContent xmlns:mc="http://schemas.openxmlformats.org/markup-compatibility/2006">
-        <mc:Choice xmlns:p14="http://schemas.microsoft.com/office/powerpoint/2010/main" Requires="p14">
+      <mc:AlternateContent xmlns:mc="http://schemas.openxmlformats.org/markup-compatibility/2006" xmlns:p14="http://schemas.microsoft.com/office/powerpoint/2010/main">
+        <mc:Choice Requires="p14">
           <p:contentPart p14:bwMode="auto" r:id="rId12">
             <p14:nvContentPartPr>
               <p14:cNvPr id="44" name="Ink 43">
@@ -8719,7 +10401,7 @@
             </p14:xfrm>
           </p:contentPart>
         </mc:Choice>
-        <mc:Fallback>
+        <mc:Fallback xmlns="">
           <p:pic>
             <p:nvPicPr>
               <p:cNvPr id="44" name="Ink 43">
@@ -8750,8 +10432,8 @@
           </p:pic>
         </mc:Fallback>
       </mc:AlternateContent>
-      <mc:AlternateContent xmlns:mc="http://schemas.openxmlformats.org/markup-compatibility/2006">
-        <mc:Choice xmlns:p14="http://schemas.microsoft.com/office/powerpoint/2010/main" Requires="p14">
+      <mc:AlternateContent xmlns:mc="http://schemas.openxmlformats.org/markup-compatibility/2006" xmlns:p14="http://schemas.microsoft.com/office/powerpoint/2010/main">
+        <mc:Choice Requires="p14">
           <p:contentPart p14:bwMode="auto" r:id="rId14">
             <p14:nvContentPartPr>
               <p14:cNvPr id="67" name="Ink 66">
@@ -8770,7 +10452,7 @@
             </p14:xfrm>
           </p:contentPart>
         </mc:Choice>
-        <mc:Fallback>
+        <mc:Fallback xmlns="">
           <p:pic>
             <p:nvPicPr>
               <p:cNvPr id="67" name="Ink 66">
@@ -8801,8 +10483,8 @@
           </p:pic>
         </mc:Fallback>
       </mc:AlternateContent>
-      <mc:AlternateContent xmlns:mc="http://schemas.openxmlformats.org/markup-compatibility/2006">
-        <mc:Choice xmlns:p14="http://schemas.microsoft.com/office/powerpoint/2010/main" Requires="p14">
+      <mc:AlternateContent xmlns:mc="http://schemas.openxmlformats.org/markup-compatibility/2006" xmlns:p14="http://schemas.microsoft.com/office/powerpoint/2010/main">
+        <mc:Choice Requires="p14">
           <p:contentPart p14:bwMode="auto" r:id="rId16">
             <p14:nvContentPartPr>
               <p14:cNvPr id="76" name="Ink 75">
@@ -8821,7 +10503,7 @@
             </p14:xfrm>
           </p:contentPart>
         </mc:Choice>
-        <mc:Fallback>
+        <mc:Fallback xmlns="">
           <p:pic>
             <p:nvPicPr>
               <p:cNvPr id="76" name="Ink 75">
@@ -8852,8 +10534,8 @@
           </p:pic>
         </mc:Fallback>
       </mc:AlternateContent>
-      <mc:AlternateContent xmlns:mc="http://schemas.openxmlformats.org/markup-compatibility/2006">
-        <mc:Choice xmlns:p14="http://schemas.microsoft.com/office/powerpoint/2010/main" Requires="p14">
+      <mc:AlternateContent xmlns:mc="http://schemas.openxmlformats.org/markup-compatibility/2006" xmlns:p14="http://schemas.microsoft.com/office/powerpoint/2010/main">
+        <mc:Choice Requires="p14">
           <p:contentPart p14:bwMode="auto" r:id="rId18">
             <p14:nvContentPartPr>
               <p14:cNvPr id="77" name="Ink 76">
@@ -8872,7 +10554,7 @@
             </p14:xfrm>
           </p:contentPart>
         </mc:Choice>
-        <mc:Fallback>
+        <mc:Fallback xmlns="">
           <p:pic>
             <p:nvPicPr>
               <p:cNvPr id="77" name="Ink 76">
@@ -8903,8 +10585,8 @@
           </p:pic>
         </mc:Fallback>
       </mc:AlternateContent>
-      <mc:AlternateContent xmlns:mc="http://schemas.openxmlformats.org/markup-compatibility/2006">
-        <mc:Choice xmlns:p14="http://schemas.microsoft.com/office/powerpoint/2010/main" Requires="p14">
+      <mc:AlternateContent xmlns:mc="http://schemas.openxmlformats.org/markup-compatibility/2006" xmlns:p14="http://schemas.microsoft.com/office/powerpoint/2010/main">
+        <mc:Choice Requires="p14">
           <p:contentPart p14:bwMode="auto" r:id="rId20">
             <p14:nvContentPartPr>
               <p14:cNvPr id="87" name="Ink 86">
@@ -8923,7 +10605,7 @@
             </p14:xfrm>
           </p:contentPart>
         </mc:Choice>
-        <mc:Fallback>
+        <mc:Fallback xmlns="">
           <p:pic>
             <p:nvPicPr>
               <p:cNvPr id="87" name="Ink 86">
@@ -8954,8 +10636,8 @@
           </p:pic>
         </mc:Fallback>
       </mc:AlternateContent>
-      <mc:AlternateContent xmlns:mc="http://schemas.openxmlformats.org/markup-compatibility/2006">
-        <mc:Choice xmlns:p14="http://schemas.microsoft.com/office/powerpoint/2010/main" Requires="p14">
+      <mc:AlternateContent xmlns:mc="http://schemas.openxmlformats.org/markup-compatibility/2006" xmlns:p14="http://schemas.microsoft.com/office/powerpoint/2010/main">
+        <mc:Choice Requires="p14">
           <p:contentPart p14:bwMode="auto" r:id="rId22">
             <p14:nvContentPartPr>
               <p14:cNvPr id="88" name="Ink 87">
@@ -8974,7 +10656,7 @@
             </p14:xfrm>
           </p:contentPart>
         </mc:Choice>
-        <mc:Fallback>
+        <mc:Fallback xmlns="">
           <p:pic>
             <p:nvPicPr>
               <p:cNvPr id="88" name="Ink 87">
@@ -9005,8 +10687,8 @@
           </p:pic>
         </mc:Fallback>
       </mc:AlternateContent>
-      <mc:AlternateContent xmlns:mc="http://schemas.openxmlformats.org/markup-compatibility/2006">
-        <mc:Choice xmlns:p14="http://schemas.microsoft.com/office/powerpoint/2010/main" Requires="p14">
+      <mc:AlternateContent xmlns:mc="http://schemas.openxmlformats.org/markup-compatibility/2006" xmlns:p14="http://schemas.microsoft.com/office/powerpoint/2010/main">
+        <mc:Choice Requires="p14">
           <p:contentPart p14:bwMode="auto" r:id="rId24">
             <p14:nvContentPartPr>
               <p14:cNvPr id="91" name="Ink 90">
@@ -9025,7 +10707,7 @@
             </p14:xfrm>
           </p:contentPart>
         </mc:Choice>
-        <mc:Fallback>
+        <mc:Fallback xmlns="">
           <p:pic>
             <p:nvPicPr>
               <p:cNvPr id="91" name="Ink 90">
@@ -9056,8 +10738,8 @@
           </p:pic>
         </mc:Fallback>
       </mc:AlternateContent>
-      <mc:AlternateContent xmlns:mc="http://schemas.openxmlformats.org/markup-compatibility/2006">
-        <mc:Choice xmlns:p14="http://schemas.microsoft.com/office/powerpoint/2010/main" Requires="p14">
+      <mc:AlternateContent xmlns:mc="http://schemas.openxmlformats.org/markup-compatibility/2006" xmlns:p14="http://schemas.microsoft.com/office/powerpoint/2010/main">
+        <mc:Choice Requires="p14">
           <p:contentPart p14:bwMode="auto" r:id="rId26">
             <p14:nvContentPartPr>
               <p14:cNvPr id="94" name="Ink 93">
@@ -9076,7 +10758,7 @@
             </p14:xfrm>
           </p:contentPart>
         </mc:Choice>
-        <mc:Fallback>
+        <mc:Fallback xmlns="">
           <p:pic>
             <p:nvPicPr>
               <p:cNvPr id="94" name="Ink 93">
@@ -9107,8 +10789,8 @@
           </p:pic>
         </mc:Fallback>
       </mc:AlternateContent>
-      <mc:AlternateContent xmlns:mc="http://schemas.openxmlformats.org/markup-compatibility/2006">
-        <mc:Choice xmlns:p14="http://schemas.microsoft.com/office/powerpoint/2010/main" Requires="p14">
+      <mc:AlternateContent xmlns:mc="http://schemas.openxmlformats.org/markup-compatibility/2006" xmlns:p14="http://schemas.microsoft.com/office/powerpoint/2010/main">
+        <mc:Choice Requires="p14">
           <p:contentPart p14:bwMode="auto" r:id="rId28">
             <p14:nvContentPartPr>
               <p14:cNvPr id="97" name="Ink 96">
@@ -9127,7 +10809,7 @@
             </p14:xfrm>
           </p:contentPart>
         </mc:Choice>
-        <mc:Fallback>
+        <mc:Fallback xmlns="">
           <p:pic>
             <p:nvPicPr>
               <p:cNvPr id="97" name="Ink 96">
@@ -9158,8 +10840,8 @@
           </p:pic>
         </mc:Fallback>
       </mc:AlternateContent>
-      <mc:AlternateContent xmlns:mc="http://schemas.openxmlformats.org/markup-compatibility/2006">
-        <mc:Choice xmlns:p14="http://schemas.microsoft.com/office/powerpoint/2010/main" Requires="p14">
+      <mc:AlternateContent xmlns:mc="http://schemas.openxmlformats.org/markup-compatibility/2006" xmlns:p14="http://schemas.microsoft.com/office/powerpoint/2010/main">
+        <mc:Choice Requires="p14">
           <p:contentPart p14:bwMode="auto" r:id="rId30">
             <p14:nvContentPartPr>
               <p14:cNvPr id="100" name="Ink 99">
@@ -9178,7 +10860,7 @@
             </p14:xfrm>
           </p:contentPart>
         </mc:Choice>
-        <mc:Fallback>
+        <mc:Fallback xmlns="">
           <p:pic>
             <p:nvPicPr>
               <p:cNvPr id="100" name="Ink 99">
@@ -9209,8 +10891,8 @@
           </p:pic>
         </mc:Fallback>
       </mc:AlternateContent>
-      <mc:AlternateContent xmlns:mc="http://schemas.openxmlformats.org/markup-compatibility/2006">
-        <mc:Choice xmlns:p14="http://schemas.microsoft.com/office/powerpoint/2010/main" Requires="p14">
+      <mc:AlternateContent xmlns:mc="http://schemas.openxmlformats.org/markup-compatibility/2006" xmlns:p14="http://schemas.microsoft.com/office/powerpoint/2010/main">
+        <mc:Choice Requires="p14">
           <p:contentPart p14:bwMode="auto" r:id="rId32">
             <p14:nvContentPartPr>
               <p14:cNvPr id="112" name="Ink 111">
@@ -9229,7 +10911,7 @@
             </p14:xfrm>
           </p:contentPart>
         </mc:Choice>
-        <mc:Fallback>
+        <mc:Fallback xmlns="">
           <p:pic>
             <p:nvPicPr>
               <p:cNvPr id="112" name="Ink 111">
@@ -9260,8 +10942,8 @@
           </p:pic>
         </mc:Fallback>
       </mc:AlternateContent>
-      <mc:AlternateContent xmlns:mc="http://schemas.openxmlformats.org/markup-compatibility/2006">
-        <mc:Choice xmlns:p14="http://schemas.microsoft.com/office/powerpoint/2010/main" Requires="p14">
+      <mc:AlternateContent xmlns:mc="http://schemas.openxmlformats.org/markup-compatibility/2006" xmlns:p14="http://schemas.microsoft.com/office/powerpoint/2010/main">
+        <mc:Choice Requires="p14">
           <p:contentPart p14:bwMode="auto" r:id="rId34">
             <p14:nvContentPartPr>
               <p14:cNvPr id="117" name="Ink 116">
@@ -9280,7 +10962,7 @@
             </p14:xfrm>
           </p:contentPart>
         </mc:Choice>
-        <mc:Fallback>
+        <mc:Fallback xmlns="">
           <p:pic>
             <p:nvPicPr>
               <p:cNvPr id="117" name="Ink 116">
@@ -9311,8 +10993,8 @@
           </p:pic>
         </mc:Fallback>
       </mc:AlternateContent>
-      <mc:AlternateContent xmlns:mc="http://schemas.openxmlformats.org/markup-compatibility/2006">
-        <mc:Choice xmlns:p14="http://schemas.microsoft.com/office/powerpoint/2010/main" Requires="p14">
+      <mc:AlternateContent xmlns:mc="http://schemas.openxmlformats.org/markup-compatibility/2006" xmlns:p14="http://schemas.microsoft.com/office/powerpoint/2010/main">
+        <mc:Choice Requires="p14">
           <p:contentPart p14:bwMode="auto" r:id="rId36">
             <p14:nvContentPartPr>
               <p14:cNvPr id="133" name="Ink 132">
@@ -9331,7 +11013,7 @@
             </p14:xfrm>
           </p:contentPart>
         </mc:Choice>
-        <mc:Fallback>
+        <mc:Fallback xmlns="">
           <p:pic>
             <p:nvPicPr>
               <p:cNvPr id="133" name="Ink 132">
@@ -9362,8 +11044,8 @@
           </p:pic>
         </mc:Fallback>
       </mc:AlternateContent>
-      <mc:AlternateContent xmlns:mc="http://schemas.openxmlformats.org/markup-compatibility/2006">
-        <mc:Choice xmlns:p14="http://schemas.microsoft.com/office/powerpoint/2010/main" Requires="p14">
+      <mc:AlternateContent xmlns:mc="http://schemas.openxmlformats.org/markup-compatibility/2006" xmlns:p14="http://schemas.microsoft.com/office/powerpoint/2010/main">
+        <mc:Choice Requires="p14">
           <p:contentPart p14:bwMode="auto" r:id="rId38">
             <p14:nvContentPartPr>
               <p14:cNvPr id="134" name="Ink 133">
@@ -9382,7 +11064,7 @@
             </p14:xfrm>
           </p:contentPart>
         </mc:Choice>
-        <mc:Fallback>
+        <mc:Fallback xmlns="">
           <p:pic>
             <p:nvPicPr>
               <p:cNvPr id="134" name="Ink 133">
@@ -9413,8 +11095,8 @@
           </p:pic>
         </mc:Fallback>
       </mc:AlternateContent>
-      <mc:AlternateContent xmlns:mc="http://schemas.openxmlformats.org/markup-compatibility/2006">
-        <mc:Choice xmlns:p14="http://schemas.microsoft.com/office/powerpoint/2010/main" Requires="p14">
+      <mc:AlternateContent xmlns:mc="http://schemas.openxmlformats.org/markup-compatibility/2006" xmlns:p14="http://schemas.microsoft.com/office/powerpoint/2010/main">
+        <mc:Choice Requires="p14">
           <p:contentPart p14:bwMode="auto" r:id="rId40">
             <p14:nvContentPartPr>
               <p14:cNvPr id="135" name="Ink 134">
@@ -9433,7 +11115,7 @@
             </p14:xfrm>
           </p:contentPart>
         </mc:Choice>
-        <mc:Fallback>
+        <mc:Fallback xmlns="">
           <p:pic>
             <p:nvPicPr>
               <p:cNvPr id="135" name="Ink 134">
@@ -9464,8 +11146,8 @@
           </p:pic>
         </mc:Fallback>
       </mc:AlternateContent>
-      <mc:AlternateContent xmlns:mc="http://schemas.openxmlformats.org/markup-compatibility/2006">
-        <mc:Choice xmlns:p14="http://schemas.microsoft.com/office/powerpoint/2010/main" Requires="p14">
+      <mc:AlternateContent xmlns:mc="http://schemas.openxmlformats.org/markup-compatibility/2006" xmlns:p14="http://schemas.microsoft.com/office/powerpoint/2010/main">
+        <mc:Choice Requires="p14">
           <p:contentPart p14:bwMode="auto" r:id="rId42">
             <p14:nvContentPartPr>
               <p14:cNvPr id="142" name="Ink 141">
@@ -9484,7 +11166,7 @@
             </p14:xfrm>
           </p:contentPart>
         </mc:Choice>
-        <mc:Fallback>
+        <mc:Fallback xmlns="">
           <p:pic>
             <p:nvPicPr>
               <p:cNvPr id="142" name="Ink 141">
@@ -9515,8 +11197,8 @@
           </p:pic>
         </mc:Fallback>
       </mc:AlternateContent>
-      <mc:AlternateContent xmlns:mc="http://schemas.openxmlformats.org/markup-compatibility/2006">
-        <mc:Choice xmlns:p14="http://schemas.microsoft.com/office/powerpoint/2010/main" Requires="p14">
+      <mc:AlternateContent xmlns:mc="http://schemas.openxmlformats.org/markup-compatibility/2006" xmlns:p14="http://schemas.microsoft.com/office/powerpoint/2010/main">
+        <mc:Choice Requires="p14">
           <p:contentPart p14:bwMode="auto" r:id="rId44">
             <p14:nvContentPartPr>
               <p14:cNvPr id="145" name="Ink 144">
@@ -9535,7 +11217,7 @@
             </p14:xfrm>
           </p:contentPart>
         </mc:Choice>
-        <mc:Fallback>
+        <mc:Fallback xmlns="">
           <p:pic>
             <p:nvPicPr>
               <p:cNvPr id="145" name="Ink 144">
@@ -9566,8 +11248,8 @@
           </p:pic>
         </mc:Fallback>
       </mc:AlternateContent>
-      <mc:AlternateContent xmlns:mc="http://schemas.openxmlformats.org/markup-compatibility/2006">
-        <mc:Choice xmlns:p14="http://schemas.microsoft.com/office/powerpoint/2010/main" Requires="p14">
+      <mc:AlternateContent xmlns:mc="http://schemas.openxmlformats.org/markup-compatibility/2006" xmlns:p14="http://schemas.microsoft.com/office/powerpoint/2010/main">
+        <mc:Choice Requires="p14">
           <p:contentPart p14:bwMode="auto" r:id="rId46">
             <p14:nvContentPartPr>
               <p14:cNvPr id="150" name="Ink 149">
@@ -9586,7 +11268,7 @@
             </p14:xfrm>
           </p:contentPart>
         </mc:Choice>
-        <mc:Fallback>
+        <mc:Fallback xmlns="">
           <p:pic>
             <p:nvPicPr>
               <p:cNvPr id="150" name="Ink 149">
@@ -9617,8 +11299,8 @@
           </p:pic>
         </mc:Fallback>
       </mc:AlternateContent>
-      <mc:AlternateContent xmlns:mc="http://schemas.openxmlformats.org/markup-compatibility/2006">
-        <mc:Choice xmlns:p14="http://schemas.microsoft.com/office/powerpoint/2010/main" Requires="p14">
+      <mc:AlternateContent xmlns:mc="http://schemas.openxmlformats.org/markup-compatibility/2006" xmlns:p14="http://schemas.microsoft.com/office/powerpoint/2010/main">
+        <mc:Choice Requires="p14">
           <p:contentPart p14:bwMode="auto" r:id="rId48">
             <p14:nvContentPartPr>
               <p14:cNvPr id="151" name="Ink 150">
@@ -9637,7 +11319,7 @@
             </p14:xfrm>
           </p:contentPart>
         </mc:Choice>
-        <mc:Fallback>
+        <mc:Fallback xmlns="">
           <p:pic>
             <p:nvPicPr>
               <p:cNvPr id="151" name="Ink 150">
@@ -9668,8 +11350,8 @@
           </p:pic>
         </mc:Fallback>
       </mc:AlternateContent>
-      <mc:AlternateContent xmlns:mc="http://schemas.openxmlformats.org/markup-compatibility/2006">
-        <mc:Choice xmlns:p14="http://schemas.microsoft.com/office/powerpoint/2010/main" Requires="p14">
+      <mc:AlternateContent xmlns:mc="http://schemas.openxmlformats.org/markup-compatibility/2006" xmlns:p14="http://schemas.microsoft.com/office/powerpoint/2010/main">
+        <mc:Choice Requires="p14">
           <p:contentPart p14:bwMode="auto" r:id="rId50">
             <p14:nvContentPartPr>
               <p14:cNvPr id="154" name="Ink 153">
@@ -9688,7 +11370,7 @@
             </p14:xfrm>
           </p:contentPart>
         </mc:Choice>
-        <mc:Fallback>
+        <mc:Fallback xmlns="">
           <p:pic>
             <p:nvPicPr>
               <p:cNvPr id="154" name="Ink 153">
@@ -9719,8 +11401,8 @@
           </p:pic>
         </mc:Fallback>
       </mc:AlternateContent>
-      <mc:AlternateContent xmlns:mc="http://schemas.openxmlformats.org/markup-compatibility/2006">
-        <mc:Choice xmlns:p14="http://schemas.microsoft.com/office/powerpoint/2010/main" Requires="p14">
+      <mc:AlternateContent xmlns:mc="http://schemas.openxmlformats.org/markup-compatibility/2006" xmlns:p14="http://schemas.microsoft.com/office/powerpoint/2010/main">
+        <mc:Choice Requires="p14">
           <p:contentPart p14:bwMode="auto" r:id="rId52">
             <p14:nvContentPartPr>
               <p14:cNvPr id="157" name="Ink 156">
@@ -9739,7 +11421,7 @@
             </p14:xfrm>
           </p:contentPart>
         </mc:Choice>
-        <mc:Fallback>
+        <mc:Fallback xmlns="">
           <p:pic>
             <p:nvPicPr>
               <p:cNvPr id="157" name="Ink 156">
@@ -9770,8 +11452,8 @@
           </p:pic>
         </mc:Fallback>
       </mc:AlternateContent>
-      <mc:AlternateContent xmlns:mc="http://schemas.openxmlformats.org/markup-compatibility/2006">
-        <mc:Choice xmlns:p14="http://schemas.microsoft.com/office/powerpoint/2010/main" Requires="p14">
+      <mc:AlternateContent xmlns:mc="http://schemas.openxmlformats.org/markup-compatibility/2006" xmlns:p14="http://schemas.microsoft.com/office/powerpoint/2010/main">
+        <mc:Choice Requires="p14">
           <p:contentPart p14:bwMode="auto" r:id="rId54">
             <p14:nvContentPartPr>
               <p14:cNvPr id="172" name="Ink 171">
@@ -9790,7 +11472,7 @@
             </p14:xfrm>
           </p:contentPart>
         </mc:Choice>
-        <mc:Fallback>
+        <mc:Fallback xmlns="">
           <p:pic>
             <p:nvPicPr>
               <p:cNvPr id="172" name="Ink 171">
@@ -9821,8 +11503,8 @@
           </p:pic>
         </mc:Fallback>
       </mc:AlternateContent>
-      <mc:AlternateContent xmlns:mc="http://schemas.openxmlformats.org/markup-compatibility/2006">
-        <mc:Choice xmlns:p14="http://schemas.microsoft.com/office/powerpoint/2010/main" Requires="p14">
+      <mc:AlternateContent xmlns:mc="http://schemas.openxmlformats.org/markup-compatibility/2006" xmlns:p14="http://schemas.microsoft.com/office/powerpoint/2010/main">
+        <mc:Choice Requires="p14">
           <p:contentPart p14:bwMode="auto" r:id="rId56">
             <p14:nvContentPartPr>
               <p14:cNvPr id="173" name="Ink 172">
@@ -9841,7 +11523,7 @@
             </p14:xfrm>
           </p:contentPart>
         </mc:Choice>
-        <mc:Fallback>
+        <mc:Fallback xmlns="">
           <p:pic>
             <p:nvPicPr>
               <p:cNvPr id="173" name="Ink 172">
@@ -9872,8 +11554,8 @@
           </p:pic>
         </mc:Fallback>
       </mc:AlternateContent>
-      <mc:AlternateContent xmlns:mc="http://schemas.openxmlformats.org/markup-compatibility/2006">
-        <mc:Choice xmlns:p14="http://schemas.microsoft.com/office/powerpoint/2010/main" Requires="p14">
+      <mc:AlternateContent xmlns:mc="http://schemas.openxmlformats.org/markup-compatibility/2006" xmlns:p14="http://schemas.microsoft.com/office/powerpoint/2010/main">
+        <mc:Choice Requires="p14">
           <p:contentPart p14:bwMode="auto" r:id="rId58">
             <p14:nvContentPartPr>
               <p14:cNvPr id="205" name="Ink 204">
@@ -9892,7 +11574,7 @@
             </p14:xfrm>
           </p:contentPart>
         </mc:Choice>
-        <mc:Fallback>
+        <mc:Fallback xmlns="">
           <p:pic>
             <p:nvPicPr>
               <p:cNvPr id="205" name="Ink 204">
@@ -9923,8 +11605,8 @@
           </p:pic>
         </mc:Fallback>
       </mc:AlternateContent>
-      <mc:AlternateContent xmlns:mc="http://schemas.openxmlformats.org/markup-compatibility/2006">
-        <mc:Choice xmlns:p14="http://schemas.microsoft.com/office/powerpoint/2010/main" Requires="p14">
+      <mc:AlternateContent xmlns:mc="http://schemas.openxmlformats.org/markup-compatibility/2006" xmlns:p14="http://schemas.microsoft.com/office/powerpoint/2010/main">
+        <mc:Choice Requires="p14">
           <p:contentPart p14:bwMode="auto" r:id="rId60">
             <p14:nvContentPartPr>
               <p14:cNvPr id="215" name="Ink 214">
@@ -9943,7 +11625,7 @@
             </p14:xfrm>
           </p:contentPart>
         </mc:Choice>
-        <mc:Fallback>
+        <mc:Fallback xmlns="">
           <p:pic>
             <p:nvPicPr>
               <p:cNvPr id="215" name="Ink 214">
@@ -9974,8 +11656,8 @@
           </p:pic>
         </mc:Fallback>
       </mc:AlternateContent>
-      <mc:AlternateContent xmlns:mc="http://schemas.openxmlformats.org/markup-compatibility/2006">
-        <mc:Choice xmlns:p14="http://schemas.microsoft.com/office/powerpoint/2010/main" Requires="p14">
+      <mc:AlternateContent xmlns:mc="http://schemas.openxmlformats.org/markup-compatibility/2006" xmlns:p14="http://schemas.microsoft.com/office/powerpoint/2010/main">
+        <mc:Choice Requires="p14">
           <p:contentPart p14:bwMode="auto" r:id="rId62">
             <p14:nvContentPartPr>
               <p14:cNvPr id="218" name="Ink 217">
@@ -9994,7 +11676,7 @@
             </p14:xfrm>
           </p:contentPart>
         </mc:Choice>
-        <mc:Fallback>
+        <mc:Fallback xmlns="">
           <p:pic>
             <p:nvPicPr>
               <p:cNvPr id="218" name="Ink 217">
@@ -10055,8 +11737,8 @@
           <a:chExt cx="0" cy="0"/>
         </a:xfrm>
       </p:grpSpPr>
-      <mc:AlternateContent xmlns:mc="http://schemas.openxmlformats.org/markup-compatibility/2006">
-        <mc:Choice xmlns:p14="http://schemas.microsoft.com/office/powerpoint/2010/main" Requires="p14">
+      <mc:AlternateContent xmlns:mc="http://schemas.openxmlformats.org/markup-compatibility/2006" xmlns:p14="http://schemas.microsoft.com/office/powerpoint/2010/main">
+        <mc:Choice Requires="p14">
           <p:contentPart p14:bwMode="auto" r:id="rId2">
             <p14:nvContentPartPr>
               <p14:cNvPr id="6" name="Ink 5">
@@ -10075,7 +11757,7 @@
             </p14:xfrm>
           </p:contentPart>
         </mc:Choice>
-        <mc:Fallback>
+        <mc:Fallback xmlns="">
           <p:pic>
             <p:nvPicPr>
               <p:cNvPr id="6" name="Ink 5">
@@ -10106,8 +11788,8 @@
           </p:pic>
         </mc:Fallback>
       </mc:AlternateContent>
-      <mc:AlternateContent xmlns:mc="http://schemas.openxmlformats.org/markup-compatibility/2006">
-        <mc:Choice xmlns:p14="http://schemas.microsoft.com/office/powerpoint/2010/main" Requires="p14">
+      <mc:AlternateContent xmlns:mc="http://schemas.openxmlformats.org/markup-compatibility/2006" xmlns:p14="http://schemas.microsoft.com/office/powerpoint/2010/main">
+        <mc:Choice Requires="p14">
           <p:contentPart p14:bwMode="auto" r:id="rId4">
             <p14:nvContentPartPr>
               <p14:cNvPr id="7" name="Ink 6">
@@ -10126,7 +11808,7 @@
             </p14:xfrm>
           </p:contentPart>
         </mc:Choice>
-        <mc:Fallback>
+        <mc:Fallback xmlns="">
           <p:pic>
             <p:nvPicPr>
               <p:cNvPr id="7" name="Ink 6">
@@ -10157,8 +11839,8 @@
           </p:pic>
         </mc:Fallback>
       </mc:AlternateContent>
-      <mc:AlternateContent xmlns:mc="http://schemas.openxmlformats.org/markup-compatibility/2006">
-        <mc:Choice xmlns:p14="http://schemas.microsoft.com/office/powerpoint/2010/main" Requires="p14">
+      <mc:AlternateContent xmlns:mc="http://schemas.openxmlformats.org/markup-compatibility/2006" xmlns:p14="http://schemas.microsoft.com/office/powerpoint/2010/main">
+        <mc:Choice Requires="p14">
           <p:contentPart p14:bwMode="auto" r:id="rId6">
             <p14:nvContentPartPr>
               <p14:cNvPr id="8" name="Ink 7">
@@ -10177,7 +11859,7 @@
             </p14:xfrm>
           </p:contentPart>
         </mc:Choice>
-        <mc:Fallback>
+        <mc:Fallback xmlns="">
           <p:pic>
             <p:nvPicPr>
               <p:cNvPr id="8" name="Ink 7">
@@ -10208,8 +11890,8 @@
           </p:pic>
         </mc:Fallback>
       </mc:AlternateContent>
-      <mc:AlternateContent xmlns:mc="http://schemas.openxmlformats.org/markup-compatibility/2006">
-        <mc:Choice xmlns:p14="http://schemas.microsoft.com/office/powerpoint/2010/main" Requires="p14">
+      <mc:AlternateContent xmlns:mc="http://schemas.openxmlformats.org/markup-compatibility/2006" xmlns:p14="http://schemas.microsoft.com/office/powerpoint/2010/main">
+        <mc:Choice Requires="p14">
           <p:contentPart p14:bwMode="auto" r:id="rId8">
             <p14:nvContentPartPr>
               <p14:cNvPr id="16" name="Ink 15">
@@ -10228,7 +11910,7 @@
             </p14:xfrm>
           </p:contentPart>
         </mc:Choice>
-        <mc:Fallback>
+        <mc:Fallback xmlns="">
           <p:pic>
             <p:nvPicPr>
               <p:cNvPr id="16" name="Ink 15">
@@ -10259,8 +11941,8 @@
           </p:pic>
         </mc:Fallback>
       </mc:AlternateContent>
-      <mc:AlternateContent xmlns:mc="http://schemas.openxmlformats.org/markup-compatibility/2006">
-        <mc:Choice xmlns:p14="http://schemas.microsoft.com/office/powerpoint/2010/main" Requires="p14">
+      <mc:AlternateContent xmlns:mc="http://schemas.openxmlformats.org/markup-compatibility/2006" xmlns:p14="http://schemas.microsoft.com/office/powerpoint/2010/main">
+        <mc:Choice Requires="p14">
           <p:contentPart p14:bwMode="auto" r:id="rId10">
             <p14:nvContentPartPr>
               <p14:cNvPr id="17" name="Ink 16">
@@ -10279,7 +11961,7 @@
             </p14:xfrm>
           </p:contentPart>
         </mc:Choice>
-        <mc:Fallback>
+        <mc:Fallback xmlns="">
           <p:pic>
             <p:nvPicPr>
               <p:cNvPr id="17" name="Ink 16">
@@ -10310,8 +11992,8 @@
           </p:pic>
         </mc:Fallback>
       </mc:AlternateContent>
-      <mc:AlternateContent xmlns:mc="http://schemas.openxmlformats.org/markup-compatibility/2006">
-        <mc:Choice xmlns:p14="http://schemas.microsoft.com/office/powerpoint/2010/main" Requires="p14">
+      <mc:AlternateContent xmlns:mc="http://schemas.openxmlformats.org/markup-compatibility/2006" xmlns:p14="http://schemas.microsoft.com/office/powerpoint/2010/main">
+        <mc:Choice Requires="p14">
           <p:contentPart p14:bwMode="auto" r:id="rId12">
             <p14:nvContentPartPr>
               <p14:cNvPr id="18" name="Ink 17">
@@ -10330,7 +12012,7 @@
             </p14:xfrm>
           </p:contentPart>
         </mc:Choice>
-        <mc:Fallback>
+        <mc:Fallback xmlns="">
           <p:pic>
             <p:nvPicPr>
               <p:cNvPr id="18" name="Ink 17">
@@ -10361,8 +12043,8 @@
           </p:pic>
         </mc:Fallback>
       </mc:AlternateContent>
-      <mc:AlternateContent xmlns:mc="http://schemas.openxmlformats.org/markup-compatibility/2006">
-        <mc:Choice xmlns:p14="http://schemas.microsoft.com/office/powerpoint/2010/main" Requires="p14">
+      <mc:AlternateContent xmlns:mc="http://schemas.openxmlformats.org/markup-compatibility/2006" xmlns:p14="http://schemas.microsoft.com/office/powerpoint/2010/main">
+        <mc:Choice Requires="p14">
           <p:contentPart p14:bwMode="auto" r:id="rId14">
             <p14:nvContentPartPr>
               <p14:cNvPr id="27" name="Ink 26">
@@ -10381,7 +12063,7 @@
             </p14:xfrm>
           </p:contentPart>
         </mc:Choice>
-        <mc:Fallback>
+        <mc:Fallback xmlns="">
           <p:pic>
             <p:nvPicPr>
               <p:cNvPr id="27" name="Ink 26">
@@ -10412,8 +12094,8 @@
           </p:pic>
         </mc:Fallback>
       </mc:AlternateContent>
-      <mc:AlternateContent xmlns:mc="http://schemas.openxmlformats.org/markup-compatibility/2006">
-        <mc:Choice xmlns:p14="http://schemas.microsoft.com/office/powerpoint/2010/main" Requires="p14">
+      <mc:AlternateContent xmlns:mc="http://schemas.openxmlformats.org/markup-compatibility/2006" xmlns:p14="http://schemas.microsoft.com/office/powerpoint/2010/main">
+        <mc:Choice Requires="p14">
           <p:contentPart p14:bwMode="auto" r:id="rId16">
             <p14:nvContentPartPr>
               <p14:cNvPr id="28" name="Ink 27">
@@ -10432,7 +12114,7 @@
             </p14:xfrm>
           </p:contentPart>
         </mc:Choice>
-        <mc:Fallback>
+        <mc:Fallback xmlns="">
           <p:pic>
             <p:nvPicPr>
               <p:cNvPr id="28" name="Ink 27">
@@ -10463,8 +12145,8 @@
           </p:pic>
         </mc:Fallback>
       </mc:AlternateContent>
-      <mc:AlternateContent xmlns:mc="http://schemas.openxmlformats.org/markup-compatibility/2006">
-        <mc:Choice xmlns:p14="http://schemas.microsoft.com/office/powerpoint/2010/main" Requires="p14">
+      <mc:AlternateContent xmlns:mc="http://schemas.openxmlformats.org/markup-compatibility/2006" xmlns:p14="http://schemas.microsoft.com/office/powerpoint/2010/main">
+        <mc:Choice Requires="p14">
           <p:contentPart p14:bwMode="auto" r:id="rId18">
             <p14:nvContentPartPr>
               <p14:cNvPr id="29" name="Ink 28">
@@ -10483,7 +12165,7 @@
             </p14:xfrm>
           </p:contentPart>
         </mc:Choice>
-        <mc:Fallback>
+        <mc:Fallback xmlns="">
           <p:pic>
             <p:nvPicPr>
               <p:cNvPr id="29" name="Ink 28">
@@ -10514,8 +12196,8 @@
           </p:pic>
         </mc:Fallback>
       </mc:AlternateContent>
-      <mc:AlternateContent xmlns:mc="http://schemas.openxmlformats.org/markup-compatibility/2006">
-        <mc:Choice xmlns:p14="http://schemas.microsoft.com/office/powerpoint/2010/main" Requires="p14">
+      <mc:AlternateContent xmlns:mc="http://schemas.openxmlformats.org/markup-compatibility/2006" xmlns:p14="http://schemas.microsoft.com/office/powerpoint/2010/main">
+        <mc:Choice Requires="p14">
           <p:contentPart p14:bwMode="auto" r:id="rId20">
             <p14:nvContentPartPr>
               <p14:cNvPr id="39" name="Ink 38">
@@ -10534,7 +12216,7 @@
             </p14:xfrm>
           </p:contentPart>
         </mc:Choice>
-        <mc:Fallback>
+        <mc:Fallback xmlns="">
           <p:pic>
             <p:nvPicPr>
               <p:cNvPr id="39" name="Ink 38">
@@ -10565,8 +12247,8 @@
           </p:pic>
         </mc:Fallback>
       </mc:AlternateContent>
-      <mc:AlternateContent xmlns:mc="http://schemas.openxmlformats.org/markup-compatibility/2006">
-        <mc:Choice xmlns:p14="http://schemas.microsoft.com/office/powerpoint/2010/main" Requires="p14">
+      <mc:AlternateContent xmlns:mc="http://schemas.openxmlformats.org/markup-compatibility/2006" xmlns:p14="http://schemas.microsoft.com/office/powerpoint/2010/main">
+        <mc:Choice Requires="p14">
           <p:contentPart p14:bwMode="auto" r:id="rId22">
             <p14:nvContentPartPr>
               <p14:cNvPr id="44" name="Ink 43">
@@ -10585,7 +12267,7 @@
             </p14:xfrm>
           </p:contentPart>
         </mc:Choice>
-        <mc:Fallback>
+        <mc:Fallback xmlns="">
           <p:pic>
             <p:nvPicPr>
               <p:cNvPr id="44" name="Ink 43">
@@ -10616,8 +12298,8 @@
           </p:pic>
         </mc:Fallback>
       </mc:AlternateContent>
-      <mc:AlternateContent xmlns:mc="http://schemas.openxmlformats.org/markup-compatibility/2006">
-        <mc:Choice xmlns:p14="http://schemas.microsoft.com/office/powerpoint/2010/main" Requires="p14">
+      <mc:AlternateContent xmlns:mc="http://schemas.openxmlformats.org/markup-compatibility/2006" xmlns:p14="http://schemas.microsoft.com/office/powerpoint/2010/main">
+        <mc:Choice Requires="p14">
           <p:contentPart p14:bwMode="auto" r:id="rId24">
             <p14:nvContentPartPr>
               <p14:cNvPr id="52" name="Ink 51">
@@ -10636,7 +12318,7 @@
             </p14:xfrm>
           </p:contentPart>
         </mc:Choice>
-        <mc:Fallback>
+        <mc:Fallback xmlns="">
           <p:pic>
             <p:nvPicPr>
               <p:cNvPr id="52" name="Ink 51">
@@ -10667,8 +12349,8 @@
           </p:pic>
         </mc:Fallback>
       </mc:AlternateContent>
-      <mc:AlternateContent xmlns:mc="http://schemas.openxmlformats.org/markup-compatibility/2006">
-        <mc:Choice xmlns:p14="http://schemas.microsoft.com/office/powerpoint/2010/main" Requires="p14">
+      <mc:AlternateContent xmlns:mc="http://schemas.openxmlformats.org/markup-compatibility/2006" xmlns:p14="http://schemas.microsoft.com/office/powerpoint/2010/main">
+        <mc:Choice Requires="p14">
           <p:contentPart p14:bwMode="auto" r:id="rId26">
             <p14:nvContentPartPr>
               <p14:cNvPr id="53" name="Ink 52">
@@ -10687,7 +12369,7 @@
             </p14:xfrm>
           </p:contentPart>
         </mc:Choice>
-        <mc:Fallback>
+        <mc:Fallback xmlns="">
           <p:pic>
             <p:nvPicPr>
               <p:cNvPr id="53" name="Ink 52">
@@ -10718,8 +12400,8 @@
           </p:pic>
         </mc:Fallback>
       </mc:AlternateContent>
-      <mc:AlternateContent xmlns:mc="http://schemas.openxmlformats.org/markup-compatibility/2006">
-        <mc:Choice xmlns:p14="http://schemas.microsoft.com/office/powerpoint/2010/main" Requires="p14">
+      <mc:AlternateContent xmlns:mc="http://schemas.openxmlformats.org/markup-compatibility/2006" xmlns:p14="http://schemas.microsoft.com/office/powerpoint/2010/main">
+        <mc:Choice Requires="p14">
           <p:contentPart p14:bwMode="auto" r:id="rId28">
             <p14:nvContentPartPr>
               <p14:cNvPr id="54" name="Ink 53">
@@ -10738,7 +12420,7 @@
             </p14:xfrm>
           </p:contentPart>
         </mc:Choice>
-        <mc:Fallback>
+        <mc:Fallback xmlns="">
           <p:pic>
             <p:nvPicPr>
               <p:cNvPr id="54" name="Ink 53">
@@ -10769,8 +12451,8 @@
           </p:pic>
         </mc:Fallback>
       </mc:AlternateContent>
-      <mc:AlternateContent xmlns:mc="http://schemas.openxmlformats.org/markup-compatibility/2006">
-        <mc:Choice xmlns:p14="http://schemas.microsoft.com/office/powerpoint/2010/main" Requires="p14">
+      <mc:AlternateContent xmlns:mc="http://schemas.openxmlformats.org/markup-compatibility/2006" xmlns:p14="http://schemas.microsoft.com/office/powerpoint/2010/main">
+        <mc:Choice Requires="p14">
           <p:contentPart p14:bwMode="auto" r:id="rId30">
             <p14:nvContentPartPr>
               <p14:cNvPr id="74" name="Ink 73">
@@ -10789,7 +12471,7 @@
             </p14:xfrm>
           </p:contentPart>
         </mc:Choice>
-        <mc:Fallback>
+        <mc:Fallback xmlns="">
           <p:pic>
             <p:nvPicPr>
               <p:cNvPr id="74" name="Ink 73">
@@ -10820,8 +12502,8 @@
           </p:pic>
         </mc:Fallback>
       </mc:AlternateContent>
-      <mc:AlternateContent xmlns:mc="http://schemas.openxmlformats.org/markup-compatibility/2006">
-        <mc:Choice xmlns:p14="http://schemas.microsoft.com/office/powerpoint/2010/main" Requires="p14">
+      <mc:AlternateContent xmlns:mc="http://schemas.openxmlformats.org/markup-compatibility/2006" xmlns:p14="http://schemas.microsoft.com/office/powerpoint/2010/main">
+        <mc:Choice Requires="p14">
           <p:contentPart p14:bwMode="auto" r:id="rId32">
             <p14:nvContentPartPr>
               <p14:cNvPr id="76" name="Ink 75">
@@ -10840,7 +12522,7 @@
             </p14:xfrm>
           </p:contentPart>
         </mc:Choice>
-        <mc:Fallback>
+        <mc:Fallback xmlns="">
           <p:pic>
             <p:nvPicPr>
               <p:cNvPr id="76" name="Ink 75">
@@ -10871,8 +12553,8 @@
           </p:pic>
         </mc:Fallback>
       </mc:AlternateContent>
-      <mc:AlternateContent xmlns:mc="http://schemas.openxmlformats.org/markup-compatibility/2006">
-        <mc:Choice xmlns:p14="http://schemas.microsoft.com/office/powerpoint/2010/main" Requires="p14">
+      <mc:AlternateContent xmlns:mc="http://schemas.openxmlformats.org/markup-compatibility/2006" xmlns:p14="http://schemas.microsoft.com/office/powerpoint/2010/main">
+        <mc:Choice Requires="p14">
           <p:contentPart p14:bwMode="auto" r:id="rId34">
             <p14:nvContentPartPr>
               <p14:cNvPr id="77" name="Ink 76">
@@ -10891,7 +12573,7 @@
             </p14:xfrm>
           </p:contentPart>
         </mc:Choice>
-        <mc:Fallback>
+        <mc:Fallback xmlns="">
           <p:pic>
             <p:nvPicPr>
               <p:cNvPr id="77" name="Ink 76">
@@ -10922,8 +12604,8 @@
           </p:pic>
         </mc:Fallback>
       </mc:AlternateContent>
-      <mc:AlternateContent xmlns:mc="http://schemas.openxmlformats.org/markup-compatibility/2006">
-        <mc:Choice xmlns:p14="http://schemas.microsoft.com/office/powerpoint/2010/main" Requires="p14">
+      <mc:AlternateContent xmlns:mc="http://schemas.openxmlformats.org/markup-compatibility/2006" xmlns:p14="http://schemas.microsoft.com/office/powerpoint/2010/main">
+        <mc:Choice Requires="p14">
           <p:contentPart p14:bwMode="auto" r:id="rId36">
             <p14:nvContentPartPr>
               <p14:cNvPr id="78" name="Ink 77">
@@ -10942,7 +12624,7 @@
             </p14:xfrm>
           </p:contentPart>
         </mc:Choice>
-        <mc:Fallback>
+        <mc:Fallback xmlns="">
           <p:pic>
             <p:nvPicPr>
               <p:cNvPr id="78" name="Ink 77">
@@ -10973,8 +12655,8 @@
           </p:pic>
         </mc:Fallback>
       </mc:AlternateContent>
-      <mc:AlternateContent xmlns:mc="http://schemas.openxmlformats.org/markup-compatibility/2006">
-        <mc:Choice xmlns:p14="http://schemas.microsoft.com/office/powerpoint/2010/main" Requires="p14">
+      <mc:AlternateContent xmlns:mc="http://schemas.openxmlformats.org/markup-compatibility/2006" xmlns:p14="http://schemas.microsoft.com/office/powerpoint/2010/main">
+        <mc:Choice Requires="p14">
           <p:contentPart p14:bwMode="auto" r:id="rId38">
             <p14:nvContentPartPr>
               <p14:cNvPr id="79" name="Ink 78">
@@ -10993,7 +12675,7 @@
             </p14:xfrm>
           </p:contentPart>
         </mc:Choice>
-        <mc:Fallback>
+        <mc:Fallback xmlns="">
           <p:pic>
             <p:nvPicPr>
               <p:cNvPr id="79" name="Ink 78">
@@ -11024,8 +12706,8 @@
           </p:pic>
         </mc:Fallback>
       </mc:AlternateContent>
-      <mc:AlternateContent xmlns:mc="http://schemas.openxmlformats.org/markup-compatibility/2006">
-        <mc:Choice xmlns:p14="http://schemas.microsoft.com/office/powerpoint/2010/main" Requires="p14">
+      <mc:AlternateContent xmlns:mc="http://schemas.openxmlformats.org/markup-compatibility/2006" xmlns:p14="http://schemas.microsoft.com/office/powerpoint/2010/main">
+        <mc:Choice Requires="p14">
           <p:contentPart p14:bwMode="auto" r:id="rId40">
             <p14:nvContentPartPr>
               <p14:cNvPr id="80" name="Ink 79">
@@ -11044,7 +12726,7 @@
             </p14:xfrm>
           </p:contentPart>
         </mc:Choice>
-        <mc:Fallback>
+        <mc:Fallback xmlns="">
           <p:pic>
             <p:nvPicPr>
               <p:cNvPr id="80" name="Ink 79">
@@ -11075,8 +12757,8 @@
           </p:pic>
         </mc:Fallback>
       </mc:AlternateContent>
-      <mc:AlternateContent xmlns:mc="http://schemas.openxmlformats.org/markup-compatibility/2006">
-        <mc:Choice xmlns:p14="http://schemas.microsoft.com/office/powerpoint/2010/main" Requires="p14">
+      <mc:AlternateContent xmlns:mc="http://schemas.openxmlformats.org/markup-compatibility/2006" xmlns:p14="http://schemas.microsoft.com/office/powerpoint/2010/main">
+        <mc:Choice Requires="p14">
           <p:contentPart p14:bwMode="auto" r:id="rId42">
             <p14:nvContentPartPr>
               <p14:cNvPr id="81" name="Ink 80">
@@ -11095,7 +12777,7 @@
             </p14:xfrm>
           </p:contentPart>
         </mc:Choice>
-        <mc:Fallback>
+        <mc:Fallback xmlns="">
           <p:pic>
             <p:nvPicPr>
               <p:cNvPr id="81" name="Ink 80">
@@ -11126,8 +12808,8 @@
           </p:pic>
         </mc:Fallback>
       </mc:AlternateContent>
-      <mc:AlternateContent xmlns:mc="http://schemas.openxmlformats.org/markup-compatibility/2006">
-        <mc:Choice xmlns:p14="http://schemas.microsoft.com/office/powerpoint/2010/main" Requires="p14">
+      <mc:AlternateContent xmlns:mc="http://schemas.openxmlformats.org/markup-compatibility/2006" xmlns:p14="http://schemas.microsoft.com/office/powerpoint/2010/main">
+        <mc:Choice Requires="p14">
           <p:contentPart p14:bwMode="auto" r:id="rId44">
             <p14:nvContentPartPr>
               <p14:cNvPr id="82" name="Ink 81">
@@ -11146,7 +12828,7 @@
             </p14:xfrm>
           </p:contentPart>
         </mc:Choice>
-        <mc:Fallback>
+        <mc:Fallback xmlns="">
           <p:pic>
             <p:nvPicPr>
               <p:cNvPr id="82" name="Ink 81">
@@ -11177,8 +12859,8 @@
           </p:pic>
         </mc:Fallback>
       </mc:AlternateContent>
-      <mc:AlternateContent xmlns:mc="http://schemas.openxmlformats.org/markup-compatibility/2006">
-        <mc:Choice xmlns:p14="http://schemas.microsoft.com/office/powerpoint/2010/main" Requires="p14">
+      <mc:AlternateContent xmlns:mc="http://schemas.openxmlformats.org/markup-compatibility/2006" xmlns:p14="http://schemas.microsoft.com/office/powerpoint/2010/main">
+        <mc:Choice Requires="p14">
           <p:contentPart p14:bwMode="auto" r:id="rId46">
             <p14:nvContentPartPr>
               <p14:cNvPr id="83" name="Ink 82">
@@ -11197,7 +12879,7 @@
             </p14:xfrm>
           </p:contentPart>
         </mc:Choice>
-        <mc:Fallback>
+        <mc:Fallback xmlns="">
           <p:pic>
             <p:nvPicPr>
               <p:cNvPr id="83" name="Ink 82">
@@ -11228,8 +12910,8 @@
           </p:pic>
         </mc:Fallback>
       </mc:AlternateContent>
-      <mc:AlternateContent xmlns:mc="http://schemas.openxmlformats.org/markup-compatibility/2006">
-        <mc:Choice xmlns:p14="http://schemas.microsoft.com/office/powerpoint/2010/main" Requires="p14">
+      <mc:AlternateContent xmlns:mc="http://schemas.openxmlformats.org/markup-compatibility/2006" xmlns:p14="http://schemas.microsoft.com/office/powerpoint/2010/main">
+        <mc:Choice Requires="p14">
           <p:contentPart p14:bwMode="auto" r:id="rId48">
             <p14:nvContentPartPr>
               <p14:cNvPr id="84" name="Ink 83">
@@ -11248,7 +12930,7 @@
             </p14:xfrm>
           </p:contentPart>
         </mc:Choice>
-        <mc:Fallback>
+        <mc:Fallback xmlns="">
           <p:pic>
             <p:nvPicPr>
               <p:cNvPr id="84" name="Ink 83">
@@ -11279,8 +12961,8 @@
           </p:pic>
         </mc:Fallback>
       </mc:AlternateContent>
-      <mc:AlternateContent xmlns:mc="http://schemas.openxmlformats.org/markup-compatibility/2006">
-        <mc:Choice xmlns:p14="http://schemas.microsoft.com/office/powerpoint/2010/main" Requires="p14">
+      <mc:AlternateContent xmlns:mc="http://schemas.openxmlformats.org/markup-compatibility/2006" xmlns:p14="http://schemas.microsoft.com/office/powerpoint/2010/main">
+        <mc:Choice Requires="p14">
           <p:contentPart p14:bwMode="auto" r:id="rId50">
             <p14:nvContentPartPr>
               <p14:cNvPr id="85" name="Ink 84">
@@ -11299,7 +12981,7 @@
             </p14:xfrm>
           </p:contentPart>
         </mc:Choice>
-        <mc:Fallback>
+        <mc:Fallback xmlns="">
           <p:pic>
             <p:nvPicPr>
               <p:cNvPr id="85" name="Ink 84">
@@ -11330,8 +13012,8 @@
           </p:pic>
         </mc:Fallback>
       </mc:AlternateContent>
-      <mc:AlternateContent xmlns:mc="http://schemas.openxmlformats.org/markup-compatibility/2006">
-        <mc:Choice xmlns:p14="http://schemas.microsoft.com/office/powerpoint/2010/main" Requires="p14">
+      <mc:AlternateContent xmlns:mc="http://schemas.openxmlformats.org/markup-compatibility/2006" xmlns:p14="http://schemas.microsoft.com/office/powerpoint/2010/main">
+        <mc:Choice Requires="p14">
           <p:contentPart p14:bwMode="auto" r:id="rId52">
             <p14:nvContentPartPr>
               <p14:cNvPr id="86" name="Ink 85">
@@ -11350,7 +13032,7 @@
             </p14:xfrm>
           </p:contentPart>
         </mc:Choice>
-        <mc:Fallback>
+        <mc:Fallback xmlns="">
           <p:pic>
             <p:nvPicPr>
               <p:cNvPr id="86" name="Ink 85">
@@ -11381,8 +13063,8 @@
           </p:pic>
         </mc:Fallback>
       </mc:AlternateContent>
-      <mc:AlternateContent xmlns:mc="http://schemas.openxmlformats.org/markup-compatibility/2006">
-        <mc:Choice xmlns:p14="http://schemas.microsoft.com/office/powerpoint/2010/main" Requires="p14">
+      <mc:AlternateContent xmlns:mc="http://schemas.openxmlformats.org/markup-compatibility/2006" xmlns:p14="http://schemas.microsoft.com/office/powerpoint/2010/main">
+        <mc:Choice Requires="p14">
           <p:contentPart p14:bwMode="auto" r:id="rId54">
             <p14:nvContentPartPr>
               <p14:cNvPr id="87" name="Ink 86">
@@ -11401,7 +13083,7 @@
             </p14:xfrm>
           </p:contentPart>
         </mc:Choice>
-        <mc:Fallback>
+        <mc:Fallback xmlns="">
           <p:pic>
             <p:nvPicPr>
               <p:cNvPr id="87" name="Ink 86">
@@ -11432,8 +13114,8 @@
           </p:pic>
         </mc:Fallback>
       </mc:AlternateContent>
-      <mc:AlternateContent xmlns:mc="http://schemas.openxmlformats.org/markup-compatibility/2006">
-        <mc:Choice xmlns:p14="http://schemas.microsoft.com/office/powerpoint/2010/main" Requires="p14">
+      <mc:AlternateContent xmlns:mc="http://schemas.openxmlformats.org/markup-compatibility/2006" xmlns:p14="http://schemas.microsoft.com/office/powerpoint/2010/main">
+        <mc:Choice Requires="p14">
           <p:contentPart p14:bwMode="auto" r:id="rId56">
             <p14:nvContentPartPr>
               <p14:cNvPr id="88" name="Ink 87">
@@ -11452,7 +13134,7 @@
             </p14:xfrm>
           </p:contentPart>
         </mc:Choice>
-        <mc:Fallback>
+        <mc:Fallback xmlns="">
           <p:pic>
             <p:nvPicPr>
               <p:cNvPr id="88" name="Ink 87">
@@ -11483,8 +13165,8 @@
           </p:pic>
         </mc:Fallback>
       </mc:AlternateContent>
-      <mc:AlternateContent xmlns:mc="http://schemas.openxmlformats.org/markup-compatibility/2006">
-        <mc:Choice xmlns:p14="http://schemas.microsoft.com/office/powerpoint/2010/main" Requires="p14">
+      <mc:AlternateContent xmlns:mc="http://schemas.openxmlformats.org/markup-compatibility/2006" xmlns:p14="http://schemas.microsoft.com/office/powerpoint/2010/main">
+        <mc:Choice Requires="p14">
           <p:contentPart p14:bwMode="auto" r:id="rId58">
             <p14:nvContentPartPr>
               <p14:cNvPr id="89" name="Ink 88">
@@ -11503,7 +13185,7 @@
             </p14:xfrm>
           </p:contentPart>
         </mc:Choice>
-        <mc:Fallback>
+        <mc:Fallback xmlns="">
           <p:pic>
             <p:nvPicPr>
               <p:cNvPr id="89" name="Ink 88">
@@ -11534,8 +13216,8 @@
           </p:pic>
         </mc:Fallback>
       </mc:AlternateContent>
-      <mc:AlternateContent xmlns:mc="http://schemas.openxmlformats.org/markup-compatibility/2006">
-        <mc:Choice xmlns:p14="http://schemas.microsoft.com/office/powerpoint/2010/main" Requires="p14">
+      <mc:AlternateContent xmlns:mc="http://schemas.openxmlformats.org/markup-compatibility/2006" xmlns:p14="http://schemas.microsoft.com/office/powerpoint/2010/main">
+        <mc:Choice Requires="p14">
           <p:contentPart p14:bwMode="auto" r:id="rId60">
             <p14:nvContentPartPr>
               <p14:cNvPr id="90" name="Ink 89">
@@ -11554,7 +13236,7 @@
             </p14:xfrm>
           </p:contentPart>
         </mc:Choice>
-        <mc:Fallback>
+        <mc:Fallback xmlns="">
           <p:pic>
             <p:nvPicPr>
               <p:cNvPr id="90" name="Ink 89">
@@ -11585,8 +13267,8 @@
           </p:pic>
         </mc:Fallback>
       </mc:AlternateContent>
-      <mc:AlternateContent xmlns:mc="http://schemas.openxmlformats.org/markup-compatibility/2006">
-        <mc:Choice xmlns:p14="http://schemas.microsoft.com/office/powerpoint/2010/main" Requires="p14">
+      <mc:AlternateContent xmlns:mc="http://schemas.openxmlformats.org/markup-compatibility/2006" xmlns:p14="http://schemas.microsoft.com/office/powerpoint/2010/main">
+        <mc:Choice Requires="p14">
           <p:contentPart p14:bwMode="auto" r:id="rId62">
             <p14:nvContentPartPr>
               <p14:cNvPr id="91" name="Ink 90">
@@ -11605,7 +13287,7 @@
             </p14:xfrm>
           </p:contentPart>
         </mc:Choice>
-        <mc:Fallback>
+        <mc:Fallback xmlns="">
           <p:pic>
             <p:nvPicPr>
               <p:cNvPr id="91" name="Ink 90">
@@ -11636,8 +13318,8 @@
           </p:pic>
         </mc:Fallback>
       </mc:AlternateContent>
-      <mc:AlternateContent xmlns:mc="http://schemas.openxmlformats.org/markup-compatibility/2006">
-        <mc:Choice xmlns:p14="http://schemas.microsoft.com/office/powerpoint/2010/main" Requires="p14">
+      <mc:AlternateContent xmlns:mc="http://schemas.openxmlformats.org/markup-compatibility/2006" xmlns:p14="http://schemas.microsoft.com/office/powerpoint/2010/main">
+        <mc:Choice Requires="p14">
           <p:contentPart p14:bwMode="auto" r:id="rId64">
             <p14:nvContentPartPr>
               <p14:cNvPr id="92" name="Ink 91">
@@ -11656,7 +13338,7 @@
             </p14:xfrm>
           </p:contentPart>
         </mc:Choice>
-        <mc:Fallback>
+        <mc:Fallback xmlns="">
           <p:pic>
             <p:nvPicPr>
               <p:cNvPr id="92" name="Ink 91">
@@ -11687,8 +13369,8 @@
           </p:pic>
         </mc:Fallback>
       </mc:AlternateContent>
-      <mc:AlternateContent xmlns:mc="http://schemas.openxmlformats.org/markup-compatibility/2006">
-        <mc:Choice xmlns:p14="http://schemas.microsoft.com/office/powerpoint/2010/main" Requires="p14">
+      <mc:AlternateContent xmlns:mc="http://schemas.openxmlformats.org/markup-compatibility/2006" xmlns:p14="http://schemas.microsoft.com/office/powerpoint/2010/main">
+        <mc:Choice Requires="p14">
           <p:contentPart p14:bwMode="auto" r:id="rId66">
             <p14:nvContentPartPr>
               <p14:cNvPr id="93" name="Ink 92">
@@ -11707,7 +13389,7 @@
             </p14:xfrm>
           </p:contentPart>
         </mc:Choice>
-        <mc:Fallback>
+        <mc:Fallback xmlns="">
           <p:pic>
             <p:nvPicPr>
               <p:cNvPr id="93" name="Ink 92">
@@ -11738,8 +13420,8 @@
           </p:pic>
         </mc:Fallback>
       </mc:AlternateContent>
-      <mc:AlternateContent xmlns:mc="http://schemas.openxmlformats.org/markup-compatibility/2006">
-        <mc:Choice xmlns:p14="http://schemas.microsoft.com/office/powerpoint/2010/main" Requires="p14">
+      <mc:AlternateContent xmlns:mc="http://schemas.openxmlformats.org/markup-compatibility/2006" xmlns:p14="http://schemas.microsoft.com/office/powerpoint/2010/main">
+        <mc:Choice Requires="p14">
           <p:contentPart p14:bwMode="auto" r:id="rId68">
             <p14:nvContentPartPr>
               <p14:cNvPr id="94" name="Ink 93">
@@ -11758,7 +13440,7 @@
             </p14:xfrm>
           </p:contentPart>
         </mc:Choice>
-        <mc:Fallback>
+        <mc:Fallback xmlns="">
           <p:pic>
             <p:nvPicPr>
               <p:cNvPr id="94" name="Ink 93">
@@ -11789,8 +13471,8 @@
           </p:pic>
         </mc:Fallback>
       </mc:AlternateContent>
-      <mc:AlternateContent xmlns:mc="http://schemas.openxmlformats.org/markup-compatibility/2006">
-        <mc:Choice xmlns:p14="http://schemas.microsoft.com/office/powerpoint/2010/main" Requires="p14">
+      <mc:AlternateContent xmlns:mc="http://schemas.openxmlformats.org/markup-compatibility/2006" xmlns:p14="http://schemas.microsoft.com/office/powerpoint/2010/main">
+        <mc:Choice Requires="p14">
           <p:contentPart p14:bwMode="auto" r:id="rId70">
             <p14:nvContentPartPr>
               <p14:cNvPr id="95" name="Ink 94">
@@ -11809,7 +13491,7 @@
             </p14:xfrm>
           </p:contentPart>
         </mc:Choice>
-        <mc:Fallback>
+        <mc:Fallback xmlns="">
           <p:pic>
             <p:nvPicPr>
               <p:cNvPr id="95" name="Ink 94">
@@ -11840,8 +13522,8 @@
           </p:pic>
         </mc:Fallback>
       </mc:AlternateContent>
-      <mc:AlternateContent xmlns:mc="http://schemas.openxmlformats.org/markup-compatibility/2006">
-        <mc:Choice xmlns:p14="http://schemas.microsoft.com/office/powerpoint/2010/main" Requires="p14">
+      <mc:AlternateContent xmlns:mc="http://schemas.openxmlformats.org/markup-compatibility/2006" xmlns:p14="http://schemas.microsoft.com/office/powerpoint/2010/main">
+        <mc:Choice Requires="p14">
           <p:contentPart p14:bwMode="auto" r:id="rId72">
             <p14:nvContentPartPr>
               <p14:cNvPr id="96" name="Ink 95">
@@ -11860,7 +13542,7 @@
             </p14:xfrm>
           </p:contentPart>
         </mc:Choice>
-        <mc:Fallback>
+        <mc:Fallback xmlns="">
           <p:pic>
             <p:nvPicPr>
               <p:cNvPr id="96" name="Ink 95">
@@ -11891,8 +13573,8 @@
           </p:pic>
         </mc:Fallback>
       </mc:AlternateContent>
-      <mc:AlternateContent xmlns:mc="http://schemas.openxmlformats.org/markup-compatibility/2006">
-        <mc:Choice xmlns:p14="http://schemas.microsoft.com/office/powerpoint/2010/main" Requires="p14">
+      <mc:AlternateContent xmlns:mc="http://schemas.openxmlformats.org/markup-compatibility/2006" xmlns:p14="http://schemas.microsoft.com/office/powerpoint/2010/main">
+        <mc:Choice Requires="p14">
           <p:contentPart p14:bwMode="auto" r:id="rId74">
             <p14:nvContentPartPr>
               <p14:cNvPr id="106" name="Ink 105">
@@ -11911,7 +13593,7 @@
             </p14:xfrm>
           </p:contentPart>
         </mc:Choice>
-        <mc:Fallback>
+        <mc:Fallback xmlns="">
           <p:pic>
             <p:nvPicPr>
               <p:cNvPr id="106" name="Ink 105">
@@ -11942,8 +13624,8 @@
           </p:pic>
         </mc:Fallback>
       </mc:AlternateContent>
-      <mc:AlternateContent xmlns:mc="http://schemas.openxmlformats.org/markup-compatibility/2006">
-        <mc:Choice xmlns:p14="http://schemas.microsoft.com/office/powerpoint/2010/main" Requires="p14">
+      <mc:AlternateContent xmlns:mc="http://schemas.openxmlformats.org/markup-compatibility/2006" xmlns:p14="http://schemas.microsoft.com/office/powerpoint/2010/main">
+        <mc:Choice Requires="p14">
           <p:contentPart p14:bwMode="auto" r:id="rId76">
             <p14:nvContentPartPr>
               <p14:cNvPr id="107" name="Ink 106">
@@ -11962,7 +13644,7 @@
             </p14:xfrm>
           </p:contentPart>
         </mc:Choice>
-        <mc:Fallback>
+        <mc:Fallback xmlns="">
           <p:pic>
             <p:nvPicPr>
               <p:cNvPr id="107" name="Ink 106">
@@ -11993,8 +13675,8 @@
           </p:pic>
         </mc:Fallback>
       </mc:AlternateContent>
-      <mc:AlternateContent xmlns:mc="http://schemas.openxmlformats.org/markup-compatibility/2006">
-        <mc:Choice xmlns:p14="http://schemas.microsoft.com/office/powerpoint/2010/main" Requires="p14">
+      <mc:AlternateContent xmlns:mc="http://schemas.openxmlformats.org/markup-compatibility/2006" xmlns:p14="http://schemas.microsoft.com/office/powerpoint/2010/main">
+        <mc:Choice Requires="p14">
           <p:contentPart p14:bwMode="auto" r:id="rId78">
             <p14:nvContentPartPr>
               <p14:cNvPr id="117" name="Ink 116">
@@ -12013,7 +13695,7 @@
             </p14:xfrm>
           </p:contentPart>
         </mc:Choice>
-        <mc:Fallback>
+        <mc:Fallback xmlns="">
           <p:pic>
             <p:nvPicPr>
               <p:cNvPr id="117" name="Ink 116">
@@ -12044,8 +13726,8 @@
           </p:pic>
         </mc:Fallback>
       </mc:AlternateContent>
-      <mc:AlternateContent xmlns:mc="http://schemas.openxmlformats.org/markup-compatibility/2006">
-        <mc:Choice xmlns:p14="http://schemas.microsoft.com/office/powerpoint/2010/main" Requires="p14">
+      <mc:AlternateContent xmlns:mc="http://schemas.openxmlformats.org/markup-compatibility/2006" xmlns:p14="http://schemas.microsoft.com/office/powerpoint/2010/main">
+        <mc:Choice Requires="p14">
           <p:contentPart p14:bwMode="auto" r:id="rId80">
             <p14:nvContentPartPr>
               <p14:cNvPr id="142" name="Ink 141">
@@ -12064,7 +13746,7 @@
             </p14:xfrm>
           </p:contentPart>
         </mc:Choice>
-        <mc:Fallback>
+        <mc:Fallback xmlns="">
           <p:pic>
             <p:nvPicPr>
               <p:cNvPr id="142" name="Ink 141">
@@ -12095,8 +13777,8 @@
           </p:pic>
         </mc:Fallback>
       </mc:AlternateContent>
-      <mc:AlternateContent xmlns:mc="http://schemas.openxmlformats.org/markup-compatibility/2006">
-        <mc:Choice xmlns:p14="http://schemas.microsoft.com/office/powerpoint/2010/main" Requires="p14">
+      <mc:AlternateContent xmlns:mc="http://schemas.openxmlformats.org/markup-compatibility/2006" xmlns:p14="http://schemas.microsoft.com/office/powerpoint/2010/main">
+        <mc:Choice Requires="p14">
           <p:contentPart p14:bwMode="auto" r:id="rId82">
             <p14:nvContentPartPr>
               <p14:cNvPr id="145" name="Ink 144">
@@ -12115,7 +13797,7 @@
             </p14:xfrm>
           </p:contentPart>
         </mc:Choice>
-        <mc:Fallback>
+        <mc:Fallback xmlns="">
           <p:pic>
             <p:nvPicPr>
               <p:cNvPr id="145" name="Ink 144">
@@ -12146,8 +13828,8 @@
           </p:pic>
         </mc:Fallback>
       </mc:AlternateContent>
-      <mc:AlternateContent xmlns:mc="http://schemas.openxmlformats.org/markup-compatibility/2006">
-        <mc:Choice xmlns:p14="http://schemas.microsoft.com/office/powerpoint/2010/main" Requires="p14">
+      <mc:AlternateContent xmlns:mc="http://schemas.openxmlformats.org/markup-compatibility/2006" xmlns:p14="http://schemas.microsoft.com/office/powerpoint/2010/main">
+        <mc:Choice Requires="p14">
           <p:contentPart p14:bwMode="auto" r:id="rId84">
             <p14:nvContentPartPr>
               <p14:cNvPr id="150" name="Ink 149">
@@ -12166,7 +13848,7 @@
             </p14:xfrm>
           </p:contentPart>
         </mc:Choice>
-        <mc:Fallback>
+        <mc:Fallback xmlns="">
           <p:pic>
             <p:nvPicPr>
               <p:cNvPr id="150" name="Ink 149">
@@ -12197,8 +13879,8 @@
           </p:pic>
         </mc:Fallback>
       </mc:AlternateContent>
-      <mc:AlternateContent xmlns:mc="http://schemas.openxmlformats.org/markup-compatibility/2006">
-        <mc:Choice xmlns:p14="http://schemas.microsoft.com/office/powerpoint/2010/main" Requires="p14">
+      <mc:AlternateContent xmlns:mc="http://schemas.openxmlformats.org/markup-compatibility/2006" xmlns:p14="http://schemas.microsoft.com/office/powerpoint/2010/main">
+        <mc:Choice Requires="p14">
           <p:contentPart p14:bwMode="auto" r:id="rId86">
             <p14:nvContentPartPr>
               <p14:cNvPr id="159" name="Ink 158">
@@ -12217,7 +13899,7 @@
             </p14:xfrm>
           </p:contentPart>
         </mc:Choice>
-        <mc:Fallback>
+        <mc:Fallback xmlns="">
           <p:pic>
             <p:nvPicPr>
               <p:cNvPr id="159" name="Ink 158">
@@ -12248,8 +13930,8 @@
           </p:pic>
         </mc:Fallback>
       </mc:AlternateContent>
-      <mc:AlternateContent xmlns:mc="http://schemas.openxmlformats.org/markup-compatibility/2006">
-        <mc:Choice xmlns:p14="http://schemas.microsoft.com/office/powerpoint/2010/main" Requires="p14">
+      <mc:AlternateContent xmlns:mc="http://schemas.openxmlformats.org/markup-compatibility/2006" xmlns:p14="http://schemas.microsoft.com/office/powerpoint/2010/main">
+        <mc:Choice Requires="p14">
           <p:contentPart p14:bwMode="auto" r:id="rId88">
             <p14:nvContentPartPr>
               <p14:cNvPr id="160" name="Ink 159">
@@ -12268,7 +13950,7 @@
             </p14:xfrm>
           </p:contentPart>
         </mc:Choice>
-        <mc:Fallback>
+        <mc:Fallback xmlns="">
           <p:pic>
             <p:nvPicPr>
               <p:cNvPr id="160" name="Ink 159">
@@ -12299,8 +13981,8 @@
           </p:pic>
         </mc:Fallback>
       </mc:AlternateContent>
-      <mc:AlternateContent xmlns:mc="http://schemas.openxmlformats.org/markup-compatibility/2006">
-        <mc:Choice xmlns:p14="http://schemas.microsoft.com/office/powerpoint/2010/main" Requires="p14">
+      <mc:AlternateContent xmlns:mc="http://schemas.openxmlformats.org/markup-compatibility/2006" xmlns:p14="http://schemas.microsoft.com/office/powerpoint/2010/main">
+        <mc:Choice Requires="p14">
           <p:contentPart p14:bwMode="auto" r:id="rId90">
             <p14:nvContentPartPr>
               <p14:cNvPr id="171" name="Ink 170">
@@ -12319,7 +14001,7 @@
             </p14:xfrm>
           </p:contentPart>
         </mc:Choice>
-        <mc:Fallback>
+        <mc:Fallback xmlns="">
           <p:pic>
             <p:nvPicPr>
               <p:cNvPr id="171" name="Ink 170">
@@ -12350,8 +14032,8 @@
           </p:pic>
         </mc:Fallback>
       </mc:AlternateContent>
-      <mc:AlternateContent xmlns:mc="http://schemas.openxmlformats.org/markup-compatibility/2006">
-        <mc:Choice xmlns:p14="http://schemas.microsoft.com/office/powerpoint/2010/main" Requires="p14">
+      <mc:AlternateContent xmlns:mc="http://schemas.openxmlformats.org/markup-compatibility/2006" xmlns:p14="http://schemas.microsoft.com/office/powerpoint/2010/main">
+        <mc:Choice Requires="p14">
           <p:contentPart p14:bwMode="auto" r:id="rId92">
             <p14:nvContentPartPr>
               <p14:cNvPr id="189" name="Ink 188">
@@ -12370,7 +14052,7 @@
             </p14:xfrm>
           </p:contentPart>
         </mc:Choice>
-        <mc:Fallback>
+        <mc:Fallback xmlns="">
           <p:pic>
             <p:nvPicPr>
               <p:cNvPr id="189" name="Ink 188">
@@ -12401,8 +14083,8 @@
           </p:pic>
         </mc:Fallback>
       </mc:AlternateContent>
-      <mc:AlternateContent xmlns:mc="http://schemas.openxmlformats.org/markup-compatibility/2006">
-        <mc:Choice xmlns:p14="http://schemas.microsoft.com/office/powerpoint/2010/main" Requires="p14">
+      <mc:AlternateContent xmlns:mc="http://schemas.openxmlformats.org/markup-compatibility/2006" xmlns:p14="http://schemas.microsoft.com/office/powerpoint/2010/main">
+        <mc:Choice Requires="p14">
           <p:contentPart p14:bwMode="auto" r:id="rId94">
             <p14:nvContentPartPr>
               <p14:cNvPr id="190" name="Ink 189">
@@ -12421,7 +14103,7 @@
             </p14:xfrm>
           </p:contentPart>
         </mc:Choice>
-        <mc:Fallback>
+        <mc:Fallback xmlns="">
           <p:pic>
             <p:nvPicPr>
               <p:cNvPr id="190" name="Ink 189">
@@ -12452,8 +14134,8 @@
           </p:pic>
         </mc:Fallback>
       </mc:AlternateContent>
-      <mc:AlternateContent xmlns:mc="http://schemas.openxmlformats.org/markup-compatibility/2006">
-        <mc:Choice xmlns:p14="http://schemas.microsoft.com/office/powerpoint/2010/main" Requires="p14">
+      <mc:AlternateContent xmlns:mc="http://schemas.openxmlformats.org/markup-compatibility/2006" xmlns:p14="http://schemas.microsoft.com/office/powerpoint/2010/main">
+        <mc:Choice Requires="p14">
           <p:contentPart p14:bwMode="auto" r:id="rId96">
             <p14:nvContentPartPr>
               <p14:cNvPr id="195" name="Ink 194">
@@ -12472,7 +14154,7 @@
             </p14:xfrm>
           </p:contentPart>
         </mc:Choice>
-        <mc:Fallback>
+        <mc:Fallback xmlns="">
           <p:pic>
             <p:nvPicPr>
               <p:cNvPr id="195" name="Ink 194">
@@ -12503,8 +14185,8 @@
           </p:pic>
         </mc:Fallback>
       </mc:AlternateContent>
-      <mc:AlternateContent xmlns:mc="http://schemas.openxmlformats.org/markup-compatibility/2006">
-        <mc:Choice xmlns:p14="http://schemas.microsoft.com/office/powerpoint/2010/main" Requires="p14">
+      <mc:AlternateContent xmlns:mc="http://schemas.openxmlformats.org/markup-compatibility/2006" xmlns:p14="http://schemas.microsoft.com/office/powerpoint/2010/main">
+        <mc:Choice Requires="p14">
           <p:contentPart p14:bwMode="auto" r:id="rId98">
             <p14:nvContentPartPr>
               <p14:cNvPr id="204" name="Ink 203">
@@ -12523,7 +14205,7 @@
             </p14:xfrm>
           </p:contentPart>
         </mc:Choice>
-        <mc:Fallback>
+        <mc:Fallback xmlns="">
           <p:pic>
             <p:nvPicPr>
               <p:cNvPr id="204" name="Ink 203">
@@ -12554,8 +14236,8 @@
           </p:pic>
         </mc:Fallback>
       </mc:AlternateContent>
-      <mc:AlternateContent xmlns:mc="http://schemas.openxmlformats.org/markup-compatibility/2006">
-        <mc:Choice xmlns:p14="http://schemas.microsoft.com/office/powerpoint/2010/main" Requires="p14">
+      <mc:AlternateContent xmlns:mc="http://schemas.openxmlformats.org/markup-compatibility/2006" xmlns:p14="http://schemas.microsoft.com/office/powerpoint/2010/main">
+        <mc:Choice Requires="p14">
           <p:contentPart p14:bwMode="auto" r:id="rId100">
             <p14:nvContentPartPr>
               <p14:cNvPr id="211" name="Ink 210">
@@ -12574,7 +14256,7 @@
             </p14:xfrm>
           </p:contentPart>
         </mc:Choice>
-        <mc:Fallback>
+        <mc:Fallback xmlns="">
           <p:pic>
             <p:nvPicPr>
               <p:cNvPr id="211" name="Ink 210">
@@ -12605,8 +14287,8 @@
           </p:pic>
         </mc:Fallback>
       </mc:AlternateContent>
-      <mc:AlternateContent xmlns:mc="http://schemas.openxmlformats.org/markup-compatibility/2006">
-        <mc:Choice xmlns:p14="http://schemas.microsoft.com/office/powerpoint/2010/main" Requires="p14">
+      <mc:AlternateContent xmlns:mc="http://schemas.openxmlformats.org/markup-compatibility/2006" xmlns:p14="http://schemas.microsoft.com/office/powerpoint/2010/main">
+        <mc:Choice Requires="p14">
           <p:contentPart p14:bwMode="auto" r:id="rId102">
             <p14:nvContentPartPr>
               <p14:cNvPr id="221" name="Ink 220">
@@ -12625,7 +14307,7 @@
             </p14:xfrm>
           </p:contentPart>
         </mc:Choice>
-        <mc:Fallback>
+        <mc:Fallback xmlns="">
           <p:pic>
             <p:nvPicPr>
               <p:cNvPr id="221" name="Ink 220">
@@ -12656,8 +14338,8 @@
           </p:pic>
         </mc:Fallback>
       </mc:AlternateContent>
-      <mc:AlternateContent xmlns:mc="http://schemas.openxmlformats.org/markup-compatibility/2006">
-        <mc:Choice xmlns:p14="http://schemas.microsoft.com/office/powerpoint/2010/main" Requires="p14">
+      <mc:AlternateContent xmlns:mc="http://schemas.openxmlformats.org/markup-compatibility/2006" xmlns:p14="http://schemas.microsoft.com/office/powerpoint/2010/main">
+        <mc:Choice Requires="p14">
           <p:contentPart p14:bwMode="auto" r:id="rId104">
             <p14:nvContentPartPr>
               <p14:cNvPr id="229" name="Ink 228">
@@ -12676,7 +14358,7 @@
             </p14:xfrm>
           </p:contentPart>
         </mc:Choice>
-        <mc:Fallback>
+        <mc:Fallback xmlns="">
           <p:pic>
             <p:nvPicPr>
               <p:cNvPr id="229" name="Ink 228">
@@ -12707,8 +14389,8 @@
           </p:pic>
         </mc:Fallback>
       </mc:AlternateContent>
-      <mc:AlternateContent xmlns:mc="http://schemas.openxmlformats.org/markup-compatibility/2006">
-        <mc:Choice xmlns:p14="http://schemas.microsoft.com/office/powerpoint/2010/main" Requires="p14">
+      <mc:AlternateContent xmlns:mc="http://schemas.openxmlformats.org/markup-compatibility/2006" xmlns:p14="http://schemas.microsoft.com/office/powerpoint/2010/main">
+        <mc:Choice Requires="p14">
           <p:contentPart p14:bwMode="auto" r:id="rId106">
             <p14:nvContentPartPr>
               <p14:cNvPr id="232" name="Ink 231">
@@ -12727,7 +14409,7 @@
             </p14:xfrm>
           </p:contentPart>
         </mc:Choice>
-        <mc:Fallback>
+        <mc:Fallback xmlns="">
           <p:pic>
             <p:nvPicPr>
               <p:cNvPr id="232" name="Ink 231">
@@ -12758,8 +14440,8 @@
           </p:pic>
         </mc:Fallback>
       </mc:AlternateContent>
-      <mc:AlternateContent xmlns:mc="http://schemas.openxmlformats.org/markup-compatibility/2006">
-        <mc:Choice xmlns:p14="http://schemas.microsoft.com/office/powerpoint/2010/main" Requires="p14">
+      <mc:AlternateContent xmlns:mc="http://schemas.openxmlformats.org/markup-compatibility/2006" xmlns:p14="http://schemas.microsoft.com/office/powerpoint/2010/main">
+        <mc:Choice Requires="p14">
           <p:contentPart p14:bwMode="auto" r:id="rId108">
             <p14:nvContentPartPr>
               <p14:cNvPr id="233" name="Ink 232">
@@ -12778,7 +14460,7 @@
             </p14:xfrm>
           </p:contentPart>
         </mc:Choice>
-        <mc:Fallback>
+        <mc:Fallback xmlns="">
           <p:pic>
             <p:nvPicPr>
               <p:cNvPr id="233" name="Ink 232">
@@ -12839,8 +14521,8 @@
           <a:chExt cx="0" cy="0"/>
         </a:xfrm>
       </p:grpSpPr>
-      <mc:AlternateContent xmlns:mc="http://schemas.openxmlformats.org/markup-compatibility/2006">
-        <mc:Choice xmlns:p14="http://schemas.microsoft.com/office/powerpoint/2010/main" Requires="p14">
+      <mc:AlternateContent xmlns:mc="http://schemas.openxmlformats.org/markup-compatibility/2006" xmlns:p14="http://schemas.microsoft.com/office/powerpoint/2010/main">
+        <mc:Choice Requires="p14">
           <p:contentPart p14:bwMode="auto" r:id="rId2">
             <p14:nvContentPartPr>
               <p14:cNvPr id="34" name="Ink 33">
@@ -12859,7 +14541,7 @@
             </p14:xfrm>
           </p:contentPart>
         </mc:Choice>
-        <mc:Fallback>
+        <mc:Fallback xmlns="">
           <p:pic>
             <p:nvPicPr>
               <p:cNvPr id="34" name="Ink 33">
@@ -12890,8 +14572,8 @@
           </p:pic>
         </mc:Fallback>
       </mc:AlternateContent>
-      <mc:AlternateContent xmlns:mc="http://schemas.openxmlformats.org/markup-compatibility/2006">
-        <mc:Choice xmlns:p14="http://schemas.microsoft.com/office/powerpoint/2010/main" Requires="p14">
+      <mc:AlternateContent xmlns:mc="http://schemas.openxmlformats.org/markup-compatibility/2006" xmlns:p14="http://schemas.microsoft.com/office/powerpoint/2010/main">
+        <mc:Choice Requires="p14">
           <p:contentPart p14:bwMode="auto" r:id="rId4">
             <p14:nvContentPartPr>
               <p14:cNvPr id="36" name="Ink 35">
@@ -12910,7 +14592,7 @@
             </p14:xfrm>
           </p:contentPart>
         </mc:Choice>
-        <mc:Fallback>
+        <mc:Fallback xmlns="">
           <p:pic>
             <p:nvPicPr>
               <p:cNvPr id="36" name="Ink 35">
@@ -12941,8 +14623,8 @@
           </p:pic>
         </mc:Fallback>
       </mc:AlternateContent>
-      <mc:AlternateContent xmlns:mc="http://schemas.openxmlformats.org/markup-compatibility/2006">
-        <mc:Choice xmlns:p14="http://schemas.microsoft.com/office/powerpoint/2010/main" Requires="p14">
+      <mc:AlternateContent xmlns:mc="http://schemas.openxmlformats.org/markup-compatibility/2006" xmlns:p14="http://schemas.microsoft.com/office/powerpoint/2010/main">
+        <mc:Choice Requires="p14">
           <p:contentPart p14:bwMode="auto" r:id="rId6">
             <p14:nvContentPartPr>
               <p14:cNvPr id="67" name="Ink 66">
@@ -12961,7 +14643,7 @@
             </p14:xfrm>
           </p:contentPart>
         </mc:Choice>
-        <mc:Fallback>
+        <mc:Fallback xmlns="">
           <p:pic>
             <p:nvPicPr>
               <p:cNvPr id="67" name="Ink 66">
@@ -12992,8 +14674,8 @@
           </p:pic>
         </mc:Fallback>
       </mc:AlternateContent>
-      <mc:AlternateContent xmlns:mc="http://schemas.openxmlformats.org/markup-compatibility/2006">
-        <mc:Choice xmlns:p14="http://schemas.microsoft.com/office/powerpoint/2010/main" Requires="p14">
+      <mc:AlternateContent xmlns:mc="http://schemas.openxmlformats.org/markup-compatibility/2006" xmlns:p14="http://schemas.microsoft.com/office/powerpoint/2010/main">
+        <mc:Choice Requires="p14">
           <p:contentPart p14:bwMode="auto" r:id="rId8">
             <p14:nvContentPartPr>
               <p14:cNvPr id="119" name="Ink 118">
@@ -13012,7 +14694,7 @@
             </p14:xfrm>
           </p:contentPart>
         </mc:Choice>
-        <mc:Fallback>
+        <mc:Fallback xmlns="">
           <p:pic>
             <p:nvPicPr>
               <p:cNvPr id="119" name="Ink 118">
@@ -13043,8 +14725,8 @@
           </p:pic>
         </mc:Fallback>
       </mc:AlternateContent>
-      <mc:AlternateContent xmlns:mc="http://schemas.openxmlformats.org/markup-compatibility/2006">
-        <mc:Choice xmlns:p14="http://schemas.microsoft.com/office/powerpoint/2010/main" Requires="p14">
+      <mc:AlternateContent xmlns:mc="http://schemas.openxmlformats.org/markup-compatibility/2006" xmlns:p14="http://schemas.microsoft.com/office/powerpoint/2010/main">
+        <mc:Choice Requires="p14">
           <p:contentPart p14:bwMode="auto" r:id="rId10">
             <p14:nvContentPartPr>
               <p14:cNvPr id="129" name="Ink 128">
@@ -13063,7 +14745,7 @@
             </p14:xfrm>
           </p:contentPart>
         </mc:Choice>
-        <mc:Fallback>
+        <mc:Fallback xmlns="">
           <p:pic>
             <p:nvPicPr>
               <p:cNvPr id="129" name="Ink 128">
@@ -13094,8 +14776,8 @@
           </p:pic>
         </mc:Fallback>
       </mc:AlternateContent>
-      <mc:AlternateContent xmlns:mc="http://schemas.openxmlformats.org/markup-compatibility/2006">
-        <mc:Choice xmlns:p14="http://schemas.microsoft.com/office/powerpoint/2010/main" Requires="p14">
+      <mc:AlternateContent xmlns:mc="http://schemas.openxmlformats.org/markup-compatibility/2006" xmlns:p14="http://schemas.microsoft.com/office/powerpoint/2010/main">
+        <mc:Choice Requires="p14">
           <p:contentPart p14:bwMode="auto" r:id="rId12">
             <p14:nvContentPartPr>
               <p14:cNvPr id="132" name="Ink 131">
@@ -13114,7 +14796,7 @@
             </p14:xfrm>
           </p:contentPart>
         </mc:Choice>
-        <mc:Fallback>
+        <mc:Fallback xmlns="">
           <p:pic>
             <p:nvPicPr>
               <p:cNvPr id="132" name="Ink 131">
@@ -13145,8 +14827,8 @@
           </p:pic>
         </mc:Fallback>
       </mc:AlternateContent>
-      <mc:AlternateContent xmlns:mc="http://schemas.openxmlformats.org/markup-compatibility/2006">
-        <mc:Choice xmlns:p14="http://schemas.microsoft.com/office/powerpoint/2010/main" Requires="p14">
+      <mc:AlternateContent xmlns:mc="http://schemas.openxmlformats.org/markup-compatibility/2006" xmlns:p14="http://schemas.microsoft.com/office/powerpoint/2010/main">
+        <mc:Choice Requires="p14">
           <p:contentPart p14:bwMode="auto" r:id="rId14">
             <p14:nvContentPartPr>
               <p14:cNvPr id="137" name="Ink 136">
@@ -13165,7 +14847,7 @@
             </p14:xfrm>
           </p:contentPart>
         </mc:Choice>
-        <mc:Fallback>
+        <mc:Fallback xmlns="">
           <p:pic>
             <p:nvPicPr>
               <p:cNvPr id="137" name="Ink 136">
@@ -13226,6 +14908,1842 @@
           <a:chExt cx="0" cy="0"/>
         </a:xfrm>
       </p:grpSpPr>
+      <mc:AlternateContent xmlns:mc="http://schemas.openxmlformats.org/markup-compatibility/2006">
+        <mc:Choice xmlns:p14="http://schemas.microsoft.com/office/powerpoint/2010/main" Requires="p14">
+          <p:contentPart p14:bwMode="auto" r:id="rId2">
+            <p14:nvContentPartPr>
+              <p14:cNvPr id="6" name="Ink 5">
+                <a:extLst>
+                  <a:ext uri="{FF2B5EF4-FFF2-40B4-BE49-F238E27FC236}">
+                    <a16:creationId xmlns:a16="http://schemas.microsoft.com/office/drawing/2014/main" id="{46EC9A0E-3C96-4450-B65C-B172C9EE75FD}"/>
+                  </a:ext>
+                </a:extLst>
+              </p14:cNvPr>
+              <p14:cNvContentPartPr/>
+              <p14:nvPr/>
+            </p14:nvContentPartPr>
+            <p14:xfrm>
+              <a:off x="348646" y="413211"/>
+              <a:ext cx="1015200" cy="507600"/>
+            </p14:xfrm>
+          </p:contentPart>
+        </mc:Choice>
+        <mc:Fallback>
+          <p:pic>
+            <p:nvPicPr>
+              <p:cNvPr id="6" name="Ink 5">
+                <a:extLst>
+                  <a:ext uri="{FF2B5EF4-FFF2-40B4-BE49-F238E27FC236}">
+                    <a16:creationId xmlns:a16="http://schemas.microsoft.com/office/drawing/2014/main" id="{46EC9A0E-3C96-4450-B65C-B172C9EE75FD}"/>
+                  </a:ext>
+                </a:extLst>
+              </p:cNvPr>
+              <p:cNvPicPr/>
+              <p:nvPr/>
+            </p:nvPicPr>
+            <p:blipFill>
+              <a:blip r:embed="rId3"/>
+              <a:stretch>
+                <a:fillRect/>
+              </a:stretch>
+            </p:blipFill>
+            <p:spPr>
+              <a:xfrm>
+                <a:off x="339646" y="404211"/>
+                <a:ext cx="1032840" cy="525240"/>
+              </a:xfrm>
+              <a:prstGeom prst="rect">
+                <a:avLst/>
+              </a:prstGeom>
+            </p:spPr>
+          </p:pic>
+        </mc:Fallback>
+      </mc:AlternateContent>
+      <mc:AlternateContent xmlns:mc="http://schemas.openxmlformats.org/markup-compatibility/2006">
+        <mc:Choice xmlns:p14="http://schemas.microsoft.com/office/powerpoint/2010/main" Requires="p14">
+          <p:contentPart p14:bwMode="auto" r:id="rId4">
+            <p14:nvContentPartPr>
+              <p14:cNvPr id="14" name="Ink 13">
+                <a:extLst>
+                  <a:ext uri="{FF2B5EF4-FFF2-40B4-BE49-F238E27FC236}">
+                    <a16:creationId xmlns:a16="http://schemas.microsoft.com/office/drawing/2014/main" id="{8727A650-3551-41B4-88DE-C7210DF5F30B}"/>
+                  </a:ext>
+                </a:extLst>
+              </p14:cNvPr>
+              <p14:cNvContentPartPr/>
+              <p14:nvPr/>
+            </p14:nvContentPartPr>
+            <p14:xfrm>
+              <a:off x="2074846" y="386211"/>
+              <a:ext cx="923760" cy="1005840"/>
+            </p14:xfrm>
+          </p:contentPart>
+        </mc:Choice>
+        <mc:Fallback>
+          <p:pic>
+            <p:nvPicPr>
+              <p:cNvPr id="14" name="Ink 13">
+                <a:extLst>
+                  <a:ext uri="{FF2B5EF4-FFF2-40B4-BE49-F238E27FC236}">
+                    <a16:creationId xmlns:a16="http://schemas.microsoft.com/office/drawing/2014/main" id="{8727A650-3551-41B4-88DE-C7210DF5F30B}"/>
+                  </a:ext>
+                </a:extLst>
+              </p:cNvPr>
+              <p:cNvPicPr/>
+              <p:nvPr/>
+            </p:nvPicPr>
+            <p:blipFill>
+              <a:blip r:embed="rId5"/>
+              <a:stretch>
+                <a:fillRect/>
+              </a:stretch>
+            </p:blipFill>
+            <p:spPr>
+              <a:xfrm>
+                <a:off x="2065846" y="377211"/>
+                <a:ext cx="941400" cy="1023480"/>
+              </a:xfrm>
+              <a:prstGeom prst="rect">
+                <a:avLst/>
+              </a:prstGeom>
+            </p:spPr>
+          </p:pic>
+        </mc:Fallback>
+      </mc:AlternateContent>
+      <mc:AlternateContent xmlns:mc="http://schemas.openxmlformats.org/markup-compatibility/2006">
+        <mc:Choice xmlns:p14="http://schemas.microsoft.com/office/powerpoint/2010/main" Requires="p14">
+          <p:contentPart p14:bwMode="auto" r:id="rId6">
+            <p14:nvContentPartPr>
+              <p14:cNvPr id="31" name="Ink 30">
+                <a:extLst>
+                  <a:ext uri="{FF2B5EF4-FFF2-40B4-BE49-F238E27FC236}">
+                    <a16:creationId xmlns:a16="http://schemas.microsoft.com/office/drawing/2014/main" id="{97A24B72-625C-4196-91B0-7C35864C5333}"/>
+                  </a:ext>
+                </a:extLst>
+              </p14:cNvPr>
+              <p14:cNvContentPartPr/>
+              <p14:nvPr/>
+            </p14:nvContentPartPr>
+            <p14:xfrm>
+              <a:off x="596326" y="1667811"/>
+              <a:ext cx="1953720" cy="470160"/>
+            </p14:xfrm>
+          </p:contentPart>
+        </mc:Choice>
+        <mc:Fallback>
+          <p:pic>
+            <p:nvPicPr>
+              <p:cNvPr id="31" name="Ink 30">
+                <a:extLst>
+                  <a:ext uri="{FF2B5EF4-FFF2-40B4-BE49-F238E27FC236}">
+                    <a16:creationId xmlns:a16="http://schemas.microsoft.com/office/drawing/2014/main" id="{97A24B72-625C-4196-91B0-7C35864C5333}"/>
+                  </a:ext>
+                </a:extLst>
+              </p:cNvPr>
+              <p:cNvPicPr/>
+              <p:nvPr/>
+            </p:nvPicPr>
+            <p:blipFill>
+              <a:blip r:embed="rId7"/>
+              <a:stretch>
+                <a:fillRect/>
+              </a:stretch>
+            </p:blipFill>
+            <p:spPr>
+              <a:xfrm>
+                <a:off x="587326" y="1658811"/>
+                <a:ext cx="1971360" cy="487800"/>
+              </a:xfrm>
+              <a:prstGeom prst="rect">
+                <a:avLst/>
+              </a:prstGeom>
+            </p:spPr>
+          </p:pic>
+        </mc:Fallback>
+      </mc:AlternateContent>
+      <mc:AlternateContent xmlns:mc="http://schemas.openxmlformats.org/markup-compatibility/2006">
+        <mc:Choice xmlns:p14="http://schemas.microsoft.com/office/powerpoint/2010/main" Requires="p14">
+          <p:contentPart p14:bwMode="auto" r:id="rId8">
+            <p14:nvContentPartPr>
+              <p14:cNvPr id="34" name="Ink 33">
+                <a:extLst>
+                  <a:ext uri="{FF2B5EF4-FFF2-40B4-BE49-F238E27FC236}">
+                    <a16:creationId xmlns:a16="http://schemas.microsoft.com/office/drawing/2014/main" id="{8073A286-B4C4-4254-9731-443229C4D22C}"/>
+                  </a:ext>
+                </a:extLst>
+              </p14:cNvPr>
+              <p14:cNvContentPartPr/>
+              <p14:nvPr/>
+            </p14:nvContentPartPr>
+            <p14:xfrm>
+              <a:off x="2830846" y="1635411"/>
+              <a:ext cx="1407240" cy="344880"/>
+            </p14:xfrm>
+          </p:contentPart>
+        </mc:Choice>
+        <mc:Fallback>
+          <p:pic>
+            <p:nvPicPr>
+              <p:cNvPr id="34" name="Ink 33">
+                <a:extLst>
+                  <a:ext uri="{FF2B5EF4-FFF2-40B4-BE49-F238E27FC236}">
+                    <a16:creationId xmlns:a16="http://schemas.microsoft.com/office/drawing/2014/main" id="{8073A286-B4C4-4254-9731-443229C4D22C}"/>
+                  </a:ext>
+                </a:extLst>
+              </p:cNvPr>
+              <p:cNvPicPr/>
+              <p:nvPr/>
+            </p:nvPicPr>
+            <p:blipFill>
+              <a:blip r:embed="rId9"/>
+              <a:stretch>
+                <a:fillRect/>
+              </a:stretch>
+            </p:blipFill>
+            <p:spPr>
+              <a:xfrm>
+                <a:off x="2821846" y="1626411"/>
+                <a:ext cx="1424880" cy="362520"/>
+              </a:xfrm>
+              <a:prstGeom prst="rect">
+                <a:avLst/>
+              </a:prstGeom>
+            </p:spPr>
+          </p:pic>
+        </mc:Fallback>
+      </mc:AlternateContent>
+      <mc:AlternateContent xmlns:mc="http://schemas.openxmlformats.org/markup-compatibility/2006">
+        <mc:Choice xmlns:p14="http://schemas.microsoft.com/office/powerpoint/2010/main" Requires="p14">
+          <p:contentPart p14:bwMode="auto" r:id="rId10">
+            <p14:nvContentPartPr>
+              <p14:cNvPr id="38" name="Ink 37">
+                <a:extLst>
+                  <a:ext uri="{FF2B5EF4-FFF2-40B4-BE49-F238E27FC236}">
+                    <a16:creationId xmlns:a16="http://schemas.microsoft.com/office/drawing/2014/main" id="{E8B505A5-DE22-4E0B-9E43-05B3C7359176}"/>
+                  </a:ext>
+                </a:extLst>
+              </p14:cNvPr>
+              <p14:cNvContentPartPr/>
+              <p14:nvPr/>
+            </p14:nvContentPartPr>
+            <p14:xfrm>
+              <a:off x="2813566" y="2278371"/>
+              <a:ext cx="52920" cy="308160"/>
+            </p14:xfrm>
+          </p:contentPart>
+        </mc:Choice>
+        <mc:Fallback>
+          <p:pic>
+            <p:nvPicPr>
+              <p:cNvPr id="38" name="Ink 37">
+                <a:extLst>
+                  <a:ext uri="{FF2B5EF4-FFF2-40B4-BE49-F238E27FC236}">
+                    <a16:creationId xmlns:a16="http://schemas.microsoft.com/office/drawing/2014/main" id="{E8B505A5-DE22-4E0B-9E43-05B3C7359176}"/>
+                  </a:ext>
+                </a:extLst>
+              </p:cNvPr>
+              <p:cNvPicPr/>
+              <p:nvPr/>
+            </p:nvPicPr>
+            <p:blipFill>
+              <a:blip r:embed="rId11"/>
+              <a:stretch>
+                <a:fillRect/>
+              </a:stretch>
+            </p:blipFill>
+            <p:spPr>
+              <a:xfrm>
+                <a:off x="2804566" y="2269371"/>
+                <a:ext cx="70560" cy="325800"/>
+              </a:xfrm>
+              <a:prstGeom prst="rect">
+                <a:avLst/>
+              </a:prstGeom>
+            </p:spPr>
+          </p:pic>
+        </mc:Fallback>
+      </mc:AlternateContent>
+      <mc:AlternateContent xmlns:mc="http://schemas.openxmlformats.org/markup-compatibility/2006">
+        <mc:Choice xmlns:p14="http://schemas.microsoft.com/office/powerpoint/2010/main" Requires="p14">
+          <p:contentPart p14:bwMode="auto" r:id="rId12">
+            <p14:nvContentPartPr>
+              <p14:cNvPr id="41" name="Ink 40">
+                <a:extLst>
+                  <a:ext uri="{FF2B5EF4-FFF2-40B4-BE49-F238E27FC236}">
+                    <a16:creationId xmlns:a16="http://schemas.microsoft.com/office/drawing/2014/main" id="{80709AD7-9B63-47E7-A0DE-9D6EA5503FD0}"/>
+                  </a:ext>
+                </a:extLst>
+              </p14:cNvPr>
+              <p14:cNvContentPartPr/>
+              <p14:nvPr/>
+            </p14:nvContentPartPr>
+            <p14:xfrm>
+              <a:off x="3279406" y="2379531"/>
+              <a:ext cx="202680" cy="135360"/>
+            </p14:xfrm>
+          </p:contentPart>
+        </mc:Choice>
+        <mc:Fallback>
+          <p:pic>
+            <p:nvPicPr>
+              <p:cNvPr id="41" name="Ink 40">
+                <a:extLst>
+                  <a:ext uri="{FF2B5EF4-FFF2-40B4-BE49-F238E27FC236}">
+                    <a16:creationId xmlns:a16="http://schemas.microsoft.com/office/drawing/2014/main" id="{80709AD7-9B63-47E7-A0DE-9D6EA5503FD0}"/>
+                  </a:ext>
+                </a:extLst>
+              </p:cNvPr>
+              <p:cNvPicPr/>
+              <p:nvPr/>
+            </p:nvPicPr>
+            <p:blipFill>
+              <a:blip r:embed="rId13"/>
+              <a:stretch>
+                <a:fillRect/>
+              </a:stretch>
+            </p:blipFill>
+            <p:spPr>
+              <a:xfrm>
+                <a:off x="3270406" y="2370531"/>
+                <a:ext cx="220320" cy="153000"/>
+              </a:xfrm>
+              <a:prstGeom prst="rect">
+                <a:avLst/>
+              </a:prstGeom>
+            </p:spPr>
+          </p:pic>
+        </mc:Fallback>
+      </mc:AlternateContent>
+      <mc:AlternateContent xmlns:mc="http://schemas.openxmlformats.org/markup-compatibility/2006">
+        <mc:Choice xmlns:p14="http://schemas.microsoft.com/office/powerpoint/2010/main" Requires="p14">
+          <p:contentPart p14:bwMode="auto" r:id="rId14">
+            <p14:nvContentPartPr>
+              <p14:cNvPr id="42" name="Ink 41">
+                <a:extLst>
+                  <a:ext uri="{FF2B5EF4-FFF2-40B4-BE49-F238E27FC236}">
+                    <a16:creationId xmlns:a16="http://schemas.microsoft.com/office/drawing/2014/main" id="{90C11A55-E61B-402A-9ED2-9BD54EF6716B}"/>
+                  </a:ext>
+                </a:extLst>
+              </p14:cNvPr>
+              <p14:cNvContentPartPr/>
+              <p14:nvPr/>
+            </p14:nvContentPartPr>
+            <p14:xfrm>
+              <a:off x="1863886" y="2248851"/>
+              <a:ext cx="696240" cy="310680"/>
+            </p14:xfrm>
+          </p:contentPart>
+        </mc:Choice>
+        <mc:Fallback>
+          <p:pic>
+            <p:nvPicPr>
+              <p:cNvPr id="42" name="Ink 41">
+                <a:extLst>
+                  <a:ext uri="{FF2B5EF4-FFF2-40B4-BE49-F238E27FC236}">
+                    <a16:creationId xmlns:a16="http://schemas.microsoft.com/office/drawing/2014/main" id="{90C11A55-E61B-402A-9ED2-9BD54EF6716B}"/>
+                  </a:ext>
+                </a:extLst>
+              </p:cNvPr>
+              <p:cNvPicPr/>
+              <p:nvPr/>
+            </p:nvPicPr>
+            <p:blipFill>
+              <a:blip r:embed="rId15"/>
+              <a:stretch>
+                <a:fillRect/>
+              </a:stretch>
+            </p:blipFill>
+            <p:spPr>
+              <a:xfrm>
+                <a:off x="1854886" y="2239851"/>
+                <a:ext cx="713880" cy="328320"/>
+              </a:xfrm>
+              <a:prstGeom prst="rect">
+                <a:avLst/>
+              </a:prstGeom>
+            </p:spPr>
+          </p:pic>
+        </mc:Fallback>
+      </mc:AlternateContent>
+      <mc:AlternateContent xmlns:mc="http://schemas.openxmlformats.org/markup-compatibility/2006">
+        <mc:Choice xmlns:p14="http://schemas.microsoft.com/office/powerpoint/2010/main" Requires="p14">
+          <p:contentPart p14:bwMode="auto" r:id="rId16">
+            <p14:nvContentPartPr>
+              <p14:cNvPr id="49" name="Ink 48">
+                <a:extLst>
+                  <a:ext uri="{FF2B5EF4-FFF2-40B4-BE49-F238E27FC236}">
+                    <a16:creationId xmlns:a16="http://schemas.microsoft.com/office/drawing/2014/main" id="{A75B025F-2B6E-49DB-870A-EC0598534570}"/>
+                  </a:ext>
+                </a:extLst>
+              </p14:cNvPr>
+              <p14:cNvContentPartPr/>
+              <p14:nvPr/>
+            </p14:nvContentPartPr>
+            <p14:xfrm>
+              <a:off x="3340966" y="2919171"/>
+              <a:ext cx="202680" cy="114480"/>
+            </p14:xfrm>
+          </p:contentPart>
+        </mc:Choice>
+        <mc:Fallback>
+          <p:pic>
+            <p:nvPicPr>
+              <p:cNvPr id="49" name="Ink 48">
+                <a:extLst>
+                  <a:ext uri="{FF2B5EF4-FFF2-40B4-BE49-F238E27FC236}">
+                    <a16:creationId xmlns:a16="http://schemas.microsoft.com/office/drawing/2014/main" id="{A75B025F-2B6E-49DB-870A-EC0598534570}"/>
+                  </a:ext>
+                </a:extLst>
+              </p:cNvPr>
+              <p:cNvPicPr/>
+              <p:nvPr/>
+            </p:nvPicPr>
+            <p:blipFill>
+              <a:blip r:embed="rId17"/>
+              <a:stretch>
+                <a:fillRect/>
+              </a:stretch>
+            </p:blipFill>
+            <p:spPr>
+              <a:xfrm>
+                <a:off x="3331966" y="2910171"/>
+                <a:ext cx="220320" cy="132120"/>
+              </a:xfrm>
+              <a:prstGeom prst="rect">
+                <a:avLst/>
+              </a:prstGeom>
+            </p:spPr>
+          </p:pic>
+        </mc:Fallback>
+      </mc:AlternateContent>
+      <mc:AlternateContent xmlns:mc="http://schemas.openxmlformats.org/markup-compatibility/2006">
+        <mc:Choice xmlns:p14="http://schemas.microsoft.com/office/powerpoint/2010/main" Requires="p14">
+          <p:contentPart p14:bwMode="auto" r:id="rId18">
+            <p14:nvContentPartPr>
+              <p14:cNvPr id="50" name="Ink 49">
+                <a:extLst>
+                  <a:ext uri="{FF2B5EF4-FFF2-40B4-BE49-F238E27FC236}">
+                    <a16:creationId xmlns:a16="http://schemas.microsoft.com/office/drawing/2014/main" id="{1020A3EF-7003-4FBF-BA77-C0A3B619BA9B}"/>
+                  </a:ext>
+                </a:extLst>
+              </p14:cNvPr>
+              <p14:cNvContentPartPr/>
+              <p14:nvPr/>
+            </p14:nvContentPartPr>
+            <p14:xfrm>
+              <a:off x="1899166" y="2741691"/>
+              <a:ext cx="1152000" cy="425160"/>
+            </p14:xfrm>
+          </p:contentPart>
+        </mc:Choice>
+        <mc:Fallback>
+          <p:pic>
+            <p:nvPicPr>
+              <p:cNvPr id="50" name="Ink 49">
+                <a:extLst>
+                  <a:ext uri="{FF2B5EF4-FFF2-40B4-BE49-F238E27FC236}">
+                    <a16:creationId xmlns:a16="http://schemas.microsoft.com/office/drawing/2014/main" id="{1020A3EF-7003-4FBF-BA77-C0A3B619BA9B}"/>
+                  </a:ext>
+                </a:extLst>
+              </p:cNvPr>
+              <p:cNvPicPr/>
+              <p:nvPr/>
+            </p:nvPicPr>
+            <p:blipFill>
+              <a:blip r:embed="rId19"/>
+              <a:stretch>
+                <a:fillRect/>
+              </a:stretch>
+            </p:blipFill>
+            <p:spPr>
+              <a:xfrm>
+                <a:off x="1890166" y="2732683"/>
+                <a:ext cx="1169640" cy="442815"/>
+              </a:xfrm>
+              <a:prstGeom prst="rect">
+                <a:avLst/>
+              </a:prstGeom>
+            </p:spPr>
+          </p:pic>
+        </mc:Fallback>
+      </mc:AlternateContent>
+      <mc:AlternateContent xmlns:mc="http://schemas.openxmlformats.org/markup-compatibility/2006">
+        <mc:Choice xmlns:p14="http://schemas.microsoft.com/office/powerpoint/2010/main" Requires="p14">
+          <p:contentPart p14:bwMode="auto" r:id="rId20">
+            <p14:nvContentPartPr>
+              <p14:cNvPr id="73" name="Ink 72">
+                <a:extLst>
+                  <a:ext uri="{FF2B5EF4-FFF2-40B4-BE49-F238E27FC236}">
+                    <a16:creationId xmlns:a16="http://schemas.microsoft.com/office/drawing/2014/main" id="{49370E32-AE34-4F05-9654-5D535202C6D9}"/>
+                  </a:ext>
+                </a:extLst>
+              </p14:cNvPr>
+              <p14:cNvContentPartPr/>
+              <p14:nvPr/>
+            </p14:nvContentPartPr>
+            <p14:xfrm>
+              <a:off x="3323326" y="4641771"/>
+              <a:ext cx="220320" cy="106560"/>
+            </p14:xfrm>
+          </p:contentPart>
+        </mc:Choice>
+        <mc:Fallback>
+          <p:pic>
+            <p:nvPicPr>
+              <p:cNvPr id="73" name="Ink 72">
+                <a:extLst>
+                  <a:ext uri="{FF2B5EF4-FFF2-40B4-BE49-F238E27FC236}">
+                    <a16:creationId xmlns:a16="http://schemas.microsoft.com/office/drawing/2014/main" id="{49370E32-AE34-4F05-9654-5D535202C6D9}"/>
+                  </a:ext>
+                </a:extLst>
+              </p:cNvPr>
+              <p:cNvPicPr/>
+              <p:nvPr/>
+            </p:nvPicPr>
+            <p:blipFill>
+              <a:blip r:embed="rId21"/>
+              <a:stretch>
+                <a:fillRect/>
+              </a:stretch>
+            </p:blipFill>
+            <p:spPr>
+              <a:xfrm>
+                <a:off x="3314326" y="4632771"/>
+                <a:ext cx="237960" cy="124200"/>
+              </a:xfrm>
+              <a:prstGeom prst="rect">
+                <a:avLst/>
+              </a:prstGeom>
+            </p:spPr>
+          </p:pic>
+        </mc:Fallback>
+      </mc:AlternateContent>
+      <mc:AlternateContent xmlns:mc="http://schemas.openxmlformats.org/markup-compatibility/2006">
+        <mc:Choice xmlns:p14="http://schemas.microsoft.com/office/powerpoint/2010/main" Requires="p14">
+          <p:contentPart p14:bwMode="auto" r:id="rId22">
+            <p14:nvContentPartPr>
+              <p14:cNvPr id="74" name="Ink 73">
+                <a:extLst>
+                  <a:ext uri="{FF2B5EF4-FFF2-40B4-BE49-F238E27FC236}">
+                    <a16:creationId xmlns:a16="http://schemas.microsoft.com/office/drawing/2014/main" id="{D4AC46D0-E005-454F-9134-BC0A6FC4DBAE}"/>
+                  </a:ext>
+                </a:extLst>
+              </p14:cNvPr>
+              <p14:cNvContentPartPr/>
+              <p14:nvPr/>
+            </p14:nvContentPartPr>
+            <p14:xfrm>
+              <a:off x="2066206" y="4571571"/>
+              <a:ext cx="941040" cy="379800"/>
+            </p14:xfrm>
+          </p:contentPart>
+        </mc:Choice>
+        <mc:Fallback>
+          <p:pic>
+            <p:nvPicPr>
+              <p:cNvPr id="74" name="Ink 73">
+                <a:extLst>
+                  <a:ext uri="{FF2B5EF4-FFF2-40B4-BE49-F238E27FC236}">
+                    <a16:creationId xmlns:a16="http://schemas.microsoft.com/office/drawing/2014/main" id="{D4AC46D0-E005-454F-9134-BC0A6FC4DBAE}"/>
+                  </a:ext>
+                </a:extLst>
+              </p:cNvPr>
+              <p:cNvPicPr/>
+              <p:nvPr/>
+            </p:nvPicPr>
+            <p:blipFill>
+              <a:blip r:embed="rId23"/>
+              <a:stretch>
+                <a:fillRect/>
+              </a:stretch>
+            </p:blipFill>
+            <p:spPr>
+              <a:xfrm>
+                <a:off x="2057206" y="4562571"/>
+                <a:ext cx="958680" cy="397440"/>
+              </a:xfrm>
+              <a:prstGeom prst="rect">
+                <a:avLst/>
+              </a:prstGeom>
+            </p:spPr>
+          </p:pic>
+        </mc:Fallback>
+      </mc:AlternateContent>
+      <mc:AlternateContent xmlns:mc="http://schemas.openxmlformats.org/markup-compatibility/2006">
+        <mc:Choice xmlns:p14="http://schemas.microsoft.com/office/powerpoint/2010/main" Requires="p14">
+          <p:contentPart p14:bwMode="auto" r:id="rId24">
+            <p14:nvContentPartPr>
+              <p14:cNvPr id="81" name="Ink 80">
+                <a:extLst>
+                  <a:ext uri="{FF2B5EF4-FFF2-40B4-BE49-F238E27FC236}">
+                    <a16:creationId xmlns:a16="http://schemas.microsoft.com/office/drawing/2014/main" id="{F9DFB718-E73E-43CD-A209-6C321DA65347}"/>
+                  </a:ext>
+                </a:extLst>
+              </p14:cNvPr>
+              <p14:cNvContentPartPr/>
+              <p14:nvPr/>
+            </p14:nvContentPartPr>
+            <p14:xfrm>
+              <a:off x="3367606" y="5274651"/>
+              <a:ext cx="184680" cy="177480"/>
+            </p14:xfrm>
+          </p:contentPart>
+        </mc:Choice>
+        <mc:Fallback>
+          <p:pic>
+            <p:nvPicPr>
+              <p:cNvPr id="81" name="Ink 80">
+                <a:extLst>
+                  <a:ext uri="{FF2B5EF4-FFF2-40B4-BE49-F238E27FC236}">
+                    <a16:creationId xmlns:a16="http://schemas.microsoft.com/office/drawing/2014/main" id="{F9DFB718-E73E-43CD-A209-6C321DA65347}"/>
+                  </a:ext>
+                </a:extLst>
+              </p:cNvPr>
+              <p:cNvPicPr/>
+              <p:nvPr/>
+            </p:nvPicPr>
+            <p:blipFill>
+              <a:blip r:embed="rId25"/>
+              <a:stretch>
+                <a:fillRect/>
+              </a:stretch>
+            </p:blipFill>
+            <p:spPr>
+              <a:xfrm>
+                <a:off x="3358606" y="5265651"/>
+                <a:ext cx="202320" cy="195120"/>
+              </a:xfrm>
+              <a:prstGeom prst="rect">
+                <a:avLst/>
+              </a:prstGeom>
+            </p:spPr>
+          </p:pic>
+        </mc:Fallback>
+      </mc:AlternateContent>
+      <mc:AlternateContent xmlns:mc="http://schemas.openxmlformats.org/markup-compatibility/2006">
+        <mc:Choice xmlns:p14="http://schemas.microsoft.com/office/powerpoint/2010/main" Requires="p14">
+          <p:contentPart p14:bwMode="auto" r:id="rId26">
+            <p14:nvContentPartPr>
+              <p14:cNvPr id="82" name="Ink 81">
+                <a:extLst>
+                  <a:ext uri="{FF2B5EF4-FFF2-40B4-BE49-F238E27FC236}">
+                    <a16:creationId xmlns:a16="http://schemas.microsoft.com/office/drawing/2014/main" id="{621A701A-3871-449D-9DA0-5DBB992031E3}"/>
+                  </a:ext>
+                </a:extLst>
+              </p14:cNvPr>
+              <p14:cNvContentPartPr/>
+              <p14:nvPr/>
+            </p14:nvContentPartPr>
+            <p14:xfrm>
+              <a:off x="1890526" y="5240091"/>
+              <a:ext cx="993600" cy="339840"/>
+            </p14:xfrm>
+          </p:contentPart>
+        </mc:Choice>
+        <mc:Fallback>
+          <p:pic>
+            <p:nvPicPr>
+              <p:cNvPr id="82" name="Ink 81">
+                <a:extLst>
+                  <a:ext uri="{FF2B5EF4-FFF2-40B4-BE49-F238E27FC236}">
+                    <a16:creationId xmlns:a16="http://schemas.microsoft.com/office/drawing/2014/main" id="{621A701A-3871-449D-9DA0-5DBB992031E3}"/>
+                  </a:ext>
+                </a:extLst>
+              </p:cNvPr>
+              <p:cNvPicPr/>
+              <p:nvPr/>
+            </p:nvPicPr>
+            <p:blipFill>
+              <a:blip r:embed="rId27"/>
+              <a:stretch>
+                <a:fillRect/>
+              </a:stretch>
+            </p:blipFill>
+            <p:spPr>
+              <a:xfrm>
+                <a:off x="1881526" y="5231091"/>
+                <a:ext cx="1011240" cy="357480"/>
+              </a:xfrm>
+              <a:prstGeom prst="rect">
+                <a:avLst/>
+              </a:prstGeom>
+            </p:spPr>
+          </p:pic>
+        </mc:Fallback>
+      </mc:AlternateContent>
+      <mc:AlternateContent xmlns:mc="http://schemas.openxmlformats.org/markup-compatibility/2006">
+        <mc:Choice xmlns:p14="http://schemas.microsoft.com/office/powerpoint/2010/main" Requires="p14">
+          <p:contentPart p14:bwMode="auto" r:id="rId28">
+            <p14:nvContentPartPr>
+              <p14:cNvPr id="90" name="Ink 89">
+                <a:extLst>
+                  <a:ext uri="{FF2B5EF4-FFF2-40B4-BE49-F238E27FC236}">
+                    <a16:creationId xmlns:a16="http://schemas.microsoft.com/office/drawing/2014/main" id="{36070B72-C40C-4967-AD71-7ECD01802E07}"/>
+                  </a:ext>
+                </a:extLst>
+              </p14:cNvPr>
+              <p14:cNvContentPartPr/>
+              <p14:nvPr/>
+            </p14:nvContentPartPr>
+            <p14:xfrm>
+              <a:off x="3226846" y="6014091"/>
+              <a:ext cx="167400" cy="81720"/>
+            </p14:xfrm>
+          </p:contentPart>
+        </mc:Choice>
+        <mc:Fallback>
+          <p:pic>
+            <p:nvPicPr>
+              <p:cNvPr id="90" name="Ink 89">
+                <a:extLst>
+                  <a:ext uri="{FF2B5EF4-FFF2-40B4-BE49-F238E27FC236}">
+                    <a16:creationId xmlns:a16="http://schemas.microsoft.com/office/drawing/2014/main" id="{36070B72-C40C-4967-AD71-7ECD01802E07}"/>
+                  </a:ext>
+                </a:extLst>
+              </p:cNvPr>
+              <p:cNvPicPr/>
+              <p:nvPr/>
+            </p:nvPicPr>
+            <p:blipFill>
+              <a:blip r:embed="rId29"/>
+              <a:stretch>
+                <a:fillRect/>
+              </a:stretch>
+            </p:blipFill>
+            <p:spPr>
+              <a:xfrm>
+                <a:off x="3217846" y="6005091"/>
+                <a:ext cx="185040" cy="99360"/>
+              </a:xfrm>
+              <a:prstGeom prst="rect">
+                <a:avLst/>
+              </a:prstGeom>
+            </p:spPr>
+          </p:pic>
+        </mc:Fallback>
+      </mc:AlternateContent>
+      <mc:AlternateContent xmlns:mc="http://schemas.openxmlformats.org/markup-compatibility/2006">
+        <mc:Choice xmlns:p14="http://schemas.microsoft.com/office/powerpoint/2010/main" Requires="p14">
+          <p:contentPart p14:bwMode="auto" r:id="rId30">
+            <p14:nvContentPartPr>
+              <p14:cNvPr id="91" name="Ink 90">
+                <a:extLst>
+                  <a:ext uri="{FF2B5EF4-FFF2-40B4-BE49-F238E27FC236}">
+                    <a16:creationId xmlns:a16="http://schemas.microsoft.com/office/drawing/2014/main" id="{0CFD02DB-A86D-40AD-B4BF-58A06F8162C3}"/>
+                  </a:ext>
+                </a:extLst>
+              </p14:cNvPr>
+              <p14:cNvContentPartPr/>
+              <p14:nvPr/>
+            </p14:nvContentPartPr>
+            <p14:xfrm>
+              <a:off x="2057566" y="5846691"/>
+              <a:ext cx="914760" cy="334800"/>
+            </p14:xfrm>
+          </p:contentPart>
+        </mc:Choice>
+        <mc:Fallback>
+          <p:pic>
+            <p:nvPicPr>
+              <p:cNvPr id="91" name="Ink 90">
+                <a:extLst>
+                  <a:ext uri="{FF2B5EF4-FFF2-40B4-BE49-F238E27FC236}">
+                    <a16:creationId xmlns:a16="http://schemas.microsoft.com/office/drawing/2014/main" id="{0CFD02DB-A86D-40AD-B4BF-58A06F8162C3}"/>
+                  </a:ext>
+                </a:extLst>
+              </p:cNvPr>
+              <p:cNvPicPr/>
+              <p:nvPr/>
+            </p:nvPicPr>
+            <p:blipFill>
+              <a:blip r:embed="rId31"/>
+              <a:stretch>
+                <a:fillRect/>
+              </a:stretch>
+            </p:blipFill>
+            <p:spPr>
+              <a:xfrm>
+                <a:off x="2048566" y="5837691"/>
+                <a:ext cx="932400" cy="352440"/>
+              </a:xfrm>
+              <a:prstGeom prst="rect">
+                <a:avLst/>
+              </a:prstGeom>
+            </p:spPr>
+          </p:pic>
+        </mc:Fallback>
+      </mc:AlternateContent>
+      <mc:AlternateContent xmlns:mc="http://schemas.openxmlformats.org/markup-compatibility/2006">
+        <mc:Choice xmlns:p14="http://schemas.microsoft.com/office/powerpoint/2010/main" Requires="p14">
+          <p:contentPart p14:bwMode="auto" r:id="rId32">
+            <p14:nvContentPartPr>
+              <p14:cNvPr id="107" name="Ink 106">
+                <a:extLst>
+                  <a:ext uri="{FF2B5EF4-FFF2-40B4-BE49-F238E27FC236}">
+                    <a16:creationId xmlns:a16="http://schemas.microsoft.com/office/drawing/2014/main" id="{2D5F0260-92CF-4B11-9ED7-70178E1C8031}"/>
+                  </a:ext>
+                </a:extLst>
+              </p14:cNvPr>
+              <p14:cNvContentPartPr/>
+              <p14:nvPr/>
+            </p14:nvContentPartPr>
+            <p14:xfrm>
+              <a:off x="8159206" y="2400411"/>
+              <a:ext cx="35640" cy="26640"/>
+            </p14:xfrm>
+          </p:contentPart>
+        </mc:Choice>
+        <mc:Fallback>
+          <p:pic>
+            <p:nvPicPr>
+              <p:cNvPr id="107" name="Ink 106">
+                <a:extLst>
+                  <a:ext uri="{FF2B5EF4-FFF2-40B4-BE49-F238E27FC236}">
+                    <a16:creationId xmlns:a16="http://schemas.microsoft.com/office/drawing/2014/main" id="{2D5F0260-92CF-4B11-9ED7-70178E1C8031}"/>
+                  </a:ext>
+                </a:extLst>
+              </p:cNvPr>
+              <p:cNvPicPr/>
+              <p:nvPr/>
+            </p:nvPicPr>
+            <p:blipFill>
+              <a:blip r:embed="rId33"/>
+              <a:stretch>
+                <a:fillRect/>
+              </a:stretch>
+            </p:blipFill>
+            <p:spPr>
+              <a:xfrm>
+                <a:off x="8150206" y="2391411"/>
+                <a:ext cx="53280" cy="44280"/>
+              </a:xfrm>
+              <a:prstGeom prst="rect">
+                <a:avLst/>
+              </a:prstGeom>
+            </p:spPr>
+          </p:pic>
+        </mc:Fallback>
+      </mc:AlternateContent>
+      <mc:AlternateContent xmlns:mc="http://schemas.openxmlformats.org/markup-compatibility/2006">
+        <mc:Choice xmlns:p14="http://schemas.microsoft.com/office/powerpoint/2010/main" Requires="p14">
+          <p:contentPart p14:bwMode="auto" r:id="rId34">
+            <p14:nvContentPartPr>
+              <p14:cNvPr id="169" name="Ink 168">
+                <a:extLst>
+                  <a:ext uri="{FF2B5EF4-FFF2-40B4-BE49-F238E27FC236}">
+                    <a16:creationId xmlns:a16="http://schemas.microsoft.com/office/drawing/2014/main" id="{48A523FD-187E-4E48-83EE-7956436B6224}"/>
+                  </a:ext>
+                </a:extLst>
+              </p14:cNvPr>
+              <p14:cNvContentPartPr/>
+              <p14:nvPr/>
+            </p14:nvContentPartPr>
+            <p14:xfrm>
+              <a:off x="6804166" y="3147771"/>
+              <a:ext cx="1654560" cy="318600"/>
+            </p14:xfrm>
+          </p:contentPart>
+        </mc:Choice>
+        <mc:Fallback>
+          <p:pic>
+            <p:nvPicPr>
+              <p:cNvPr id="169" name="Ink 168">
+                <a:extLst>
+                  <a:ext uri="{FF2B5EF4-FFF2-40B4-BE49-F238E27FC236}">
+                    <a16:creationId xmlns:a16="http://schemas.microsoft.com/office/drawing/2014/main" id="{48A523FD-187E-4E48-83EE-7956436B6224}"/>
+                  </a:ext>
+                </a:extLst>
+              </p:cNvPr>
+              <p:cNvPicPr/>
+              <p:nvPr/>
+            </p:nvPicPr>
+            <p:blipFill>
+              <a:blip r:embed="rId35"/>
+              <a:stretch>
+                <a:fillRect/>
+              </a:stretch>
+            </p:blipFill>
+            <p:spPr>
+              <a:xfrm>
+                <a:off x="6795166" y="3138771"/>
+                <a:ext cx="1672200" cy="336240"/>
+              </a:xfrm>
+              <a:prstGeom prst="rect">
+                <a:avLst/>
+              </a:prstGeom>
+            </p:spPr>
+          </p:pic>
+        </mc:Fallback>
+      </mc:AlternateContent>
+      <mc:AlternateContent xmlns:mc="http://schemas.openxmlformats.org/markup-compatibility/2006">
+        <mc:Choice xmlns:p14="http://schemas.microsoft.com/office/powerpoint/2010/main" Requires="p14">
+          <p:contentPart p14:bwMode="auto" r:id="rId36">
+            <p14:nvContentPartPr>
+              <p14:cNvPr id="187" name="Ink 186">
+                <a:extLst>
+                  <a:ext uri="{FF2B5EF4-FFF2-40B4-BE49-F238E27FC236}">
+                    <a16:creationId xmlns:a16="http://schemas.microsoft.com/office/drawing/2014/main" id="{E23E428E-22A8-4E4C-9E5F-7C3C06C3B390}"/>
+                  </a:ext>
+                </a:extLst>
+              </p14:cNvPr>
+              <p14:cNvContentPartPr/>
+              <p14:nvPr/>
+            </p14:nvContentPartPr>
+            <p14:xfrm>
+              <a:off x="10937686" y="4229211"/>
+              <a:ext cx="44280" cy="9720"/>
+            </p14:xfrm>
+          </p:contentPart>
+        </mc:Choice>
+        <mc:Fallback>
+          <p:pic>
+            <p:nvPicPr>
+              <p:cNvPr id="187" name="Ink 186">
+                <a:extLst>
+                  <a:ext uri="{FF2B5EF4-FFF2-40B4-BE49-F238E27FC236}">
+                    <a16:creationId xmlns:a16="http://schemas.microsoft.com/office/drawing/2014/main" id="{E23E428E-22A8-4E4C-9E5F-7C3C06C3B390}"/>
+                  </a:ext>
+                </a:extLst>
+              </p:cNvPr>
+              <p:cNvPicPr/>
+              <p:nvPr/>
+            </p:nvPicPr>
+            <p:blipFill>
+              <a:blip r:embed="rId37"/>
+              <a:stretch>
+                <a:fillRect/>
+              </a:stretch>
+            </p:blipFill>
+            <p:spPr>
+              <a:xfrm>
+                <a:off x="10928686" y="4220211"/>
+                <a:ext cx="61920" cy="27360"/>
+              </a:xfrm>
+              <a:prstGeom prst="rect">
+                <a:avLst/>
+              </a:prstGeom>
+            </p:spPr>
+          </p:pic>
+        </mc:Fallback>
+      </mc:AlternateContent>
+      <mc:AlternateContent xmlns:mc="http://schemas.openxmlformats.org/markup-compatibility/2006">
+        <mc:Choice xmlns:p14="http://schemas.microsoft.com/office/powerpoint/2010/main" Requires="p14">
+          <p:contentPart p14:bwMode="auto" r:id="rId38">
+            <p14:nvContentPartPr>
+              <p14:cNvPr id="188" name="Ink 187">
+                <a:extLst>
+                  <a:ext uri="{FF2B5EF4-FFF2-40B4-BE49-F238E27FC236}">
+                    <a16:creationId xmlns:a16="http://schemas.microsoft.com/office/drawing/2014/main" id="{EBADD683-227D-498D-B73D-C92963DA7B59}"/>
+                  </a:ext>
+                </a:extLst>
+              </p14:cNvPr>
+              <p14:cNvContentPartPr/>
+              <p14:nvPr/>
+            </p14:nvContentPartPr>
+            <p14:xfrm>
+              <a:off x="11192566" y="4273131"/>
+              <a:ext cx="35640" cy="26640"/>
+            </p14:xfrm>
+          </p:contentPart>
+        </mc:Choice>
+        <mc:Fallback>
+          <p:pic>
+            <p:nvPicPr>
+              <p:cNvPr id="188" name="Ink 187">
+                <a:extLst>
+                  <a:ext uri="{FF2B5EF4-FFF2-40B4-BE49-F238E27FC236}">
+                    <a16:creationId xmlns:a16="http://schemas.microsoft.com/office/drawing/2014/main" id="{EBADD683-227D-498D-B73D-C92963DA7B59}"/>
+                  </a:ext>
+                </a:extLst>
+              </p:cNvPr>
+              <p:cNvPicPr/>
+              <p:nvPr/>
+            </p:nvPicPr>
+            <p:blipFill>
+              <a:blip r:embed="rId39"/>
+              <a:stretch>
+                <a:fillRect/>
+              </a:stretch>
+            </p:blipFill>
+            <p:spPr>
+              <a:xfrm>
+                <a:off x="11183566" y="4264131"/>
+                <a:ext cx="53280" cy="44280"/>
+              </a:xfrm>
+              <a:prstGeom prst="rect">
+                <a:avLst/>
+              </a:prstGeom>
+            </p:spPr>
+          </p:pic>
+        </mc:Fallback>
+      </mc:AlternateContent>
+      <mc:AlternateContent xmlns:mc="http://schemas.openxmlformats.org/markup-compatibility/2006">
+        <mc:Choice xmlns:p14="http://schemas.microsoft.com/office/powerpoint/2010/main" Requires="p14">
+          <p:contentPart p14:bwMode="auto" r:id="rId40">
+            <p14:nvContentPartPr>
+              <p14:cNvPr id="220" name="Ink 219">
+                <a:extLst>
+                  <a:ext uri="{FF2B5EF4-FFF2-40B4-BE49-F238E27FC236}">
+                    <a16:creationId xmlns:a16="http://schemas.microsoft.com/office/drawing/2014/main" id="{728FB9BC-73E9-4204-A2B9-988C5A5F023B}"/>
+                  </a:ext>
+                </a:extLst>
+              </p14:cNvPr>
+              <p14:cNvContentPartPr/>
+              <p14:nvPr/>
+            </p14:nvContentPartPr>
+            <p14:xfrm>
+              <a:off x="8659606" y="316371"/>
+              <a:ext cx="1856520" cy="309240"/>
+            </p14:xfrm>
+          </p:contentPart>
+        </mc:Choice>
+        <mc:Fallback>
+          <p:pic>
+            <p:nvPicPr>
+              <p:cNvPr id="220" name="Ink 219">
+                <a:extLst>
+                  <a:ext uri="{FF2B5EF4-FFF2-40B4-BE49-F238E27FC236}">
+                    <a16:creationId xmlns:a16="http://schemas.microsoft.com/office/drawing/2014/main" id="{728FB9BC-73E9-4204-A2B9-988C5A5F023B}"/>
+                  </a:ext>
+                </a:extLst>
+              </p:cNvPr>
+              <p:cNvPicPr/>
+              <p:nvPr/>
+            </p:nvPicPr>
+            <p:blipFill>
+              <a:blip r:embed="rId41"/>
+              <a:stretch>
+                <a:fillRect/>
+              </a:stretch>
+            </p:blipFill>
+            <p:spPr>
+              <a:xfrm>
+                <a:off x="8650606" y="307371"/>
+                <a:ext cx="1874160" cy="326880"/>
+              </a:xfrm>
+              <a:prstGeom prst="rect">
+                <a:avLst/>
+              </a:prstGeom>
+            </p:spPr>
+          </p:pic>
+        </mc:Fallback>
+      </mc:AlternateContent>
+      <mc:AlternateContent xmlns:mc="http://schemas.openxmlformats.org/markup-compatibility/2006">
+        <mc:Choice xmlns:p14="http://schemas.microsoft.com/office/powerpoint/2010/main" Requires="p14">
+          <p:contentPart p14:bwMode="auto" r:id="rId42">
+            <p14:nvContentPartPr>
+              <p14:cNvPr id="257" name="Ink 256">
+                <a:extLst>
+                  <a:ext uri="{FF2B5EF4-FFF2-40B4-BE49-F238E27FC236}">
+                    <a16:creationId xmlns:a16="http://schemas.microsoft.com/office/drawing/2014/main" id="{B8C1C9BE-370D-485D-B789-9C3E24B469F4}"/>
+                  </a:ext>
+                </a:extLst>
+              </p14:cNvPr>
+              <p14:cNvContentPartPr/>
+              <p14:nvPr/>
+            </p14:nvContentPartPr>
+            <p14:xfrm>
+              <a:off x="8906566" y="694731"/>
+              <a:ext cx="2965320" cy="1345680"/>
+            </p14:xfrm>
+          </p:contentPart>
+        </mc:Choice>
+        <mc:Fallback>
+          <p:pic>
+            <p:nvPicPr>
+              <p:cNvPr id="257" name="Ink 256">
+                <a:extLst>
+                  <a:ext uri="{FF2B5EF4-FFF2-40B4-BE49-F238E27FC236}">
+                    <a16:creationId xmlns:a16="http://schemas.microsoft.com/office/drawing/2014/main" id="{B8C1C9BE-370D-485D-B789-9C3E24B469F4}"/>
+                  </a:ext>
+                </a:extLst>
+              </p:cNvPr>
+              <p:cNvPicPr/>
+              <p:nvPr/>
+            </p:nvPicPr>
+            <p:blipFill>
+              <a:blip r:embed="rId43"/>
+              <a:stretch>
+                <a:fillRect/>
+              </a:stretch>
+            </p:blipFill>
+            <p:spPr>
+              <a:xfrm>
+                <a:off x="8897566" y="685731"/>
+                <a:ext cx="2982960" cy="1363320"/>
+              </a:xfrm>
+              <a:prstGeom prst="rect">
+                <a:avLst/>
+              </a:prstGeom>
+            </p:spPr>
+          </p:pic>
+        </mc:Fallback>
+      </mc:AlternateContent>
+      <mc:AlternateContent xmlns:mc="http://schemas.openxmlformats.org/markup-compatibility/2006">
+        <mc:Choice xmlns:p14="http://schemas.microsoft.com/office/powerpoint/2010/main" Requires="p14">
+          <p:contentPart p14:bwMode="auto" r:id="rId44">
+            <p14:nvContentPartPr>
+              <p14:cNvPr id="260" name="Ink 259">
+                <a:extLst>
+                  <a:ext uri="{FF2B5EF4-FFF2-40B4-BE49-F238E27FC236}">
+                    <a16:creationId xmlns:a16="http://schemas.microsoft.com/office/drawing/2014/main" id="{A84FABB5-5927-4B47-AEDB-E6906355C2E7}"/>
+                  </a:ext>
+                </a:extLst>
+              </p14:cNvPr>
+              <p14:cNvContentPartPr/>
+              <p14:nvPr/>
+            </p14:nvContentPartPr>
+            <p14:xfrm>
+              <a:off x="10673806" y="1301331"/>
+              <a:ext cx="255240" cy="96840"/>
+            </p14:xfrm>
+          </p:contentPart>
+        </mc:Choice>
+        <mc:Fallback>
+          <p:pic>
+            <p:nvPicPr>
+              <p:cNvPr id="260" name="Ink 259">
+                <a:extLst>
+                  <a:ext uri="{FF2B5EF4-FFF2-40B4-BE49-F238E27FC236}">
+                    <a16:creationId xmlns:a16="http://schemas.microsoft.com/office/drawing/2014/main" id="{A84FABB5-5927-4B47-AEDB-E6906355C2E7}"/>
+                  </a:ext>
+                </a:extLst>
+              </p:cNvPr>
+              <p:cNvPicPr/>
+              <p:nvPr/>
+            </p:nvPicPr>
+            <p:blipFill>
+              <a:blip r:embed="rId45"/>
+              <a:stretch>
+                <a:fillRect/>
+              </a:stretch>
+            </p:blipFill>
+            <p:spPr>
+              <a:xfrm>
+                <a:off x="10664806" y="1292331"/>
+                <a:ext cx="272880" cy="114480"/>
+              </a:xfrm>
+              <a:prstGeom prst="rect">
+                <a:avLst/>
+              </a:prstGeom>
+            </p:spPr>
+          </p:pic>
+        </mc:Fallback>
+      </mc:AlternateContent>
+      <mc:AlternateContent xmlns:mc="http://schemas.openxmlformats.org/markup-compatibility/2006">
+        <mc:Choice xmlns:p14="http://schemas.microsoft.com/office/powerpoint/2010/main" Requires="p14">
+          <p:contentPart p14:bwMode="auto" r:id="rId46">
+            <p14:nvContentPartPr>
+              <p14:cNvPr id="264" name="Ink 263">
+                <a:extLst>
+                  <a:ext uri="{FF2B5EF4-FFF2-40B4-BE49-F238E27FC236}">
+                    <a16:creationId xmlns:a16="http://schemas.microsoft.com/office/drawing/2014/main" id="{15D0663D-905A-4C93-B3B5-56735C8FBDD6}"/>
+                  </a:ext>
+                </a:extLst>
+              </p14:cNvPr>
+              <p14:cNvContentPartPr/>
+              <p14:nvPr/>
+            </p14:nvContentPartPr>
+            <p14:xfrm>
+              <a:off x="10673806" y="1529931"/>
+              <a:ext cx="545400" cy="941760"/>
+            </p14:xfrm>
+          </p:contentPart>
+        </mc:Choice>
+        <mc:Fallback>
+          <p:pic>
+            <p:nvPicPr>
+              <p:cNvPr id="264" name="Ink 263">
+                <a:extLst>
+                  <a:ext uri="{FF2B5EF4-FFF2-40B4-BE49-F238E27FC236}">
+                    <a16:creationId xmlns:a16="http://schemas.microsoft.com/office/drawing/2014/main" id="{15D0663D-905A-4C93-B3B5-56735C8FBDD6}"/>
+                  </a:ext>
+                </a:extLst>
+              </p:cNvPr>
+              <p:cNvPicPr/>
+              <p:nvPr/>
+            </p:nvPicPr>
+            <p:blipFill>
+              <a:blip r:embed="rId47"/>
+              <a:stretch>
+                <a:fillRect/>
+              </a:stretch>
+            </p:blipFill>
+            <p:spPr>
+              <a:xfrm>
+                <a:off x="10664806" y="1520931"/>
+                <a:ext cx="563040" cy="959400"/>
+              </a:xfrm>
+              <a:prstGeom prst="rect">
+                <a:avLst/>
+              </a:prstGeom>
+            </p:spPr>
+          </p:pic>
+        </mc:Fallback>
+      </mc:AlternateContent>
+      <mc:AlternateContent xmlns:mc="http://schemas.openxmlformats.org/markup-compatibility/2006">
+        <mc:Choice xmlns:p14="http://schemas.microsoft.com/office/powerpoint/2010/main" Requires="p14">
+          <p:contentPart p14:bwMode="auto" r:id="rId48">
+            <p14:nvContentPartPr>
+              <p14:cNvPr id="278" name="Ink 277">
+                <a:extLst>
+                  <a:ext uri="{FF2B5EF4-FFF2-40B4-BE49-F238E27FC236}">
+                    <a16:creationId xmlns:a16="http://schemas.microsoft.com/office/drawing/2014/main" id="{8D1E2F32-AA38-48B1-80D0-4D67D07377FD}"/>
+                  </a:ext>
+                </a:extLst>
+              </p14:cNvPr>
+              <p14:cNvContentPartPr/>
+              <p14:nvPr/>
+            </p14:nvContentPartPr>
+            <p14:xfrm>
+              <a:off x="6079126" y="5249091"/>
+              <a:ext cx="331920" cy="210240"/>
+            </p14:xfrm>
+          </p:contentPart>
+        </mc:Choice>
+        <mc:Fallback>
+          <p:pic>
+            <p:nvPicPr>
+              <p:cNvPr id="278" name="Ink 277">
+                <a:extLst>
+                  <a:ext uri="{FF2B5EF4-FFF2-40B4-BE49-F238E27FC236}">
+                    <a16:creationId xmlns:a16="http://schemas.microsoft.com/office/drawing/2014/main" id="{8D1E2F32-AA38-48B1-80D0-4D67D07377FD}"/>
+                  </a:ext>
+                </a:extLst>
+              </p:cNvPr>
+              <p:cNvPicPr/>
+              <p:nvPr/>
+            </p:nvPicPr>
+            <p:blipFill>
+              <a:blip r:embed="rId49"/>
+              <a:stretch>
+                <a:fillRect/>
+              </a:stretch>
+            </p:blipFill>
+            <p:spPr>
+              <a:xfrm>
+                <a:off x="6070126" y="5240091"/>
+                <a:ext cx="349560" cy="227880"/>
+              </a:xfrm>
+              <a:prstGeom prst="rect">
+                <a:avLst/>
+              </a:prstGeom>
+            </p:spPr>
+          </p:pic>
+        </mc:Fallback>
+      </mc:AlternateContent>
+      <mc:AlternateContent xmlns:mc="http://schemas.openxmlformats.org/markup-compatibility/2006">
+        <mc:Choice xmlns:p14="http://schemas.microsoft.com/office/powerpoint/2010/main" Requires="p14">
+          <p:contentPart p14:bwMode="auto" r:id="rId50">
+            <p14:nvContentPartPr>
+              <p14:cNvPr id="279" name="Ink 278">
+                <a:extLst>
+                  <a:ext uri="{FF2B5EF4-FFF2-40B4-BE49-F238E27FC236}">
+                    <a16:creationId xmlns:a16="http://schemas.microsoft.com/office/drawing/2014/main" id="{AF024925-0BDC-4294-BC2A-C3B8AFC155AA}"/>
+                  </a:ext>
+                </a:extLst>
+              </p14:cNvPr>
+              <p14:cNvContentPartPr/>
+              <p14:nvPr/>
+            </p14:nvContentPartPr>
+            <p14:xfrm>
+              <a:off x="5187406" y="5099691"/>
+              <a:ext cx="660600" cy="413280"/>
+            </p14:xfrm>
+          </p:contentPart>
+        </mc:Choice>
+        <mc:Fallback>
+          <p:pic>
+            <p:nvPicPr>
+              <p:cNvPr id="279" name="Ink 278">
+                <a:extLst>
+                  <a:ext uri="{FF2B5EF4-FFF2-40B4-BE49-F238E27FC236}">
+                    <a16:creationId xmlns:a16="http://schemas.microsoft.com/office/drawing/2014/main" id="{AF024925-0BDC-4294-BC2A-C3B8AFC155AA}"/>
+                  </a:ext>
+                </a:extLst>
+              </p:cNvPr>
+              <p:cNvPicPr/>
+              <p:nvPr/>
+            </p:nvPicPr>
+            <p:blipFill>
+              <a:blip r:embed="rId51"/>
+              <a:stretch>
+                <a:fillRect/>
+              </a:stretch>
+            </p:blipFill>
+            <p:spPr>
+              <a:xfrm>
+                <a:off x="5178406" y="5090691"/>
+                <a:ext cx="678240" cy="430920"/>
+              </a:xfrm>
+              <a:prstGeom prst="rect">
+                <a:avLst/>
+              </a:prstGeom>
+            </p:spPr>
+          </p:pic>
+        </mc:Fallback>
+      </mc:AlternateContent>
+      <mc:AlternateContent xmlns:mc="http://schemas.openxmlformats.org/markup-compatibility/2006">
+        <mc:Choice xmlns:p14="http://schemas.microsoft.com/office/powerpoint/2010/main" Requires="p14">
+          <p:contentPart p14:bwMode="auto" r:id="rId52">
+            <p14:nvContentPartPr>
+              <p14:cNvPr id="288" name="Ink 287">
+                <a:extLst>
+                  <a:ext uri="{FF2B5EF4-FFF2-40B4-BE49-F238E27FC236}">
+                    <a16:creationId xmlns:a16="http://schemas.microsoft.com/office/drawing/2014/main" id="{3985B3D3-B24E-402E-8A9E-4DB8326DAD86}"/>
+                  </a:ext>
+                </a:extLst>
+              </p14:cNvPr>
+              <p14:cNvContentPartPr/>
+              <p14:nvPr/>
+            </p14:nvContentPartPr>
+            <p14:xfrm>
+              <a:off x="6717046" y="5152251"/>
+              <a:ext cx="844560" cy="275760"/>
+            </p14:xfrm>
+          </p:contentPart>
+        </mc:Choice>
+        <mc:Fallback>
+          <p:pic>
+            <p:nvPicPr>
+              <p:cNvPr id="288" name="Ink 287">
+                <a:extLst>
+                  <a:ext uri="{FF2B5EF4-FFF2-40B4-BE49-F238E27FC236}">
+                    <a16:creationId xmlns:a16="http://schemas.microsoft.com/office/drawing/2014/main" id="{3985B3D3-B24E-402E-8A9E-4DB8326DAD86}"/>
+                  </a:ext>
+                </a:extLst>
+              </p:cNvPr>
+              <p:cNvPicPr/>
+              <p:nvPr/>
+            </p:nvPicPr>
+            <p:blipFill>
+              <a:blip r:embed="rId53"/>
+              <a:stretch>
+                <a:fillRect/>
+              </a:stretch>
+            </p:blipFill>
+            <p:spPr>
+              <a:xfrm>
+                <a:off x="6708046" y="5143251"/>
+                <a:ext cx="862200" cy="293400"/>
+              </a:xfrm>
+              <a:prstGeom prst="rect">
+                <a:avLst/>
+              </a:prstGeom>
+            </p:spPr>
+          </p:pic>
+        </mc:Fallback>
+      </mc:AlternateContent>
+      <mc:AlternateContent xmlns:mc="http://schemas.openxmlformats.org/markup-compatibility/2006">
+        <mc:Choice xmlns:p14="http://schemas.microsoft.com/office/powerpoint/2010/main" Requires="p14">
+          <p:contentPart p14:bwMode="auto" r:id="rId54">
+            <p14:nvContentPartPr>
+              <p14:cNvPr id="308" name="Ink 307">
+                <a:extLst>
+                  <a:ext uri="{FF2B5EF4-FFF2-40B4-BE49-F238E27FC236}">
+                    <a16:creationId xmlns:a16="http://schemas.microsoft.com/office/drawing/2014/main" id="{AB7B1C37-3637-4518-8962-0463CFB885A4}"/>
+                  </a:ext>
+                </a:extLst>
+              </p14:cNvPr>
+              <p14:cNvContentPartPr/>
+              <p14:nvPr/>
+            </p14:nvContentPartPr>
+            <p14:xfrm>
+              <a:off x="6820366" y="5635731"/>
+              <a:ext cx="1506600" cy="282240"/>
+            </p14:xfrm>
+          </p:contentPart>
+        </mc:Choice>
+        <mc:Fallback>
+          <p:pic>
+            <p:nvPicPr>
+              <p:cNvPr id="308" name="Ink 307">
+                <a:extLst>
+                  <a:ext uri="{FF2B5EF4-FFF2-40B4-BE49-F238E27FC236}">
+                    <a16:creationId xmlns:a16="http://schemas.microsoft.com/office/drawing/2014/main" id="{AB7B1C37-3637-4518-8962-0463CFB885A4}"/>
+                  </a:ext>
+                </a:extLst>
+              </p:cNvPr>
+              <p:cNvPicPr/>
+              <p:nvPr/>
+            </p:nvPicPr>
+            <p:blipFill>
+              <a:blip r:embed="rId55"/>
+              <a:stretch>
+                <a:fillRect/>
+              </a:stretch>
+            </p:blipFill>
+            <p:spPr>
+              <a:xfrm>
+                <a:off x="6811366" y="5626731"/>
+                <a:ext cx="1524240" cy="299880"/>
+              </a:xfrm>
+              <a:prstGeom prst="rect">
+                <a:avLst/>
+              </a:prstGeom>
+            </p:spPr>
+          </p:pic>
+        </mc:Fallback>
+      </mc:AlternateContent>
+      <mc:AlternateContent xmlns:mc="http://schemas.openxmlformats.org/markup-compatibility/2006">
+        <mc:Choice xmlns:p14="http://schemas.microsoft.com/office/powerpoint/2010/main" Requires="p14">
+          <p:contentPart p14:bwMode="auto" r:id="rId56">
+            <p14:nvContentPartPr>
+              <p14:cNvPr id="312" name="Ink 311">
+                <a:extLst>
+                  <a:ext uri="{FF2B5EF4-FFF2-40B4-BE49-F238E27FC236}">
+                    <a16:creationId xmlns:a16="http://schemas.microsoft.com/office/drawing/2014/main" id="{C7E705E6-589E-402C-801A-FC3429F832A1}"/>
+                  </a:ext>
+                </a:extLst>
+              </p14:cNvPr>
+              <p14:cNvContentPartPr/>
+              <p14:nvPr/>
+            </p14:nvContentPartPr>
+            <p14:xfrm>
+              <a:off x="1064686" y="3411291"/>
+              <a:ext cx="2540520" cy="1029240"/>
+            </p14:xfrm>
+          </p:contentPart>
+        </mc:Choice>
+        <mc:Fallback>
+          <p:pic>
+            <p:nvPicPr>
+              <p:cNvPr id="312" name="Ink 311">
+                <a:extLst>
+                  <a:ext uri="{FF2B5EF4-FFF2-40B4-BE49-F238E27FC236}">
+                    <a16:creationId xmlns:a16="http://schemas.microsoft.com/office/drawing/2014/main" id="{C7E705E6-589E-402C-801A-FC3429F832A1}"/>
+                  </a:ext>
+                </a:extLst>
+              </p:cNvPr>
+              <p:cNvPicPr/>
+              <p:nvPr/>
+            </p:nvPicPr>
+            <p:blipFill>
+              <a:blip r:embed="rId57"/>
+              <a:stretch>
+                <a:fillRect/>
+              </a:stretch>
+            </p:blipFill>
+            <p:spPr>
+              <a:xfrm>
+                <a:off x="1055686" y="3402291"/>
+                <a:ext cx="2558160" cy="1046880"/>
+              </a:xfrm>
+              <a:prstGeom prst="rect">
+                <a:avLst/>
+              </a:prstGeom>
+            </p:spPr>
+          </p:pic>
+        </mc:Fallback>
+      </mc:AlternateContent>
+      <mc:AlternateContent xmlns:mc="http://schemas.openxmlformats.org/markup-compatibility/2006">
+        <mc:Choice xmlns:p14="http://schemas.microsoft.com/office/powerpoint/2010/main" Requires="p14">
+          <p:contentPart p14:bwMode="auto" r:id="rId58">
+            <p14:nvContentPartPr>
+              <p14:cNvPr id="341" name="Ink 340">
+                <a:extLst>
+                  <a:ext uri="{FF2B5EF4-FFF2-40B4-BE49-F238E27FC236}">
+                    <a16:creationId xmlns:a16="http://schemas.microsoft.com/office/drawing/2014/main" id="{FDF92EBB-1F56-4E52-BF28-F2A6B04D0D0B}"/>
+                  </a:ext>
+                </a:extLst>
+              </p14:cNvPr>
+              <p14:cNvContentPartPr/>
+              <p14:nvPr/>
+            </p14:nvContentPartPr>
+            <p14:xfrm>
+              <a:off x="4028206" y="921171"/>
+              <a:ext cx="6672240" cy="3677400"/>
+            </p14:xfrm>
+          </p:contentPart>
+        </mc:Choice>
+        <mc:Fallback>
+          <p:pic>
+            <p:nvPicPr>
+              <p:cNvPr id="341" name="Ink 340">
+                <a:extLst>
+                  <a:ext uri="{FF2B5EF4-FFF2-40B4-BE49-F238E27FC236}">
+                    <a16:creationId xmlns:a16="http://schemas.microsoft.com/office/drawing/2014/main" id="{FDF92EBB-1F56-4E52-BF28-F2A6B04D0D0B}"/>
+                  </a:ext>
+                </a:extLst>
+              </p:cNvPr>
+              <p:cNvPicPr/>
+              <p:nvPr/>
+            </p:nvPicPr>
+            <p:blipFill>
+              <a:blip r:embed="rId59"/>
+              <a:stretch>
+                <a:fillRect/>
+              </a:stretch>
+            </p:blipFill>
+            <p:spPr>
+              <a:xfrm>
+                <a:off x="4019206" y="912171"/>
+                <a:ext cx="6689880" cy="3695040"/>
+              </a:xfrm>
+              <a:prstGeom prst="rect">
+                <a:avLst/>
+              </a:prstGeom>
+            </p:spPr>
+          </p:pic>
+        </mc:Fallback>
+      </mc:AlternateContent>
+      <mc:AlternateContent xmlns:mc="http://schemas.openxmlformats.org/markup-compatibility/2006">
+        <mc:Choice xmlns:p14="http://schemas.microsoft.com/office/powerpoint/2010/main" Requires="p14">
+          <p:contentPart p14:bwMode="auto" r:id="rId60">
+            <p14:nvContentPartPr>
+              <p14:cNvPr id="347" name="Ink 346">
+                <a:extLst>
+                  <a:ext uri="{FF2B5EF4-FFF2-40B4-BE49-F238E27FC236}">
+                    <a16:creationId xmlns:a16="http://schemas.microsoft.com/office/drawing/2014/main" id="{3638DF30-003B-45FA-B2DB-B2948BBFB371}"/>
+                  </a:ext>
+                </a:extLst>
+              </p14:cNvPr>
+              <p14:cNvContentPartPr/>
+              <p14:nvPr/>
+            </p14:nvContentPartPr>
+            <p14:xfrm>
+              <a:off x="6910726" y="2637651"/>
+              <a:ext cx="2059920" cy="968760"/>
+            </p14:xfrm>
+          </p:contentPart>
+        </mc:Choice>
+        <mc:Fallback>
+          <p:pic>
+            <p:nvPicPr>
+              <p:cNvPr id="347" name="Ink 346">
+                <a:extLst>
+                  <a:ext uri="{FF2B5EF4-FFF2-40B4-BE49-F238E27FC236}">
+                    <a16:creationId xmlns:a16="http://schemas.microsoft.com/office/drawing/2014/main" id="{3638DF30-003B-45FA-B2DB-B2948BBFB371}"/>
+                  </a:ext>
+                </a:extLst>
+              </p:cNvPr>
+              <p:cNvPicPr/>
+              <p:nvPr/>
+            </p:nvPicPr>
+            <p:blipFill>
+              <a:blip r:embed="rId61"/>
+              <a:stretch>
+                <a:fillRect/>
+              </a:stretch>
+            </p:blipFill>
+            <p:spPr>
+              <a:xfrm>
+                <a:off x="6901726" y="2628651"/>
+                <a:ext cx="2077560" cy="986400"/>
+              </a:xfrm>
+              <a:prstGeom prst="rect">
+                <a:avLst/>
+              </a:prstGeom>
+            </p:spPr>
+          </p:pic>
+        </mc:Fallback>
+      </mc:AlternateContent>
+      <mc:AlternateContent xmlns:mc="http://schemas.openxmlformats.org/markup-compatibility/2006">
+        <mc:Choice xmlns:p14="http://schemas.microsoft.com/office/powerpoint/2010/main" Requires="p14">
+          <p:contentPart p14:bwMode="auto" r:id="rId62">
+            <p14:nvContentPartPr>
+              <p14:cNvPr id="350" name="Ink 349">
+                <a:extLst>
+                  <a:ext uri="{FF2B5EF4-FFF2-40B4-BE49-F238E27FC236}">
+                    <a16:creationId xmlns:a16="http://schemas.microsoft.com/office/drawing/2014/main" id="{6E76AD60-44F7-4C50-BF8A-7863D23F4F2E}"/>
+                  </a:ext>
+                </a:extLst>
+              </p14:cNvPr>
+              <p14:cNvContentPartPr/>
+              <p14:nvPr/>
+            </p14:nvContentPartPr>
+            <p14:xfrm>
+              <a:off x="6227446" y="6251331"/>
+              <a:ext cx="387720" cy="185400"/>
+            </p14:xfrm>
+          </p:contentPart>
+        </mc:Choice>
+        <mc:Fallback>
+          <p:pic>
+            <p:nvPicPr>
+              <p:cNvPr id="350" name="Ink 349">
+                <a:extLst>
+                  <a:ext uri="{FF2B5EF4-FFF2-40B4-BE49-F238E27FC236}">
+                    <a16:creationId xmlns:a16="http://schemas.microsoft.com/office/drawing/2014/main" id="{6E76AD60-44F7-4C50-BF8A-7863D23F4F2E}"/>
+                  </a:ext>
+                </a:extLst>
+              </p:cNvPr>
+              <p:cNvPicPr/>
+              <p:nvPr/>
+            </p:nvPicPr>
+            <p:blipFill>
+              <a:blip r:embed="rId63"/>
+              <a:stretch>
+                <a:fillRect/>
+              </a:stretch>
+            </p:blipFill>
+            <p:spPr>
+              <a:xfrm>
+                <a:off x="6218446" y="6242331"/>
+                <a:ext cx="405360" cy="203040"/>
+              </a:xfrm>
+              <a:prstGeom prst="rect">
+                <a:avLst/>
+              </a:prstGeom>
+            </p:spPr>
+          </p:pic>
+        </mc:Fallback>
+      </mc:AlternateContent>
+      <mc:AlternateContent xmlns:mc="http://schemas.openxmlformats.org/markup-compatibility/2006">
+        <mc:Choice xmlns:p14="http://schemas.microsoft.com/office/powerpoint/2010/main" Requires="p14">
+          <p:contentPart p14:bwMode="auto" r:id="rId64">
+            <p14:nvContentPartPr>
+              <p14:cNvPr id="361" name="Ink 360">
+                <a:extLst>
+                  <a:ext uri="{FF2B5EF4-FFF2-40B4-BE49-F238E27FC236}">
+                    <a16:creationId xmlns:a16="http://schemas.microsoft.com/office/drawing/2014/main" id="{D540294F-EFF8-41F0-98DC-857099970D94}"/>
+                  </a:ext>
+                </a:extLst>
+              </p14:cNvPr>
+              <p14:cNvContentPartPr/>
+              <p14:nvPr/>
+            </p14:nvContentPartPr>
+            <p14:xfrm>
+              <a:off x="3797086" y="6198411"/>
+              <a:ext cx="907200" cy="229680"/>
+            </p14:xfrm>
+          </p:contentPart>
+        </mc:Choice>
+        <mc:Fallback>
+          <p:pic>
+            <p:nvPicPr>
+              <p:cNvPr id="361" name="Ink 360">
+                <a:extLst>
+                  <a:ext uri="{FF2B5EF4-FFF2-40B4-BE49-F238E27FC236}">
+                    <a16:creationId xmlns:a16="http://schemas.microsoft.com/office/drawing/2014/main" id="{D540294F-EFF8-41F0-98DC-857099970D94}"/>
+                  </a:ext>
+                </a:extLst>
+              </p:cNvPr>
+              <p:cNvPicPr/>
+              <p:nvPr/>
+            </p:nvPicPr>
+            <p:blipFill>
+              <a:blip r:embed="rId65"/>
+              <a:stretch>
+                <a:fillRect/>
+              </a:stretch>
+            </p:blipFill>
+            <p:spPr>
+              <a:xfrm>
+                <a:off x="3788086" y="6189411"/>
+                <a:ext cx="924840" cy="247320"/>
+              </a:xfrm>
+              <a:prstGeom prst="rect">
+                <a:avLst/>
+              </a:prstGeom>
+            </p:spPr>
+          </p:pic>
+        </mc:Fallback>
+      </mc:AlternateContent>
+      <mc:AlternateContent xmlns:mc="http://schemas.openxmlformats.org/markup-compatibility/2006">
+        <mc:Choice xmlns:p14="http://schemas.microsoft.com/office/powerpoint/2010/main" Requires="p14">
+          <p:contentPart p14:bwMode="auto" r:id="rId66">
+            <p14:nvContentPartPr>
+              <p14:cNvPr id="364" name="Ink 363">
+                <a:extLst>
+                  <a:ext uri="{FF2B5EF4-FFF2-40B4-BE49-F238E27FC236}">
+                    <a16:creationId xmlns:a16="http://schemas.microsoft.com/office/drawing/2014/main" id="{8A8D3587-E9A7-41D7-BF86-46CCED407F04}"/>
+                  </a:ext>
+                </a:extLst>
+              </p14:cNvPr>
+              <p14:cNvContentPartPr/>
+              <p14:nvPr/>
+            </p14:nvContentPartPr>
+            <p14:xfrm>
+              <a:off x="4939006" y="5706291"/>
+              <a:ext cx="1602720" cy="844200"/>
+            </p14:xfrm>
+          </p:contentPart>
+        </mc:Choice>
+        <mc:Fallback>
+          <p:pic>
+            <p:nvPicPr>
+              <p:cNvPr id="364" name="Ink 363">
+                <a:extLst>
+                  <a:ext uri="{FF2B5EF4-FFF2-40B4-BE49-F238E27FC236}">
+                    <a16:creationId xmlns:a16="http://schemas.microsoft.com/office/drawing/2014/main" id="{8A8D3587-E9A7-41D7-BF86-46CCED407F04}"/>
+                  </a:ext>
+                </a:extLst>
+              </p:cNvPr>
+              <p:cNvPicPr/>
+              <p:nvPr/>
+            </p:nvPicPr>
+            <p:blipFill>
+              <a:blip r:embed="rId67"/>
+              <a:stretch>
+                <a:fillRect/>
+              </a:stretch>
+            </p:blipFill>
+            <p:spPr>
+              <a:xfrm>
+                <a:off x="4930006" y="5697291"/>
+                <a:ext cx="1620360" cy="861840"/>
+              </a:xfrm>
+              <a:prstGeom prst="rect">
+                <a:avLst/>
+              </a:prstGeom>
+            </p:spPr>
+          </p:pic>
+        </mc:Fallback>
+      </mc:AlternateContent>
+      <mc:AlternateContent xmlns:mc="http://schemas.openxmlformats.org/markup-compatibility/2006">
+        <mc:Choice xmlns:p14="http://schemas.microsoft.com/office/powerpoint/2010/main" Requires="p14">
+          <p:contentPart p14:bwMode="auto" r:id="rId68">
+            <p14:nvContentPartPr>
+              <p14:cNvPr id="370" name="Ink 369">
+                <a:extLst>
+                  <a:ext uri="{FF2B5EF4-FFF2-40B4-BE49-F238E27FC236}">
+                    <a16:creationId xmlns:a16="http://schemas.microsoft.com/office/drawing/2014/main" id="{55D5A559-69C9-4431-9C6F-8BB6F127A21A}"/>
+                  </a:ext>
+                </a:extLst>
+              </p14:cNvPr>
+              <p14:cNvContentPartPr/>
+              <p14:nvPr/>
+            </p14:nvContentPartPr>
+            <p14:xfrm>
+              <a:off x="6926926" y="6181131"/>
+              <a:ext cx="1171080" cy="325800"/>
+            </p14:xfrm>
+          </p:contentPart>
+        </mc:Choice>
+        <mc:Fallback>
+          <p:pic>
+            <p:nvPicPr>
+              <p:cNvPr id="370" name="Ink 369">
+                <a:extLst>
+                  <a:ext uri="{FF2B5EF4-FFF2-40B4-BE49-F238E27FC236}">
+                    <a16:creationId xmlns:a16="http://schemas.microsoft.com/office/drawing/2014/main" id="{55D5A559-69C9-4431-9C6F-8BB6F127A21A}"/>
+                  </a:ext>
+                </a:extLst>
+              </p:cNvPr>
+              <p:cNvPicPr/>
+              <p:nvPr/>
+            </p:nvPicPr>
+            <p:blipFill>
+              <a:blip r:embed="rId69"/>
+              <a:stretch>
+                <a:fillRect/>
+              </a:stretch>
+            </p:blipFill>
+            <p:spPr>
+              <a:xfrm>
+                <a:off x="6917926" y="6172131"/>
+                <a:ext cx="1188720" cy="343440"/>
+              </a:xfrm>
+              <a:prstGeom prst="rect">
+                <a:avLst/>
+              </a:prstGeom>
+            </p:spPr>
+          </p:pic>
+        </mc:Fallback>
+      </mc:AlternateContent>
+      <mc:AlternateContent xmlns:mc="http://schemas.openxmlformats.org/markup-compatibility/2006">
+        <mc:Choice xmlns:p14="http://schemas.microsoft.com/office/powerpoint/2010/main" Requires="p14">
+          <p:contentPart p14:bwMode="auto" r:id="rId70">
+            <p14:nvContentPartPr>
+              <p14:cNvPr id="374" name="Ink 373">
+                <a:extLst>
+                  <a:ext uri="{FF2B5EF4-FFF2-40B4-BE49-F238E27FC236}">
+                    <a16:creationId xmlns:a16="http://schemas.microsoft.com/office/drawing/2014/main" id="{3DD3C40C-6FA6-4AB9-966B-A899B6AF243F}"/>
+                  </a:ext>
+                </a:extLst>
+              </p14:cNvPr>
+              <p14:cNvContentPartPr/>
+              <p14:nvPr/>
+            </p14:nvContentPartPr>
+            <p14:xfrm>
+              <a:off x="8326246" y="6110571"/>
+              <a:ext cx="466560" cy="246600"/>
+            </p14:xfrm>
+          </p:contentPart>
+        </mc:Choice>
+        <mc:Fallback>
+          <p:pic>
+            <p:nvPicPr>
+              <p:cNvPr id="374" name="Ink 373">
+                <a:extLst>
+                  <a:ext uri="{FF2B5EF4-FFF2-40B4-BE49-F238E27FC236}">
+                    <a16:creationId xmlns:a16="http://schemas.microsoft.com/office/drawing/2014/main" id="{3DD3C40C-6FA6-4AB9-966B-A899B6AF243F}"/>
+                  </a:ext>
+                </a:extLst>
+              </p:cNvPr>
+              <p:cNvPicPr/>
+              <p:nvPr/>
+            </p:nvPicPr>
+            <p:blipFill>
+              <a:blip r:embed="rId71"/>
+              <a:stretch>
+                <a:fillRect/>
+              </a:stretch>
+            </p:blipFill>
+            <p:spPr>
+              <a:xfrm>
+                <a:off x="8317246" y="6101571"/>
+                <a:ext cx="484200" cy="264240"/>
+              </a:xfrm>
+              <a:prstGeom prst="rect">
+                <a:avLst/>
+              </a:prstGeom>
+            </p:spPr>
+          </p:pic>
+        </mc:Fallback>
+      </mc:AlternateContent>
+      <mc:AlternateContent xmlns:mc="http://schemas.openxmlformats.org/markup-compatibility/2006">
+        <mc:Choice xmlns:p14="http://schemas.microsoft.com/office/powerpoint/2010/main" Requires="p14">
+          <p:contentPart p14:bwMode="auto" r:id="rId72">
+            <p14:nvContentPartPr>
+              <p14:cNvPr id="382" name="Ink 381">
+                <a:extLst>
+                  <a:ext uri="{FF2B5EF4-FFF2-40B4-BE49-F238E27FC236}">
+                    <a16:creationId xmlns:a16="http://schemas.microsoft.com/office/drawing/2014/main" id="{82B23DF9-0D7B-4553-85EE-D1846EFD2CF1}"/>
+                  </a:ext>
+                </a:extLst>
+              </p14:cNvPr>
+              <p14:cNvContentPartPr/>
+              <p14:nvPr/>
+            </p14:nvContentPartPr>
+            <p14:xfrm>
+              <a:off x="9021046" y="6115971"/>
+              <a:ext cx="905760" cy="228240"/>
+            </p14:xfrm>
+          </p:contentPart>
+        </mc:Choice>
+        <mc:Fallback>
+          <p:pic>
+            <p:nvPicPr>
+              <p:cNvPr id="382" name="Ink 381">
+                <a:extLst>
+                  <a:ext uri="{FF2B5EF4-FFF2-40B4-BE49-F238E27FC236}">
+                    <a16:creationId xmlns:a16="http://schemas.microsoft.com/office/drawing/2014/main" id="{82B23DF9-0D7B-4553-85EE-D1846EFD2CF1}"/>
+                  </a:ext>
+                </a:extLst>
+              </p:cNvPr>
+              <p:cNvPicPr/>
+              <p:nvPr/>
+            </p:nvPicPr>
+            <p:blipFill>
+              <a:blip r:embed="rId73"/>
+              <a:stretch>
+                <a:fillRect/>
+              </a:stretch>
+            </p:blipFill>
+            <p:spPr>
+              <a:xfrm>
+                <a:off x="9012046" y="6106971"/>
+                <a:ext cx="923400" cy="245880"/>
+              </a:xfrm>
+              <a:prstGeom prst="rect">
+                <a:avLst/>
+              </a:prstGeom>
+            </p:spPr>
+          </p:pic>
+        </mc:Fallback>
+      </mc:AlternateContent>
     </p:spTree>
     <p:extLst>
       <p:ext uri="{BB962C8B-B14F-4D97-AF65-F5344CB8AC3E}">
@@ -13256,6 +16774,567 @@
           <a:chExt cx="0" cy="0"/>
         </a:xfrm>
       </p:grpSpPr>
+      <mc:AlternateContent xmlns:mc="http://schemas.openxmlformats.org/markup-compatibility/2006">
+        <mc:Choice xmlns:p14="http://schemas.microsoft.com/office/powerpoint/2010/main" Requires="p14">
+          <p:contentPart p14:bwMode="auto" r:id="rId2">
+            <p14:nvContentPartPr>
+              <p14:cNvPr id="8" name="Ink 7">
+                <a:extLst>
+                  <a:ext uri="{FF2B5EF4-FFF2-40B4-BE49-F238E27FC236}">
+                    <a16:creationId xmlns:a16="http://schemas.microsoft.com/office/drawing/2014/main" id="{48340761-BBFE-4BE2-8043-8E078D1CD500}"/>
+                  </a:ext>
+                </a:extLst>
+              </p14:cNvPr>
+              <p14:cNvContentPartPr/>
+              <p14:nvPr/>
+            </p14:nvContentPartPr>
+            <p14:xfrm>
+              <a:off x="2250886" y="1379451"/>
+              <a:ext cx="123480" cy="71640"/>
+            </p14:xfrm>
+          </p:contentPart>
+        </mc:Choice>
+        <mc:Fallback>
+          <p:pic>
+            <p:nvPicPr>
+              <p:cNvPr id="8" name="Ink 7">
+                <a:extLst>
+                  <a:ext uri="{FF2B5EF4-FFF2-40B4-BE49-F238E27FC236}">
+                    <a16:creationId xmlns:a16="http://schemas.microsoft.com/office/drawing/2014/main" id="{48340761-BBFE-4BE2-8043-8E078D1CD500}"/>
+                  </a:ext>
+                </a:extLst>
+              </p:cNvPr>
+              <p:cNvPicPr/>
+              <p:nvPr/>
+            </p:nvPicPr>
+            <p:blipFill>
+              <a:blip r:embed="rId3"/>
+              <a:stretch>
+                <a:fillRect/>
+              </a:stretch>
+            </p:blipFill>
+            <p:spPr>
+              <a:xfrm>
+                <a:off x="2241886" y="1370451"/>
+                <a:ext cx="141120" cy="89280"/>
+              </a:xfrm>
+              <a:prstGeom prst="rect">
+                <a:avLst/>
+              </a:prstGeom>
+            </p:spPr>
+          </p:pic>
+        </mc:Fallback>
+      </mc:AlternateContent>
+      <mc:AlternateContent xmlns:mc="http://schemas.openxmlformats.org/markup-compatibility/2006">
+        <mc:Choice xmlns:p14="http://schemas.microsoft.com/office/powerpoint/2010/main" Requires="p14">
+          <p:contentPart p14:bwMode="auto" r:id="rId4">
+            <p14:nvContentPartPr>
+              <p14:cNvPr id="9" name="Ink 8">
+                <a:extLst>
+                  <a:ext uri="{FF2B5EF4-FFF2-40B4-BE49-F238E27FC236}">
+                    <a16:creationId xmlns:a16="http://schemas.microsoft.com/office/drawing/2014/main" id="{B98B3AAF-F16E-4452-9FF1-472D42B7C86C}"/>
+                  </a:ext>
+                </a:extLst>
+              </p14:cNvPr>
+              <p14:cNvContentPartPr/>
+              <p14:nvPr/>
+            </p14:nvContentPartPr>
+            <p14:xfrm>
+              <a:off x="1608646" y="1309971"/>
+              <a:ext cx="466560" cy="257040"/>
+            </p14:xfrm>
+          </p:contentPart>
+        </mc:Choice>
+        <mc:Fallback>
+          <p:pic>
+            <p:nvPicPr>
+              <p:cNvPr id="9" name="Ink 8">
+                <a:extLst>
+                  <a:ext uri="{FF2B5EF4-FFF2-40B4-BE49-F238E27FC236}">
+                    <a16:creationId xmlns:a16="http://schemas.microsoft.com/office/drawing/2014/main" id="{B98B3AAF-F16E-4452-9FF1-472D42B7C86C}"/>
+                  </a:ext>
+                </a:extLst>
+              </p:cNvPr>
+              <p:cNvPicPr/>
+              <p:nvPr/>
+            </p:nvPicPr>
+            <p:blipFill>
+              <a:blip r:embed="rId5"/>
+              <a:stretch>
+                <a:fillRect/>
+              </a:stretch>
+            </p:blipFill>
+            <p:spPr>
+              <a:xfrm>
+                <a:off x="1599646" y="1300984"/>
+                <a:ext cx="484200" cy="274655"/>
+              </a:xfrm>
+              <a:prstGeom prst="rect">
+                <a:avLst/>
+              </a:prstGeom>
+            </p:spPr>
+          </p:pic>
+        </mc:Fallback>
+      </mc:AlternateContent>
+      <mc:AlternateContent xmlns:mc="http://schemas.openxmlformats.org/markup-compatibility/2006">
+        <mc:Choice xmlns:p14="http://schemas.microsoft.com/office/powerpoint/2010/main" Requires="p14">
+          <p:contentPart p14:bwMode="auto" r:id="rId6">
+            <p14:nvContentPartPr>
+              <p14:cNvPr id="69" name="Ink 68">
+                <a:extLst>
+                  <a:ext uri="{FF2B5EF4-FFF2-40B4-BE49-F238E27FC236}">
+                    <a16:creationId xmlns:a16="http://schemas.microsoft.com/office/drawing/2014/main" id="{4DC49B70-1189-405C-A6B8-E12C88E31652}"/>
+                  </a:ext>
+                </a:extLst>
+              </p14:cNvPr>
+              <p14:cNvContentPartPr/>
+              <p14:nvPr/>
+            </p14:nvContentPartPr>
+            <p14:xfrm>
+              <a:off x="2602606" y="2382771"/>
+              <a:ext cx="1618200" cy="354960"/>
+            </p14:xfrm>
+          </p:contentPart>
+        </mc:Choice>
+        <mc:Fallback>
+          <p:pic>
+            <p:nvPicPr>
+              <p:cNvPr id="69" name="Ink 68">
+                <a:extLst>
+                  <a:ext uri="{FF2B5EF4-FFF2-40B4-BE49-F238E27FC236}">
+                    <a16:creationId xmlns:a16="http://schemas.microsoft.com/office/drawing/2014/main" id="{4DC49B70-1189-405C-A6B8-E12C88E31652}"/>
+                  </a:ext>
+                </a:extLst>
+              </p:cNvPr>
+              <p:cNvPicPr/>
+              <p:nvPr/>
+            </p:nvPicPr>
+            <p:blipFill>
+              <a:blip r:embed="rId7"/>
+              <a:stretch>
+                <a:fillRect/>
+              </a:stretch>
+            </p:blipFill>
+            <p:spPr>
+              <a:xfrm>
+                <a:off x="2593606" y="2373771"/>
+                <a:ext cx="1635840" cy="372600"/>
+              </a:xfrm>
+              <a:prstGeom prst="rect">
+                <a:avLst/>
+              </a:prstGeom>
+            </p:spPr>
+          </p:pic>
+        </mc:Fallback>
+      </mc:AlternateContent>
+      <mc:AlternateContent xmlns:mc="http://schemas.openxmlformats.org/markup-compatibility/2006">
+        <mc:Choice xmlns:p14="http://schemas.microsoft.com/office/powerpoint/2010/main" Requires="p14">
+          <p:contentPart p14:bwMode="auto" r:id="rId8">
+            <p14:nvContentPartPr>
+              <p14:cNvPr id="72" name="Ink 71">
+                <a:extLst>
+                  <a:ext uri="{FF2B5EF4-FFF2-40B4-BE49-F238E27FC236}">
+                    <a16:creationId xmlns:a16="http://schemas.microsoft.com/office/drawing/2014/main" id="{CFA48319-84B5-4F6B-990D-3669811C8089}"/>
+                  </a:ext>
+                </a:extLst>
+              </p14:cNvPr>
+              <p14:cNvContentPartPr/>
+              <p14:nvPr/>
+            </p14:nvContentPartPr>
+            <p14:xfrm>
+              <a:off x="4466326" y="2461971"/>
+              <a:ext cx="132480" cy="105840"/>
+            </p14:xfrm>
+          </p:contentPart>
+        </mc:Choice>
+        <mc:Fallback>
+          <p:pic>
+            <p:nvPicPr>
+              <p:cNvPr id="72" name="Ink 71">
+                <a:extLst>
+                  <a:ext uri="{FF2B5EF4-FFF2-40B4-BE49-F238E27FC236}">
+                    <a16:creationId xmlns:a16="http://schemas.microsoft.com/office/drawing/2014/main" id="{CFA48319-84B5-4F6B-990D-3669811C8089}"/>
+                  </a:ext>
+                </a:extLst>
+              </p:cNvPr>
+              <p:cNvPicPr/>
+              <p:nvPr/>
+            </p:nvPicPr>
+            <p:blipFill>
+              <a:blip r:embed="rId9"/>
+              <a:stretch>
+                <a:fillRect/>
+              </a:stretch>
+            </p:blipFill>
+            <p:spPr>
+              <a:xfrm>
+                <a:off x="4457326" y="2452971"/>
+                <a:ext cx="150120" cy="123480"/>
+              </a:xfrm>
+              <a:prstGeom prst="rect">
+                <a:avLst/>
+              </a:prstGeom>
+            </p:spPr>
+          </p:pic>
+        </mc:Fallback>
+      </mc:AlternateContent>
+      <mc:AlternateContent xmlns:mc="http://schemas.openxmlformats.org/markup-compatibility/2006">
+        <mc:Choice xmlns:p14="http://schemas.microsoft.com/office/powerpoint/2010/main" Requires="p14">
+          <p:contentPart p14:bwMode="auto" r:id="rId10">
+            <p14:nvContentPartPr>
+              <p14:cNvPr id="77" name="Ink 76">
+                <a:extLst>
+                  <a:ext uri="{FF2B5EF4-FFF2-40B4-BE49-F238E27FC236}">
+                    <a16:creationId xmlns:a16="http://schemas.microsoft.com/office/drawing/2014/main" id="{325351E1-7C9F-4E4D-8A12-026D71E2CCB7}"/>
+                  </a:ext>
+                </a:extLst>
+              </p14:cNvPr>
+              <p14:cNvContentPartPr/>
+              <p14:nvPr/>
+            </p14:nvContentPartPr>
+            <p14:xfrm>
+              <a:off x="4918486" y="2269371"/>
+              <a:ext cx="902520" cy="334080"/>
+            </p14:xfrm>
+          </p:contentPart>
+        </mc:Choice>
+        <mc:Fallback>
+          <p:pic>
+            <p:nvPicPr>
+              <p:cNvPr id="77" name="Ink 76">
+                <a:extLst>
+                  <a:ext uri="{FF2B5EF4-FFF2-40B4-BE49-F238E27FC236}">
+                    <a16:creationId xmlns:a16="http://schemas.microsoft.com/office/drawing/2014/main" id="{325351E1-7C9F-4E4D-8A12-026D71E2CCB7}"/>
+                  </a:ext>
+                </a:extLst>
+              </p:cNvPr>
+              <p:cNvPicPr/>
+              <p:nvPr/>
+            </p:nvPicPr>
+            <p:blipFill>
+              <a:blip r:embed="rId11"/>
+              <a:stretch>
+                <a:fillRect/>
+              </a:stretch>
+            </p:blipFill>
+            <p:spPr>
+              <a:xfrm>
+                <a:off x="4909486" y="2260371"/>
+                <a:ext cx="920160" cy="351720"/>
+              </a:xfrm>
+              <a:prstGeom prst="rect">
+                <a:avLst/>
+              </a:prstGeom>
+            </p:spPr>
+          </p:pic>
+        </mc:Fallback>
+      </mc:AlternateContent>
+      <mc:AlternateContent xmlns:mc="http://schemas.openxmlformats.org/markup-compatibility/2006">
+        <mc:Choice xmlns:p14="http://schemas.microsoft.com/office/powerpoint/2010/main" Requires="p14">
+          <p:contentPart p14:bwMode="auto" r:id="rId12">
+            <p14:nvContentPartPr>
+              <p14:cNvPr id="80" name="Ink 79">
+                <a:extLst>
+                  <a:ext uri="{FF2B5EF4-FFF2-40B4-BE49-F238E27FC236}">
+                    <a16:creationId xmlns:a16="http://schemas.microsoft.com/office/drawing/2014/main" id="{5F46F51B-C9A5-42F4-AD89-1F4F11F30DFC}"/>
+                  </a:ext>
+                </a:extLst>
+              </p14:cNvPr>
+              <p14:cNvContentPartPr/>
+              <p14:nvPr/>
+            </p14:nvContentPartPr>
+            <p14:xfrm>
+              <a:off x="4510606" y="2988651"/>
+              <a:ext cx="184680" cy="168120"/>
+            </p14:xfrm>
+          </p:contentPart>
+        </mc:Choice>
+        <mc:Fallback>
+          <p:pic>
+            <p:nvPicPr>
+              <p:cNvPr id="80" name="Ink 79">
+                <a:extLst>
+                  <a:ext uri="{FF2B5EF4-FFF2-40B4-BE49-F238E27FC236}">
+                    <a16:creationId xmlns:a16="http://schemas.microsoft.com/office/drawing/2014/main" id="{5F46F51B-C9A5-42F4-AD89-1F4F11F30DFC}"/>
+                  </a:ext>
+                </a:extLst>
+              </p:cNvPr>
+              <p:cNvPicPr/>
+              <p:nvPr/>
+            </p:nvPicPr>
+            <p:blipFill>
+              <a:blip r:embed="rId13"/>
+              <a:stretch>
+                <a:fillRect/>
+              </a:stretch>
+            </p:blipFill>
+            <p:spPr>
+              <a:xfrm>
+                <a:off x="4501606" y="2979651"/>
+                <a:ext cx="202320" cy="185760"/>
+              </a:xfrm>
+              <a:prstGeom prst="rect">
+                <a:avLst/>
+              </a:prstGeom>
+            </p:spPr>
+          </p:pic>
+        </mc:Fallback>
+      </mc:AlternateContent>
+      <mc:AlternateContent xmlns:mc="http://schemas.openxmlformats.org/markup-compatibility/2006">
+        <mc:Choice xmlns:p14="http://schemas.microsoft.com/office/powerpoint/2010/main" Requires="p14">
+          <p:contentPart p14:bwMode="auto" r:id="rId14">
+            <p14:nvContentPartPr>
+              <p14:cNvPr id="87" name="Ink 86">
+                <a:extLst>
+                  <a:ext uri="{FF2B5EF4-FFF2-40B4-BE49-F238E27FC236}">
+                    <a16:creationId xmlns:a16="http://schemas.microsoft.com/office/drawing/2014/main" id="{CF573B4E-C6D9-4A94-AA01-F9271A78BA80}"/>
+                  </a:ext>
+                </a:extLst>
+              </p14:cNvPr>
+              <p14:cNvContentPartPr/>
+              <p14:nvPr/>
+            </p14:nvContentPartPr>
+            <p14:xfrm>
+              <a:off x="4984006" y="2884611"/>
+              <a:ext cx="846720" cy="334080"/>
+            </p14:xfrm>
+          </p:contentPart>
+        </mc:Choice>
+        <mc:Fallback>
+          <p:pic>
+            <p:nvPicPr>
+              <p:cNvPr id="87" name="Ink 86">
+                <a:extLst>
+                  <a:ext uri="{FF2B5EF4-FFF2-40B4-BE49-F238E27FC236}">
+                    <a16:creationId xmlns:a16="http://schemas.microsoft.com/office/drawing/2014/main" id="{CF573B4E-C6D9-4A94-AA01-F9271A78BA80}"/>
+                  </a:ext>
+                </a:extLst>
+              </p:cNvPr>
+              <p:cNvPicPr/>
+              <p:nvPr/>
+            </p:nvPicPr>
+            <p:blipFill>
+              <a:blip r:embed="rId15"/>
+              <a:stretch>
+                <a:fillRect/>
+              </a:stretch>
+            </p:blipFill>
+            <p:spPr>
+              <a:xfrm>
+                <a:off x="4975006" y="2875611"/>
+                <a:ext cx="864360" cy="351720"/>
+              </a:xfrm>
+              <a:prstGeom prst="rect">
+                <a:avLst/>
+              </a:prstGeom>
+            </p:spPr>
+          </p:pic>
+        </mc:Fallback>
+      </mc:AlternateContent>
+      <mc:AlternateContent xmlns:mc="http://schemas.openxmlformats.org/markup-compatibility/2006">
+        <mc:Choice xmlns:p14="http://schemas.microsoft.com/office/powerpoint/2010/main" Requires="p14">
+          <p:contentPart p14:bwMode="auto" r:id="rId16">
+            <p14:nvContentPartPr>
+              <p14:cNvPr id="94" name="Ink 93">
+                <a:extLst>
+                  <a:ext uri="{FF2B5EF4-FFF2-40B4-BE49-F238E27FC236}">
+                    <a16:creationId xmlns:a16="http://schemas.microsoft.com/office/drawing/2014/main" id="{EFB22F0D-AB21-4F6C-B7F6-A3A1FBBB7F51}"/>
+                  </a:ext>
+                </a:extLst>
+              </p14:cNvPr>
+              <p14:cNvContentPartPr/>
+              <p14:nvPr/>
+            </p14:nvContentPartPr>
+            <p14:xfrm>
+              <a:off x="2664166" y="3103851"/>
+              <a:ext cx="642240" cy="290520"/>
+            </p14:xfrm>
+          </p:contentPart>
+        </mc:Choice>
+        <mc:Fallback>
+          <p:pic>
+            <p:nvPicPr>
+              <p:cNvPr id="94" name="Ink 93">
+                <a:extLst>
+                  <a:ext uri="{FF2B5EF4-FFF2-40B4-BE49-F238E27FC236}">
+                    <a16:creationId xmlns:a16="http://schemas.microsoft.com/office/drawing/2014/main" id="{EFB22F0D-AB21-4F6C-B7F6-A3A1FBBB7F51}"/>
+                  </a:ext>
+                </a:extLst>
+              </p:cNvPr>
+              <p:cNvPicPr/>
+              <p:nvPr/>
+            </p:nvPicPr>
+            <p:blipFill>
+              <a:blip r:embed="rId17"/>
+              <a:stretch>
+                <a:fillRect/>
+              </a:stretch>
+            </p:blipFill>
+            <p:spPr>
+              <a:xfrm>
+                <a:off x="2655166" y="3094862"/>
+                <a:ext cx="659880" cy="308138"/>
+              </a:xfrm>
+              <a:prstGeom prst="rect">
+                <a:avLst/>
+              </a:prstGeom>
+            </p:spPr>
+          </p:pic>
+        </mc:Fallback>
+      </mc:AlternateContent>
+      <mc:AlternateContent xmlns:mc="http://schemas.openxmlformats.org/markup-compatibility/2006">
+        <mc:Choice xmlns:p14="http://schemas.microsoft.com/office/powerpoint/2010/main" Requires="p14">
+          <p:contentPart p14:bwMode="auto" r:id="rId18">
+            <p14:nvContentPartPr>
+              <p14:cNvPr id="146" name="Ink 145">
+                <a:extLst>
+                  <a:ext uri="{FF2B5EF4-FFF2-40B4-BE49-F238E27FC236}">
+                    <a16:creationId xmlns:a16="http://schemas.microsoft.com/office/drawing/2014/main" id="{5B53A8A6-D088-4509-9A35-55B587874A4E}"/>
+                  </a:ext>
+                </a:extLst>
+              </p14:cNvPr>
+              <p14:cNvContentPartPr/>
+              <p14:nvPr/>
+            </p14:nvContentPartPr>
+            <p14:xfrm>
+              <a:off x="2654806" y="1107651"/>
+              <a:ext cx="4195080" cy="845280"/>
+            </p14:xfrm>
+          </p:contentPart>
+        </mc:Choice>
+        <mc:Fallback>
+          <p:pic>
+            <p:nvPicPr>
+              <p:cNvPr id="146" name="Ink 145">
+                <a:extLst>
+                  <a:ext uri="{FF2B5EF4-FFF2-40B4-BE49-F238E27FC236}">
+                    <a16:creationId xmlns:a16="http://schemas.microsoft.com/office/drawing/2014/main" id="{5B53A8A6-D088-4509-9A35-55B587874A4E}"/>
+                  </a:ext>
+                </a:extLst>
+              </p:cNvPr>
+              <p:cNvPicPr/>
+              <p:nvPr/>
+            </p:nvPicPr>
+            <p:blipFill>
+              <a:blip r:embed="rId19"/>
+              <a:stretch>
+                <a:fillRect/>
+              </a:stretch>
+            </p:blipFill>
+            <p:spPr>
+              <a:xfrm>
+                <a:off x="2645806" y="1098651"/>
+                <a:ext cx="4212720" cy="862920"/>
+              </a:xfrm>
+              <a:prstGeom prst="rect">
+                <a:avLst/>
+              </a:prstGeom>
+            </p:spPr>
+          </p:pic>
+        </mc:Fallback>
+      </mc:AlternateContent>
+      <mc:AlternateContent xmlns:mc="http://schemas.openxmlformats.org/markup-compatibility/2006">
+        <mc:Choice xmlns:p14="http://schemas.microsoft.com/office/powerpoint/2010/main" Requires="p14">
+          <p:contentPart p14:bwMode="auto" r:id="rId20">
+            <p14:nvContentPartPr>
+              <p14:cNvPr id="152" name="Ink 151">
+                <a:extLst>
+                  <a:ext uri="{FF2B5EF4-FFF2-40B4-BE49-F238E27FC236}">
+                    <a16:creationId xmlns:a16="http://schemas.microsoft.com/office/drawing/2014/main" id="{600D9C14-D3B2-4ED4-A64F-EF3B81DEB47A}"/>
+                  </a:ext>
+                </a:extLst>
+              </p14:cNvPr>
+              <p14:cNvContentPartPr/>
+              <p14:nvPr/>
+            </p14:nvContentPartPr>
+            <p14:xfrm>
+              <a:off x="3436366" y="2963811"/>
+              <a:ext cx="874440" cy="325080"/>
+            </p14:xfrm>
+          </p:contentPart>
+        </mc:Choice>
+        <mc:Fallback>
+          <p:pic>
+            <p:nvPicPr>
+              <p:cNvPr id="152" name="Ink 151">
+                <a:extLst>
+                  <a:ext uri="{FF2B5EF4-FFF2-40B4-BE49-F238E27FC236}">
+                    <a16:creationId xmlns:a16="http://schemas.microsoft.com/office/drawing/2014/main" id="{600D9C14-D3B2-4ED4-A64F-EF3B81DEB47A}"/>
+                  </a:ext>
+                </a:extLst>
+              </p:cNvPr>
+              <p:cNvPicPr/>
+              <p:nvPr/>
+            </p:nvPicPr>
+            <p:blipFill>
+              <a:blip r:embed="rId21"/>
+              <a:stretch>
+                <a:fillRect/>
+              </a:stretch>
+            </p:blipFill>
+            <p:spPr>
+              <a:xfrm>
+                <a:off x="3427366" y="2954811"/>
+                <a:ext cx="892080" cy="342720"/>
+              </a:xfrm>
+              <a:prstGeom prst="rect">
+                <a:avLst/>
+              </a:prstGeom>
+            </p:spPr>
+          </p:pic>
+        </mc:Fallback>
+      </mc:AlternateContent>
+      <mc:AlternateContent xmlns:mc="http://schemas.openxmlformats.org/markup-compatibility/2006">
+        <mc:Choice xmlns:p14="http://schemas.microsoft.com/office/powerpoint/2010/main" Requires="p14">
+          <p:contentPart p14:bwMode="auto" r:id="rId22">
+            <p14:nvContentPartPr>
+              <p14:cNvPr id="153" name="Ink 152">
+                <a:extLst>
+                  <a:ext uri="{FF2B5EF4-FFF2-40B4-BE49-F238E27FC236}">
+                    <a16:creationId xmlns:a16="http://schemas.microsoft.com/office/drawing/2014/main" id="{C2BC8230-7BCA-472E-B220-19B1F3C105A8}"/>
+                  </a:ext>
+                </a:extLst>
+              </p14:cNvPr>
+              <p14:cNvContentPartPr/>
+              <p14:nvPr/>
+            </p14:nvContentPartPr>
+            <p14:xfrm>
+              <a:off x="3402526" y="3305091"/>
+              <a:ext cx="78480" cy="27720"/>
+            </p14:xfrm>
+          </p:contentPart>
+        </mc:Choice>
+        <mc:Fallback>
+          <p:pic>
+            <p:nvPicPr>
+              <p:cNvPr id="153" name="Ink 152">
+                <a:extLst>
+                  <a:ext uri="{FF2B5EF4-FFF2-40B4-BE49-F238E27FC236}">
+                    <a16:creationId xmlns:a16="http://schemas.microsoft.com/office/drawing/2014/main" id="{C2BC8230-7BCA-472E-B220-19B1F3C105A8}"/>
+                  </a:ext>
+                </a:extLst>
+              </p:cNvPr>
+              <p:cNvPicPr/>
+              <p:nvPr/>
+            </p:nvPicPr>
+            <p:blipFill>
+              <a:blip r:embed="rId23"/>
+              <a:stretch>
+                <a:fillRect/>
+              </a:stretch>
+            </p:blipFill>
+            <p:spPr>
+              <a:xfrm>
+                <a:off x="3393526" y="3296091"/>
+                <a:ext cx="96120" cy="45360"/>
+              </a:xfrm>
+              <a:prstGeom prst="rect">
+                <a:avLst/>
+              </a:prstGeom>
+            </p:spPr>
+          </p:pic>
+        </mc:Fallback>
+      </mc:AlternateContent>
     </p:spTree>
     <p:extLst>
       <p:ext uri="{BB962C8B-B14F-4D97-AF65-F5344CB8AC3E}">
